--- a/orginal file.pptx
+++ b/orginal file.pptx
@@ -272,7 +272,7 @@
           <a:p>
             <a:fld id="{FF143A58-3210-4CFC-B34A-6534F5FBAFE6}" type="datetimeFigureOut">
               <a:rPr lang="en-US" smtClean="0"/>
-              <a:t>2021-11-09</a:t>
+              <a:t>2021-11-21</a:t>
             </a:fld>
             <a:endParaRPr lang="en-US"/>
           </a:p>
@@ -470,7 +470,7 @@
           <a:p>
             <a:fld id="{FF143A58-3210-4CFC-B34A-6534F5FBAFE6}" type="datetimeFigureOut">
               <a:rPr lang="en-US" smtClean="0"/>
-              <a:t>2021-11-09</a:t>
+              <a:t>2021-11-21</a:t>
             </a:fld>
             <a:endParaRPr lang="en-US"/>
           </a:p>
@@ -678,7 +678,7 @@
           <a:p>
             <a:fld id="{FF143A58-3210-4CFC-B34A-6534F5FBAFE6}" type="datetimeFigureOut">
               <a:rPr lang="en-US" smtClean="0"/>
-              <a:t>2021-11-09</a:t>
+              <a:t>2021-11-21</a:t>
             </a:fld>
             <a:endParaRPr lang="en-US"/>
           </a:p>
@@ -876,7 +876,7 @@
           <a:p>
             <a:fld id="{FF143A58-3210-4CFC-B34A-6534F5FBAFE6}" type="datetimeFigureOut">
               <a:rPr lang="en-US" smtClean="0"/>
-              <a:t>2021-11-09</a:t>
+              <a:t>2021-11-21</a:t>
             </a:fld>
             <a:endParaRPr lang="en-US"/>
           </a:p>
@@ -1151,7 +1151,7 @@
           <a:p>
             <a:fld id="{FF143A58-3210-4CFC-B34A-6534F5FBAFE6}" type="datetimeFigureOut">
               <a:rPr lang="en-US" smtClean="0"/>
-              <a:t>2021-11-09</a:t>
+              <a:t>2021-11-21</a:t>
             </a:fld>
             <a:endParaRPr lang="en-US"/>
           </a:p>
@@ -1416,7 +1416,7 @@
           <a:p>
             <a:fld id="{FF143A58-3210-4CFC-B34A-6534F5FBAFE6}" type="datetimeFigureOut">
               <a:rPr lang="en-US" smtClean="0"/>
-              <a:t>2021-11-09</a:t>
+              <a:t>2021-11-21</a:t>
             </a:fld>
             <a:endParaRPr lang="en-US"/>
           </a:p>
@@ -1828,7 +1828,7 @@
           <a:p>
             <a:fld id="{FF143A58-3210-4CFC-B34A-6534F5FBAFE6}" type="datetimeFigureOut">
               <a:rPr lang="en-US" smtClean="0"/>
-              <a:t>2021-11-09</a:t>
+              <a:t>2021-11-21</a:t>
             </a:fld>
             <a:endParaRPr lang="en-US"/>
           </a:p>
@@ -1969,7 +1969,7 @@
           <a:p>
             <a:fld id="{FF143A58-3210-4CFC-B34A-6534F5FBAFE6}" type="datetimeFigureOut">
               <a:rPr lang="en-US" smtClean="0"/>
-              <a:t>2021-11-09</a:t>
+              <a:t>2021-11-21</a:t>
             </a:fld>
             <a:endParaRPr lang="en-US"/>
           </a:p>
@@ -2082,7 +2082,7 @@
           <a:p>
             <a:fld id="{FF143A58-3210-4CFC-B34A-6534F5FBAFE6}" type="datetimeFigureOut">
               <a:rPr lang="en-US" smtClean="0"/>
-              <a:t>2021-11-09</a:t>
+              <a:t>2021-11-21</a:t>
             </a:fld>
             <a:endParaRPr lang="en-US"/>
           </a:p>
@@ -2393,7 +2393,7 @@
           <a:p>
             <a:fld id="{FF143A58-3210-4CFC-B34A-6534F5FBAFE6}" type="datetimeFigureOut">
               <a:rPr lang="en-US" smtClean="0"/>
-              <a:t>2021-11-09</a:t>
+              <a:t>2021-11-21</a:t>
             </a:fld>
             <a:endParaRPr lang="en-US"/>
           </a:p>
@@ -2681,7 +2681,7 @@
           <a:p>
             <a:fld id="{FF143A58-3210-4CFC-B34A-6534F5FBAFE6}" type="datetimeFigureOut">
               <a:rPr lang="en-US" smtClean="0"/>
-              <a:t>2021-11-09</a:t>
+              <a:t>2021-11-21</a:t>
             </a:fld>
             <a:endParaRPr lang="en-US"/>
           </a:p>
@@ -2922,7 +2922,7 @@
           <a:p>
             <a:fld id="{FF143A58-3210-4CFC-B34A-6534F5FBAFE6}" type="datetimeFigureOut">
               <a:rPr lang="en-US" smtClean="0"/>
-              <a:t>2021-11-09</a:t>
+              <a:t>2021-11-21</a:t>
             </a:fld>
             <a:endParaRPr lang="en-US"/>
           </a:p>
@@ -4044,7 +4044,7 @@
         <p:spPr>
           <a:xfrm>
             <a:off x="710300" y="786384"/>
-            <a:ext cx="947695" cy="369332"/>
+            <a:ext cx="1069075" cy="369332"/>
           </a:xfrm>
           <a:prstGeom prst="rect">
             <a:avLst/>
@@ -4059,7 +4059,7 @@
           <a:p>
             <a:r>
               <a:rPr lang="en-US" b="1" dirty="0"/>
-              <a:t>LIGAZID</a:t>
+              <a:t>OSTOCAL</a:t>
             </a:r>
           </a:p>
         </p:txBody>
@@ -4079,7 +4079,7 @@
         <p:spPr>
           <a:xfrm>
             <a:off x="1941692" y="786384"/>
-            <a:ext cx="947695" cy="369332"/>
+            <a:ext cx="1045479" cy="369332"/>
           </a:xfrm>
           <a:prstGeom prst="rect">
             <a:avLst/>
@@ -4094,7 +4094,7 @@
           <a:p>
             <a:r>
               <a:rPr lang="en-US" b="1" dirty="0"/>
-              <a:t>EMAZID</a:t>
+              <a:t>SOLBION</a:t>
             </a:r>
           </a:p>
         </p:txBody>
@@ -4114,7 +4114,7 @@
         <p:spPr>
           <a:xfrm>
             <a:off x="3165464" y="786384"/>
-            <a:ext cx="947695" cy="369332"/>
+            <a:ext cx="646331" cy="369332"/>
           </a:xfrm>
           <a:prstGeom prst="rect">
             <a:avLst/>
@@ -4129,7 +4129,7 @@
           <a:p>
             <a:r>
               <a:rPr lang="en-US" b="1" dirty="0"/>
-              <a:t>LIPICON</a:t>
+              <a:t>XINC</a:t>
             </a:r>
           </a:p>
         </p:txBody>
@@ -4149,7 +4149,7 @@
         <p:spPr>
           <a:xfrm>
             <a:off x="4495248" y="799909"/>
-            <a:ext cx="750911" cy="369332"/>
+            <a:ext cx="1076705" cy="369332"/>
           </a:xfrm>
           <a:prstGeom prst="rect">
             <a:avLst/>
@@ -4164,7 +4164,7 @@
           <a:p>
             <a:r>
               <a:rPr lang="en-US" b="1" dirty="0"/>
-              <a:t>AGLIP</a:t>
+              <a:t>LUMONA</a:t>
             </a:r>
           </a:p>
         </p:txBody>
@@ -5962,8 +5962,8 @@
         </p:nvSpPr>
         <p:spPr>
           <a:xfrm>
-            <a:off x="44810" y="448056"/>
-            <a:ext cx="11376676" cy="4623292"/>
+            <a:off x="88114" y="519778"/>
+            <a:ext cx="10584577" cy="4623292"/>
           </a:xfrm>
           <a:prstGeom prst="rect">
             <a:avLst/>
@@ -6009,6 +6009,372 @@
       </p:sp>
       <p:sp>
         <p:nvSpPr>
+          <p:cNvPr id="104" name="Rectangle: Rounded Corners 103">
+            <a:extLst>
+              <a:ext uri="{FF2B5EF4-FFF2-40B4-BE49-F238E27FC236}">
+                <a16:creationId xmlns:a16="http://schemas.microsoft.com/office/drawing/2014/main" id="{6838CF7E-1EC3-4E0E-BFE0-75139D67145F}"/>
+              </a:ext>
+            </a:extLst>
+          </p:cNvPr>
+          <p:cNvSpPr/>
+          <p:nvPr/>
+        </p:nvSpPr>
+        <p:spPr>
+          <a:xfrm>
+            <a:off x="1656633" y="892177"/>
+            <a:ext cx="1399234" cy="626122"/>
+          </a:xfrm>
+          <a:prstGeom prst="roundRect">
+            <a:avLst/>
+          </a:prstGeom>
+          <a:solidFill>
+            <a:schemeClr val="accent6">
+              <a:lumMod val="20000"/>
+              <a:lumOff val="80000"/>
+            </a:schemeClr>
+          </a:solidFill>
+          <a:ln w="19050">
+            <a:solidFill>
+              <a:schemeClr val="accent2"/>
+            </a:solidFill>
+          </a:ln>
+        </p:spPr>
+        <p:style>
+          <a:lnRef idx="2">
+            <a:schemeClr val="accent4">
+              <a:shade val="50000"/>
+            </a:schemeClr>
+          </a:lnRef>
+          <a:fillRef idx="1">
+            <a:schemeClr val="accent4"/>
+          </a:fillRef>
+          <a:effectRef idx="0">
+            <a:schemeClr val="accent4"/>
+          </a:effectRef>
+          <a:fontRef idx="minor">
+            <a:schemeClr val="lt1"/>
+          </a:fontRef>
+        </p:style>
+        <p:txBody>
+          <a:bodyPr rtlCol="0" anchor="ctr"/>
+          <a:lstStyle/>
+          <a:p>
+            <a:pPr algn="ctr"/>
+            <a:endParaRPr lang="en-US" b="1" dirty="0">
+              <a:solidFill>
+                <a:schemeClr val="tx1"/>
+              </a:solidFill>
+            </a:endParaRPr>
+          </a:p>
+        </p:txBody>
+      </p:sp>
+      <p:sp>
+        <p:nvSpPr>
+          <p:cNvPr id="105" name="Rectangle: Rounded Corners 104">
+            <a:extLst>
+              <a:ext uri="{FF2B5EF4-FFF2-40B4-BE49-F238E27FC236}">
+                <a16:creationId xmlns:a16="http://schemas.microsoft.com/office/drawing/2014/main" id="{2C2AABA3-AA3C-4CA8-AD2D-86EC3F76B071}"/>
+              </a:ext>
+            </a:extLst>
+          </p:cNvPr>
+          <p:cNvSpPr/>
+          <p:nvPr/>
+        </p:nvSpPr>
+        <p:spPr>
+          <a:xfrm>
+            <a:off x="3164525" y="898173"/>
+            <a:ext cx="1399234" cy="626122"/>
+          </a:xfrm>
+          <a:prstGeom prst="roundRect">
+            <a:avLst/>
+          </a:prstGeom>
+          <a:solidFill>
+            <a:schemeClr val="accent6">
+              <a:lumMod val="20000"/>
+              <a:lumOff val="80000"/>
+            </a:schemeClr>
+          </a:solidFill>
+          <a:ln w="19050">
+            <a:solidFill>
+              <a:schemeClr val="accent2"/>
+            </a:solidFill>
+          </a:ln>
+        </p:spPr>
+        <p:style>
+          <a:lnRef idx="2">
+            <a:schemeClr val="accent4">
+              <a:shade val="50000"/>
+            </a:schemeClr>
+          </a:lnRef>
+          <a:fillRef idx="1">
+            <a:schemeClr val="accent4"/>
+          </a:fillRef>
+          <a:effectRef idx="0">
+            <a:schemeClr val="accent4"/>
+          </a:effectRef>
+          <a:fontRef idx="minor">
+            <a:schemeClr val="lt1"/>
+          </a:fontRef>
+        </p:style>
+        <p:txBody>
+          <a:bodyPr rtlCol="0" anchor="ctr"/>
+          <a:lstStyle/>
+          <a:p>
+            <a:pPr algn="ctr"/>
+            <a:endParaRPr lang="en-US" b="1" dirty="0">
+              <a:solidFill>
+                <a:schemeClr val="tx1"/>
+              </a:solidFill>
+            </a:endParaRPr>
+          </a:p>
+        </p:txBody>
+      </p:sp>
+      <p:sp>
+        <p:nvSpPr>
+          <p:cNvPr id="106" name="Rectangle: Rounded Corners 105">
+            <a:extLst>
+              <a:ext uri="{FF2B5EF4-FFF2-40B4-BE49-F238E27FC236}">
+                <a16:creationId xmlns:a16="http://schemas.microsoft.com/office/drawing/2014/main" id="{BFAB0066-E955-4F49-9C7D-A85B00D09929}"/>
+              </a:ext>
+            </a:extLst>
+          </p:cNvPr>
+          <p:cNvSpPr/>
+          <p:nvPr/>
+        </p:nvSpPr>
+        <p:spPr>
+          <a:xfrm>
+            <a:off x="4670309" y="894765"/>
+            <a:ext cx="1399234" cy="626122"/>
+          </a:xfrm>
+          <a:prstGeom prst="roundRect">
+            <a:avLst/>
+          </a:prstGeom>
+          <a:solidFill>
+            <a:schemeClr val="accent6">
+              <a:lumMod val="20000"/>
+              <a:lumOff val="80000"/>
+            </a:schemeClr>
+          </a:solidFill>
+          <a:ln w="19050">
+            <a:solidFill>
+              <a:schemeClr val="accent2"/>
+            </a:solidFill>
+          </a:ln>
+        </p:spPr>
+        <p:style>
+          <a:lnRef idx="2">
+            <a:schemeClr val="accent4">
+              <a:shade val="50000"/>
+            </a:schemeClr>
+          </a:lnRef>
+          <a:fillRef idx="1">
+            <a:schemeClr val="accent4"/>
+          </a:fillRef>
+          <a:effectRef idx="0">
+            <a:schemeClr val="accent4"/>
+          </a:effectRef>
+          <a:fontRef idx="minor">
+            <a:schemeClr val="lt1"/>
+          </a:fontRef>
+        </p:style>
+        <p:txBody>
+          <a:bodyPr rtlCol="0" anchor="ctr"/>
+          <a:lstStyle/>
+          <a:p>
+            <a:pPr algn="ctr"/>
+            <a:endParaRPr lang="en-US" b="1" dirty="0">
+              <a:solidFill>
+                <a:schemeClr val="tx1"/>
+              </a:solidFill>
+            </a:endParaRPr>
+          </a:p>
+        </p:txBody>
+      </p:sp>
+      <p:sp>
+        <p:nvSpPr>
+          <p:cNvPr id="107" name="Rectangle: Rounded Corners 106">
+            <a:extLst>
+              <a:ext uri="{FF2B5EF4-FFF2-40B4-BE49-F238E27FC236}">
+                <a16:creationId xmlns:a16="http://schemas.microsoft.com/office/drawing/2014/main" id="{2573B567-68BE-4608-B9AC-58B690531048}"/>
+              </a:ext>
+            </a:extLst>
+          </p:cNvPr>
+          <p:cNvSpPr/>
+          <p:nvPr/>
+        </p:nvSpPr>
+        <p:spPr>
+          <a:xfrm>
+            <a:off x="6194449" y="889197"/>
+            <a:ext cx="1399234" cy="626122"/>
+          </a:xfrm>
+          <a:prstGeom prst="roundRect">
+            <a:avLst/>
+          </a:prstGeom>
+          <a:solidFill>
+            <a:schemeClr val="accent6">
+              <a:lumMod val="20000"/>
+              <a:lumOff val="80000"/>
+            </a:schemeClr>
+          </a:solidFill>
+          <a:ln w="19050">
+            <a:solidFill>
+              <a:schemeClr val="accent2"/>
+            </a:solidFill>
+          </a:ln>
+        </p:spPr>
+        <p:style>
+          <a:lnRef idx="2">
+            <a:schemeClr val="accent4">
+              <a:shade val="50000"/>
+            </a:schemeClr>
+          </a:lnRef>
+          <a:fillRef idx="1">
+            <a:schemeClr val="accent4"/>
+          </a:fillRef>
+          <a:effectRef idx="0">
+            <a:schemeClr val="accent4"/>
+          </a:effectRef>
+          <a:fontRef idx="minor">
+            <a:schemeClr val="lt1"/>
+          </a:fontRef>
+        </p:style>
+        <p:txBody>
+          <a:bodyPr rtlCol="0" anchor="ctr"/>
+          <a:lstStyle/>
+          <a:p>
+            <a:pPr algn="ctr"/>
+            <a:endParaRPr lang="en-US" b="1" dirty="0">
+              <a:solidFill>
+                <a:schemeClr val="tx1"/>
+              </a:solidFill>
+            </a:endParaRPr>
+          </a:p>
+        </p:txBody>
+      </p:sp>
+      <p:sp>
+        <p:nvSpPr>
+          <p:cNvPr id="108" name="Rectangle: Rounded Corners 107">
+            <a:extLst>
+              <a:ext uri="{FF2B5EF4-FFF2-40B4-BE49-F238E27FC236}">
+                <a16:creationId xmlns:a16="http://schemas.microsoft.com/office/drawing/2014/main" id="{74C80F0B-3E26-4CBA-B04C-797D31D8EFE0}"/>
+              </a:ext>
+            </a:extLst>
+          </p:cNvPr>
+          <p:cNvSpPr/>
+          <p:nvPr/>
+        </p:nvSpPr>
+        <p:spPr>
+          <a:xfrm>
+            <a:off x="7700233" y="886288"/>
+            <a:ext cx="1399234" cy="626122"/>
+          </a:xfrm>
+          <a:prstGeom prst="roundRect">
+            <a:avLst/>
+          </a:prstGeom>
+          <a:solidFill>
+            <a:schemeClr val="accent6">
+              <a:lumMod val="20000"/>
+              <a:lumOff val="80000"/>
+            </a:schemeClr>
+          </a:solidFill>
+          <a:ln w="19050">
+            <a:solidFill>
+              <a:schemeClr val="accent2"/>
+            </a:solidFill>
+          </a:ln>
+        </p:spPr>
+        <p:style>
+          <a:lnRef idx="2">
+            <a:schemeClr val="accent4">
+              <a:shade val="50000"/>
+            </a:schemeClr>
+          </a:lnRef>
+          <a:fillRef idx="1">
+            <a:schemeClr val="accent4"/>
+          </a:fillRef>
+          <a:effectRef idx="0">
+            <a:schemeClr val="accent4"/>
+          </a:effectRef>
+          <a:fontRef idx="minor">
+            <a:schemeClr val="lt1"/>
+          </a:fontRef>
+        </p:style>
+        <p:txBody>
+          <a:bodyPr rtlCol="0" anchor="ctr"/>
+          <a:lstStyle/>
+          <a:p>
+            <a:pPr algn="ctr"/>
+            <a:endParaRPr lang="en-US" b="1" dirty="0">
+              <a:solidFill>
+                <a:schemeClr val="tx1"/>
+              </a:solidFill>
+            </a:endParaRPr>
+          </a:p>
+        </p:txBody>
+      </p:sp>
+      <p:sp>
+        <p:nvSpPr>
+          <p:cNvPr id="121" name="Rectangle: Rounded Corners 120">
+            <a:extLst>
+              <a:ext uri="{FF2B5EF4-FFF2-40B4-BE49-F238E27FC236}">
+                <a16:creationId xmlns:a16="http://schemas.microsoft.com/office/drawing/2014/main" id="{41E73CC9-A240-4D9B-8504-80A8460122A0}"/>
+              </a:ext>
+            </a:extLst>
+          </p:cNvPr>
+          <p:cNvSpPr/>
+          <p:nvPr/>
+        </p:nvSpPr>
+        <p:spPr>
+          <a:xfrm>
+            <a:off x="9227595" y="892177"/>
+            <a:ext cx="1399234" cy="626122"/>
+          </a:xfrm>
+          <a:prstGeom prst="roundRect">
+            <a:avLst/>
+          </a:prstGeom>
+          <a:solidFill>
+            <a:schemeClr val="accent6">
+              <a:lumMod val="20000"/>
+              <a:lumOff val="80000"/>
+            </a:schemeClr>
+          </a:solidFill>
+          <a:ln w="19050">
+            <a:solidFill>
+              <a:schemeClr val="accent2"/>
+            </a:solidFill>
+          </a:ln>
+        </p:spPr>
+        <p:style>
+          <a:lnRef idx="2">
+            <a:schemeClr val="accent4">
+              <a:shade val="50000"/>
+            </a:schemeClr>
+          </a:lnRef>
+          <a:fillRef idx="1">
+            <a:schemeClr val="accent4"/>
+          </a:fillRef>
+          <a:effectRef idx="0">
+            <a:schemeClr val="accent4"/>
+          </a:effectRef>
+          <a:fontRef idx="minor">
+            <a:schemeClr val="lt1"/>
+          </a:fontRef>
+        </p:style>
+        <p:txBody>
+          <a:bodyPr rtlCol="0" anchor="ctr"/>
+          <a:lstStyle/>
+          <a:p>
+            <a:pPr algn="ctr"/>
+            <a:endParaRPr lang="en-US" b="1" dirty="0">
+              <a:solidFill>
+                <a:schemeClr val="tx1"/>
+              </a:solidFill>
+            </a:endParaRPr>
+          </a:p>
+        </p:txBody>
+      </p:sp>
+      <p:sp>
+        <p:nvSpPr>
           <p:cNvPr id="4" name="Rectangle 3">
             <a:extLst>
               <a:ext uri="{FF2B5EF4-FFF2-40B4-BE49-F238E27FC236}">
@@ -6022,7 +6388,7 @@
         <p:spPr>
           <a:xfrm>
             <a:off x="106402" y="1629385"/>
-            <a:ext cx="11250992" cy="297989"/>
+            <a:ext cx="10514242" cy="297989"/>
           </a:xfrm>
           <a:prstGeom prst="rect">
             <a:avLst/>
@@ -6085,7 +6451,7 @@
         <p:spPr>
           <a:xfrm>
             <a:off x="131065" y="2734937"/>
-            <a:ext cx="11226330" cy="338328"/>
+            <a:ext cx="10489579" cy="338328"/>
           </a:xfrm>
           <a:prstGeom prst="rect">
             <a:avLst/>
@@ -6145,7 +6511,7 @@
         <p:spPr>
           <a:xfrm>
             <a:off x="131064" y="3950945"/>
-            <a:ext cx="11240177" cy="338328"/>
+            <a:ext cx="10489579" cy="338328"/>
           </a:xfrm>
           <a:prstGeom prst="rect">
             <a:avLst/>
@@ -6192,10 +6558,42 @@
       </p:sp>
       <p:sp>
         <p:nvSpPr>
-          <p:cNvPr id="43" name="Rectangle: Rounded Corners 42">
-            <a:extLst>
-              <a:ext uri="{FF2B5EF4-FFF2-40B4-BE49-F238E27FC236}">
-                <a16:creationId xmlns:a16="http://schemas.microsoft.com/office/drawing/2014/main" id="{1F7EAD50-6016-4F7E-94E0-93C65AF1195A}"/>
+          <p:cNvPr id="65" name="TextBox 64">
+            <a:extLst>
+              <a:ext uri="{FF2B5EF4-FFF2-40B4-BE49-F238E27FC236}">
+                <a16:creationId xmlns:a16="http://schemas.microsoft.com/office/drawing/2014/main" id="{D4F33CAD-3FFB-4A86-89A9-4C07C4154EC7}"/>
+              </a:ext>
+            </a:extLst>
+          </p:cNvPr>
+          <p:cNvSpPr txBox="1"/>
+          <p:nvPr/>
+        </p:nvSpPr>
+        <p:spPr>
+          <a:xfrm>
+            <a:off x="8658070" y="4352577"/>
+            <a:ext cx="752982" cy="307777"/>
+          </a:xfrm>
+          <a:prstGeom prst="rect">
+            <a:avLst/>
+          </a:prstGeom>
+          <a:noFill/>
+        </p:spPr>
+        <p:txBody>
+          <a:bodyPr wrap="square" rtlCol="0">
+            <a:spAutoFit/>
+          </a:bodyPr>
+          <a:lstStyle/>
+          <a:p>
+            <a:endParaRPr lang="en-US" sz="1400" b="1" dirty="0"/>
+          </a:p>
+        </p:txBody>
+      </p:sp>
+      <p:sp>
+        <p:nvSpPr>
+          <p:cNvPr id="109" name="Rectangle: Rounded Corners 108">
+            <a:extLst>
+              <a:ext uri="{FF2B5EF4-FFF2-40B4-BE49-F238E27FC236}">
+                <a16:creationId xmlns:a16="http://schemas.microsoft.com/office/drawing/2014/main" id="{83E43DFE-8B24-4E44-BD7C-530DBD3C58E6}"/>
               </a:ext>
             </a:extLst>
           </p:cNvPr>
@@ -6204,15 +6602,23 @@
         </p:nvSpPr>
         <p:spPr>
           <a:xfrm>
-            <a:off x="131064" y="4400147"/>
-            <a:ext cx="853043" cy="603197"/>
+            <a:off x="156793" y="903657"/>
+            <a:ext cx="1399234" cy="626122"/>
           </a:xfrm>
           <a:prstGeom prst="roundRect">
             <a:avLst/>
           </a:prstGeom>
           <a:solidFill>
-            <a:srgbClr val="58D2EA"/>
+            <a:schemeClr val="accent6">
+              <a:lumMod val="20000"/>
+              <a:lumOff val="80000"/>
+            </a:schemeClr>
           </a:solidFill>
+          <a:ln w="19050">
+            <a:solidFill>
+              <a:schemeClr val="accent2"/>
+            </a:solidFill>
+          </a:ln>
         </p:spPr>
         <p:style>
           <a:lnRef idx="2">
@@ -6245,10 +6651,10 @@
       </p:sp>
       <p:sp>
         <p:nvSpPr>
-          <p:cNvPr id="44" name="Rectangle: Rounded Corners 43">
-            <a:extLst>
-              <a:ext uri="{FF2B5EF4-FFF2-40B4-BE49-F238E27FC236}">
-                <a16:creationId xmlns:a16="http://schemas.microsoft.com/office/drawing/2014/main" id="{0A534F06-3F31-4865-B34B-FC4C9E49170D}"/>
+          <p:cNvPr id="133" name="Rectangle 132">
+            <a:extLst>
+              <a:ext uri="{FF2B5EF4-FFF2-40B4-BE49-F238E27FC236}">
+                <a16:creationId xmlns:a16="http://schemas.microsoft.com/office/drawing/2014/main" id="{82AC81A8-EE71-4E72-A2FD-D249869CD229}"/>
               </a:ext>
             </a:extLst>
           </p:cNvPr>
@@ -6257,2775 +6663,8 @@
         </p:nvSpPr>
         <p:spPr>
           <a:xfrm>
-            <a:off x="1054211" y="4399147"/>
-            <a:ext cx="853043" cy="623673"/>
-          </a:xfrm>
-          <a:prstGeom prst="roundRect">
-            <a:avLst/>
-          </a:prstGeom>
-          <a:solidFill>
-            <a:srgbClr val="58D2EA"/>
-          </a:solidFill>
-        </p:spPr>
-        <p:style>
-          <a:lnRef idx="2">
-            <a:schemeClr val="accent4">
-              <a:shade val="50000"/>
-            </a:schemeClr>
-          </a:lnRef>
-          <a:fillRef idx="1">
-            <a:schemeClr val="accent4"/>
-          </a:fillRef>
-          <a:effectRef idx="0">
-            <a:schemeClr val="accent4"/>
-          </a:effectRef>
-          <a:fontRef idx="minor">
-            <a:schemeClr val="lt1"/>
-          </a:fontRef>
-        </p:style>
-        <p:txBody>
-          <a:bodyPr rtlCol="0" anchor="ctr"/>
-          <a:lstStyle/>
-          <a:p>
-            <a:pPr algn="ctr"/>
-            <a:endParaRPr lang="en-US"/>
-          </a:p>
-        </p:txBody>
-      </p:sp>
-      <p:sp>
-        <p:nvSpPr>
-          <p:cNvPr id="45" name="Rectangle: Rounded Corners 44">
-            <a:extLst>
-              <a:ext uri="{FF2B5EF4-FFF2-40B4-BE49-F238E27FC236}">
-                <a16:creationId xmlns:a16="http://schemas.microsoft.com/office/drawing/2014/main" id="{3BB19622-7FB4-48BA-9EE9-24B49D315E1A}"/>
-              </a:ext>
-            </a:extLst>
-          </p:cNvPr>
-          <p:cNvSpPr/>
-          <p:nvPr/>
-        </p:nvSpPr>
-        <p:spPr>
-          <a:xfrm>
-            <a:off x="2010886" y="4398744"/>
-            <a:ext cx="853043" cy="624076"/>
-          </a:xfrm>
-          <a:prstGeom prst="roundRect">
-            <a:avLst/>
-          </a:prstGeom>
-          <a:solidFill>
-            <a:srgbClr val="58D2EA"/>
-          </a:solidFill>
-        </p:spPr>
-        <p:style>
-          <a:lnRef idx="2">
-            <a:schemeClr val="accent4">
-              <a:shade val="50000"/>
-            </a:schemeClr>
-          </a:lnRef>
-          <a:fillRef idx="1">
-            <a:schemeClr val="accent4"/>
-          </a:fillRef>
-          <a:effectRef idx="0">
-            <a:schemeClr val="accent4"/>
-          </a:effectRef>
-          <a:fontRef idx="minor">
-            <a:schemeClr val="lt1"/>
-          </a:fontRef>
-        </p:style>
-        <p:txBody>
-          <a:bodyPr rtlCol="0" anchor="ctr"/>
-          <a:lstStyle/>
-          <a:p>
-            <a:pPr algn="ctr"/>
-            <a:endParaRPr lang="en-US"/>
-          </a:p>
-        </p:txBody>
-      </p:sp>
-      <p:sp>
-        <p:nvSpPr>
-          <p:cNvPr id="46" name="Rectangle: Rounded Corners 45">
-            <a:extLst>
-              <a:ext uri="{FF2B5EF4-FFF2-40B4-BE49-F238E27FC236}">
-                <a16:creationId xmlns:a16="http://schemas.microsoft.com/office/drawing/2014/main" id="{F438646B-0DB4-49A8-B7F7-CBEE7AB83FAE}"/>
-              </a:ext>
-            </a:extLst>
-          </p:cNvPr>
-          <p:cNvSpPr/>
-          <p:nvPr/>
-        </p:nvSpPr>
-        <p:spPr>
-          <a:xfrm>
-            <a:off x="2947165" y="4392028"/>
-            <a:ext cx="853043" cy="630792"/>
-          </a:xfrm>
-          <a:prstGeom prst="roundRect">
-            <a:avLst/>
-          </a:prstGeom>
-          <a:solidFill>
-            <a:srgbClr val="58D2EA"/>
-          </a:solidFill>
-        </p:spPr>
-        <p:style>
-          <a:lnRef idx="2">
-            <a:schemeClr val="accent4">
-              <a:shade val="50000"/>
-            </a:schemeClr>
-          </a:lnRef>
-          <a:fillRef idx="1">
-            <a:schemeClr val="accent4"/>
-          </a:fillRef>
-          <a:effectRef idx="0">
-            <a:schemeClr val="accent4"/>
-          </a:effectRef>
-          <a:fontRef idx="minor">
-            <a:schemeClr val="lt1"/>
-          </a:fontRef>
-        </p:style>
-        <p:txBody>
-          <a:bodyPr rtlCol="0" anchor="ctr"/>
-          <a:lstStyle/>
-          <a:p>
-            <a:pPr algn="ctr"/>
-            <a:endParaRPr lang="en-US"/>
-          </a:p>
-        </p:txBody>
-      </p:sp>
-      <p:sp>
-        <p:nvSpPr>
-          <p:cNvPr id="47" name="Rectangle: Rounded Corners 46">
-            <a:extLst>
-              <a:ext uri="{FF2B5EF4-FFF2-40B4-BE49-F238E27FC236}">
-                <a16:creationId xmlns:a16="http://schemas.microsoft.com/office/drawing/2014/main" id="{6CA580B7-930D-4CA9-BD12-A93FD02C56FD}"/>
-              </a:ext>
-            </a:extLst>
-          </p:cNvPr>
-          <p:cNvSpPr/>
-          <p:nvPr/>
-        </p:nvSpPr>
-        <p:spPr>
-          <a:xfrm>
-            <a:off x="3886319" y="4411600"/>
-            <a:ext cx="853043" cy="604504"/>
-          </a:xfrm>
-          <a:prstGeom prst="roundRect">
-            <a:avLst/>
-          </a:prstGeom>
-          <a:solidFill>
-            <a:srgbClr val="58D2EA"/>
-          </a:solidFill>
-        </p:spPr>
-        <p:style>
-          <a:lnRef idx="2">
-            <a:schemeClr val="accent4">
-              <a:shade val="50000"/>
-            </a:schemeClr>
-          </a:lnRef>
-          <a:fillRef idx="1">
-            <a:schemeClr val="accent4"/>
-          </a:fillRef>
-          <a:effectRef idx="0">
-            <a:schemeClr val="accent4"/>
-          </a:effectRef>
-          <a:fontRef idx="minor">
-            <a:schemeClr val="lt1"/>
-          </a:fontRef>
-        </p:style>
-        <p:txBody>
-          <a:bodyPr rtlCol="0" anchor="ctr"/>
-          <a:lstStyle/>
-          <a:p>
-            <a:pPr algn="ctr"/>
-            <a:endParaRPr lang="en-US"/>
-          </a:p>
-        </p:txBody>
-      </p:sp>
-      <p:sp>
-        <p:nvSpPr>
-          <p:cNvPr id="48" name="Rectangle: Rounded Corners 47">
-            <a:extLst>
-              <a:ext uri="{FF2B5EF4-FFF2-40B4-BE49-F238E27FC236}">
-                <a16:creationId xmlns:a16="http://schemas.microsoft.com/office/drawing/2014/main" id="{82FAF25B-E6E5-4A99-8B76-75557E00DC5B}"/>
-              </a:ext>
-            </a:extLst>
-          </p:cNvPr>
-          <p:cNvSpPr/>
-          <p:nvPr/>
-        </p:nvSpPr>
-        <p:spPr>
-          <a:xfrm>
-            <a:off x="4829413" y="4398840"/>
-            <a:ext cx="853043" cy="623980"/>
-          </a:xfrm>
-          <a:prstGeom prst="roundRect">
-            <a:avLst/>
-          </a:prstGeom>
-          <a:solidFill>
-            <a:srgbClr val="58D2EA"/>
-          </a:solidFill>
-        </p:spPr>
-        <p:style>
-          <a:lnRef idx="2">
-            <a:schemeClr val="accent4">
-              <a:shade val="50000"/>
-            </a:schemeClr>
-          </a:lnRef>
-          <a:fillRef idx="1">
-            <a:schemeClr val="accent4"/>
-          </a:fillRef>
-          <a:effectRef idx="0">
-            <a:schemeClr val="accent4"/>
-          </a:effectRef>
-          <a:fontRef idx="minor">
-            <a:schemeClr val="lt1"/>
-          </a:fontRef>
-        </p:style>
-        <p:txBody>
-          <a:bodyPr rtlCol="0" anchor="ctr"/>
-          <a:lstStyle/>
-          <a:p>
-            <a:pPr algn="ctr"/>
-            <a:endParaRPr lang="en-US"/>
-          </a:p>
-        </p:txBody>
-      </p:sp>
-      <p:sp>
-        <p:nvSpPr>
-          <p:cNvPr id="49" name="Rectangle: Rounded Corners 48">
-            <a:extLst>
-              <a:ext uri="{FF2B5EF4-FFF2-40B4-BE49-F238E27FC236}">
-                <a16:creationId xmlns:a16="http://schemas.microsoft.com/office/drawing/2014/main" id="{02755A16-1167-40B4-9670-2E1A0AE4EB46}"/>
-              </a:ext>
-            </a:extLst>
-          </p:cNvPr>
-          <p:cNvSpPr/>
-          <p:nvPr/>
-        </p:nvSpPr>
-        <p:spPr>
-          <a:xfrm>
-            <a:off x="5767146" y="4413007"/>
-            <a:ext cx="853043" cy="604504"/>
-          </a:xfrm>
-          <a:prstGeom prst="roundRect">
-            <a:avLst/>
-          </a:prstGeom>
-          <a:solidFill>
-            <a:srgbClr val="58D2EA"/>
-          </a:solidFill>
-        </p:spPr>
-        <p:style>
-          <a:lnRef idx="2">
-            <a:schemeClr val="accent4">
-              <a:shade val="50000"/>
-            </a:schemeClr>
-          </a:lnRef>
-          <a:fillRef idx="1">
-            <a:schemeClr val="accent4"/>
-          </a:fillRef>
-          <a:effectRef idx="0">
-            <a:schemeClr val="accent4"/>
-          </a:effectRef>
-          <a:fontRef idx="minor">
-            <a:schemeClr val="lt1"/>
-          </a:fontRef>
-        </p:style>
-        <p:txBody>
-          <a:bodyPr rtlCol="0" anchor="ctr"/>
-          <a:lstStyle/>
-          <a:p>
-            <a:pPr algn="ctr"/>
-            <a:endParaRPr lang="en-US"/>
-          </a:p>
-        </p:txBody>
-      </p:sp>
-      <p:sp>
-        <p:nvSpPr>
-          <p:cNvPr id="50" name="Rectangle: Rounded Corners 49">
-            <a:extLst>
-              <a:ext uri="{FF2B5EF4-FFF2-40B4-BE49-F238E27FC236}">
-                <a16:creationId xmlns:a16="http://schemas.microsoft.com/office/drawing/2014/main" id="{B461EDE6-8361-4851-BFF3-4D7FC81C8538}"/>
-              </a:ext>
-            </a:extLst>
-          </p:cNvPr>
-          <p:cNvSpPr/>
-          <p:nvPr/>
-        </p:nvSpPr>
-        <p:spPr>
-          <a:xfrm>
-            <a:off x="6757036" y="4407838"/>
-            <a:ext cx="853043" cy="604504"/>
-          </a:xfrm>
-          <a:prstGeom prst="roundRect">
-            <a:avLst/>
-          </a:prstGeom>
-          <a:solidFill>
-            <a:srgbClr val="58D2EA"/>
-          </a:solidFill>
-        </p:spPr>
-        <p:style>
-          <a:lnRef idx="2">
-            <a:schemeClr val="accent4">
-              <a:shade val="50000"/>
-            </a:schemeClr>
-          </a:lnRef>
-          <a:fillRef idx="1">
-            <a:schemeClr val="accent4"/>
-          </a:fillRef>
-          <a:effectRef idx="0">
-            <a:schemeClr val="accent4"/>
-          </a:effectRef>
-          <a:fontRef idx="minor">
-            <a:schemeClr val="lt1"/>
-          </a:fontRef>
-        </p:style>
-        <p:txBody>
-          <a:bodyPr rtlCol="0" anchor="ctr"/>
-          <a:lstStyle/>
-          <a:p>
-            <a:pPr algn="ctr"/>
-            <a:endParaRPr lang="en-US" dirty="0"/>
-          </a:p>
-        </p:txBody>
-      </p:sp>
-      <p:sp>
-        <p:nvSpPr>
-          <p:cNvPr id="51" name="Rectangle: Rounded Corners 50">
-            <a:extLst>
-              <a:ext uri="{FF2B5EF4-FFF2-40B4-BE49-F238E27FC236}">
-                <a16:creationId xmlns:a16="http://schemas.microsoft.com/office/drawing/2014/main" id="{164EE48F-F90E-4766-AC1B-BAC7354CD172}"/>
-              </a:ext>
-            </a:extLst>
-          </p:cNvPr>
-          <p:cNvSpPr/>
-          <p:nvPr/>
-        </p:nvSpPr>
-        <p:spPr>
-          <a:xfrm>
-            <a:off x="7688206" y="4389528"/>
-            <a:ext cx="853043" cy="613816"/>
-          </a:xfrm>
-          <a:prstGeom prst="roundRect">
-            <a:avLst/>
-          </a:prstGeom>
-          <a:solidFill>
-            <a:srgbClr val="58D2EA"/>
-          </a:solidFill>
-        </p:spPr>
-        <p:style>
-          <a:lnRef idx="2">
-            <a:schemeClr val="accent4">
-              <a:shade val="50000"/>
-            </a:schemeClr>
-          </a:lnRef>
-          <a:fillRef idx="1">
-            <a:schemeClr val="accent4"/>
-          </a:fillRef>
-          <a:effectRef idx="0">
-            <a:schemeClr val="accent4"/>
-          </a:effectRef>
-          <a:fontRef idx="minor">
-            <a:schemeClr val="lt1"/>
-          </a:fontRef>
-        </p:style>
-        <p:txBody>
-          <a:bodyPr rtlCol="0" anchor="ctr"/>
-          <a:lstStyle/>
-          <a:p>
-            <a:pPr algn="ctr"/>
-            <a:endParaRPr lang="en-US" dirty="0"/>
-          </a:p>
-        </p:txBody>
-      </p:sp>
-      <p:sp>
-        <p:nvSpPr>
-          <p:cNvPr id="52" name="TextBox 51">
-            <a:extLst>
-              <a:ext uri="{FF2B5EF4-FFF2-40B4-BE49-F238E27FC236}">
-                <a16:creationId xmlns:a16="http://schemas.microsoft.com/office/drawing/2014/main" id="{6C194DE4-52DE-4D02-BCC6-95E9694C9CA4}"/>
-              </a:ext>
-            </a:extLst>
-          </p:cNvPr>
-          <p:cNvSpPr txBox="1"/>
-          <p:nvPr/>
-        </p:nvSpPr>
-        <p:spPr>
-          <a:xfrm>
-            <a:off x="189092" y="4401340"/>
-            <a:ext cx="779381" cy="307777"/>
-          </a:xfrm>
-          <a:prstGeom prst="rect">
-            <a:avLst/>
-          </a:prstGeom>
-          <a:noFill/>
-        </p:spPr>
-        <p:txBody>
-          <a:bodyPr wrap="none" rtlCol="0">
-            <a:spAutoFit/>
-          </a:bodyPr>
-          <a:lstStyle/>
-          <a:p>
-            <a:r>
-              <a:rPr lang="en-US" sz="1400" b="1" dirty="0"/>
-              <a:t>LIGAZID</a:t>
-            </a:r>
-          </a:p>
-        </p:txBody>
-      </p:sp>
-      <p:sp>
-        <p:nvSpPr>
-          <p:cNvPr id="53" name="TextBox 52">
-            <a:extLst>
-              <a:ext uri="{FF2B5EF4-FFF2-40B4-BE49-F238E27FC236}">
-                <a16:creationId xmlns:a16="http://schemas.microsoft.com/office/drawing/2014/main" id="{7F3EEFA4-4E62-401E-988A-5CF1CE519644}"/>
-              </a:ext>
-            </a:extLst>
-          </p:cNvPr>
-          <p:cNvSpPr txBox="1"/>
-          <p:nvPr/>
-        </p:nvSpPr>
-        <p:spPr>
-          <a:xfrm>
-            <a:off x="1082152" y="4401340"/>
-            <a:ext cx="787395" cy="307777"/>
-          </a:xfrm>
-          <a:prstGeom prst="rect">
-            <a:avLst/>
-          </a:prstGeom>
-          <a:noFill/>
-        </p:spPr>
-        <p:txBody>
-          <a:bodyPr wrap="none" rtlCol="0">
-            <a:spAutoFit/>
-          </a:bodyPr>
-          <a:lstStyle/>
-          <a:p>
-            <a:r>
-              <a:rPr lang="en-US" sz="1400" b="1" dirty="0"/>
-              <a:t>EMAZID</a:t>
-            </a:r>
-          </a:p>
-        </p:txBody>
-      </p:sp>
-      <p:sp>
-        <p:nvSpPr>
-          <p:cNvPr id="54" name="TextBox 53">
-            <a:extLst>
-              <a:ext uri="{FF2B5EF4-FFF2-40B4-BE49-F238E27FC236}">
-                <a16:creationId xmlns:a16="http://schemas.microsoft.com/office/drawing/2014/main" id="{692F5683-116B-40B1-9D56-D1DD34D14914}"/>
-              </a:ext>
-            </a:extLst>
-          </p:cNvPr>
-          <p:cNvSpPr txBox="1"/>
-          <p:nvPr/>
-        </p:nvSpPr>
-        <p:spPr>
-          <a:xfrm>
-            <a:off x="2049196" y="4419284"/>
-            <a:ext cx="786049" cy="307777"/>
-          </a:xfrm>
-          <a:prstGeom prst="rect">
-            <a:avLst/>
-          </a:prstGeom>
-          <a:noFill/>
-        </p:spPr>
-        <p:txBody>
-          <a:bodyPr wrap="none" rtlCol="0">
-            <a:spAutoFit/>
-          </a:bodyPr>
-          <a:lstStyle/>
-          <a:p>
-            <a:r>
-              <a:rPr lang="en-US" sz="1400" b="1" dirty="0"/>
-              <a:t>LIPICON</a:t>
-            </a:r>
-          </a:p>
-        </p:txBody>
-      </p:sp>
-      <p:sp>
-        <p:nvSpPr>
-          <p:cNvPr id="55" name="TextBox 54">
-            <a:extLst>
-              <a:ext uri="{FF2B5EF4-FFF2-40B4-BE49-F238E27FC236}">
-                <a16:creationId xmlns:a16="http://schemas.microsoft.com/office/drawing/2014/main" id="{5A069555-F960-4642-90D1-5D7D77EF4F32}"/>
-              </a:ext>
-            </a:extLst>
-          </p:cNvPr>
-          <p:cNvSpPr txBox="1"/>
-          <p:nvPr/>
-        </p:nvSpPr>
-        <p:spPr>
-          <a:xfrm>
-            <a:off x="3069337" y="4409419"/>
-            <a:ext cx="624915" cy="307777"/>
-          </a:xfrm>
-          <a:prstGeom prst="rect">
-            <a:avLst/>
-          </a:prstGeom>
-          <a:noFill/>
-        </p:spPr>
-        <p:txBody>
-          <a:bodyPr wrap="none" rtlCol="0">
-            <a:spAutoFit/>
-          </a:bodyPr>
-          <a:lstStyle/>
-          <a:p>
-            <a:r>
-              <a:rPr lang="en-US" sz="1400" b="1" dirty="0"/>
-              <a:t>AGLIP</a:t>
-            </a:r>
-          </a:p>
-        </p:txBody>
-      </p:sp>
-      <p:sp>
-        <p:nvSpPr>
-          <p:cNvPr id="56" name="TextBox 55">
-            <a:extLst>
-              <a:ext uri="{FF2B5EF4-FFF2-40B4-BE49-F238E27FC236}">
-                <a16:creationId xmlns:a16="http://schemas.microsoft.com/office/drawing/2014/main" id="{F500E817-D7FF-48EB-98B5-FE25014104FF}"/>
-              </a:ext>
-            </a:extLst>
-          </p:cNvPr>
-          <p:cNvSpPr txBox="1"/>
-          <p:nvPr/>
-        </p:nvSpPr>
-        <p:spPr>
-          <a:xfrm>
-            <a:off x="3926669" y="4422434"/>
-            <a:ext cx="734496" cy="307777"/>
-          </a:xfrm>
-          <a:prstGeom prst="rect">
-            <a:avLst/>
-          </a:prstGeom>
-          <a:noFill/>
-        </p:spPr>
-        <p:txBody>
-          <a:bodyPr wrap="none" rtlCol="0">
-            <a:spAutoFit/>
-          </a:bodyPr>
-          <a:lstStyle/>
-          <a:p>
-            <a:r>
-              <a:rPr lang="en-US" sz="1400" b="1" dirty="0"/>
-              <a:t>CIFIBET</a:t>
-            </a:r>
-          </a:p>
-        </p:txBody>
-      </p:sp>
-      <p:sp>
-        <p:nvSpPr>
-          <p:cNvPr id="57" name="TextBox 56">
-            <a:extLst>
-              <a:ext uri="{FF2B5EF4-FFF2-40B4-BE49-F238E27FC236}">
-                <a16:creationId xmlns:a16="http://schemas.microsoft.com/office/drawing/2014/main" id="{0EAF05FE-D4B4-4E36-899D-373CBFAE4248}"/>
-              </a:ext>
-            </a:extLst>
-          </p:cNvPr>
-          <p:cNvSpPr txBox="1"/>
-          <p:nvPr/>
-        </p:nvSpPr>
-        <p:spPr>
-          <a:xfrm>
-            <a:off x="4819652" y="4407838"/>
-            <a:ext cx="838371" cy="307777"/>
-          </a:xfrm>
-          <a:prstGeom prst="rect">
-            <a:avLst/>
-          </a:prstGeom>
-          <a:noFill/>
-        </p:spPr>
-        <p:txBody>
-          <a:bodyPr wrap="none" rtlCol="0">
-            <a:spAutoFit/>
-          </a:bodyPr>
-          <a:lstStyle/>
-          <a:p>
-            <a:r>
-              <a:rPr lang="en-US" sz="1400" b="1" dirty="0"/>
-              <a:t>AMLEVO</a:t>
-            </a:r>
-          </a:p>
-        </p:txBody>
-      </p:sp>
-      <p:sp>
-        <p:nvSpPr>
-          <p:cNvPr id="58" name="TextBox 57">
-            <a:extLst>
-              <a:ext uri="{FF2B5EF4-FFF2-40B4-BE49-F238E27FC236}">
-                <a16:creationId xmlns:a16="http://schemas.microsoft.com/office/drawing/2014/main" id="{40B143DB-EC04-4318-A82F-44029B4C9D94}"/>
-              </a:ext>
-            </a:extLst>
-          </p:cNvPr>
-          <p:cNvSpPr txBox="1"/>
-          <p:nvPr/>
-        </p:nvSpPr>
-        <p:spPr>
-          <a:xfrm>
-            <a:off x="5726064" y="4411796"/>
-            <a:ext cx="953002" cy="307777"/>
-          </a:xfrm>
-          <a:prstGeom prst="rect">
-            <a:avLst/>
-          </a:prstGeom>
-          <a:noFill/>
-        </p:spPr>
-        <p:txBody>
-          <a:bodyPr wrap="square" rtlCol="0">
-            <a:spAutoFit/>
-          </a:bodyPr>
-          <a:lstStyle/>
-          <a:p>
-            <a:r>
-              <a:rPr lang="en-US" sz="1400" b="1" dirty="0"/>
-              <a:t>CARDOBIS</a:t>
-            </a:r>
-          </a:p>
-        </p:txBody>
-      </p:sp>
-      <p:sp>
-        <p:nvSpPr>
-          <p:cNvPr id="59" name="TextBox 58">
-            <a:extLst>
-              <a:ext uri="{FF2B5EF4-FFF2-40B4-BE49-F238E27FC236}">
-                <a16:creationId xmlns:a16="http://schemas.microsoft.com/office/drawing/2014/main" id="{33A6CDBA-44A5-4486-A476-124F30D1A0F0}"/>
-              </a:ext>
-            </a:extLst>
-          </p:cNvPr>
-          <p:cNvSpPr txBox="1"/>
-          <p:nvPr/>
-        </p:nvSpPr>
-        <p:spPr>
-          <a:xfrm>
-            <a:off x="6766606" y="4422433"/>
-            <a:ext cx="853311" cy="307777"/>
-          </a:xfrm>
-          <a:prstGeom prst="rect">
-            <a:avLst/>
-          </a:prstGeom>
-          <a:noFill/>
-        </p:spPr>
-        <p:txBody>
-          <a:bodyPr wrap="none" rtlCol="0">
-            <a:spAutoFit/>
-          </a:bodyPr>
-          <a:lstStyle/>
-          <a:p>
-            <a:r>
-              <a:rPr lang="en-US" sz="1400" b="1" dirty="0"/>
-              <a:t>RIVAROX</a:t>
-            </a:r>
-          </a:p>
-        </p:txBody>
-      </p:sp>
-      <p:sp>
-        <p:nvSpPr>
-          <p:cNvPr id="62" name="Rectangle: Rounded Corners 61">
-            <a:extLst>
-              <a:ext uri="{FF2B5EF4-FFF2-40B4-BE49-F238E27FC236}">
-                <a16:creationId xmlns:a16="http://schemas.microsoft.com/office/drawing/2014/main" id="{0AAE543B-7312-407E-B1C8-6A5F0256D8DF}"/>
-              </a:ext>
-            </a:extLst>
-          </p:cNvPr>
-          <p:cNvSpPr/>
-          <p:nvPr/>
-        </p:nvSpPr>
-        <p:spPr>
-          <a:xfrm>
-            <a:off x="8633111" y="4401733"/>
-            <a:ext cx="853043" cy="604504"/>
-          </a:xfrm>
-          <a:prstGeom prst="roundRect">
-            <a:avLst/>
-          </a:prstGeom>
-          <a:solidFill>
-            <a:srgbClr val="58D2EA"/>
-          </a:solidFill>
-        </p:spPr>
-        <p:style>
-          <a:lnRef idx="2">
-            <a:schemeClr val="accent4">
-              <a:shade val="50000"/>
-            </a:schemeClr>
-          </a:lnRef>
-          <a:fillRef idx="1">
-            <a:schemeClr val="accent4"/>
-          </a:fillRef>
-          <a:effectRef idx="0">
-            <a:schemeClr val="accent4"/>
-          </a:effectRef>
-          <a:fontRef idx="minor">
-            <a:schemeClr val="lt1"/>
-          </a:fontRef>
-        </p:style>
-        <p:txBody>
-          <a:bodyPr rtlCol="0" anchor="ctr"/>
-          <a:lstStyle/>
-          <a:p>
-            <a:pPr algn="ctr"/>
-            <a:endParaRPr lang="en-US" dirty="0"/>
-          </a:p>
-        </p:txBody>
-      </p:sp>
-      <p:sp>
-        <p:nvSpPr>
-          <p:cNvPr id="63" name="Rectangle: Rounded Corners 62">
-            <a:extLst>
-              <a:ext uri="{FF2B5EF4-FFF2-40B4-BE49-F238E27FC236}">
-                <a16:creationId xmlns:a16="http://schemas.microsoft.com/office/drawing/2014/main" id="{48B9CEB9-5C05-4AF5-B5B1-EA379E63CEE5}"/>
-              </a:ext>
-            </a:extLst>
-          </p:cNvPr>
-          <p:cNvSpPr/>
-          <p:nvPr/>
-        </p:nvSpPr>
-        <p:spPr>
-          <a:xfrm>
-            <a:off x="9594349" y="4388879"/>
-            <a:ext cx="853043" cy="604504"/>
-          </a:xfrm>
-          <a:prstGeom prst="roundRect">
-            <a:avLst/>
-          </a:prstGeom>
-          <a:solidFill>
-            <a:srgbClr val="58D2EA"/>
-          </a:solidFill>
-        </p:spPr>
-        <p:style>
-          <a:lnRef idx="2">
-            <a:schemeClr val="accent4">
-              <a:shade val="50000"/>
-            </a:schemeClr>
-          </a:lnRef>
-          <a:fillRef idx="1">
-            <a:schemeClr val="accent4"/>
-          </a:fillRef>
-          <a:effectRef idx="0">
-            <a:schemeClr val="accent4"/>
-          </a:effectRef>
-          <a:fontRef idx="minor">
-            <a:schemeClr val="lt1"/>
-          </a:fontRef>
-        </p:style>
-        <p:txBody>
-          <a:bodyPr rtlCol="0" anchor="ctr"/>
-          <a:lstStyle/>
-          <a:p>
-            <a:pPr algn="ctr"/>
-            <a:endParaRPr lang="en-US" dirty="0"/>
-          </a:p>
-        </p:txBody>
-      </p:sp>
-      <p:sp>
-        <p:nvSpPr>
-          <p:cNvPr id="64" name="Rectangle: Rounded Corners 63">
-            <a:extLst>
-              <a:ext uri="{FF2B5EF4-FFF2-40B4-BE49-F238E27FC236}">
-                <a16:creationId xmlns:a16="http://schemas.microsoft.com/office/drawing/2014/main" id="{D678CE82-BF06-4E64-8E0F-04F23D4978EC}"/>
-              </a:ext>
-            </a:extLst>
-          </p:cNvPr>
-          <p:cNvSpPr/>
-          <p:nvPr/>
-        </p:nvSpPr>
-        <p:spPr>
-          <a:xfrm>
-            <a:off x="10528564" y="4371430"/>
-            <a:ext cx="853043" cy="631914"/>
-          </a:xfrm>
-          <a:prstGeom prst="roundRect">
-            <a:avLst/>
-          </a:prstGeom>
-          <a:solidFill>
-            <a:srgbClr val="58D2EA"/>
-          </a:solidFill>
-        </p:spPr>
-        <p:style>
-          <a:lnRef idx="2">
-            <a:schemeClr val="accent4">
-              <a:shade val="50000"/>
-            </a:schemeClr>
-          </a:lnRef>
-          <a:fillRef idx="1">
-            <a:schemeClr val="accent4"/>
-          </a:fillRef>
-          <a:effectRef idx="0">
-            <a:schemeClr val="accent4"/>
-          </a:effectRef>
-          <a:fontRef idx="minor">
-            <a:schemeClr val="lt1"/>
-          </a:fontRef>
-        </p:style>
-        <p:txBody>
-          <a:bodyPr rtlCol="0" anchor="ctr"/>
-          <a:lstStyle/>
-          <a:p>
-            <a:pPr algn="ctr"/>
-            <a:endParaRPr lang="en-US" dirty="0"/>
-          </a:p>
-        </p:txBody>
-      </p:sp>
-      <p:sp>
-        <p:nvSpPr>
-          <p:cNvPr id="60" name="TextBox 59">
-            <a:extLst>
-              <a:ext uri="{FF2B5EF4-FFF2-40B4-BE49-F238E27FC236}">
-                <a16:creationId xmlns:a16="http://schemas.microsoft.com/office/drawing/2014/main" id="{D8BE296B-A5C2-4FB9-A227-75168B1ADB96}"/>
-              </a:ext>
-            </a:extLst>
-          </p:cNvPr>
-          <p:cNvSpPr txBox="1"/>
-          <p:nvPr/>
-        </p:nvSpPr>
-        <p:spPr>
-          <a:xfrm>
-            <a:off x="7676109" y="4415069"/>
-            <a:ext cx="827534" cy="307777"/>
-          </a:xfrm>
-          <a:prstGeom prst="rect">
-            <a:avLst/>
-          </a:prstGeom>
-          <a:noFill/>
-        </p:spPr>
-        <p:txBody>
-          <a:bodyPr wrap="none" rtlCol="0">
-            <a:spAutoFit/>
-          </a:bodyPr>
-          <a:lstStyle/>
-          <a:p>
-            <a:r>
-              <a:rPr lang="en-US" sz="1400" b="1" dirty="0"/>
-              <a:t>NOCLOG</a:t>
-            </a:r>
-          </a:p>
-        </p:txBody>
-      </p:sp>
-      <p:sp>
-        <p:nvSpPr>
-          <p:cNvPr id="65" name="TextBox 64">
-            <a:extLst>
-              <a:ext uri="{FF2B5EF4-FFF2-40B4-BE49-F238E27FC236}">
-                <a16:creationId xmlns:a16="http://schemas.microsoft.com/office/drawing/2014/main" id="{D4F33CAD-3FFB-4A86-89A9-4C07C4154EC7}"/>
-              </a:ext>
-            </a:extLst>
-          </p:cNvPr>
-          <p:cNvSpPr txBox="1"/>
-          <p:nvPr/>
-        </p:nvSpPr>
-        <p:spPr>
-          <a:xfrm>
-            <a:off x="8658070" y="4352577"/>
-            <a:ext cx="752982" cy="307777"/>
-          </a:xfrm>
-          <a:prstGeom prst="rect">
-            <a:avLst/>
-          </a:prstGeom>
-          <a:noFill/>
-        </p:spPr>
-        <p:txBody>
-          <a:bodyPr wrap="square" rtlCol="0">
-            <a:spAutoFit/>
-          </a:bodyPr>
-          <a:lstStyle/>
-          <a:p>
-            <a:endParaRPr lang="en-US" sz="1400" b="1" dirty="0"/>
-          </a:p>
-        </p:txBody>
-      </p:sp>
-      <p:sp>
-        <p:nvSpPr>
-          <p:cNvPr id="66" name="TextBox 65">
-            <a:extLst>
-              <a:ext uri="{FF2B5EF4-FFF2-40B4-BE49-F238E27FC236}">
-                <a16:creationId xmlns:a16="http://schemas.microsoft.com/office/drawing/2014/main" id="{BE2E8634-1E03-45C2-BA7C-4DABC04759F3}"/>
-              </a:ext>
-            </a:extLst>
-          </p:cNvPr>
-          <p:cNvSpPr txBox="1"/>
-          <p:nvPr/>
-        </p:nvSpPr>
-        <p:spPr>
-          <a:xfrm>
-            <a:off x="9566993" y="4393218"/>
-            <a:ext cx="849015" cy="307777"/>
-          </a:xfrm>
-          <a:prstGeom prst="rect">
-            <a:avLst/>
-          </a:prstGeom>
-          <a:noFill/>
-        </p:spPr>
-        <p:txBody>
-          <a:bodyPr wrap="none" rtlCol="0">
-            <a:spAutoFit/>
-          </a:bodyPr>
-          <a:lstStyle/>
-          <a:p>
-            <a:r>
-              <a:rPr lang="en-US" sz="1400" b="1" dirty="0"/>
-              <a:t>AROTIDE</a:t>
-            </a:r>
-          </a:p>
-        </p:txBody>
-      </p:sp>
-      <p:sp>
-        <p:nvSpPr>
-          <p:cNvPr id="67" name="TextBox 66">
-            <a:extLst>
-              <a:ext uri="{FF2B5EF4-FFF2-40B4-BE49-F238E27FC236}">
-                <a16:creationId xmlns:a16="http://schemas.microsoft.com/office/drawing/2014/main" id="{64C004D7-A9B3-4FCF-96A0-8463527EF8B3}"/>
-              </a:ext>
-            </a:extLst>
-          </p:cNvPr>
-          <p:cNvSpPr txBox="1"/>
-          <p:nvPr/>
-        </p:nvSpPr>
-        <p:spPr>
-          <a:xfrm>
-            <a:off x="10545621" y="4392822"/>
-            <a:ext cx="885435" cy="307777"/>
-          </a:xfrm>
-          <a:prstGeom prst="rect">
-            <a:avLst/>
-          </a:prstGeom>
-          <a:noFill/>
-        </p:spPr>
-        <p:txBody>
-          <a:bodyPr wrap="none" rtlCol="0">
-            <a:spAutoFit/>
-          </a:bodyPr>
-          <a:lstStyle/>
-          <a:p>
-            <a:r>
-              <a:rPr lang="en-US" sz="1400" b="1" dirty="0"/>
-              <a:t>FOBUNID</a:t>
-            </a:r>
-          </a:p>
-        </p:txBody>
-      </p:sp>
-      <p:sp>
-        <p:nvSpPr>
-          <p:cNvPr id="74" name="TextBox 73">
-            <a:extLst>
-              <a:ext uri="{FF2B5EF4-FFF2-40B4-BE49-F238E27FC236}">
-                <a16:creationId xmlns:a16="http://schemas.microsoft.com/office/drawing/2014/main" id="{F7AB4060-B180-4206-B0CA-F887DC18A548}"/>
-              </a:ext>
-            </a:extLst>
-          </p:cNvPr>
-          <p:cNvSpPr txBox="1"/>
-          <p:nvPr/>
-        </p:nvSpPr>
-        <p:spPr>
-          <a:xfrm>
-            <a:off x="8627360" y="4410731"/>
-            <a:ext cx="827655" cy="316451"/>
-          </a:xfrm>
-          <a:prstGeom prst="rect">
-            <a:avLst/>
-          </a:prstGeom>
-          <a:noFill/>
-        </p:spPr>
-        <p:txBody>
-          <a:bodyPr wrap="square">
-            <a:spAutoFit/>
-          </a:bodyPr>
-          <a:lstStyle/>
-          <a:p>
-            <a:r>
-              <a:rPr lang="en-US" sz="1400" b="1" dirty="0"/>
-              <a:t>BEMPID</a:t>
-            </a:r>
-          </a:p>
-        </p:txBody>
-      </p:sp>
-      <p:sp>
-        <p:nvSpPr>
-          <p:cNvPr id="76" name="Rectangle: Rounded Corners 75">
-            <a:extLst>
-              <a:ext uri="{FF2B5EF4-FFF2-40B4-BE49-F238E27FC236}">
-                <a16:creationId xmlns:a16="http://schemas.microsoft.com/office/drawing/2014/main" id="{094124D9-4E05-4B82-A4D2-F0A026A0577F}"/>
-              </a:ext>
-            </a:extLst>
-          </p:cNvPr>
-          <p:cNvSpPr/>
-          <p:nvPr/>
-        </p:nvSpPr>
-        <p:spPr>
-          <a:xfrm>
-            <a:off x="115430" y="3183310"/>
-            <a:ext cx="853043" cy="645305"/>
-          </a:xfrm>
-          <a:prstGeom prst="roundRect">
-            <a:avLst/>
-          </a:prstGeom>
-          <a:solidFill>
-            <a:srgbClr val="57EBE4"/>
-          </a:solidFill>
-        </p:spPr>
-        <p:style>
-          <a:lnRef idx="2">
-            <a:schemeClr val="accent4">
-              <a:shade val="50000"/>
-            </a:schemeClr>
-          </a:lnRef>
-          <a:fillRef idx="1">
-            <a:schemeClr val="accent4"/>
-          </a:fillRef>
-          <a:effectRef idx="0">
-            <a:schemeClr val="accent4"/>
-          </a:effectRef>
-          <a:fontRef idx="minor">
-            <a:schemeClr val="lt1"/>
-          </a:fontRef>
-        </p:style>
-        <p:txBody>
-          <a:bodyPr rtlCol="0" anchor="ctr"/>
-          <a:lstStyle/>
-          <a:p>
-            <a:pPr algn="ctr"/>
-            <a:endParaRPr lang="en-US" b="1" dirty="0">
-              <a:solidFill>
-                <a:schemeClr val="tx1"/>
-              </a:solidFill>
-            </a:endParaRPr>
-          </a:p>
-        </p:txBody>
-      </p:sp>
-      <p:sp>
-        <p:nvSpPr>
-          <p:cNvPr id="77" name="Rectangle: Rounded Corners 76">
-            <a:extLst>
-              <a:ext uri="{FF2B5EF4-FFF2-40B4-BE49-F238E27FC236}">
-                <a16:creationId xmlns:a16="http://schemas.microsoft.com/office/drawing/2014/main" id="{790F251F-A488-4436-846D-FE14CDC969BB}"/>
-              </a:ext>
-            </a:extLst>
-          </p:cNvPr>
-          <p:cNvSpPr/>
-          <p:nvPr/>
-        </p:nvSpPr>
-        <p:spPr>
-          <a:xfrm>
-            <a:off x="1038577" y="3182310"/>
-            <a:ext cx="853043" cy="656175"/>
-          </a:xfrm>
-          <a:prstGeom prst="roundRect">
-            <a:avLst/>
-          </a:prstGeom>
-          <a:solidFill>
-            <a:srgbClr val="57EBE4"/>
-          </a:solidFill>
-        </p:spPr>
-        <p:style>
-          <a:lnRef idx="2">
-            <a:schemeClr val="accent4">
-              <a:shade val="50000"/>
-            </a:schemeClr>
-          </a:lnRef>
-          <a:fillRef idx="1">
-            <a:schemeClr val="accent4"/>
-          </a:fillRef>
-          <a:effectRef idx="0">
-            <a:schemeClr val="accent4"/>
-          </a:effectRef>
-          <a:fontRef idx="minor">
-            <a:schemeClr val="lt1"/>
-          </a:fontRef>
-        </p:style>
-        <p:txBody>
-          <a:bodyPr rtlCol="0" anchor="ctr"/>
-          <a:lstStyle/>
-          <a:p>
-            <a:pPr algn="ctr"/>
-            <a:endParaRPr lang="en-US"/>
-          </a:p>
-        </p:txBody>
-      </p:sp>
-      <p:sp>
-        <p:nvSpPr>
-          <p:cNvPr id="78" name="Rectangle: Rounded Corners 77">
-            <a:extLst>
-              <a:ext uri="{FF2B5EF4-FFF2-40B4-BE49-F238E27FC236}">
-                <a16:creationId xmlns:a16="http://schemas.microsoft.com/office/drawing/2014/main" id="{66492CAA-46CC-43AD-A90F-127B3011D214}"/>
-              </a:ext>
-            </a:extLst>
-          </p:cNvPr>
-          <p:cNvSpPr/>
-          <p:nvPr/>
-        </p:nvSpPr>
-        <p:spPr>
-          <a:xfrm>
-            <a:off x="1995252" y="3181907"/>
-            <a:ext cx="853043" cy="645304"/>
-          </a:xfrm>
-          <a:prstGeom prst="roundRect">
-            <a:avLst/>
-          </a:prstGeom>
-          <a:solidFill>
-            <a:srgbClr val="57EBE4"/>
-          </a:solidFill>
-        </p:spPr>
-        <p:style>
-          <a:lnRef idx="2">
-            <a:schemeClr val="accent4">
-              <a:shade val="50000"/>
-            </a:schemeClr>
-          </a:lnRef>
-          <a:fillRef idx="1">
-            <a:schemeClr val="accent4"/>
-          </a:fillRef>
-          <a:effectRef idx="0">
-            <a:schemeClr val="accent4"/>
-          </a:effectRef>
-          <a:fontRef idx="minor">
-            <a:schemeClr val="lt1"/>
-          </a:fontRef>
-        </p:style>
-        <p:txBody>
-          <a:bodyPr rtlCol="0" anchor="ctr"/>
-          <a:lstStyle/>
-          <a:p>
-            <a:pPr algn="ctr"/>
-            <a:endParaRPr lang="en-US"/>
-          </a:p>
-        </p:txBody>
-      </p:sp>
-      <p:sp>
-        <p:nvSpPr>
-          <p:cNvPr id="79" name="Rectangle: Rounded Corners 78">
-            <a:extLst>
-              <a:ext uri="{FF2B5EF4-FFF2-40B4-BE49-F238E27FC236}">
-                <a16:creationId xmlns:a16="http://schemas.microsoft.com/office/drawing/2014/main" id="{7139971C-9359-482B-9828-277E3FBE125E}"/>
-              </a:ext>
-            </a:extLst>
-          </p:cNvPr>
-          <p:cNvSpPr/>
-          <p:nvPr/>
-        </p:nvSpPr>
-        <p:spPr>
-          <a:xfrm>
-            <a:off x="2931531" y="3175191"/>
-            <a:ext cx="853043" cy="652020"/>
-          </a:xfrm>
-          <a:prstGeom prst="roundRect">
-            <a:avLst/>
-          </a:prstGeom>
-          <a:solidFill>
-            <a:srgbClr val="57EBE4"/>
-          </a:solidFill>
-        </p:spPr>
-        <p:style>
-          <a:lnRef idx="2">
-            <a:schemeClr val="accent4">
-              <a:shade val="50000"/>
-            </a:schemeClr>
-          </a:lnRef>
-          <a:fillRef idx="1">
-            <a:schemeClr val="accent4"/>
-          </a:fillRef>
-          <a:effectRef idx="0">
-            <a:schemeClr val="accent4"/>
-          </a:effectRef>
-          <a:fontRef idx="minor">
-            <a:schemeClr val="lt1"/>
-          </a:fontRef>
-        </p:style>
-        <p:txBody>
-          <a:bodyPr rtlCol="0" anchor="ctr"/>
-          <a:lstStyle/>
-          <a:p>
-            <a:pPr algn="ctr"/>
-            <a:endParaRPr lang="en-US"/>
-          </a:p>
-        </p:txBody>
-      </p:sp>
-      <p:sp>
-        <p:nvSpPr>
-          <p:cNvPr id="80" name="Rectangle: Rounded Corners 79">
-            <a:extLst>
-              <a:ext uri="{FF2B5EF4-FFF2-40B4-BE49-F238E27FC236}">
-                <a16:creationId xmlns:a16="http://schemas.microsoft.com/office/drawing/2014/main" id="{987613B9-24E9-41CE-9DCD-810A41F39E50}"/>
-              </a:ext>
-            </a:extLst>
-          </p:cNvPr>
-          <p:cNvSpPr/>
-          <p:nvPr/>
-        </p:nvSpPr>
-        <p:spPr>
-          <a:xfrm>
-            <a:off x="3870685" y="3194762"/>
-            <a:ext cx="853043" cy="652019"/>
-          </a:xfrm>
-          <a:prstGeom prst="roundRect">
-            <a:avLst/>
-          </a:prstGeom>
-          <a:solidFill>
-            <a:srgbClr val="57EBE4"/>
-          </a:solidFill>
-        </p:spPr>
-        <p:style>
-          <a:lnRef idx="2">
-            <a:schemeClr val="accent4">
-              <a:shade val="50000"/>
-            </a:schemeClr>
-          </a:lnRef>
-          <a:fillRef idx="1">
-            <a:schemeClr val="accent4"/>
-          </a:fillRef>
-          <a:effectRef idx="0">
-            <a:schemeClr val="accent4"/>
-          </a:effectRef>
-          <a:fontRef idx="minor">
-            <a:schemeClr val="lt1"/>
-          </a:fontRef>
-        </p:style>
-        <p:txBody>
-          <a:bodyPr rtlCol="0" anchor="ctr"/>
-          <a:lstStyle/>
-          <a:p>
-            <a:pPr algn="ctr"/>
-            <a:endParaRPr lang="en-US"/>
-          </a:p>
-        </p:txBody>
-      </p:sp>
-      <p:sp>
-        <p:nvSpPr>
-          <p:cNvPr id="81" name="Rectangle: Rounded Corners 80">
-            <a:extLst>
-              <a:ext uri="{FF2B5EF4-FFF2-40B4-BE49-F238E27FC236}">
-                <a16:creationId xmlns:a16="http://schemas.microsoft.com/office/drawing/2014/main" id="{52E3A2A4-77F6-455E-949F-AC4812644ED2}"/>
-              </a:ext>
-            </a:extLst>
-          </p:cNvPr>
-          <p:cNvSpPr/>
-          <p:nvPr/>
-        </p:nvSpPr>
-        <p:spPr>
-          <a:xfrm>
-            <a:off x="4813779" y="3182002"/>
-            <a:ext cx="853043" cy="652019"/>
-          </a:xfrm>
-          <a:prstGeom prst="roundRect">
-            <a:avLst/>
-          </a:prstGeom>
-          <a:solidFill>
-            <a:srgbClr val="57EBE4"/>
-          </a:solidFill>
-        </p:spPr>
-        <p:style>
-          <a:lnRef idx="2">
-            <a:schemeClr val="accent4">
-              <a:shade val="50000"/>
-            </a:schemeClr>
-          </a:lnRef>
-          <a:fillRef idx="1">
-            <a:schemeClr val="accent4"/>
-          </a:fillRef>
-          <a:effectRef idx="0">
-            <a:schemeClr val="accent4"/>
-          </a:effectRef>
-          <a:fontRef idx="minor">
-            <a:schemeClr val="lt1"/>
-          </a:fontRef>
-        </p:style>
-        <p:txBody>
-          <a:bodyPr rtlCol="0" anchor="ctr"/>
-          <a:lstStyle/>
-          <a:p>
-            <a:pPr algn="ctr"/>
-            <a:endParaRPr lang="en-US"/>
-          </a:p>
-        </p:txBody>
-      </p:sp>
-      <p:sp>
-        <p:nvSpPr>
-          <p:cNvPr id="82" name="Rectangle: Rounded Corners 81">
-            <a:extLst>
-              <a:ext uri="{FF2B5EF4-FFF2-40B4-BE49-F238E27FC236}">
-                <a16:creationId xmlns:a16="http://schemas.microsoft.com/office/drawing/2014/main" id="{25DCF8F7-CCB2-4C29-8107-727F41098477}"/>
-              </a:ext>
-            </a:extLst>
-          </p:cNvPr>
-          <p:cNvSpPr/>
-          <p:nvPr/>
-        </p:nvSpPr>
-        <p:spPr>
-          <a:xfrm>
-            <a:off x="5751802" y="3194032"/>
-            <a:ext cx="853043" cy="639258"/>
-          </a:xfrm>
-          <a:prstGeom prst="roundRect">
-            <a:avLst/>
-          </a:prstGeom>
-          <a:solidFill>
-            <a:srgbClr val="57EBE4"/>
-          </a:solidFill>
-        </p:spPr>
-        <p:style>
-          <a:lnRef idx="2">
-            <a:schemeClr val="accent4">
-              <a:shade val="50000"/>
-            </a:schemeClr>
-          </a:lnRef>
-          <a:fillRef idx="1">
-            <a:schemeClr val="accent4"/>
-          </a:fillRef>
-          <a:effectRef idx="0">
-            <a:schemeClr val="accent4"/>
-          </a:effectRef>
-          <a:fontRef idx="minor">
-            <a:schemeClr val="lt1"/>
-          </a:fontRef>
-        </p:style>
-        <p:txBody>
-          <a:bodyPr rtlCol="0" anchor="ctr"/>
-          <a:lstStyle/>
-          <a:p>
-            <a:pPr algn="ctr"/>
-            <a:endParaRPr lang="en-US"/>
-          </a:p>
-        </p:txBody>
-      </p:sp>
-      <p:sp>
-        <p:nvSpPr>
-          <p:cNvPr id="83" name="Rectangle: Rounded Corners 82">
-            <a:extLst>
-              <a:ext uri="{FF2B5EF4-FFF2-40B4-BE49-F238E27FC236}">
-                <a16:creationId xmlns:a16="http://schemas.microsoft.com/office/drawing/2014/main" id="{52A4033F-8830-4282-AC6C-47824523DFEE}"/>
-              </a:ext>
-            </a:extLst>
-          </p:cNvPr>
-          <p:cNvSpPr/>
-          <p:nvPr/>
-        </p:nvSpPr>
-        <p:spPr>
-          <a:xfrm>
-            <a:off x="6741402" y="3191001"/>
-            <a:ext cx="853043" cy="639258"/>
-          </a:xfrm>
-          <a:prstGeom prst="roundRect">
-            <a:avLst/>
-          </a:prstGeom>
-          <a:solidFill>
-            <a:srgbClr val="57EBE4"/>
-          </a:solidFill>
-        </p:spPr>
-        <p:style>
-          <a:lnRef idx="2">
-            <a:schemeClr val="accent4">
-              <a:shade val="50000"/>
-            </a:schemeClr>
-          </a:lnRef>
-          <a:fillRef idx="1">
-            <a:schemeClr val="accent4"/>
-          </a:fillRef>
-          <a:effectRef idx="0">
-            <a:schemeClr val="accent4"/>
-          </a:effectRef>
-          <a:fontRef idx="minor">
-            <a:schemeClr val="lt1"/>
-          </a:fontRef>
-        </p:style>
-        <p:txBody>
-          <a:bodyPr rtlCol="0" anchor="ctr"/>
-          <a:lstStyle/>
-          <a:p>
-            <a:pPr algn="ctr"/>
-            <a:endParaRPr lang="en-US" dirty="0"/>
-          </a:p>
-        </p:txBody>
-      </p:sp>
-      <p:sp>
-        <p:nvSpPr>
-          <p:cNvPr id="84" name="Rectangle: Rounded Corners 83">
-            <a:extLst>
-              <a:ext uri="{FF2B5EF4-FFF2-40B4-BE49-F238E27FC236}">
-                <a16:creationId xmlns:a16="http://schemas.microsoft.com/office/drawing/2014/main" id="{02BDE178-2E9F-48D2-B170-DD476720929C}"/>
-              </a:ext>
-            </a:extLst>
-          </p:cNvPr>
-          <p:cNvSpPr/>
-          <p:nvPr/>
-        </p:nvSpPr>
-        <p:spPr>
-          <a:xfrm>
-            <a:off x="7655228" y="3181856"/>
-            <a:ext cx="853043" cy="649105"/>
-          </a:xfrm>
-          <a:prstGeom prst="roundRect">
-            <a:avLst/>
-          </a:prstGeom>
-          <a:solidFill>
-            <a:srgbClr val="57EBE4"/>
-          </a:solidFill>
-        </p:spPr>
-        <p:style>
-          <a:lnRef idx="2">
-            <a:schemeClr val="accent4">
-              <a:shade val="50000"/>
-            </a:schemeClr>
-          </a:lnRef>
-          <a:fillRef idx="1">
-            <a:schemeClr val="accent4"/>
-          </a:fillRef>
-          <a:effectRef idx="0">
-            <a:schemeClr val="accent4"/>
-          </a:effectRef>
-          <a:fontRef idx="minor">
-            <a:schemeClr val="lt1"/>
-          </a:fontRef>
-        </p:style>
-        <p:txBody>
-          <a:bodyPr rtlCol="0" anchor="ctr"/>
-          <a:lstStyle/>
-          <a:p>
-            <a:pPr algn="ctr"/>
-            <a:endParaRPr lang="en-US" dirty="0"/>
-          </a:p>
-        </p:txBody>
-      </p:sp>
-      <p:sp>
-        <p:nvSpPr>
-          <p:cNvPr id="85" name="Rectangle: Rounded Corners 84">
-            <a:extLst>
-              <a:ext uri="{FF2B5EF4-FFF2-40B4-BE49-F238E27FC236}">
-                <a16:creationId xmlns:a16="http://schemas.microsoft.com/office/drawing/2014/main" id="{993EB53A-CAA9-4CE9-A9E6-C4D7D4BBEB96}"/>
-              </a:ext>
-            </a:extLst>
-          </p:cNvPr>
-          <p:cNvSpPr/>
-          <p:nvPr/>
-        </p:nvSpPr>
-        <p:spPr>
-          <a:xfrm>
-            <a:off x="8617477" y="3184896"/>
-            <a:ext cx="853043" cy="639258"/>
-          </a:xfrm>
-          <a:prstGeom prst="roundRect">
-            <a:avLst/>
-          </a:prstGeom>
-          <a:solidFill>
-            <a:srgbClr val="57EBE4"/>
-          </a:solidFill>
-        </p:spPr>
-        <p:style>
-          <a:lnRef idx="2">
-            <a:schemeClr val="accent4">
-              <a:shade val="50000"/>
-            </a:schemeClr>
-          </a:lnRef>
-          <a:fillRef idx="1">
-            <a:schemeClr val="accent4"/>
-          </a:fillRef>
-          <a:effectRef idx="0">
-            <a:schemeClr val="accent4"/>
-          </a:effectRef>
-          <a:fontRef idx="minor">
-            <a:schemeClr val="lt1"/>
-          </a:fontRef>
-        </p:style>
-        <p:txBody>
-          <a:bodyPr rtlCol="0" anchor="ctr"/>
-          <a:lstStyle/>
-          <a:p>
-            <a:pPr algn="ctr"/>
-            <a:endParaRPr lang="en-US" dirty="0"/>
-          </a:p>
-        </p:txBody>
-      </p:sp>
-      <p:sp>
-        <p:nvSpPr>
-          <p:cNvPr id="86" name="Rectangle: Rounded Corners 85">
-            <a:extLst>
-              <a:ext uri="{FF2B5EF4-FFF2-40B4-BE49-F238E27FC236}">
-                <a16:creationId xmlns:a16="http://schemas.microsoft.com/office/drawing/2014/main" id="{C8E7AE14-6F90-4D39-955E-1E120DA6E3DF}"/>
-              </a:ext>
-            </a:extLst>
-          </p:cNvPr>
-          <p:cNvSpPr/>
-          <p:nvPr/>
-        </p:nvSpPr>
-        <p:spPr>
-          <a:xfrm>
-            <a:off x="9541468" y="3170857"/>
-            <a:ext cx="853043" cy="639258"/>
-          </a:xfrm>
-          <a:prstGeom prst="roundRect">
-            <a:avLst/>
-          </a:prstGeom>
-          <a:solidFill>
-            <a:srgbClr val="57EBE4"/>
-          </a:solidFill>
-        </p:spPr>
-        <p:style>
-          <a:lnRef idx="2">
-            <a:schemeClr val="accent4">
-              <a:shade val="50000"/>
-            </a:schemeClr>
-          </a:lnRef>
-          <a:fillRef idx="1">
-            <a:schemeClr val="accent4"/>
-          </a:fillRef>
-          <a:effectRef idx="0">
-            <a:schemeClr val="accent4"/>
-          </a:effectRef>
-          <a:fontRef idx="minor">
-            <a:schemeClr val="lt1"/>
-          </a:fontRef>
-        </p:style>
-        <p:txBody>
-          <a:bodyPr rtlCol="0" anchor="ctr"/>
-          <a:lstStyle/>
-          <a:p>
-            <a:pPr algn="ctr"/>
-            <a:endParaRPr lang="en-US" dirty="0"/>
-          </a:p>
-        </p:txBody>
-      </p:sp>
-      <p:sp>
-        <p:nvSpPr>
-          <p:cNvPr id="87" name="Rectangle: Rounded Corners 86">
-            <a:extLst>
-              <a:ext uri="{FF2B5EF4-FFF2-40B4-BE49-F238E27FC236}">
-                <a16:creationId xmlns:a16="http://schemas.microsoft.com/office/drawing/2014/main" id="{633404EB-334B-4424-BD35-184817477A31}"/>
-              </a:ext>
-            </a:extLst>
-          </p:cNvPr>
-          <p:cNvSpPr/>
-          <p:nvPr/>
-        </p:nvSpPr>
-        <p:spPr>
-          <a:xfrm>
-            <a:off x="10527179" y="3152822"/>
-            <a:ext cx="853043" cy="668244"/>
-          </a:xfrm>
-          <a:prstGeom prst="roundRect">
-            <a:avLst/>
-          </a:prstGeom>
-          <a:solidFill>
-            <a:srgbClr val="57EBE4"/>
-          </a:solidFill>
-        </p:spPr>
-        <p:style>
-          <a:lnRef idx="2">
-            <a:schemeClr val="accent4">
-              <a:shade val="50000"/>
-            </a:schemeClr>
-          </a:lnRef>
-          <a:fillRef idx="1">
-            <a:schemeClr val="accent4"/>
-          </a:fillRef>
-          <a:effectRef idx="0">
-            <a:schemeClr val="accent4"/>
-          </a:effectRef>
-          <a:fontRef idx="minor">
-            <a:schemeClr val="lt1"/>
-          </a:fontRef>
-        </p:style>
-        <p:txBody>
-          <a:bodyPr rtlCol="0" anchor="ctr"/>
-          <a:lstStyle/>
-          <a:p>
-            <a:pPr algn="ctr"/>
-            <a:endParaRPr lang="en-US" dirty="0"/>
-          </a:p>
-        </p:txBody>
-      </p:sp>
-      <p:sp>
-        <p:nvSpPr>
-          <p:cNvPr id="88" name="Rectangle: Rounded Corners 87">
-            <a:extLst>
-              <a:ext uri="{FF2B5EF4-FFF2-40B4-BE49-F238E27FC236}">
-                <a16:creationId xmlns:a16="http://schemas.microsoft.com/office/drawing/2014/main" id="{D07BB761-A51A-4DE2-9EA0-CC60C83C53D1}"/>
-              </a:ext>
-            </a:extLst>
-          </p:cNvPr>
-          <p:cNvSpPr/>
-          <p:nvPr/>
-        </p:nvSpPr>
-        <p:spPr>
-          <a:xfrm>
-            <a:off x="131064" y="2007875"/>
-            <a:ext cx="853043" cy="603197"/>
-          </a:xfrm>
-          <a:prstGeom prst="roundRect">
-            <a:avLst/>
-          </a:prstGeom>
-          <a:solidFill>
-            <a:srgbClr val="F3C43F"/>
-          </a:solidFill>
-        </p:spPr>
-        <p:style>
-          <a:lnRef idx="2">
-            <a:schemeClr val="accent4">
-              <a:shade val="50000"/>
-            </a:schemeClr>
-          </a:lnRef>
-          <a:fillRef idx="1">
-            <a:schemeClr val="accent4"/>
-          </a:fillRef>
-          <a:effectRef idx="0">
-            <a:schemeClr val="accent4"/>
-          </a:effectRef>
-          <a:fontRef idx="minor">
-            <a:schemeClr val="lt1"/>
-          </a:fontRef>
-        </p:style>
-        <p:txBody>
-          <a:bodyPr rtlCol="0" anchor="ctr"/>
-          <a:lstStyle/>
-          <a:p>
-            <a:pPr algn="ctr"/>
-            <a:endParaRPr lang="en-US" b="1" dirty="0">
-              <a:solidFill>
-                <a:schemeClr val="tx1"/>
-              </a:solidFill>
-            </a:endParaRPr>
-          </a:p>
-        </p:txBody>
-      </p:sp>
-      <p:sp>
-        <p:nvSpPr>
-          <p:cNvPr id="89" name="Rectangle: Rounded Corners 88">
-            <a:extLst>
-              <a:ext uri="{FF2B5EF4-FFF2-40B4-BE49-F238E27FC236}">
-                <a16:creationId xmlns:a16="http://schemas.microsoft.com/office/drawing/2014/main" id="{DFB2E254-96FA-42D7-A015-664E2D8E62AD}"/>
-              </a:ext>
-            </a:extLst>
-          </p:cNvPr>
-          <p:cNvSpPr/>
-          <p:nvPr/>
-        </p:nvSpPr>
-        <p:spPr>
-          <a:xfrm>
-            <a:off x="1063509" y="2011680"/>
-            <a:ext cx="853043" cy="624480"/>
-          </a:xfrm>
-          <a:prstGeom prst="roundRect">
-            <a:avLst/>
-          </a:prstGeom>
-          <a:solidFill>
-            <a:srgbClr val="F3C43F"/>
-          </a:solidFill>
-        </p:spPr>
-        <p:style>
-          <a:lnRef idx="2">
-            <a:schemeClr val="accent4">
-              <a:shade val="50000"/>
-            </a:schemeClr>
-          </a:lnRef>
-          <a:fillRef idx="1">
-            <a:schemeClr val="accent4"/>
-          </a:fillRef>
-          <a:effectRef idx="0">
-            <a:schemeClr val="accent4"/>
-          </a:effectRef>
-          <a:fontRef idx="minor">
-            <a:schemeClr val="lt1"/>
-          </a:fontRef>
-        </p:style>
-        <p:txBody>
-          <a:bodyPr rtlCol="0" anchor="ctr"/>
-          <a:lstStyle/>
-          <a:p>
-            <a:pPr algn="ctr"/>
-            <a:endParaRPr lang="en-US"/>
-          </a:p>
-        </p:txBody>
-      </p:sp>
-      <p:sp>
-        <p:nvSpPr>
-          <p:cNvPr id="90" name="Rectangle: Rounded Corners 89">
-            <a:extLst>
-              <a:ext uri="{FF2B5EF4-FFF2-40B4-BE49-F238E27FC236}">
-                <a16:creationId xmlns:a16="http://schemas.microsoft.com/office/drawing/2014/main" id="{40925AEB-FC38-4287-8604-1C624F17ACBA}"/>
-              </a:ext>
-            </a:extLst>
-          </p:cNvPr>
-          <p:cNvSpPr/>
-          <p:nvPr/>
-        </p:nvSpPr>
-        <p:spPr>
-          <a:xfrm>
-            <a:off x="2003009" y="2006915"/>
-            <a:ext cx="853043" cy="624076"/>
-          </a:xfrm>
-          <a:prstGeom prst="roundRect">
-            <a:avLst/>
-          </a:prstGeom>
-          <a:solidFill>
-            <a:srgbClr val="F3C43F"/>
-          </a:solidFill>
-        </p:spPr>
-        <p:style>
-          <a:lnRef idx="2">
-            <a:schemeClr val="accent4">
-              <a:shade val="50000"/>
-            </a:schemeClr>
-          </a:lnRef>
-          <a:fillRef idx="1">
-            <a:schemeClr val="accent4"/>
-          </a:fillRef>
-          <a:effectRef idx="0">
-            <a:schemeClr val="accent4"/>
-          </a:effectRef>
-          <a:fontRef idx="minor">
-            <a:schemeClr val="lt1"/>
-          </a:fontRef>
-        </p:style>
-        <p:txBody>
-          <a:bodyPr rtlCol="0" anchor="ctr"/>
-          <a:lstStyle/>
-          <a:p>
-            <a:pPr algn="ctr"/>
-            <a:endParaRPr lang="en-US"/>
-          </a:p>
-        </p:txBody>
-      </p:sp>
-      <p:sp>
-        <p:nvSpPr>
-          <p:cNvPr id="91" name="Rectangle: Rounded Corners 90">
-            <a:extLst>
-              <a:ext uri="{FF2B5EF4-FFF2-40B4-BE49-F238E27FC236}">
-                <a16:creationId xmlns:a16="http://schemas.microsoft.com/office/drawing/2014/main" id="{D5179DEE-94FF-4FD5-B53D-53A4BC4A1F6A}"/>
-              </a:ext>
-            </a:extLst>
-          </p:cNvPr>
-          <p:cNvSpPr/>
-          <p:nvPr/>
-        </p:nvSpPr>
-        <p:spPr>
-          <a:xfrm>
-            <a:off x="2928370" y="2000105"/>
-            <a:ext cx="853043" cy="624076"/>
-          </a:xfrm>
-          <a:prstGeom prst="roundRect">
-            <a:avLst/>
-          </a:prstGeom>
-          <a:solidFill>
-            <a:srgbClr val="F3C43F"/>
-          </a:solidFill>
-        </p:spPr>
-        <p:style>
-          <a:lnRef idx="2">
-            <a:schemeClr val="accent4">
-              <a:shade val="50000"/>
-            </a:schemeClr>
-          </a:lnRef>
-          <a:fillRef idx="1">
-            <a:schemeClr val="accent4"/>
-          </a:fillRef>
-          <a:effectRef idx="0">
-            <a:schemeClr val="accent4"/>
-          </a:effectRef>
-          <a:fontRef idx="minor">
-            <a:schemeClr val="lt1"/>
-          </a:fontRef>
-        </p:style>
-        <p:txBody>
-          <a:bodyPr rtlCol="0" anchor="ctr"/>
-          <a:lstStyle/>
-          <a:p>
-            <a:pPr algn="ctr"/>
-            <a:endParaRPr lang="en-US"/>
-          </a:p>
-        </p:txBody>
-      </p:sp>
-      <p:sp>
-        <p:nvSpPr>
-          <p:cNvPr id="92" name="Rectangle: Rounded Corners 91">
-            <a:extLst>
-              <a:ext uri="{FF2B5EF4-FFF2-40B4-BE49-F238E27FC236}">
-                <a16:creationId xmlns:a16="http://schemas.microsoft.com/office/drawing/2014/main" id="{4095386A-1204-44B0-B36D-46AFC660271E}"/>
-              </a:ext>
-            </a:extLst>
-          </p:cNvPr>
-          <p:cNvSpPr/>
-          <p:nvPr/>
-        </p:nvSpPr>
-        <p:spPr>
-          <a:xfrm>
-            <a:off x="3881612" y="2012556"/>
-            <a:ext cx="853043" cy="620126"/>
-          </a:xfrm>
-          <a:prstGeom prst="roundRect">
-            <a:avLst/>
-          </a:prstGeom>
-          <a:solidFill>
-            <a:srgbClr val="F3C43F"/>
-          </a:solidFill>
-        </p:spPr>
-        <p:style>
-          <a:lnRef idx="2">
-            <a:schemeClr val="accent4">
-              <a:shade val="50000"/>
-            </a:schemeClr>
-          </a:lnRef>
-          <a:fillRef idx="1">
-            <a:schemeClr val="accent4"/>
-          </a:fillRef>
-          <a:effectRef idx="0">
-            <a:schemeClr val="accent4"/>
-          </a:effectRef>
-          <a:fontRef idx="minor">
-            <a:schemeClr val="lt1"/>
-          </a:fontRef>
-        </p:style>
-        <p:txBody>
-          <a:bodyPr rtlCol="0" anchor="ctr"/>
-          <a:lstStyle/>
-          <a:p>
-            <a:pPr algn="ctr"/>
-            <a:endParaRPr lang="en-US"/>
-          </a:p>
-        </p:txBody>
-      </p:sp>
-      <p:sp>
-        <p:nvSpPr>
-          <p:cNvPr id="93" name="Rectangle: Rounded Corners 92">
-            <a:extLst>
-              <a:ext uri="{FF2B5EF4-FFF2-40B4-BE49-F238E27FC236}">
-                <a16:creationId xmlns:a16="http://schemas.microsoft.com/office/drawing/2014/main" id="{75D8BCAF-DBFA-4921-86A8-05595591D900}"/>
-              </a:ext>
-            </a:extLst>
-          </p:cNvPr>
-          <p:cNvSpPr/>
-          <p:nvPr/>
-        </p:nvSpPr>
-        <p:spPr>
-          <a:xfrm>
-            <a:off x="4829413" y="2018320"/>
-            <a:ext cx="853043" cy="642982"/>
-          </a:xfrm>
-          <a:prstGeom prst="roundRect">
-            <a:avLst/>
-          </a:prstGeom>
-          <a:solidFill>
-            <a:srgbClr val="F3C43F"/>
-          </a:solidFill>
-        </p:spPr>
-        <p:style>
-          <a:lnRef idx="2">
-            <a:schemeClr val="accent4">
-              <a:shade val="50000"/>
-            </a:schemeClr>
-          </a:lnRef>
-          <a:fillRef idx="1">
-            <a:schemeClr val="accent4"/>
-          </a:fillRef>
-          <a:effectRef idx="0">
-            <a:schemeClr val="accent4"/>
-          </a:effectRef>
-          <a:fontRef idx="minor">
-            <a:schemeClr val="lt1"/>
-          </a:fontRef>
-        </p:style>
-        <p:txBody>
-          <a:bodyPr rtlCol="0" anchor="ctr"/>
-          <a:lstStyle/>
-          <a:p>
-            <a:pPr algn="ctr"/>
-            <a:endParaRPr lang="en-US"/>
-          </a:p>
-        </p:txBody>
-      </p:sp>
-      <p:sp>
-        <p:nvSpPr>
-          <p:cNvPr id="94" name="Rectangle: Rounded Corners 93">
-            <a:extLst>
-              <a:ext uri="{FF2B5EF4-FFF2-40B4-BE49-F238E27FC236}">
-                <a16:creationId xmlns:a16="http://schemas.microsoft.com/office/drawing/2014/main" id="{A95F7676-C47B-41AE-B6D5-B6CC4269A1F4}"/>
-              </a:ext>
-            </a:extLst>
-          </p:cNvPr>
-          <p:cNvSpPr/>
-          <p:nvPr/>
-        </p:nvSpPr>
-        <p:spPr>
-          <a:xfrm>
-            <a:off x="5767146" y="2010463"/>
-            <a:ext cx="853043" cy="622782"/>
-          </a:xfrm>
-          <a:prstGeom prst="roundRect">
-            <a:avLst/>
-          </a:prstGeom>
-          <a:solidFill>
-            <a:srgbClr val="F3C43F"/>
-          </a:solidFill>
-        </p:spPr>
-        <p:style>
-          <a:lnRef idx="2">
-            <a:schemeClr val="accent4">
-              <a:shade val="50000"/>
-            </a:schemeClr>
-          </a:lnRef>
-          <a:fillRef idx="1">
-            <a:schemeClr val="accent4"/>
-          </a:fillRef>
-          <a:effectRef idx="0">
-            <a:schemeClr val="accent4"/>
-          </a:effectRef>
-          <a:fontRef idx="minor">
-            <a:schemeClr val="lt1"/>
-          </a:fontRef>
-        </p:style>
-        <p:txBody>
-          <a:bodyPr rtlCol="0" anchor="ctr"/>
-          <a:lstStyle/>
-          <a:p>
-            <a:pPr algn="ctr"/>
-            <a:endParaRPr lang="en-US"/>
-          </a:p>
-        </p:txBody>
-      </p:sp>
-      <p:sp>
-        <p:nvSpPr>
-          <p:cNvPr id="95" name="Rectangle: Rounded Corners 94">
-            <a:extLst>
-              <a:ext uri="{FF2B5EF4-FFF2-40B4-BE49-F238E27FC236}">
-                <a16:creationId xmlns:a16="http://schemas.microsoft.com/office/drawing/2014/main" id="{E4D665B6-F216-4B50-B6F3-17F5A4E0C9DC}"/>
-              </a:ext>
-            </a:extLst>
-          </p:cNvPr>
-          <p:cNvSpPr/>
-          <p:nvPr/>
-        </p:nvSpPr>
-        <p:spPr>
-          <a:xfrm>
-            <a:off x="6721142" y="2025154"/>
-            <a:ext cx="853043" cy="604504"/>
-          </a:xfrm>
-          <a:prstGeom prst="roundRect">
-            <a:avLst/>
-          </a:prstGeom>
-          <a:solidFill>
-            <a:srgbClr val="F3C43F"/>
-          </a:solidFill>
-        </p:spPr>
-        <p:style>
-          <a:lnRef idx="2">
-            <a:schemeClr val="accent4">
-              <a:shade val="50000"/>
-            </a:schemeClr>
-          </a:lnRef>
-          <a:fillRef idx="1">
-            <a:schemeClr val="accent4"/>
-          </a:fillRef>
-          <a:effectRef idx="0">
-            <a:schemeClr val="accent4"/>
-          </a:effectRef>
-          <a:fontRef idx="minor">
-            <a:schemeClr val="lt1"/>
-          </a:fontRef>
-        </p:style>
-        <p:txBody>
-          <a:bodyPr rtlCol="0" anchor="ctr"/>
-          <a:lstStyle/>
-          <a:p>
-            <a:pPr algn="ctr"/>
-            <a:endParaRPr lang="en-US" dirty="0"/>
-          </a:p>
-        </p:txBody>
-      </p:sp>
-      <p:sp>
-        <p:nvSpPr>
-          <p:cNvPr id="96" name="Rectangle: Rounded Corners 95">
-            <a:extLst>
-              <a:ext uri="{FF2B5EF4-FFF2-40B4-BE49-F238E27FC236}">
-                <a16:creationId xmlns:a16="http://schemas.microsoft.com/office/drawing/2014/main" id="{97E95E5B-F9BD-4DC1-8793-3B30D09048EB}"/>
-              </a:ext>
-            </a:extLst>
-          </p:cNvPr>
-          <p:cNvSpPr/>
-          <p:nvPr/>
-        </p:nvSpPr>
-        <p:spPr>
-          <a:xfrm>
-            <a:off x="7646688" y="2032171"/>
-            <a:ext cx="853043" cy="613816"/>
-          </a:xfrm>
-          <a:prstGeom prst="roundRect">
-            <a:avLst/>
-          </a:prstGeom>
-          <a:solidFill>
-            <a:srgbClr val="F3C43F"/>
-          </a:solidFill>
-        </p:spPr>
-        <p:style>
-          <a:lnRef idx="2">
-            <a:schemeClr val="accent4">
-              <a:shade val="50000"/>
-            </a:schemeClr>
-          </a:lnRef>
-          <a:fillRef idx="1">
-            <a:schemeClr val="accent4"/>
-          </a:fillRef>
-          <a:effectRef idx="0">
-            <a:schemeClr val="accent4"/>
-          </a:effectRef>
-          <a:fontRef idx="minor">
-            <a:schemeClr val="lt1"/>
-          </a:fontRef>
-        </p:style>
-        <p:txBody>
-          <a:bodyPr rtlCol="0" anchor="ctr"/>
-          <a:lstStyle/>
-          <a:p>
-            <a:pPr algn="ctr"/>
-            <a:endParaRPr lang="en-US" dirty="0"/>
-          </a:p>
-        </p:txBody>
-      </p:sp>
-      <p:sp>
-        <p:nvSpPr>
-          <p:cNvPr id="97" name="Rectangle: Rounded Corners 96">
-            <a:extLst>
-              <a:ext uri="{FF2B5EF4-FFF2-40B4-BE49-F238E27FC236}">
-                <a16:creationId xmlns:a16="http://schemas.microsoft.com/office/drawing/2014/main" id="{B1D56B00-680D-4CC4-8B74-7733CCD94338}"/>
-              </a:ext>
-            </a:extLst>
-          </p:cNvPr>
-          <p:cNvSpPr/>
-          <p:nvPr/>
-        </p:nvSpPr>
-        <p:spPr>
-          <a:xfrm>
-            <a:off x="8572355" y="2020092"/>
-            <a:ext cx="853043" cy="604504"/>
-          </a:xfrm>
-          <a:prstGeom prst="roundRect">
-            <a:avLst/>
-          </a:prstGeom>
-          <a:solidFill>
-            <a:srgbClr val="F3C43F"/>
-          </a:solidFill>
-        </p:spPr>
-        <p:style>
-          <a:lnRef idx="2">
-            <a:schemeClr val="accent4">
-              <a:shade val="50000"/>
-            </a:schemeClr>
-          </a:lnRef>
-          <a:fillRef idx="1">
-            <a:schemeClr val="accent4"/>
-          </a:fillRef>
-          <a:effectRef idx="0">
-            <a:schemeClr val="accent4"/>
-          </a:effectRef>
-          <a:fontRef idx="minor">
-            <a:schemeClr val="lt1"/>
-          </a:fontRef>
-        </p:style>
-        <p:txBody>
-          <a:bodyPr rtlCol="0" anchor="ctr"/>
-          <a:lstStyle/>
-          <a:p>
-            <a:pPr algn="ctr"/>
-            <a:endParaRPr lang="en-US" dirty="0"/>
-          </a:p>
-        </p:txBody>
-      </p:sp>
-      <p:sp>
-        <p:nvSpPr>
-          <p:cNvPr id="98" name="Rectangle: Rounded Corners 97">
-            <a:extLst>
-              <a:ext uri="{FF2B5EF4-FFF2-40B4-BE49-F238E27FC236}">
-                <a16:creationId xmlns:a16="http://schemas.microsoft.com/office/drawing/2014/main" id="{50C7BACB-5E19-4389-B712-324110F75EF3}"/>
-              </a:ext>
-            </a:extLst>
-          </p:cNvPr>
-          <p:cNvSpPr/>
-          <p:nvPr/>
-        </p:nvSpPr>
-        <p:spPr>
-          <a:xfrm>
-            <a:off x="9554681" y="2022513"/>
-            <a:ext cx="853043" cy="613647"/>
-          </a:xfrm>
-          <a:prstGeom prst="roundRect">
-            <a:avLst/>
-          </a:prstGeom>
-          <a:solidFill>
-            <a:srgbClr val="F3C43F"/>
-          </a:solidFill>
-        </p:spPr>
-        <p:style>
-          <a:lnRef idx="2">
-            <a:schemeClr val="accent4">
-              <a:shade val="50000"/>
-            </a:schemeClr>
-          </a:lnRef>
-          <a:fillRef idx="1">
-            <a:schemeClr val="accent4"/>
-          </a:fillRef>
-          <a:effectRef idx="0">
-            <a:schemeClr val="accent4"/>
-          </a:effectRef>
-          <a:fontRef idx="minor">
-            <a:schemeClr val="lt1"/>
-          </a:fontRef>
-        </p:style>
-        <p:txBody>
-          <a:bodyPr rtlCol="0" anchor="ctr"/>
-          <a:lstStyle/>
-          <a:p>
-            <a:pPr algn="ctr"/>
-            <a:endParaRPr lang="en-US" dirty="0"/>
-          </a:p>
-        </p:txBody>
-      </p:sp>
-      <p:sp>
-        <p:nvSpPr>
-          <p:cNvPr id="99" name="Rectangle: Rounded Corners 98">
-            <a:extLst>
-              <a:ext uri="{FF2B5EF4-FFF2-40B4-BE49-F238E27FC236}">
-                <a16:creationId xmlns:a16="http://schemas.microsoft.com/office/drawing/2014/main" id="{2F0FA411-03FE-42AC-8425-2CADD1D35873}"/>
-              </a:ext>
-            </a:extLst>
-          </p:cNvPr>
-          <p:cNvSpPr/>
-          <p:nvPr/>
-        </p:nvSpPr>
-        <p:spPr>
-          <a:xfrm>
-            <a:off x="10509825" y="2032255"/>
-            <a:ext cx="853043" cy="613648"/>
-          </a:xfrm>
-          <a:prstGeom prst="roundRect">
-            <a:avLst/>
-          </a:prstGeom>
-          <a:solidFill>
-            <a:srgbClr val="F3C43F"/>
-          </a:solidFill>
-        </p:spPr>
-        <p:style>
-          <a:lnRef idx="2">
-            <a:schemeClr val="accent4">
-              <a:shade val="50000"/>
-            </a:schemeClr>
-          </a:lnRef>
-          <a:fillRef idx="1">
-            <a:schemeClr val="accent4"/>
-          </a:fillRef>
-          <a:effectRef idx="0">
-            <a:schemeClr val="accent4"/>
-          </a:effectRef>
-          <a:fontRef idx="minor">
-            <a:schemeClr val="lt1"/>
-          </a:fontRef>
-        </p:style>
-        <p:txBody>
-          <a:bodyPr rtlCol="0" anchor="ctr"/>
-          <a:lstStyle/>
-          <a:p>
-            <a:pPr algn="ctr"/>
-            <a:endParaRPr lang="en-US" dirty="0"/>
-          </a:p>
-        </p:txBody>
-      </p:sp>
-      <p:sp>
-        <p:nvSpPr>
-          <p:cNvPr id="109" name="Rectangle: Rounded Corners 108">
-            <a:extLst>
-              <a:ext uri="{FF2B5EF4-FFF2-40B4-BE49-F238E27FC236}">
-                <a16:creationId xmlns:a16="http://schemas.microsoft.com/office/drawing/2014/main" id="{83E43DFE-8B24-4E44-BD7C-530DBD3C58E6}"/>
-              </a:ext>
-            </a:extLst>
-          </p:cNvPr>
-          <p:cNvSpPr/>
-          <p:nvPr/>
-        </p:nvSpPr>
-        <p:spPr>
-          <a:xfrm>
-            <a:off x="109526" y="903657"/>
-            <a:ext cx="853043" cy="626122"/>
-          </a:xfrm>
-          <a:prstGeom prst="roundRect">
-            <a:avLst/>
-          </a:prstGeom>
-          <a:solidFill>
-            <a:srgbClr val="92D050"/>
-          </a:solidFill>
-        </p:spPr>
-        <p:style>
-          <a:lnRef idx="2">
-            <a:schemeClr val="accent4">
-              <a:shade val="50000"/>
-            </a:schemeClr>
-          </a:lnRef>
-          <a:fillRef idx="1">
-            <a:schemeClr val="accent4"/>
-          </a:fillRef>
-          <a:effectRef idx="0">
-            <a:schemeClr val="accent4"/>
-          </a:effectRef>
-          <a:fontRef idx="minor">
-            <a:schemeClr val="lt1"/>
-          </a:fontRef>
-        </p:style>
-        <p:txBody>
-          <a:bodyPr rtlCol="0" anchor="ctr"/>
-          <a:lstStyle/>
-          <a:p>
-            <a:pPr algn="ctr"/>
-            <a:endParaRPr lang="en-US" b="1" dirty="0">
-              <a:solidFill>
-                <a:schemeClr val="tx1"/>
-              </a:solidFill>
-            </a:endParaRPr>
-          </a:p>
-        </p:txBody>
-      </p:sp>
-      <p:sp>
-        <p:nvSpPr>
-          <p:cNvPr id="110" name="Rectangle: Rounded Corners 109">
-            <a:extLst>
-              <a:ext uri="{FF2B5EF4-FFF2-40B4-BE49-F238E27FC236}">
-                <a16:creationId xmlns:a16="http://schemas.microsoft.com/office/drawing/2014/main" id="{334757FB-D03E-4AF0-A0B5-264A763EA2C8}"/>
-              </a:ext>
-            </a:extLst>
-          </p:cNvPr>
-          <p:cNvSpPr/>
-          <p:nvPr/>
-        </p:nvSpPr>
-        <p:spPr>
-          <a:xfrm>
-            <a:off x="1041971" y="923544"/>
-            <a:ext cx="853043" cy="614894"/>
-          </a:xfrm>
-          <a:prstGeom prst="roundRect">
-            <a:avLst/>
-          </a:prstGeom>
-          <a:solidFill>
-            <a:srgbClr val="92D050"/>
-          </a:solidFill>
-        </p:spPr>
-        <p:style>
-          <a:lnRef idx="2">
-            <a:schemeClr val="accent4">
-              <a:shade val="50000"/>
-            </a:schemeClr>
-          </a:lnRef>
-          <a:fillRef idx="1">
-            <a:schemeClr val="accent4"/>
-          </a:fillRef>
-          <a:effectRef idx="0">
-            <a:schemeClr val="accent4"/>
-          </a:effectRef>
-          <a:fontRef idx="minor">
-            <a:schemeClr val="lt1"/>
-          </a:fontRef>
-        </p:style>
-        <p:txBody>
-          <a:bodyPr rtlCol="0" anchor="ctr"/>
-          <a:lstStyle/>
-          <a:p>
-            <a:pPr algn="ctr"/>
-            <a:endParaRPr lang="en-US"/>
-          </a:p>
-        </p:txBody>
-      </p:sp>
-      <p:sp>
-        <p:nvSpPr>
-          <p:cNvPr id="111" name="Rectangle: Rounded Corners 110">
-            <a:extLst>
-              <a:ext uri="{FF2B5EF4-FFF2-40B4-BE49-F238E27FC236}">
-                <a16:creationId xmlns:a16="http://schemas.microsoft.com/office/drawing/2014/main" id="{CD24AA5A-09F2-49A4-B089-90F8EBF51F42}"/>
-              </a:ext>
-            </a:extLst>
-          </p:cNvPr>
-          <p:cNvSpPr/>
-          <p:nvPr/>
-        </p:nvSpPr>
-        <p:spPr>
-          <a:xfrm>
-            <a:off x="1981471" y="897307"/>
-            <a:ext cx="853043" cy="628637"/>
-          </a:xfrm>
-          <a:prstGeom prst="roundRect">
-            <a:avLst/>
-          </a:prstGeom>
-          <a:solidFill>
-            <a:srgbClr val="92D050"/>
-          </a:solidFill>
-        </p:spPr>
-        <p:style>
-          <a:lnRef idx="2">
-            <a:schemeClr val="accent4">
-              <a:shade val="50000"/>
-            </a:schemeClr>
-          </a:lnRef>
-          <a:fillRef idx="1">
-            <a:schemeClr val="accent4"/>
-          </a:fillRef>
-          <a:effectRef idx="0">
-            <a:schemeClr val="accent4"/>
-          </a:effectRef>
-          <a:fontRef idx="minor">
-            <a:schemeClr val="lt1"/>
-          </a:fontRef>
-        </p:style>
-        <p:txBody>
-          <a:bodyPr rtlCol="0" anchor="ctr"/>
-          <a:lstStyle/>
-          <a:p>
-            <a:pPr algn="ctr"/>
-            <a:endParaRPr lang="en-US"/>
-          </a:p>
-        </p:txBody>
-      </p:sp>
-      <p:sp>
-        <p:nvSpPr>
-          <p:cNvPr id="112" name="Rectangle: Rounded Corners 111">
-            <a:extLst>
-              <a:ext uri="{FF2B5EF4-FFF2-40B4-BE49-F238E27FC236}">
-                <a16:creationId xmlns:a16="http://schemas.microsoft.com/office/drawing/2014/main" id="{8324C29E-1881-4FD1-8678-C2D7F15A4016}"/>
-              </a:ext>
-            </a:extLst>
-          </p:cNvPr>
-          <p:cNvSpPr/>
-          <p:nvPr/>
-        </p:nvSpPr>
-        <p:spPr>
-          <a:xfrm>
-            <a:off x="2906832" y="913020"/>
-            <a:ext cx="853043" cy="606114"/>
-          </a:xfrm>
-          <a:prstGeom prst="roundRect">
-            <a:avLst/>
-          </a:prstGeom>
-          <a:solidFill>
-            <a:srgbClr val="92D050"/>
-          </a:solidFill>
-        </p:spPr>
-        <p:style>
-          <a:lnRef idx="2">
-            <a:schemeClr val="accent4">
-              <a:shade val="50000"/>
-            </a:schemeClr>
-          </a:lnRef>
-          <a:fillRef idx="1">
-            <a:schemeClr val="accent4"/>
-          </a:fillRef>
-          <a:effectRef idx="0">
-            <a:schemeClr val="accent4"/>
-          </a:effectRef>
-          <a:fontRef idx="minor">
-            <a:schemeClr val="lt1"/>
-          </a:fontRef>
-        </p:style>
-        <p:txBody>
-          <a:bodyPr rtlCol="0" anchor="ctr"/>
-          <a:lstStyle/>
-          <a:p>
-            <a:pPr algn="ctr"/>
-            <a:endParaRPr lang="en-US"/>
-          </a:p>
-        </p:txBody>
-      </p:sp>
-      <p:sp>
-        <p:nvSpPr>
-          <p:cNvPr id="113" name="Rectangle: Rounded Corners 112">
-            <a:extLst>
-              <a:ext uri="{FF2B5EF4-FFF2-40B4-BE49-F238E27FC236}">
-                <a16:creationId xmlns:a16="http://schemas.microsoft.com/office/drawing/2014/main" id="{BCEB4A45-3871-4C21-A205-223700B5C76B}"/>
-              </a:ext>
-            </a:extLst>
-          </p:cNvPr>
-          <p:cNvSpPr/>
-          <p:nvPr/>
-        </p:nvSpPr>
-        <p:spPr>
-          <a:xfrm>
-            <a:off x="3860074" y="886968"/>
-            <a:ext cx="853043" cy="640572"/>
-          </a:xfrm>
-          <a:prstGeom prst="roundRect">
-            <a:avLst/>
-          </a:prstGeom>
-          <a:solidFill>
-            <a:srgbClr val="92D050"/>
-          </a:solidFill>
-        </p:spPr>
-        <p:style>
-          <a:lnRef idx="2">
-            <a:schemeClr val="accent4">
-              <a:shade val="50000"/>
-            </a:schemeClr>
-          </a:lnRef>
-          <a:fillRef idx="1">
-            <a:schemeClr val="accent4"/>
-          </a:fillRef>
-          <a:effectRef idx="0">
-            <a:schemeClr val="accent4"/>
-          </a:effectRef>
-          <a:fontRef idx="minor">
-            <a:schemeClr val="lt1"/>
-          </a:fontRef>
-        </p:style>
-        <p:txBody>
-          <a:bodyPr rtlCol="0" anchor="ctr"/>
-          <a:lstStyle/>
-          <a:p>
-            <a:pPr algn="ctr"/>
-            <a:endParaRPr lang="en-US"/>
-          </a:p>
-        </p:txBody>
-      </p:sp>
-      <p:sp>
-        <p:nvSpPr>
-          <p:cNvPr id="114" name="Rectangle: Rounded Corners 113">
-            <a:extLst>
-              <a:ext uri="{FF2B5EF4-FFF2-40B4-BE49-F238E27FC236}">
-                <a16:creationId xmlns:a16="http://schemas.microsoft.com/office/drawing/2014/main" id="{79098C4E-29D0-433A-BF1C-0449CA517254}"/>
-              </a:ext>
-            </a:extLst>
-          </p:cNvPr>
-          <p:cNvSpPr/>
-          <p:nvPr/>
-        </p:nvSpPr>
-        <p:spPr>
-          <a:xfrm>
-            <a:off x="4807875" y="898541"/>
-            <a:ext cx="853043" cy="658174"/>
-          </a:xfrm>
-          <a:prstGeom prst="roundRect">
-            <a:avLst/>
-          </a:prstGeom>
-          <a:solidFill>
-            <a:srgbClr val="92D050"/>
-          </a:solidFill>
-        </p:spPr>
-        <p:style>
-          <a:lnRef idx="2">
-            <a:schemeClr val="accent4">
-              <a:shade val="50000"/>
-            </a:schemeClr>
-          </a:lnRef>
-          <a:fillRef idx="1">
-            <a:schemeClr val="accent4"/>
-          </a:fillRef>
-          <a:effectRef idx="0">
-            <a:schemeClr val="accent4"/>
-          </a:effectRef>
-          <a:fontRef idx="minor">
-            <a:schemeClr val="lt1"/>
-          </a:fontRef>
-        </p:style>
-        <p:txBody>
-          <a:bodyPr rtlCol="0" anchor="ctr"/>
-          <a:lstStyle/>
-          <a:p>
-            <a:pPr algn="ctr"/>
-            <a:endParaRPr lang="en-US"/>
-          </a:p>
-        </p:txBody>
-      </p:sp>
-      <p:sp>
-        <p:nvSpPr>
-          <p:cNvPr id="115" name="Rectangle: Rounded Corners 114">
-            <a:extLst>
-              <a:ext uri="{FF2B5EF4-FFF2-40B4-BE49-F238E27FC236}">
-                <a16:creationId xmlns:a16="http://schemas.microsoft.com/office/drawing/2014/main" id="{D6D23217-28B4-4D3A-9682-E4EE6152F528}"/>
-              </a:ext>
-            </a:extLst>
-          </p:cNvPr>
-          <p:cNvSpPr/>
-          <p:nvPr/>
-        </p:nvSpPr>
-        <p:spPr>
-          <a:xfrm>
-            <a:off x="5763935" y="902309"/>
-            <a:ext cx="853043" cy="637881"/>
-          </a:xfrm>
-          <a:prstGeom prst="roundRect">
-            <a:avLst/>
-          </a:prstGeom>
-          <a:solidFill>
-            <a:srgbClr val="92D050"/>
-          </a:solidFill>
-        </p:spPr>
-        <p:style>
-          <a:lnRef idx="2">
-            <a:schemeClr val="accent4">
-              <a:shade val="50000"/>
-            </a:schemeClr>
-          </a:lnRef>
-          <a:fillRef idx="1">
-            <a:schemeClr val="accent4"/>
-          </a:fillRef>
-          <a:effectRef idx="0">
-            <a:schemeClr val="accent4"/>
-          </a:effectRef>
-          <a:fontRef idx="minor">
-            <a:schemeClr val="lt1"/>
-          </a:fontRef>
-        </p:style>
-        <p:txBody>
-          <a:bodyPr rtlCol="0" anchor="ctr"/>
-          <a:lstStyle/>
-          <a:p>
-            <a:pPr algn="ctr"/>
-            <a:endParaRPr lang="en-US"/>
-          </a:p>
-        </p:txBody>
-      </p:sp>
-      <p:sp>
-        <p:nvSpPr>
-          <p:cNvPr id="116" name="Rectangle: Rounded Corners 115">
-            <a:extLst>
-              <a:ext uri="{FF2B5EF4-FFF2-40B4-BE49-F238E27FC236}">
-                <a16:creationId xmlns:a16="http://schemas.microsoft.com/office/drawing/2014/main" id="{F2C8FD97-BBAC-4B14-B55E-4DFFE9AD1FF4}"/>
-              </a:ext>
-            </a:extLst>
-          </p:cNvPr>
-          <p:cNvSpPr/>
-          <p:nvPr/>
-        </p:nvSpPr>
-        <p:spPr>
-          <a:xfrm>
-            <a:off x="6699604" y="904978"/>
-            <a:ext cx="853043" cy="619160"/>
-          </a:xfrm>
-          <a:prstGeom prst="roundRect">
-            <a:avLst/>
-          </a:prstGeom>
-          <a:solidFill>
-            <a:srgbClr val="92D050"/>
-          </a:solidFill>
-        </p:spPr>
-        <p:style>
-          <a:lnRef idx="2">
-            <a:schemeClr val="accent4">
-              <a:shade val="50000"/>
-            </a:schemeClr>
-          </a:lnRef>
-          <a:fillRef idx="1">
-            <a:schemeClr val="accent4"/>
-          </a:fillRef>
-          <a:effectRef idx="0">
-            <a:schemeClr val="accent4"/>
-          </a:effectRef>
-          <a:fontRef idx="minor">
-            <a:schemeClr val="lt1"/>
-          </a:fontRef>
-        </p:style>
-        <p:txBody>
-          <a:bodyPr rtlCol="0" anchor="ctr"/>
-          <a:lstStyle/>
-          <a:p>
-            <a:pPr algn="ctr"/>
-            <a:endParaRPr lang="en-US" dirty="0"/>
-          </a:p>
-        </p:txBody>
-      </p:sp>
-      <p:sp>
-        <p:nvSpPr>
-          <p:cNvPr id="117" name="Rectangle: Rounded Corners 116">
-            <a:extLst>
-              <a:ext uri="{FF2B5EF4-FFF2-40B4-BE49-F238E27FC236}">
-                <a16:creationId xmlns:a16="http://schemas.microsoft.com/office/drawing/2014/main" id="{343D7624-E606-4E4A-9EBD-F1D053188997}"/>
-              </a:ext>
-            </a:extLst>
-          </p:cNvPr>
-          <p:cNvSpPr/>
-          <p:nvPr/>
-        </p:nvSpPr>
-        <p:spPr>
-          <a:xfrm>
-            <a:off x="7664978" y="919915"/>
-            <a:ext cx="853043" cy="628697"/>
-          </a:xfrm>
-          <a:prstGeom prst="roundRect">
-            <a:avLst/>
-          </a:prstGeom>
-          <a:solidFill>
-            <a:srgbClr val="92D050"/>
-          </a:solidFill>
-        </p:spPr>
-        <p:style>
-          <a:lnRef idx="2">
-            <a:schemeClr val="accent4">
-              <a:shade val="50000"/>
-            </a:schemeClr>
-          </a:lnRef>
-          <a:fillRef idx="1">
-            <a:schemeClr val="accent4"/>
-          </a:fillRef>
-          <a:effectRef idx="0">
-            <a:schemeClr val="accent4"/>
-          </a:effectRef>
-          <a:fontRef idx="minor">
-            <a:schemeClr val="lt1"/>
-          </a:fontRef>
-        </p:style>
-        <p:txBody>
-          <a:bodyPr rtlCol="0" anchor="ctr"/>
-          <a:lstStyle/>
-          <a:p>
-            <a:pPr algn="ctr"/>
-            <a:endParaRPr lang="en-US" dirty="0"/>
-          </a:p>
-        </p:txBody>
-      </p:sp>
-      <p:sp>
-        <p:nvSpPr>
-          <p:cNvPr id="118" name="Rectangle: Rounded Corners 117">
-            <a:extLst>
-              <a:ext uri="{FF2B5EF4-FFF2-40B4-BE49-F238E27FC236}">
-                <a16:creationId xmlns:a16="http://schemas.microsoft.com/office/drawing/2014/main" id="{DBB966C3-BD16-46C5-AABF-E4003BEB0ABB}"/>
-              </a:ext>
-            </a:extLst>
-          </p:cNvPr>
-          <p:cNvSpPr/>
-          <p:nvPr/>
-        </p:nvSpPr>
-        <p:spPr>
-          <a:xfrm>
-            <a:off x="8591333" y="928017"/>
-            <a:ext cx="853043" cy="619160"/>
-          </a:xfrm>
-          <a:prstGeom prst="roundRect">
-            <a:avLst/>
-          </a:prstGeom>
-          <a:solidFill>
-            <a:srgbClr val="92D050"/>
-          </a:solidFill>
-        </p:spPr>
-        <p:style>
-          <a:lnRef idx="2">
-            <a:schemeClr val="accent4">
-              <a:shade val="50000"/>
-            </a:schemeClr>
-          </a:lnRef>
-          <a:fillRef idx="1">
-            <a:schemeClr val="accent4"/>
-          </a:fillRef>
-          <a:effectRef idx="0">
-            <a:schemeClr val="accent4"/>
-          </a:effectRef>
-          <a:fontRef idx="minor">
-            <a:schemeClr val="lt1"/>
-          </a:fontRef>
-        </p:style>
-        <p:txBody>
-          <a:bodyPr rtlCol="0" anchor="ctr"/>
-          <a:lstStyle/>
-          <a:p>
-            <a:pPr algn="ctr"/>
-            <a:endParaRPr lang="en-US" dirty="0"/>
-          </a:p>
-        </p:txBody>
-      </p:sp>
-      <p:sp>
-        <p:nvSpPr>
-          <p:cNvPr id="119" name="Rectangle: Rounded Corners 118">
-            <a:extLst>
-              <a:ext uri="{FF2B5EF4-FFF2-40B4-BE49-F238E27FC236}">
-                <a16:creationId xmlns:a16="http://schemas.microsoft.com/office/drawing/2014/main" id="{09275915-FB93-4BA0-9264-EED84B311E00}"/>
-              </a:ext>
-            </a:extLst>
-          </p:cNvPr>
-          <p:cNvSpPr/>
-          <p:nvPr/>
-        </p:nvSpPr>
-        <p:spPr>
-          <a:xfrm>
-            <a:off x="9551610" y="923544"/>
-            <a:ext cx="853043" cy="609958"/>
-          </a:xfrm>
-          <a:prstGeom prst="roundRect">
-            <a:avLst/>
-          </a:prstGeom>
-          <a:solidFill>
-            <a:srgbClr val="92D050"/>
-          </a:solidFill>
-        </p:spPr>
-        <p:style>
-          <a:lnRef idx="2">
-            <a:schemeClr val="accent4">
-              <a:shade val="50000"/>
-            </a:schemeClr>
-          </a:lnRef>
-          <a:fillRef idx="1">
-            <a:schemeClr val="accent4"/>
-          </a:fillRef>
-          <a:effectRef idx="0">
-            <a:schemeClr val="accent4"/>
-          </a:effectRef>
-          <a:fontRef idx="minor">
-            <a:schemeClr val="lt1"/>
-          </a:fontRef>
-        </p:style>
-        <p:txBody>
-          <a:bodyPr rtlCol="0" anchor="ctr"/>
-          <a:lstStyle/>
-          <a:p>
-            <a:pPr algn="ctr"/>
-            <a:endParaRPr lang="en-US" dirty="0"/>
-          </a:p>
-        </p:txBody>
-      </p:sp>
-      <p:sp>
-        <p:nvSpPr>
-          <p:cNvPr id="120" name="Rectangle: Rounded Corners 119">
-            <a:extLst>
-              <a:ext uri="{FF2B5EF4-FFF2-40B4-BE49-F238E27FC236}">
-                <a16:creationId xmlns:a16="http://schemas.microsoft.com/office/drawing/2014/main" id="{B46E2648-6064-477B-97E4-9F7E65CE6383}"/>
-              </a:ext>
-            </a:extLst>
-          </p:cNvPr>
-          <p:cNvSpPr/>
-          <p:nvPr/>
-        </p:nvSpPr>
-        <p:spPr>
-          <a:xfrm>
-            <a:off x="10527178" y="913020"/>
-            <a:ext cx="853043" cy="628525"/>
-          </a:xfrm>
-          <a:prstGeom prst="roundRect">
-            <a:avLst/>
-          </a:prstGeom>
-          <a:solidFill>
-            <a:srgbClr val="92D050"/>
-          </a:solidFill>
-        </p:spPr>
-        <p:style>
-          <a:lnRef idx="2">
-            <a:schemeClr val="accent4">
-              <a:shade val="50000"/>
-            </a:schemeClr>
-          </a:lnRef>
-          <a:fillRef idx="1">
-            <a:schemeClr val="accent4"/>
-          </a:fillRef>
-          <a:effectRef idx="0">
-            <a:schemeClr val="accent4"/>
-          </a:effectRef>
-          <a:fontRef idx="minor">
-            <a:schemeClr val="lt1"/>
-          </a:fontRef>
-        </p:style>
-        <p:txBody>
-          <a:bodyPr rtlCol="0" anchor="ctr"/>
-          <a:lstStyle/>
-          <a:p>
-            <a:pPr algn="ctr"/>
-            <a:endParaRPr lang="en-US" dirty="0"/>
-          </a:p>
-        </p:txBody>
-      </p:sp>
-      <p:sp>
-        <p:nvSpPr>
-          <p:cNvPr id="133" name="Rectangle 132">
-            <a:extLst>
-              <a:ext uri="{FF2B5EF4-FFF2-40B4-BE49-F238E27FC236}">
-                <a16:creationId xmlns:a16="http://schemas.microsoft.com/office/drawing/2014/main" id="{82AC81A8-EE71-4E72-A2FD-D249869CD229}"/>
-              </a:ext>
-            </a:extLst>
-          </p:cNvPr>
-          <p:cNvSpPr/>
-          <p:nvPr/>
-        </p:nvSpPr>
-        <p:spPr>
-          <a:xfrm>
-            <a:off x="112587" y="519778"/>
-            <a:ext cx="11244807" cy="297989"/>
+            <a:off x="112588" y="519778"/>
+            <a:ext cx="10514242" cy="297989"/>
           </a:xfrm>
           <a:prstGeom prst="rect">
             <a:avLst/>
@@ -9075,10 +6714,10 @@
       </p:sp>
       <p:sp>
         <p:nvSpPr>
-          <p:cNvPr id="142" name="TextBox 141">
-            <a:extLst>
-              <a:ext uri="{FF2B5EF4-FFF2-40B4-BE49-F238E27FC236}">
-                <a16:creationId xmlns:a16="http://schemas.microsoft.com/office/drawing/2014/main" id="{B18DC8EE-4E94-4DC7-A04F-7B2E46657E80}"/>
+          <p:cNvPr id="166" name="TextBox 165">
+            <a:extLst>
+              <a:ext uri="{FF2B5EF4-FFF2-40B4-BE49-F238E27FC236}">
+                <a16:creationId xmlns:a16="http://schemas.microsoft.com/office/drawing/2014/main" id="{EC918591-6367-4CD3-B7C9-8E054C647456}"/>
               </a:ext>
             </a:extLst>
           </p:cNvPr>
@@ -9087,8 +6726,8 @@
         </p:nvSpPr>
         <p:spPr>
           <a:xfrm>
-            <a:off x="115430" y="3207882"/>
-            <a:ext cx="779381" cy="307777"/>
+            <a:off x="361404" y="912469"/>
+            <a:ext cx="873829" cy="307777"/>
           </a:xfrm>
           <a:prstGeom prst="rect">
             <a:avLst/>
@@ -9103,17 +6742,17 @@
           <a:p>
             <a:r>
               <a:rPr lang="en-US" sz="1400" b="1" dirty="0"/>
-              <a:t>LIGAZID</a:t>
-            </a:r>
-          </a:p>
-        </p:txBody>
-      </p:sp>
-      <p:sp>
-        <p:nvSpPr>
-          <p:cNvPr id="143" name="TextBox 142">
-            <a:extLst>
-              <a:ext uri="{FF2B5EF4-FFF2-40B4-BE49-F238E27FC236}">
-                <a16:creationId xmlns:a16="http://schemas.microsoft.com/office/drawing/2014/main" id="{AD8A408C-D255-41F4-AC7E-3DD944866062}"/>
+              <a:t>OSTOCAL</a:t>
+            </a:r>
+          </a:p>
+        </p:txBody>
+      </p:sp>
+      <p:sp>
+        <p:nvSpPr>
+          <p:cNvPr id="167" name="TextBox 166">
+            <a:extLst>
+              <a:ext uri="{FF2B5EF4-FFF2-40B4-BE49-F238E27FC236}">
+                <a16:creationId xmlns:a16="http://schemas.microsoft.com/office/drawing/2014/main" id="{64A78E3A-F319-4EC3-B732-4301B84C2ABE}"/>
               </a:ext>
             </a:extLst>
           </p:cNvPr>
@@ -9122,8 +6761,8 @@
         </p:nvSpPr>
         <p:spPr>
           <a:xfrm>
-            <a:off x="1008490" y="3207882"/>
-            <a:ext cx="787395" cy="307777"/>
+            <a:off x="1914476" y="909552"/>
+            <a:ext cx="856325" cy="307777"/>
           </a:xfrm>
           <a:prstGeom prst="rect">
             <a:avLst/>
@@ -9138,17 +6777,17 @@
           <a:p>
             <a:r>
               <a:rPr lang="en-US" sz="1400" b="1" dirty="0"/>
-              <a:t>EMAZID</a:t>
-            </a:r>
-          </a:p>
-        </p:txBody>
-      </p:sp>
-      <p:sp>
-        <p:nvSpPr>
-          <p:cNvPr id="144" name="TextBox 143">
-            <a:extLst>
-              <a:ext uri="{FF2B5EF4-FFF2-40B4-BE49-F238E27FC236}">
-                <a16:creationId xmlns:a16="http://schemas.microsoft.com/office/drawing/2014/main" id="{25380FB1-CBAD-467C-8FF6-89A31B01451D}"/>
+              <a:t>SOLBION</a:t>
+            </a:r>
+          </a:p>
+        </p:txBody>
+      </p:sp>
+      <p:sp>
+        <p:nvSpPr>
+          <p:cNvPr id="168" name="TextBox 167">
+            <a:extLst>
+              <a:ext uri="{FF2B5EF4-FFF2-40B4-BE49-F238E27FC236}">
+                <a16:creationId xmlns:a16="http://schemas.microsoft.com/office/drawing/2014/main" id="{3996784D-A452-40A0-9B97-22A98A460EF6}"/>
               </a:ext>
             </a:extLst>
           </p:cNvPr>
@@ -9157,8 +6796,8 @@
         </p:nvSpPr>
         <p:spPr>
           <a:xfrm>
-            <a:off x="1975534" y="3225826"/>
-            <a:ext cx="786049" cy="307777"/>
+            <a:off x="3567649" y="906234"/>
+            <a:ext cx="545342" cy="307777"/>
           </a:xfrm>
           <a:prstGeom prst="rect">
             <a:avLst/>
@@ -9173,17 +6812,17 @@
           <a:p>
             <a:r>
               <a:rPr lang="en-US" sz="1400" b="1" dirty="0"/>
-              <a:t>LIPICON</a:t>
-            </a:r>
-          </a:p>
-        </p:txBody>
-      </p:sp>
-      <p:sp>
-        <p:nvSpPr>
-          <p:cNvPr id="145" name="TextBox 144">
-            <a:extLst>
-              <a:ext uri="{FF2B5EF4-FFF2-40B4-BE49-F238E27FC236}">
-                <a16:creationId xmlns:a16="http://schemas.microsoft.com/office/drawing/2014/main" id="{DF71729E-F01D-46DA-A492-5F3C5BA388D0}"/>
+              <a:t>XINC</a:t>
+            </a:r>
+          </a:p>
+        </p:txBody>
+      </p:sp>
+      <p:sp>
+        <p:nvSpPr>
+          <p:cNvPr id="169" name="TextBox 168">
+            <a:extLst>
+              <a:ext uri="{FF2B5EF4-FFF2-40B4-BE49-F238E27FC236}">
+                <a16:creationId xmlns:a16="http://schemas.microsoft.com/office/drawing/2014/main" id="{BF8573BC-6CBA-483E-AB5F-EB6487872E3B}"/>
               </a:ext>
             </a:extLst>
           </p:cNvPr>
@@ -9192,8 +6831,8 @@
         </p:nvSpPr>
         <p:spPr>
           <a:xfrm>
-            <a:off x="2995675" y="3215961"/>
-            <a:ext cx="624915" cy="307777"/>
+            <a:off x="4908588" y="889911"/>
+            <a:ext cx="879215" cy="307777"/>
           </a:xfrm>
           <a:prstGeom prst="rect">
             <a:avLst/>
@@ -9208,17 +6847,17 @@
           <a:p>
             <a:r>
               <a:rPr lang="en-US" sz="1400" b="1" dirty="0"/>
-              <a:t>AGLIP</a:t>
-            </a:r>
-          </a:p>
-        </p:txBody>
-      </p:sp>
-      <p:sp>
-        <p:nvSpPr>
-          <p:cNvPr id="146" name="TextBox 145">
-            <a:extLst>
-              <a:ext uri="{FF2B5EF4-FFF2-40B4-BE49-F238E27FC236}">
-                <a16:creationId xmlns:a16="http://schemas.microsoft.com/office/drawing/2014/main" id="{4F7D1E72-3FF1-4D64-B686-5ADCF6E56D7D}"/>
+              <a:t>LUMONA</a:t>
+            </a:r>
+          </a:p>
+        </p:txBody>
+      </p:sp>
+      <p:sp>
+        <p:nvSpPr>
+          <p:cNvPr id="170" name="TextBox 169">
+            <a:extLst>
+              <a:ext uri="{FF2B5EF4-FFF2-40B4-BE49-F238E27FC236}">
+                <a16:creationId xmlns:a16="http://schemas.microsoft.com/office/drawing/2014/main" id="{DF083072-630F-4F0A-8176-4DC344F4105A}"/>
               </a:ext>
             </a:extLst>
           </p:cNvPr>
@@ -9227,8 +6866,8 @@
         </p:nvSpPr>
         <p:spPr>
           <a:xfrm>
-            <a:off x="3853007" y="3228976"/>
-            <a:ext cx="734496" cy="307777"/>
+            <a:off x="6536276" y="889911"/>
+            <a:ext cx="704167" cy="307777"/>
           </a:xfrm>
           <a:prstGeom prst="rect">
             <a:avLst/>
@@ -9243,17 +6882,17 @@
           <a:p>
             <a:r>
               <a:rPr lang="en-US" sz="1400" b="1" dirty="0"/>
-              <a:t>CIFIBET</a:t>
-            </a:r>
-          </a:p>
-        </p:txBody>
-      </p:sp>
-      <p:sp>
-        <p:nvSpPr>
-          <p:cNvPr id="147" name="TextBox 146">
-            <a:extLst>
-              <a:ext uri="{FF2B5EF4-FFF2-40B4-BE49-F238E27FC236}">
-                <a16:creationId xmlns:a16="http://schemas.microsoft.com/office/drawing/2014/main" id="{044949FB-BA61-4E9B-B542-62098F413892}"/>
+              <a:t>ROXIM</a:t>
+            </a:r>
+          </a:p>
+        </p:txBody>
+      </p:sp>
+      <p:sp>
+        <p:nvSpPr>
+          <p:cNvPr id="171" name="TextBox 170">
+            <a:extLst>
+              <a:ext uri="{FF2B5EF4-FFF2-40B4-BE49-F238E27FC236}">
+                <a16:creationId xmlns:a16="http://schemas.microsoft.com/office/drawing/2014/main" id="{1F6DCEB0-6994-4FC3-A319-878B85152FEB}"/>
               </a:ext>
             </a:extLst>
           </p:cNvPr>
@@ -9262,8 +6901,8 @@
         </p:nvSpPr>
         <p:spPr>
           <a:xfrm>
-            <a:off x="4745990" y="3214380"/>
-            <a:ext cx="838371" cy="307777"/>
+            <a:off x="7898680" y="878723"/>
+            <a:ext cx="944874" cy="307777"/>
           </a:xfrm>
           <a:prstGeom prst="rect">
             <a:avLst/>
@@ -9278,17 +6917,17 @@
           <a:p>
             <a:r>
               <a:rPr lang="en-US" sz="1400" b="1" dirty="0"/>
-              <a:t>AMLEVO</a:t>
-            </a:r>
-          </a:p>
-        </p:txBody>
-      </p:sp>
-      <p:sp>
-        <p:nvSpPr>
-          <p:cNvPr id="148" name="TextBox 147">
-            <a:extLst>
-              <a:ext uri="{FF2B5EF4-FFF2-40B4-BE49-F238E27FC236}">
-                <a16:creationId xmlns:a16="http://schemas.microsoft.com/office/drawing/2014/main" id="{CE57F3E9-72FC-4009-9692-E8F23131A74D}"/>
+              <a:t>KEFUCLAV</a:t>
+            </a:r>
+          </a:p>
+        </p:txBody>
+      </p:sp>
+      <p:sp>
+        <p:nvSpPr>
+          <p:cNvPr id="172" name="TextBox 171">
+            <a:extLst>
+              <a:ext uri="{FF2B5EF4-FFF2-40B4-BE49-F238E27FC236}">
+                <a16:creationId xmlns:a16="http://schemas.microsoft.com/office/drawing/2014/main" id="{6CBE6A6E-DF0E-4858-8F10-C0C8859C102B}"/>
               </a:ext>
             </a:extLst>
           </p:cNvPr>
@@ -9297,7 +6936,7 @@
         </p:nvSpPr>
         <p:spPr>
           <a:xfrm>
-            <a:off x="5699845" y="3221609"/>
+            <a:off x="9518957" y="913771"/>
             <a:ext cx="953002" cy="307777"/>
           </a:xfrm>
           <a:prstGeom prst="rect">
@@ -9313,17 +6952,444 @@
           <a:p>
             <a:r>
               <a:rPr lang="en-US" sz="1400" b="1" dirty="0"/>
-              <a:t>CARDOBIS</a:t>
-            </a:r>
-          </a:p>
-        </p:txBody>
-      </p:sp>
-      <p:sp>
-        <p:nvSpPr>
-          <p:cNvPr id="149" name="TextBox 148">
-            <a:extLst>
-              <a:ext uri="{FF2B5EF4-FFF2-40B4-BE49-F238E27FC236}">
-                <a16:creationId xmlns:a16="http://schemas.microsoft.com/office/drawing/2014/main" id="{36669CBB-C2C0-4894-9940-745BC903A0D0}"/>
+              <a:t>DEFCORT</a:t>
+            </a:r>
+          </a:p>
+        </p:txBody>
+      </p:sp>
+      <p:sp>
+        <p:nvSpPr>
+          <p:cNvPr id="129" name="Rectangle: Rounded Corners 128">
+            <a:extLst>
+              <a:ext uri="{FF2B5EF4-FFF2-40B4-BE49-F238E27FC236}">
+                <a16:creationId xmlns:a16="http://schemas.microsoft.com/office/drawing/2014/main" id="{6F6A685C-1AEB-4002-B0CF-2EE75B4ACE2D}"/>
+              </a:ext>
+            </a:extLst>
+          </p:cNvPr>
+          <p:cNvSpPr/>
+          <p:nvPr/>
+        </p:nvSpPr>
+        <p:spPr>
+          <a:xfrm>
+            <a:off x="1656633" y="2008304"/>
+            <a:ext cx="1399234" cy="626122"/>
+          </a:xfrm>
+          <a:prstGeom prst="roundRect">
+            <a:avLst/>
+          </a:prstGeom>
+          <a:solidFill>
+            <a:schemeClr val="accent4">
+              <a:lumMod val="40000"/>
+              <a:lumOff val="60000"/>
+            </a:schemeClr>
+          </a:solidFill>
+          <a:ln w="19050">
+            <a:solidFill>
+              <a:schemeClr val="accent2"/>
+            </a:solidFill>
+          </a:ln>
+        </p:spPr>
+        <p:style>
+          <a:lnRef idx="2">
+            <a:schemeClr val="accent4">
+              <a:shade val="50000"/>
+            </a:schemeClr>
+          </a:lnRef>
+          <a:fillRef idx="1">
+            <a:schemeClr val="accent4"/>
+          </a:fillRef>
+          <a:effectRef idx="0">
+            <a:schemeClr val="accent4"/>
+          </a:effectRef>
+          <a:fontRef idx="minor">
+            <a:schemeClr val="lt1"/>
+          </a:fontRef>
+        </p:style>
+        <p:txBody>
+          <a:bodyPr rtlCol="0" anchor="ctr"/>
+          <a:lstStyle/>
+          <a:p>
+            <a:pPr algn="ctr"/>
+            <a:endParaRPr lang="en-US" b="1" dirty="0">
+              <a:solidFill>
+                <a:schemeClr val="tx1"/>
+              </a:solidFill>
+            </a:endParaRPr>
+          </a:p>
+        </p:txBody>
+      </p:sp>
+      <p:sp>
+        <p:nvSpPr>
+          <p:cNvPr id="130" name="Rectangle: Rounded Corners 129">
+            <a:extLst>
+              <a:ext uri="{FF2B5EF4-FFF2-40B4-BE49-F238E27FC236}">
+                <a16:creationId xmlns:a16="http://schemas.microsoft.com/office/drawing/2014/main" id="{54D0C59B-7850-4D10-9484-26F06B7B655E}"/>
+              </a:ext>
+            </a:extLst>
+          </p:cNvPr>
+          <p:cNvSpPr/>
+          <p:nvPr/>
+        </p:nvSpPr>
+        <p:spPr>
+          <a:xfrm>
+            <a:off x="3164525" y="2014300"/>
+            <a:ext cx="1399234" cy="626122"/>
+          </a:xfrm>
+          <a:prstGeom prst="roundRect">
+            <a:avLst/>
+          </a:prstGeom>
+          <a:solidFill>
+            <a:schemeClr val="accent4">
+              <a:lumMod val="40000"/>
+              <a:lumOff val="60000"/>
+            </a:schemeClr>
+          </a:solidFill>
+          <a:ln w="19050">
+            <a:solidFill>
+              <a:schemeClr val="accent2"/>
+            </a:solidFill>
+          </a:ln>
+        </p:spPr>
+        <p:style>
+          <a:lnRef idx="2">
+            <a:schemeClr val="accent4">
+              <a:shade val="50000"/>
+            </a:schemeClr>
+          </a:lnRef>
+          <a:fillRef idx="1">
+            <a:schemeClr val="accent4"/>
+          </a:fillRef>
+          <a:effectRef idx="0">
+            <a:schemeClr val="accent4"/>
+          </a:effectRef>
+          <a:fontRef idx="minor">
+            <a:schemeClr val="lt1"/>
+          </a:fontRef>
+        </p:style>
+        <p:txBody>
+          <a:bodyPr rtlCol="0" anchor="ctr"/>
+          <a:lstStyle/>
+          <a:p>
+            <a:pPr algn="ctr"/>
+            <a:endParaRPr lang="en-US" b="1" dirty="0">
+              <a:solidFill>
+                <a:schemeClr val="tx1"/>
+              </a:solidFill>
+            </a:endParaRPr>
+          </a:p>
+        </p:txBody>
+      </p:sp>
+      <p:sp>
+        <p:nvSpPr>
+          <p:cNvPr id="131" name="Rectangle: Rounded Corners 130">
+            <a:extLst>
+              <a:ext uri="{FF2B5EF4-FFF2-40B4-BE49-F238E27FC236}">
+                <a16:creationId xmlns:a16="http://schemas.microsoft.com/office/drawing/2014/main" id="{B39C9C0B-DA70-4E69-94CF-26D494D959F0}"/>
+              </a:ext>
+            </a:extLst>
+          </p:cNvPr>
+          <p:cNvSpPr/>
+          <p:nvPr/>
+        </p:nvSpPr>
+        <p:spPr>
+          <a:xfrm>
+            <a:off x="4670309" y="2010892"/>
+            <a:ext cx="1399234" cy="626122"/>
+          </a:xfrm>
+          <a:prstGeom prst="roundRect">
+            <a:avLst/>
+          </a:prstGeom>
+          <a:solidFill>
+            <a:schemeClr val="accent4">
+              <a:lumMod val="40000"/>
+              <a:lumOff val="60000"/>
+            </a:schemeClr>
+          </a:solidFill>
+          <a:ln w="19050">
+            <a:solidFill>
+              <a:schemeClr val="accent2"/>
+            </a:solidFill>
+          </a:ln>
+        </p:spPr>
+        <p:style>
+          <a:lnRef idx="2">
+            <a:schemeClr val="accent4">
+              <a:shade val="50000"/>
+            </a:schemeClr>
+          </a:lnRef>
+          <a:fillRef idx="1">
+            <a:schemeClr val="accent4"/>
+          </a:fillRef>
+          <a:effectRef idx="0">
+            <a:schemeClr val="accent4"/>
+          </a:effectRef>
+          <a:fontRef idx="minor">
+            <a:schemeClr val="lt1"/>
+          </a:fontRef>
+        </p:style>
+        <p:txBody>
+          <a:bodyPr rtlCol="0" anchor="ctr"/>
+          <a:lstStyle/>
+          <a:p>
+            <a:pPr algn="ctr"/>
+            <a:endParaRPr lang="en-US" b="1" dirty="0">
+              <a:solidFill>
+                <a:schemeClr val="tx1"/>
+              </a:solidFill>
+            </a:endParaRPr>
+          </a:p>
+        </p:txBody>
+      </p:sp>
+      <p:sp>
+        <p:nvSpPr>
+          <p:cNvPr id="132" name="Rectangle: Rounded Corners 131">
+            <a:extLst>
+              <a:ext uri="{FF2B5EF4-FFF2-40B4-BE49-F238E27FC236}">
+                <a16:creationId xmlns:a16="http://schemas.microsoft.com/office/drawing/2014/main" id="{C9308A87-D97F-48E4-8849-60E75FFA859A}"/>
+              </a:ext>
+            </a:extLst>
+          </p:cNvPr>
+          <p:cNvSpPr/>
+          <p:nvPr/>
+        </p:nvSpPr>
+        <p:spPr>
+          <a:xfrm>
+            <a:off x="6194449" y="2005324"/>
+            <a:ext cx="1399234" cy="626122"/>
+          </a:xfrm>
+          <a:prstGeom prst="roundRect">
+            <a:avLst/>
+          </a:prstGeom>
+          <a:solidFill>
+            <a:schemeClr val="accent4">
+              <a:lumMod val="40000"/>
+              <a:lumOff val="60000"/>
+            </a:schemeClr>
+          </a:solidFill>
+          <a:ln w="19050">
+            <a:solidFill>
+              <a:schemeClr val="accent2"/>
+            </a:solidFill>
+          </a:ln>
+        </p:spPr>
+        <p:style>
+          <a:lnRef idx="2">
+            <a:schemeClr val="accent4">
+              <a:shade val="50000"/>
+            </a:schemeClr>
+          </a:lnRef>
+          <a:fillRef idx="1">
+            <a:schemeClr val="accent4"/>
+          </a:fillRef>
+          <a:effectRef idx="0">
+            <a:schemeClr val="accent4"/>
+          </a:effectRef>
+          <a:fontRef idx="minor">
+            <a:schemeClr val="lt1"/>
+          </a:fontRef>
+        </p:style>
+        <p:txBody>
+          <a:bodyPr rtlCol="0" anchor="ctr"/>
+          <a:lstStyle/>
+          <a:p>
+            <a:pPr algn="ctr"/>
+            <a:endParaRPr lang="en-US" b="1" dirty="0">
+              <a:solidFill>
+                <a:schemeClr val="tx1"/>
+              </a:solidFill>
+            </a:endParaRPr>
+          </a:p>
+        </p:txBody>
+      </p:sp>
+      <p:sp>
+        <p:nvSpPr>
+          <p:cNvPr id="134" name="Rectangle: Rounded Corners 133">
+            <a:extLst>
+              <a:ext uri="{FF2B5EF4-FFF2-40B4-BE49-F238E27FC236}">
+                <a16:creationId xmlns:a16="http://schemas.microsoft.com/office/drawing/2014/main" id="{4CB286A6-C524-417A-91CE-17DF6262B05C}"/>
+              </a:ext>
+            </a:extLst>
+          </p:cNvPr>
+          <p:cNvSpPr/>
+          <p:nvPr/>
+        </p:nvSpPr>
+        <p:spPr>
+          <a:xfrm>
+            <a:off x="7700233" y="2002415"/>
+            <a:ext cx="1399234" cy="626122"/>
+          </a:xfrm>
+          <a:prstGeom prst="roundRect">
+            <a:avLst/>
+          </a:prstGeom>
+          <a:solidFill>
+            <a:schemeClr val="accent4">
+              <a:lumMod val="40000"/>
+              <a:lumOff val="60000"/>
+            </a:schemeClr>
+          </a:solidFill>
+          <a:ln w="19050">
+            <a:solidFill>
+              <a:schemeClr val="accent2"/>
+            </a:solidFill>
+          </a:ln>
+        </p:spPr>
+        <p:style>
+          <a:lnRef idx="2">
+            <a:schemeClr val="accent4">
+              <a:shade val="50000"/>
+            </a:schemeClr>
+          </a:lnRef>
+          <a:fillRef idx="1">
+            <a:schemeClr val="accent4"/>
+          </a:fillRef>
+          <a:effectRef idx="0">
+            <a:schemeClr val="accent4"/>
+          </a:effectRef>
+          <a:fontRef idx="minor">
+            <a:schemeClr val="lt1"/>
+          </a:fontRef>
+        </p:style>
+        <p:txBody>
+          <a:bodyPr rtlCol="0" anchor="ctr"/>
+          <a:lstStyle/>
+          <a:p>
+            <a:pPr algn="ctr"/>
+            <a:endParaRPr lang="en-US" b="1" dirty="0">
+              <a:solidFill>
+                <a:schemeClr val="tx1"/>
+              </a:solidFill>
+            </a:endParaRPr>
+          </a:p>
+        </p:txBody>
+      </p:sp>
+      <p:sp>
+        <p:nvSpPr>
+          <p:cNvPr id="135" name="Rectangle: Rounded Corners 134">
+            <a:extLst>
+              <a:ext uri="{FF2B5EF4-FFF2-40B4-BE49-F238E27FC236}">
+                <a16:creationId xmlns:a16="http://schemas.microsoft.com/office/drawing/2014/main" id="{EECFDD55-5A52-4587-956A-810C626F8FCF}"/>
+              </a:ext>
+            </a:extLst>
+          </p:cNvPr>
+          <p:cNvSpPr/>
+          <p:nvPr/>
+        </p:nvSpPr>
+        <p:spPr>
+          <a:xfrm>
+            <a:off x="9227595" y="2008304"/>
+            <a:ext cx="1399234" cy="626122"/>
+          </a:xfrm>
+          <a:prstGeom prst="roundRect">
+            <a:avLst/>
+          </a:prstGeom>
+          <a:solidFill>
+            <a:schemeClr val="accent4">
+              <a:lumMod val="40000"/>
+              <a:lumOff val="60000"/>
+            </a:schemeClr>
+          </a:solidFill>
+          <a:ln w="19050">
+            <a:solidFill>
+              <a:schemeClr val="accent2"/>
+            </a:solidFill>
+          </a:ln>
+        </p:spPr>
+        <p:style>
+          <a:lnRef idx="2">
+            <a:schemeClr val="accent4">
+              <a:shade val="50000"/>
+            </a:schemeClr>
+          </a:lnRef>
+          <a:fillRef idx="1">
+            <a:schemeClr val="accent4"/>
+          </a:fillRef>
+          <a:effectRef idx="0">
+            <a:schemeClr val="accent4"/>
+          </a:effectRef>
+          <a:fontRef idx="minor">
+            <a:schemeClr val="lt1"/>
+          </a:fontRef>
+        </p:style>
+        <p:txBody>
+          <a:bodyPr rtlCol="0" anchor="ctr"/>
+          <a:lstStyle/>
+          <a:p>
+            <a:pPr algn="ctr"/>
+            <a:endParaRPr lang="en-US" b="1" dirty="0">
+              <a:solidFill>
+                <a:schemeClr val="tx1"/>
+              </a:solidFill>
+            </a:endParaRPr>
+          </a:p>
+        </p:txBody>
+      </p:sp>
+      <p:sp>
+        <p:nvSpPr>
+          <p:cNvPr id="136" name="Rectangle: Rounded Corners 135">
+            <a:extLst>
+              <a:ext uri="{FF2B5EF4-FFF2-40B4-BE49-F238E27FC236}">
+                <a16:creationId xmlns:a16="http://schemas.microsoft.com/office/drawing/2014/main" id="{A872FA59-B818-4203-8E91-B159FD0C7468}"/>
+              </a:ext>
+            </a:extLst>
+          </p:cNvPr>
+          <p:cNvSpPr/>
+          <p:nvPr/>
+        </p:nvSpPr>
+        <p:spPr>
+          <a:xfrm>
+            <a:off x="156793" y="2019784"/>
+            <a:ext cx="1399234" cy="626122"/>
+          </a:xfrm>
+          <a:prstGeom prst="roundRect">
+            <a:avLst/>
+          </a:prstGeom>
+          <a:solidFill>
+            <a:schemeClr val="accent4">
+              <a:lumMod val="40000"/>
+              <a:lumOff val="60000"/>
+            </a:schemeClr>
+          </a:solidFill>
+          <a:ln w="19050">
+            <a:solidFill>
+              <a:schemeClr val="accent2"/>
+            </a:solidFill>
+          </a:ln>
+        </p:spPr>
+        <p:style>
+          <a:lnRef idx="2">
+            <a:schemeClr val="accent4">
+              <a:shade val="50000"/>
+            </a:schemeClr>
+          </a:lnRef>
+          <a:fillRef idx="1">
+            <a:schemeClr val="accent4"/>
+          </a:fillRef>
+          <a:effectRef idx="0">
+            <a:schemeClr val="accent4"/>
+          </a:effectRef>
+          <a:fontRef idx="minor">
+            <a:schemeClr val="lt1"/>
+          </a:fontRef>
+        </p:style>
+        <p:txBody>
+          <a:bodyPr rtlCol="0" anchor="ctr"/>
+          <a:lstStyle/>
+          <a:p>
+            <a:pPr algn="ctr"/>
+            <a:endParaRPr lang="en-US" b="1" dirty="0">
+              <a:solidFill>
+                <a:schemeClr val="tx1"/>
+              </a:solidFill>
+            </a:endParaRPr>
+          </a:p>
+        </p:txBody>
+      </p:sp>
+      <p:sp>
+        <p:nvSpPr>
+          <p:cNvPr id="137" name="TextBox 136">
+            <a:extLst>
+              <a:ext uri="{FF2B5EF4-FFF2-40B4-BE49-F238E27FC236}">
+                <a16:creationId xmlns:a16="http://schemas.microsoft.com/office/drawing/2014/main" id="{527762B3-15B5-4C6F-8A84-DB9B451BB58B}"/>
               </a:ext>
             </a:extLst>
           </p:cNvPr>
@@ -9332,8 +7398,8 @@
         </p:nvSpPr>
         <p:spPr>
           <a:xfrm>
-            <a:off x="6692944" y="3228975"/>
-            <a:ext cx="853311" cy="307777"/>
+            <a:off x="361404" y="2028596"/>
+            <a:ext cx="873829" cy="307777"/>
           </a:xfrm>
           <a:prstGeom prst="rect">
             <a:avLst/>
@@ -9348,17 +7414,17 @@
           <a:p>
             <a:r>
               <a:rPr lang="en-US" sz="1400" b="1" dirty="0"/>
-              <a:t>RIVAROX</a:t>
-            </a:r>
-          </a:p>
-        </p:txBody>
-      </p:sp>
-      <p:sp>
-        <p:nvSpPr>
-          <p:cNvPr id="150" name="TextBox 149">
-            <a:extLst>
-              <a:ext uri="{FF2B5EF4-FFF2-40B4-BE49-F238E27FC236}">
-                <a16:creationId xmlns:a16="http://schemas.microsoft.com/office/drawing/2014/main" id="{854B92A0-DF7D-4304-B1EF-0C3DC4C5D00C}"/>
+              <a:t>OSTOCAL</a:t>
+            </a:r>
+          </a:p>
+        </p:txBody>
+      </p:sp>
+      <p:sp>
+        <p:nvSpPr>
+          <p:cNvPr id="138" name="TextBox 137">
+            <a:extLst>
+              <a:ext uri="{FF2B5EF4-FFF2-40B4-BE49-F238E27FC236}">
+                <a16:creationId xmlns:a16="http://schemas.microsoft.com/office/drawing/2014/main" id="{57BB70DA-8140-4F15-988D-79DCB3EEFF2F}"/>
               </a:ext>
             </a:extLst>
           </p:cNvPr>
@@ -9367,8 +7433,183 @@
         </p:nvSpPr>
         <p:spPr>
           <a:xfrm>
-            <a:off x="7676108" y="3221611"/>
-            <a:ext cx="823287" cy="307777"/>
+            <a:off x="1914476" y="2025679"/>
+            <a:ext cx="856325" cy="307777"/>
+          </a:xfrm>
+          <a:prstGeom prst="rect">
+            <a:avLst/>
+          </a:prstGeom>
+          <a:noFill/>
+        </p:spPr>
+        <p:txBody>
+          <a:bodyPr wrap="none" rtlCol="0">
+            <a:spAutoFit/>
+          </a:bodyPr>
+          <a:lstStyle/>
+          <a:p>
+            <a:r>
+              <a:rPr lang="en-US" sz="1400" b="1" dirty="0"/>
+              <a:t>SOLBION</a:t>
+            </a:r>
+          </a:p>
+        </p:txBody>
+      </p:sp>
+      <p:sp>
+        <p:nvSpPr>
+          <p:cNvPr id="139" name="TextBox 138">
+            <a:extLst>
+              <a:ext uri="{FF2B5EF4-FFF2-40B4-BE49-F238E27FC236}">
+                <a16:creationId xmlns:a16="http://schemas.microsoft.com/office/drawing/2014/main" id="{708144ED-321F-4166-A211-ABE24D56DC6A}"/>
+              </a:ext>
+            </a:extLst>
+          </p:cNvPr>
+          <p:cNvSpPr txBox="1"/>
+          <p:nvPr/>
+        </p:nvSpPr>
+        <p:spPr>
+          <a:xfrm>
+            <a:off x="3567649" y="2022361"/>
+            <a:ext cx="545342" cy="307777"/>
+          </a:xfrm>
+          <a:prstGeom prst="rect">
+            <a:avLst/>
+          </a:prstGeom>
+          <a:noFill/>
+        </p:spPr>
+        <p:txBody>
+          <a:bodyPr wrap="none" rtlCol="0">
+            <a:spAutoFit/>
+          </a:bodyPr>
+          <a:lstStyle/>
+          <a:p>
+            <a:r>
+              <a:rPr lang="en-US" sz="1400" b="1" dirty="0"/>
+              <a:t>XINC</a:t>
+            </a:r>
+          </a:p>
+        </p:txBody>
+      </p:sp>
+      <p:sp>
+        <p:nvSpPr>
+          <p:cNvPr id="140" name="TextBox 139">
+            <a:extLst>
+              <a:ext uri="{FF2B5EF4-FFF2-40B4-BE49-F238E27FC236}">
+                <a16:creationId xmlns:a16="http://schemas.microsoft.com/office/drawing/2014/main" id="{299D36F9-494F-4638-B434-F5937C7EE475}"/>
+              </a:ext>
+            </a:extLst>
+          </p:cNvPr>
+          <p:cNvSpPr txBox="1"/>
+          <p:nvPr/>
+        </p:nvSpPr>
+        <p:spPr>
+          <a:xfrm>
+            <a:off x="4908588" y="2006038"/>
+            <a:ext cx="879215" cy="307777"/>
+          </a:xfrm>
+          <a:prstGeom prst="rect">
+            <a:avLst/>
+          </a:prstGeom>
+          <a:noFill/>
+        </p:spPr>
+        <p:txBody>
+          <a:bodyPr wrap="none" rtlCol="0">
+            <a:spAutoFit/>
+          </a:bodyPr>
+          <a:lstStyle/>
+          <a:p>
+            <a:r>
+              <a:rPr lang="en-US" sz="1400" b="1" dirty="0"/>
+              <a:t>LUMONA</a:t>
+            </a:r>
+          </a:p>
+        </p:txBody>
+      </p:sp>
+      <p:sp>
+        <p:nvSpPr>
+          <p:cNvPr id="141" name="TextBox 140">
+            <a:extLst>
+              <a:ext uri="{FF2B5EF4-FFF2-40B4-BE49-F238E27FC236}">
+                <a16:creationId xmlns:a16="http://schemas.microsoft.com/office/drawing/2014/main" id="{89001AF6-8977-410B-94B4-E832253733BD}"/>
+              </a:ext>
+            </a:extLst>
+          </p:cNvPr>
+          <p:cNvSpPr txBox="1"/>
+          <p:nvPr/>
+        </p:nvSpPr>
+        <p:spPr>
+          <a:xfrm>
+            <a:off x="6536276" y="2006038"/>
+            <a:ext cx="704167" cy="307777"/>
+          </a:xfrm>
+          <a:prstGeom prst="rect">
+            <a:avLst/>
+          </a:prstGeom>
+          <a:noFill/>
+        </p:spPr>
+        <p:txBody>
+          <a:bodyPr wrap="none" rtlCol="0">
+            <a:spAutoFit/>
+          </a:bodyPr>
+          <a:lstStyle/>
+          <a:p>
+            <a:r>
+              <a:rPr lang="en-US" sz="1400" b="1" dirty="0"/>
+              <a:t>ROXIM</a:t>
+            </a:r>
+          </a:p>
+        </p:txBody>
+      </p:sp>
+      <p:sp>
+        <p:nvSpPr>
+          <p:cNvPr id="178" name="TextBox 177">
+            <a:extLst>
+              <a:ext uri="{FF2B5EF4-FFF2-40B4-BE49-F238E27FC236}">
+                <a16:creationId xmlns:a16="http://schemas.microsoft.com/office/drawing/2014/main" id="{02A707C1-2F34-45C4-AAA0-E1E5D884839E}"/>
+              </a:ext>
+            </a:extLst>
+          </p:cNvPr>
+          <p:cNvSpPr txBox="1"/>
+          <p:nvPr/>
+        </p:nvSpPr>
+        <p:spPr>
+          <a:xfrm>
+            <a:off x="7898680" y="1994850"/>
+            <a:ext cx="944874" cy="307777"/>
+          </a:xfrm>
+          <a:prstGeom prst="rect">
+            <a:avLst/>
+          </a:prstGeom>
+          <a:noFill/>
+        </p:spPr>
+        <p:txBody>
+          <a:bodyPr wrap="none" rtlCol="0">
+            <a:spAutoFit/>
+          </a:bodyPr>
+          <a:lstStyle/>
+          <a:p>
+            <a:r>
+              <a:rPr lang="en-US" sz="1400" b="1" dirty="0"/>
+              <a:t>KEFUCLAV</a:t>
+            </a:r>
+          </a:p>
+        </p:txBody>
+      </p:sp>
+      <p:sp>
+        <p:nvSpPr>
+          <p:cNvPr id="179" name="TextBox 178">
+            <a:extLst>
+              <a:ext uri="{FF2B5EF4-FFF2-40B4-BE49-F238E27FC236}">
+                <a16:creationId xmlns:a16="http://schemas.microsoft.com/office/drawing/2014/main" id="{0064D09F-DA40-45C4-8A75-C3ADCC8FFBF9}"/>
+              </a:ext>
+            </a:extLst>
+          </p:cNvPr>
+          <p:cNvSpPr txBox="1"/>
+          <p:nvPr/>
+        </p:nvSpPr>
+        <p:spPr>
+          <a:xfrm>
+            <a:off x="9518957" y="2029898"/>
+            <a:ext cx="953002" cy="307777"/>
           </a:xfrm>
           <a:prstGeom prst="rect">
             <a:avLst/>
@@ -9383,17 +7624,444 @@
           <a:p>
             <a:r>
               <a:rPr lang="en-US" sz="1400" b="1" dirty="0"/>
-              <a:t>NOCLOG</a:t>
-            </a:r>
-          </a:p>
-        </p:txBody>
-      </p:sp>
-      <p:sp>
-        <p:nvSpPr>
-          <p:cNvPr id="151" name="TextBox 150">
-            <a:extLst>
-              <a:ext uri="{FF2B5EF4-FFF2-40B4-BE49-F238E27FC236}">
-                <a16:creationId xmlns:a16="http://schemas.microsoft.com/office/drawing/2014/main" id="{D0BF1386-9337-446D-B03E-C11F03ED1E8E}"/>
+              <a:t>DEFCORT</a:t>
+            </a:r>
+          </a:p>
+        </p:txBody>
+      </p:sp>
+      <p:sp>
+        <p:nvSpPr>
+          <p:cNvPr id="183" name="Rectangle: Rounded Corners 182">
+            <a:extLst>
+              <a:ext uri="{FF2B5EF4-FFF2-40B4-BE49-F238E27FC236}">
+                <a16:creationId xmlns:a16="http://schemas.microsoft.com/office/drawing/2014/main" id="{5106B2BE-1D9D-447F-86BE-46FDBC01D68E}"/>
+              </a:ext>
+            </a:extLst>
+          </p:cNvPr>
+          <p:cNvSpPr/>
+          <p:nvPr/>
+        </p:nvSpPr>
+        <p:spPr>
+          <a:xfrm>
+            <a:off x="1653395" y="3162296"/>
+            <a:ext cx="1399234" cy="626122"/>
+          </a:xfrm>
+          <a:prstGeom prst="roundRect">
+            <a:avLst/>
+          </a:prstGeom>
+          <a:solidFill>
+            <a:schemeClr val="accent2">
+              <a:lumMod val="20000"/>
+              <a:lumOff val="80000"/>
+            </a:schemeClr>
+          </a:solidFill>
+          <a:ln w="19050">
+            <a:solidFill>
+              <a:schemeClr val="accent2"/>
+            </a:solidFill>
+          </a:ln>
+        </p:spPr>
+        <p:style>
+          <a:lnRef idx="2">
+            <a:schemeClr val="accent4">
+              <a:shade val="50000"/>
+            </a:schemeClr>
+          </a:lnRef>
+          <a:fillRef idx="1">
+            <a:schemeClr val="accent4"/>
+          </a:fillRef>
+          <a:effectRef idx="0">
+            <a:schemeClr val="accent4"/>
+          </a:effectRef>
+          <a:fontRef idx="minor">
+            <a:schemeClr val="lt1"/>
+          </a:fontRef>
+        </p:style>
+        <p:txBody>
+          <a:bodyPr rtlCol="0" anchor="ctr"/>
+          <a:lstStyle/>
+          <a:p>
+            <a:pPr algn="ctr"/>
+            <a:endParaRPr lang="en-US" b="1" dirty="0">
+              <a:solidFill>
+                <a:schemeClr val="tx1"/>
+              </a:solidFill>
+            </a:endParaRPr>
+          </a:p>
+        </p:txBody>
+      </p:sp>
+      <p:sp>
+        <p:nvSpPr>
+          <p:cNvPr id="184" name="Rectangle: Rounded Corners 183">
+            <a:extLst>
+              <a:ext uri="{FF2B5EF4-FFF2-40B4-BE49-F238E27FC236}">
+                <a16:creationId xmlns:a16="http://schemas.microsoft.com/office/drawing/2014/main" id="{B1519E5F-15C5-4281-A12F-212BA3BB7277}"/>
+              </a:ext>
+            </a:extLst>
+          </p:cNvPr>
+          <p:cNvSpPr/>
+          <p:nvPr/>
+        </p:nvSpPr>
+        <p:spPr>
+          <a:xfrm>
+            <a:off x="3161287" y="3168292"/>
+            <a:ext cx="1399234" cy="626122"/>
+          </a:xfrm>
+          <a:prstGeom prst="roundRect">
+            <a:avLst/>
+          </a:prstGeom>
+          <a:solidFill>
+            <a:schemeClr val="accent2">
+              <a:lumMod val="20000"/>
+              <a:lumOff val="80000"/>
+            </a:schemeClr>
+          </a:solidFill>
+          <a:ln w="19050">
+            <a:solidFill>
+              <a:schemeClr val="accent2"/>
+            </a:solidFill>
+          </a:ln>
+        </p:spPr>
+        <p:style>
+          <a:lnRef idx="2">
+            <a:schemeClr val="accent4">
+              <a:shade val="50000"/>
+            </a:schemeClr>
+          </a:lnRef>
+          <a:fillRef idx="1">
+            <a:schemeClr val="accent4"/>
+          </a:fillRef>
+          <a:effectRef idx="0">
+            <a:schemeClr val="accent4"/>
+          </a:effectRef>
+          <a:fontRef idx="minor">
+            <a:schemeClr val="lt1"/>
+          </a:fontRef>
+        </p:style>
+        <p:txBody>
+          <a:bodyPr rtlCol="0" anchor="ctr"/>
+          <a:lstStyle/>
+          <a:p>
+            <a:pPr algn="ctr"/>
+            <a:endParaRPr lang="en-US" b="1" dirty="0">
+              <a:solidFill>
+                <a:schemeClr val="tx1"/>
+              </a:solidFill>
+            </a:endParaRPr>
+          </a:p>
+        </p:txBody>
+      </p:sp>
+      <p:sp>
+        <p:nvSpPr>
+          <p:cNvPr id="185" name="Rectangle: Rounded Corners 184">
+            <a:extLst>
+              <a:ext uri="{FF2B5EF4-FFF2-40B4-BE49-F238E27FC236}">
+                <a16:creationId xmlns:a16="http://schemas.microsoft.com/office/drawing/2014/main" id="{DF73E1F5-04A3-458E-9F82-71BAEF86EF7B}"/>
+              </a:ext>
+            </a:extLst>
+          </p:cNvPr>
+          <p:cNvSpPr/>
+          <p:nvPr/>
+        </p:nvSpPr>
+        <p:spPr>
+          <a:xfrm>
+            <a:off x="4667071" y="3164884"/>
+            <a:ext cx="1399234" cy="626122"/>
+          </a:xfrm>
+          <a:prstGeom prst="roundRect">
+            <a:avLst/>
+          </a:prstGeom>
+          <a:solidFill>
+            <a:schemeClr val="accent2">
+              <a:lumMod val="20000"/>
+              <a:lumOff val="80000"/>
+            </a:schemeClr>
+          </a:solidFill>
+          <a:ln w="19050">
+            <a:solidFill>
+              <a:schemeClr val="accent2"/>
+            </a:solidFill>
+          </a:ln>
+        </p:spPr>
+        <p:style>
+          <a:lnRef idx="2">
+            <a:schemeClr val="accent4">
+              <a:shade val="50000"/>
+            </a:schemeClr>
+          </a:lnRef>
+          <a:fillRef idx="1">
+            <a:schemeClr val="accent4"/>
+          </a:fillRef>
+          <a:effectRef idx="0">
+            <a:schemeClr val="accent4"/>
+          </a:effectRef>
+          <a:fontRef idx="minor">
+            <a:schemeClr val="lt1"/>
+          </a:fontRef>
+        </p:style>
+        <p:txBody>
+          <a:bodyPr rtlCol="0" anchor="ctr"/>
+          <a:lstStyle/>
+          <a:p>
+            <a:pPr algn="ctr"/>
+            <a:endParaRPr lang="en-US" b="1" dirty="0">
+              <a:solidFill>
+                <a:schemeClr val="tx1"/>
+              </a:solidFill>
+            </a:endParaRPr>
+          </a:p>
+        </p:txBody>
+      </p:sp>
+      <p:sp>
+        <p:nvSpPr>
+          <p:cNvPr id="186" name="Rectangle: Rounded Corners 185">
+            <a:extLst>
+              <a:ext uri="{FF2B5EF4-FFF2-40B4-BE49-F238E27FC236}">
+                <a16:creationId xmlns:a16="http://schemas.microsoft.com/office/drawing/2014/main" id="{CEC32745-E6A5-4E5A-8E2F-E7E6A4F52536}"/>
+              </a:ext>
+            </a:extLst>
+          </p:cNvPr>
+          <p:cNvSpPr/>
+          <p:nvPr/>
+        </p:nvSpPr>
+        <p:spPr>
+          <a:xfrm>
+            <a:off x="6191211" y="3159316"/>
+            <a:ext cx="1399234" cy="626122"/>
+          </a:xfrm>
+          <a:prstGeom prst="roundRect">
+            <a:avLst/>
+          </a:prstGeom>
+          <a:solidFill>
+            <a:schemeClr val="accent2">
+              <a:lumMod val="20000"/>
+              <a:lumOff val="80000"/>
+            </a:schemeClr>
+          </a:solidFill>
+          <a:ln w="19050">
+            <a:solidFill>
+              <a:schemeClr val="accent2"/>
+            </a:solidFill>
+          </a:ln>
+        </p:spPr>
+        <p:style>
+          <a:lnRef idx="2">
+            <a:schemeClr val="accent4">
+              <a:shade val="50000"/>
+            </a:schemeClr>
+          </a:lnRef>
+          <a:fillRef idx="1">
+            <a:schemeClr val="accent4"/>
+          </a:fillRef>
+          <a:effectRef idx="0">
+            <a:schemeClr val="accent4"/>
+          </a:effectRef>
+          <a:fontRef idx="minor">
+            <a:schemeClr val="lt1"/>
+          </a:fontRef>
+        </p:style>
+        <p:txBody>
+          <a:bodyPr rtlCol="0" anchor="ctr"/>
+          <a:lstStyle/>
+          <a:p>
+            <a:pPr algn="ctr"/>
+            <a:endParaRPr lang="en-US" b="1" dirty="0">
+              <a:solidFill>
+                <a:schemeClr val="tx1"/>
+              </a:solidFill>
+            </a:endParaRPr>
+          </a:p>
+        </p:txBody>
+      </p:sp>
+      <p:sp>
+        <p:nvSpPr>
+          <p:cNvPr id="187" name="Rectangle: Rounded Corners 186">
+            <a:extLst>
+              <a:ext uri="{FF2B5EF4-FFF2-40B4-BE49-F238E27FC236}">
+                <a16:creationId xmlns:a16="http://schemas.microsoft.com/office/drawing/2014/main" id="{922562F0-2EA0-48E1-ABEE-543B4B351046}"/>
+              </a:ext>
+            </a:extLst>
+          </p:cNvPr>
+          <p:cNvSpPr/>
+          <p:nvPr/>
+        </p:nvSpPr>
+        <p:spPr>
+          <a:xfrm>
+            <a:off x="7696995" y="3156407"/>
+            <a:ext cx="1399234" cy="626122"/>
+          </a:xfrm>
+          <a:prstGeom prst="roundRect">
+            <a:avLst/>
+          </a:prstGeom>
+          <a:solidFill>
+            <a:schemeClr val="accent2">
+              <a:lumMod val="20000"/>
+              <a:lumOff val="80000"/>
+            </a:schemeClr>
+          </a:solidFill>
+          <a:ln w="19050">
+            <a:solidFill>
+              <a:schemeClr val="accent2"/>
+            </a:solidFill>
+          </a:ln>
+        </p:spPr>
+        <p:style>
+          <a:lnRef idx="2">
+            <a:schemeClr val="accent4">
+              <a:shade val="50000"/>
+            </a:schemeClr>
+          </a:lnRef>
+          <a:fillRef idx="1">
+            <a:schemeClr val="accent4"/>
+          </a:fillRef>
+          <a:effectRef idx="0">
+            <a:schemeClr val="accent4"/>
+          </a:effectRef>
+          <a:fontRef idx="minor">
+            <a:schemeClr val="lt1"/>
+          </a:fontRef>
+        </p:style>
+        <p:txBody>
+          <a:bodyPr rtlCol="0" anchor="ctr"/>
+          <a:lstStyle/>
+          <a:p>
+            <a:pPr algn="ctr"/>
+            <a:endParaRPr lang="en-US" b="1" dirty="0">
+              <a:solidFill>
+                <a:schemeClr val="tx1"/>
+              </a:solidFill>
+            </a:endParaRPr>
+          </a:p>
+        </p:txBody>
+      </p:sp>
+      <p:sp>
+        <p:nvSpPr>
+          <p:cNvPr id="188" name="Rectangle: Rounded Corners 187">
+            <a:extLst>
+              <a:ext uri="{FF2B5EF4-FFF2-40B4-BE49-F238E27FC236}">
+                <a16:creationId xmlns:a16="http://schemas.microsoft.com/office/drawing/2014/main" id="{B70AE97C-6C41-46C1-A810-7EF986CC8F1A}"/>
+              </a:ext>
+            </a:extLst>
+          </p:cNvPr>
+          <p:cNvSpPr/>
+          <p:nvPr/>
+        </p:nvSpPr>
+        <p:spPr>
+          <a:xfrm>
+            <a:off x="9224357" y="3162296"/>
+            <a:ext cx="1399234" cy="626122"/>
+          </a:xfrm>
+          <a:prstGeom prst="roundRect">
+            <a:avLst/>
+          </a:prstGeom>
+          <a:solidFill>
+            <a:schemeClr val="accent2">
+              <a:lumMod val="20000"/>
+              <a:lumOff val="80000"/>
+            </a:schemeClr>
+          </a:solidFill>
+          <a:ln w="19050">
+            <a:solidFill>
+              <a:schemeClr val="accent2"/>
+            </a:solidFill>
+          </a:ln>
+        </p:spPr>
+        <p:style>
+          <a:lnRef idx="2">
+            <a:schemeClr val="accent4">
+              <a:shade val="50000"/>
+            </a:schemeClr>
+          </a:lnRef>
+          <a:fillRef idx="1">
+            <a:schemeClr val="accent4"/>
+          </a:fillRef>
+          <a:effectRef idx="0">
+            <a:schemeClr val="accent4"/>
+          </a:effectRef>
+          <a:fontRef idx="minor">
+            <a:schemeClr val="lt1"/>
+          </a:fontRef>
+        </p:style>
+        <p:txBody>
+          <a:bodyPr rtlCol="0" anchor="ctr"/>
+          <a:lstStyle/>
+          <a:p>
+            <a:pPr algn="ctr"/>
+            <a:endParaRPr lang="en-US" b="1" dirty="0">
+              <a:solidFill>
+                <a:schemeClr val="tx1"/>
+              </a:solidFill>
+            </a:endParaRPr>
+          </a:p>
+        </p:txBody>
+      </p:sp>
+      <p:sp>
+        <p:nvSpPr>
+          <p:cNvPr id="189" name="Rectangle: Rounded Corners 188">
+            <a:extLst>
+              <a:ext uri="{FF2B5EF4-FFF2-40B4-BE49-F238E27FC236}">
+                <a16:creationId xmlns:a16="http://schemas.microsoft.com/office/drawing/2014/main" id="{B92759A2-5FBE-4A9F-A187-7A984DDAC710}"/>
+              </a:ext>
+            </a:extLst>
+          </p:cNvPr>
+          <p:cNvSpPr/>
+          <p:nvPr/>
+        </p:nvSpPr>
+        <p:spPr>
+          <a:xfrm>
+            <a:off x="153555" y="3173776"/>
+            <a:ext cx="1399234" cy="626122"/>
+          </a:xfrm>
+          <a:prstGeom prst="roundRect">
+            <a:avLst/>
+          </a:prstGeom>
+          <a:solidFill>
+            <a:schemeClr val="accent2">
+              <a:lumMod val="20000"/>
+              <a:lumOff val="80000"/>
+            </a:schemeClr>
+          </a:solidFill>
+          <a:ln w="19050">
+            <a:solidFill>
+              <a:schemeClr val="accent2"/>
+            </a:solidFill>
+          </a:ln>
+        </p:spPr>
+        <p:style>
+          <a:lnRef idx="2">
+            <a:schemeClr val="accent4">
+              <a:shade val="50000"/>
+            </a:schemeClr>
+          </a:lnRef>
+          <a:fillRef idx="1">
+            <a:schemeClr val="accent4"/>
+          </a:fillRef>
+          <a:effectRef idx="0">
+            <a:schemeClr val="accent4"/>
+          </a:effectRef>
+          <a:fontRef idx="minor">
+            <a:schemeClr val="lt1"/>
+          </a:fontRef>
+        </p:style>
+        <p:txBody>
+          <a:bodyPr rtlCol="0" anchor="ctr"/>
+          <a:lstStyle/>
+          <a:p>
+            <a:pPr algn="ctr"/>
+            <a:endParaRPr lang="en-US" b="1" dirty="0">
+              <a:solidFill>
+                <a:schemeClr val="tx1"/>
+              </a:solidFill>
+            </a:endParaRPr>
+          </a:p>
+        </p:txBody>
+      </p:sp>
+      <p:sp>
+        <p:nvSpPr>
+          <p:cNvPr id="190" name="TextBox 189">
+            <a:extLst>
+              <a:ext uri="{FF2B5EF4-FFF2-40B4-BE49-F238E27FC236}">
+                <a16:creationId xmlns:a16="http://schemas.microsoft.com/office/drawing/2014/main" id="{E40675E6-C3C7-44CD-9622-E128674C2ED0}"/>
               </a:ext>
             </a:extLst>
           </p:cNvPr>
@@ -9402,8 +8070,8 @@
         </p:nvSpPr>
         <p:spPr>
           <a:xfrm>
-            <a:off x="9493331" y="3199760"/>
-            <a:ext cx="849015" cy="307777"/>
+            <a:off x="358166" y="3182588"/>
+            <a:ext cx="873829" cy="307777"/>
           </a:xfrm>
           <a:prstGeom prst="rect">
             <a:avLst/>
@@ -9418,17 +8086,17 @@
           <a:p>
             <a:r>
               <a:rPr lang="en-US" sz="1400" b="1" dirty="0"/>
-              <a:t>AROTIDE</a:t>
-            </a:r>
-          </a:p>
-        </p:txBody>
-      </p:sp>
-      <p:sp>
-        <p:nvSpPr>
-          <p:cNvPr id="152" name="TextBox 151">
-            <a:extLst>
-              <a:ext uri="{FF2B5EF4-FFF2-40B4-BE49-F238E27FC236}">
-                <a16:creationId xmlns:a16="http://schemas.microsoft.com/office/drawing/2014/main" id="{08E5CFCE-B6BC-4514-B4B1-84F68502697C}"/>
+              <a:t>OSTOCAL</a:t>
+            </a:r>
+          </a:p>
+        </p:txBody>
+      </p:sp>
+      <p:sp>
+        <p:nvSpPr>
+          <p:cNvPr id="191" name="TextBox 190">
+            <a:extLst>
+              <a:ext uri="{FF2B5EF4-FFF2-40B4-BE49-F238E27FC236}">
+                <a16:creationId xmlns:a16="http://schemas.microsoft.com/office/drawing/2014/main" id="{83A1F24D-B10A-433D-9DFF-35FD444898DF}"/>
               </a:ext>
             </a:extLst>
           </p:cNvPr>
@@ -9437,8 +8105,8 @@
         </p:nvSpPr>
         <p:spPr>
           <a:xfrm>
-            <a:off x="10471959" y="3199364"/>
-            <a:ext cx="885435" cy="307777"/>
+            <a:off x="1911238" y="3179671"/>
+            <a:ext cx="856325" cy="307777"/>
           </a:xfrm>
           <a:prstGeom prst="rect">
             <a:avLst/>
@@ -9453,17 +8121,17 @@
           <a:p>
             <a:r>
               <a:rPr lang="en-US" sz="1400" b="1" dirty="0"/>
-              <a:t>FOBUNID</a:t>
-            </a:r>
-          </a:p>
-        </p:txBody>
-      </p:sp>
-      <p:sp>
-        <p:nvSpPr>
-          <p:cNvPr id="153" name="TextBox 152">
-            <a:extLst>
-              <a:ext uri="{FF2B5EF4-FFF2-40B4-BE49-F238E27FC236}">
-                <a16:creationId xmlns:a16="http://schemas.microsoft.com/office/drawing/2014/main" id="{68C76511-3A08-4742-B1B8-FEF32C09D0C7}"/>
+              <a:t>SOLBION</a:t>
+            </a:r>
+          </a:p>
+        </p:txBody>
+      </p:sp>
+      <p:sp>
+        <p:nvSpPr>
+          <p:cNvPr id="192" name="TextBox 191">
+            <a:extLst>
+              <a:ext uri="{FF2B5EF4-FFF2-40B4-BE49-F238E27FC236}">
+                <a16:creationId xmlns:a16="http://schemas.microsoft.com/office/drawing/2014/main" id="{B17C0D4D-7536-459E-A4B5-E02AC751E675}"/>
               </a:ext>
             </a:extLst>
           </p:cNvPr>
@@ -9472,43 +8140,8 @@
         </p:nvSpPr>
         <p:spPr>
           <a:xfrm>
-            <a:off x="8640938" y="3217273"/>
-            <a:ext cx="784459" cy="307777"/>
-          </a:xfrm>
-          <a:prstGeom prst="rect">
-            <a:avLst/>
-          </a:prstGeom>
-          <a:noFill/>
-        </p:spPr>
-        <p:txBody>
-          <a:bodyPr wrap="square">
-            <a:spAutoFit/>
-          </a:bodyPr>
-          <a:lstStyle/>
-          <a:p>
-            <a:r>
-              <a:rPr lang="en-US" sz="1400" b="1" dirty="0"/>
-              <a:t>BEMPID</a:t>
-            </a:r>
-          </a:p>
-        </p:txBody>
-      </p:sp>
-      <p:sp>
-        <p:nvSpPr>
-          <p:cNvPr id="154" name="TextBox 153">
-            <a:extLst>
-              <a:ext uri="{FF2B5EF4-FFF2-40B4-BE49-F238E27FC236}">
-                <a16:creationId xmlns:a16="http://schemas.microsoft.com/office/drawing/2014/main" id="{E811A9D0-1237-4AEA-839F-56DA731FC595}"/>
-              </a:ext>
-            </a:extLst>
-          </p:cNvPr>
-          <p:cNvSpPr txBox="1"/>
-          <p:nvPr/>
-        </p:nvSpPr>
-        <p:spPr>
-          <a:xfrm>
-            <a:off x="124369" y="2015455"/>
-            <a:ext cx="779381" cy="307777"/>
+            <a:off x="3564411" y="3176353"/>
+            <a:ext cx="545342" cy="307777"/>
           </a:xfrm>
           <a:prstGeom prst="rect">
             <a:avLst/>
@@ -9523,17 +8156,17 @@
           <a:p>
             <a:r>
               <a:rPr lang="en-US" sz="1400" b="1" dirty="0"/>
-              <a:t>LIGAZID</a:t>
-            </a:r>
-          </a:p>
-        </p:txBody>
-      </p:sp>
-      <p:sp>
-        <p:nvSpPr>
-          <p:cNvPr id="155" name="TextBox 154">
-            <a:extLst>
-              <a:ext uri="{FF2B5EF4-FFF2-40B4-BE49-F238E27FC236}">
-                <a16:creationId xmlns:a16="http://schemas.microsoft.com/office/drawing/2014/main" id="{944FA8AA-2960-48B6-9720-285ADCE78BFA}"/>
+              <a:t>XINC</a:t>
+            </a:r>
+          </a:p>
+        </p:txBody>
+      </p:sp>
+      <p:sp>
+        <p:nvSpPr>
+          <p:cNvPr id="193" name="TextBox 192">
+            <a:extLst>
+              <a:ext uri="{FF2B5EF4-FFF2-40B4-BE49-F238E27FC236}">
+                <a16:creationId xmlns:a16="http://schemas.microsoft.com/office/drawing/2014/main" id="{BB5D39A6-1D64-4E83-BA83-54D3B6AFC152}"/>
               </a:ext>
             </a:extLst>
           </p:cNvPr>
@@ -9542,8 +8175,8 @@
         </p:nvSpPr>
         <p:spPr>
           <a:xfrm>
-            <a:off x="1017429" y="2015455"/>
-            <a:ext cx="787395" cy="307777"/>
+            <a:off x="4905350" y="3160030"/>
+            <a:ext cx="879215" cy="307777"/>
           </a:xfrm>
           <a:prstGeom prst="rect">
             <a:avLst/>
@@ -9558,17 +8191,17 @@
           <a:p>
             <a:r>
               <a:rPr lang="en-US" sz="1400" b="1" dirty="0"/>
-              <a:t>EMAZID</a:t>
-            </a:r>
-          </a:p>
-        </p:txBody>
-      </p:sp>
-      <p:sp>
-        <p:nvSpPr>
-          <p:cNvPr id="156" name="TextBox 155">
-            <a:extLst>
-              <a:ext uri="{FF2B5EF4-FFF2-40B4-BE49-F238E27FC236}">
-                <a16:creationId xmlns:a16="http://schemas.microsoft.com/office/drawing/2014/main" id="{1D9C1C57-A354-4C28-8128-A3D8C76D1F19}"/>
+              <a:t>LUMONA</a:t>
+            </a:r>
+          </a:p>
+        </p:txBody>
+      </p:sp>
+      <p:sp>
+        <p:nvSpPr>
+          <p:cNvPr id="194" name="TextBox 193">
+            <a:extLst>
+              <a:ext uri="{FF2B5EF4-FFF2-40B4-BE49-F238E27FC236}">
+                <a16:creationId xmlns:a16="http://schemas.microsoft.com/office/drawing/2014/main" id="{E46E520D-27BD-4EFB-AA8D-F054708A5EB5}"/>
               </a:ext>
             </a:extLst>
           </p:cNvPr>
@@ -9577,8 +8210,8 @@
         </p:nvSpPr>
         <p:spPr>
           <a:xfrm>
-            <a:off x="1984473" y="2033399"/>
-            <a:ext cx="786049" cy="307777"/>
+            <a:off x="6533038" y="3160030"/>
+            <a:ext cx="704167" cy="307777"/>
           </a:xfrm>
           <a:prstGeom prst="rect">
             <a:avLst/>
@@ -9593,17 +8226,17 @@
           <a:p>
             <a:r>
               <a:rPr lang="en-US" sz="1400" b="1" dirty="0"/>
-              <a:t>LIPICON</a:t>
-            </a:r>
-          </a:p>
-        </p:txBody>
-      </p:sp>
-      <p:sp>
-        <p:nvSpPr>
-          <p:cNvPr id="157" name="TextBox 156">
-            <a:extLst>
-              <a:ext uri="{FF2B5EF4-FFF2-40B4-BE49-F238E27FC236}">
-                <a16:creationId xmlns:a16="http://schemas.microsoft.com/office/drawing/2014/main" id="{F599AD9C-BF9D-40A1-A802-553748EA9EA3}"/>
+              <a:t>ROXIM</a:t>
+            </a:r>
+          </a:p>
+        </p:txBody>
+      </p:sp>
+      <p:sp>
+        <p:nvSpPr>
+          <p:cNvPr id="195" name="TextBox 194">
+            <a:extLst>
+              <a:ext uri="{FF2B5EF4-FFF2-40B4-BE49-F238E27FC236}">
+                <a16:creationId xmlns:a16="http://schemas.microsoft.com/office/drawing/2014/main" id="{1787B238-DBE2-43B1-BAE8-303911BFD674}"/>
               </a:ext>
             </a:extLst>
           </p:cNvPr>
@@ -9612,8 +8245,8 @@
         </p:nvSpPr>
         <p:spPr>
           <a:xfrm>
-            <a:off x="3004614" y="2023534"/>
-            <a:ext cx="624915" cy="307777"/>
+            <a:off x="7895442" y="3148842"/>
+            <a:ext cx="944874" cy="307777"/>
           </a:xfrm>
           <a:prstGeom prst="rect">
             <a:avLst/>
@@ -9628,17 +8261,17 @@
           <a:p>
             <a:r>
               <a:rPr lang="en-US" sz="1400" b="1" dirty="0"/>
-              <a:t>AGLIP</a:t>
-            </a:r>
-          </a:p>
-        </p:txBody>
-      </p:sp>
-      <p:sp>
-        <p:nvSpPr>
-          <p:cNvPr id="158" name="TextBox 157">
-            <a:extLst>
-              <a:ext uri="{FF2B5EF4-FFF2-40B4-BE49-F238E27FC236}">
-                <a16:creationId xmlns:a16="http://schemas.microsoft.com/office/drawing/2014/main" id="{2ACA5FC6-075F-43A0-A241-FEB71BAE0BAA}"/>
+              <a:t>KEFUCLAV</a:t>
+            </a:r>
+          </a:p>
+        </p:txBody>
+      </p:sp>
+      <p:sp>
+        <p:nvSpPr>
+          <p:cNvPr id="196" name="TextBox 195">
+            <a:extLst>
+              <a:ext uri="{FF2B5EF4-FFF2-40B4-BE49-F238E27FC236}">
+                <a16:creationId xmlns:a16="http://schemas.microsoft.com/office/drawing/2014/main" id="{E461D488-B628-4980-B3B2-1925BD663538}"/>
               </a:ext>
             </a:extLst>
           </p:cNvPr>
@@ -9647,8 +8280,470 @@
         </p:nvSpPr>
         <p:spPr>
           <a:xfrm>
-            <a:off x="3861946" y="2036549"/>
-            <a:ext cx="734496" cy="307777"/>
+            <a:off x="9515719" y="3183890"/>
+            <a:ext cx="953002" cy="307777"/>
+          </a:xfrm>
+          <a:prstGeom prst="rect">
+            <a:avLst/>
+          </a:prstGeom>
+          <a:noFill/>
+        </p:spPr>
+        <p:txBody>
+          <a:bodyPr wrap="square" rtlCol="0">
+            <a:spAutoFit/>
+          </a:bodyPr>
+          <a:lstStyle/>
+          <a:p>
+            <a:r>
+              <a:rPr lang="en-US" sz="1400" b="1" dirty="0"/>
+              <a:t>DEFCORT</a:t>
+            </a:r>
+          </a:p>
+        </p:txBody>
+      </p:sp>
+      <p:sp>
+        <p:nvSpPr>
+          <p:cNvPr id="197" name="Rectangle: Rounded Corners 196">
+            <a:extLst>
+              <a:ext uri="{FF2B5EF4-FFF2-40B4-BE49-F238E27FC236}">
+                <a16:creationId xmlns:a16="http://schemas.microsoft.com/office/drawing/2014/main" id="{4C5C6FBF-60E2-4410-90C1-1CD548D3AED0}"/>
+              </a:ext>
+            </a:extLst>
+          </p:cNvPr>
+          <p:cNvSpPr/>
+          <p:nvPr/>
+        </p:nvSpPr>
+        <p:spPr>
+          <a:xfrm>
+            <a:off x="1653395" y="4410597"/>
+            <a:ext cx="1399234" cy="626122"/>
+          </a:xfrm>
+          <a:prstGeom prst="roundRect">
+            <a:avLst/>
+          </a:prstGeom>
+          <a:solidFill>
+            <a:schemeClr val="accent1">
+              <a:lumMod val="20000"/>
+              <a:lumOff val="80000"/>
+            </a:schemeClr>
+          </a:solidFill>
+          <a:ln w="19050">
+            <a:solidFill>
+              <a:schemeClr val="accent2"/>
+            </a:solidFill>
+          </a:ln>
+        </p:spPr>
+        <p:style>
+          <a:lnRef idx="2">
+            <a:schemeClr val="accent4">
+              <a:shade val="50000"/>
+            </a:schemeClr>
+          </a:lnRef>
+          <a:fillRef idx="1">
+            <a:schemeClr val="accent4"/>
+          </a:fillRef>
+          <a:effectRef idx="0">
+            <a:schemeClr val="accent4"/>
+          </a:effectRef>
+          <a:fontRef idx="minor">
+            <a:schemeClr val="lt1"/>
+          </a:fontRef>
+        </p:style>
+        <p:txBody>
+          <a:bodyPr rtlCol="0" anchor="ctr"/>
+          <a:lstStyle/>
+          <a:p>
+            <a:pPr algn="ctr"/>
+            <a:endParaRPr lang="en-US" b="1" dirty="0">
+              <a:solidFill>
+                <a:schemeClr val="tx1"/>
+              </a:solidFill>
+            </a:endParaRPr>
+          </a:p>
+        </p:txBody>
+      </p:sp>
+      <p:sp>
+        <p:nvSpPr>
+          <p:cNvPr id="198" name="Rectangle: Rounded Corners 197">
+            <a:extLst>
+              <a:ext uri="{FF2B5EF4-FFF2-40B4-BE49-F238E27FC236}">
+                <a16:creationId xmlns:a16="http://schemas.microsoft.com/office/drawing/2014/main" id="{009412F9-5D14-4599-9B1E-71A9B30BF1A6}"/>
+              </a:ext>
+            </a:extLst>
+          </p:cNvPr>
+          <p:cNvSpPr/>
+          <p:nvPr/>
+        </p:nvSpPr>
+        <p:spPr>
+          <a:xfrm>
+            <a:off x="3161287" y="4416593"/>
+            <a:ext cx="1399234" cy="626122"/>
+          </a:xfrm>
+          <a:prstGeom prst="roundRect">
+            <a:avLst/>
+          </a:prstGeom>
+          <a:solidFill>
+            <a:schemeClr val="accent1">
+              <a:lumMod val="20000"/>
+              <a:lumOff val="80000"/>
+            </a:schemeClr>
+          </a:solidFill>
+          <a:ln w="19050">
+            <a:solidFill>
+              <a:schemeClr val="accent2"/>
+            </a:solidFill>
+          </a:ln>
+        </p:spPr>
+        <p:style>
+          <a:lnRef idx="2">
+            <a:schemeClr val="accent4">
+              <a:shade val="50000"/>
+            </a:schemeClr>
+          </a:lnRef>
+          <a:fillRef idx="1">
+            <a:schemeClr val="accent4"/>
+          </a:fillRef>
+          <a:effectRef idx="0">
+            <a:schemeClr val="accent4"/>
+          </a:effectRef>
+          <a:fontRef idx="minor">
+            <a:schemeClr val="lt1"/>
+          </a:fontRef>
+        </p:style>
+        <p:txBody>
+          <a:bodyPr rtlCol="0" anchor="ctr"/>
+          <a:lstStyle/>
+          <a:p>
+            <a:pPr algn="ctr"/>
+            <a:endParaRPr lang="en-US" b="1" dirty="0">
+              <a:solidFill>
+                <a:schemeClr val="tx1"/>
+              </a:solidFill>
+            </a:endParaRPr>
+          </a:p>
+        </p:txBody>
+      </p:sp>
+      <p:sp>
+        <p:nvSpPr>
+          <p:cNvPr id="199" name="Rectangle: Rounded Corners 198">
+            <a:extLst>
+              <a:ext uri="{FF2B5EF4-FFF2-40B4-BE49-F238E27FC236}">
+                <a16:creationId xmlns:a16="http://schemas.microsoft.com/office/drawing/2014/main" id="{3BDC07F8-512C-4CFA-8D01-D7DEC25A88F8}"/>
+              </a:ext>
+            </a:extLst>
+          </p:cNvPr>
+          <p:cNvSpPr/>
+          <p:nvPr/>
+        </p:nvSpPr>
+        <p:spPr>
+          <a:xfrm>
+            <a:off x="4667071" y="4413185"/>
+            <a:ext cx="1399234" cy="626122"/>
+          </a:xfrm>
+          <a:prstGeom prst="roundRect">
+            <a:avLst/>
+          </a:prstGeom>
+          <a:solidFill>
+            <a:schemeClr val="accent1">
+              <a:lumMod val="20000"/>
+              <a:lumOff val="80000"/>
+            </a:schemeClr>
+          </a:solidFill>
+          <a:ln w="19050">
+            <a:solidFill>
+              <a:schemeClr val="accent2"/>
+            </a:solidFill>
+          </a:ln>
+        </p:spPr>
+        <p:style>
+          <a:lnRef idx="2">
+            <a:schemeClr val="accent4">
+              <a:shade val="50000"/>
+            </a:schemeClr>
+          </a:lnRef>
+          <a:fillRef idx="1">
+            <a:schemeClr val="accent4"/>
+          </a:fillRef>
+          <a:effectRef idx="0">
+            <a:schemeClr val="accent4"/>
+          </a:effectRef>
+          <a:fontRef idx="minor">
+            <a:schemeClr val="lt1"/>
+          </a:fontRef>
+        </p:style>
+        <p:txBody>
+          <a:bodyPr rtlCol="0" anchor="ctr"/>
+          <a:lstStyle/>
+          <a:p>
+            <a:pPr algn="ctr"/>
+            <a:endParaRPr lang="en-US" b="1" dirty="0">
+              <a:solidFill>
+                <a:schemeClr val="tx1"/>
+              </a:solidFill>
+            </a:endParaRPr>
+          </a:p>
+        </p:txBody>
+      </p:sp>
+      <p:sp>
+        <p:nvSpPr>
+          <p:cNvPr id="200" name="Rectangle: Rounded Corners 199">
+            <a:extLst>
+              <a:ext uri="{FF2B5EF4-FFF2-40B4-BE49-F238E27FC236}">
+                <a16:creationId xmlns:a16="http://schemas.microsoft.com/office/drawing/2014/main" id="{C83BAE7B-CAD1-4678-817D-2FD3B32B8573}"/>
+              </a:ext>
+            </a:extLst>
+          </p:cNvPr>
+          <p:cNvSpPr/>
+          <p:nvPr/>
+        </p:nvSpPr>
+        <p:spPr>
+          <a:xfrm>
+            <a:off x="6191211" y="4407617"/>
+            <a:ext cx="1399234" cy="626122"/>
+          </a:xfrm>
+          <a:prstGeom prst="roundRect">
+            <a:avLst/>
+          </a:prstGeom>
+          <a:solidFill>
+            <a:schemeClr val="accent1">
+              <a:lumMod val="20000"/>
+              <a:lumOff val="80000"/>
+            </a:schemeClr>
+          </a:solidFill>
+          <a:ln w="19050">
+            <a:solidFill>
+              <a:schemeClr val="accent2"/>
+            </a:solidFill>
+          </a:ln>
+        </p:spPr>
+        <p:style>
+          <a:lnRef idx="2">
+            <a:schemeClr val="accent4">
+              <a:shade val="50000"/>
+            </a:schemeClr>
+          </a:lnRef>
+          <a:fillRef idx="1">
+            <a:schemeClr val="accent4"/>
+          </a:fillRef>
+          <a:effectRef idx="0">
+            <a:schemeClr val="accent4"/>
+          </a:effectRef>
+          <a:fontRef idx="minor">
+            <a:schemeClr val="lt1"/>
+          </a:fontRef>
+        </p:style>
+        <p:txBody>
+          <a:bodyPr rtlCol="0" anchor="ctr"/>
+          <a:lstStyle/>
+          <a:p>
+            <a:pPr algn="ctr"/>
+            <a:endParaRPr lang="en-US" b="1" dirty="0">
+              <a:solidFill>
+                <a:schemeClr val="tx1"/>
+              </a:solidFill>
+            </a:endParaRPr>
+          </a:p>
+        </p:txBody>
+      </p:sp>
+      <p:sp>
+        <p:nvSpPr>
+          <p:cNvPr id="201" name="Rectangle: Rounded Corners 200">
+            <a:extLst>
+              <a:ext uri="{FF2B5EF4-FFF2-40B4-BE49-F238E27FC236}">
+                <a16:creationId xmlns:a16="http://schemas.microsoft.com/office/drawing/2014/main" id="{E9C750EB-2339-42DC-BB4E-88AFA0009640}"/>
+              </a:ext>
+            </a:extLst>
+          </p:cNvPr>
+          <p:cNvSpPr/>
+          <p:nvPr/>
+        </p:nvSpPr>
+        <p:spPr>
+          <a:xfrm>
+            <a:off x="7696995" y="4404708"/>
+            <a:ext cx="1399234" cy="626122"/>
+          </a:xfrm>
+          <a:prstGeom prst="roundRect">
+            <a:avLst/>
+          </a:prstGeom>
+          <a:solidFill>
+            <a:schemeClr val="accent1">
+              <a:lumMod val="20000"/>
+              <a:lumOff val="80000"/>
+            </a:schemeClr>
+          </a:solidFill>
+          <a:ln w="19050">
+            <a:solidFill>
+              <a:schemeClr val="accent2"/>
+            </a:solidFill>
+          </a:ln>
+        </p:spPr>
+        <p:style>
+          <a:lnRef idx="2">
+            <a:schemeClr val="accent4">
+              <a:shade val="50000"/>
+            </a:schemeClr>
+          </a:lnRef>
+          <a:fillRef idx="1">
+            <a:schemeClr val="accent4"/>
+          </a:fillRef>
+          <a:effectRef idx="0">
+            <a:schemeClr val="accent4"/>
+          </a:effectRef>
+          <a:fontRef idx="minor">
+            <a:schemeClr val="lt1"/>
+          </a:fontRef>
+        </p:style>
+        <p:txBody>
+          <a:bodyPr rtlCol="0" anchor="ctr"/>
+          <a:lstStyle/>
+          <a:p>
+            <a:pPr algn="ctr"/>
+            <a:endParaRPr lang="en-US" b="1" dirty="0">
+              <a:solidFill>
+                <a:schemeClr val="tx1"/>
+              </a:solidFill>
+            </a:endParaRPr>
+          </a:p>
+        </p:txBody>
+      </p:sp>
+      <p:sp>
+        <p:nvSpPr>
+          <p:cNvPr id="202" name="Rectangle: Rounded Corners 201">
+            <a:extLst>
+              <a:ext uri="{FF2B5EF4-FFF2-40B4-BE49-F238E27FC236}">
+                <a16:creationId xmlns:a16="http://schemas.microsoft.com/office/drawing/2014/main" id="{7FFFFF6A-AC9B-4351-8C38-376E7DF8F098}"/>
+              </a:ext>
+            </a:extLst>
+          </p:cNvPr>
+          <p:cNvSpPr/>
+          <p:nvPr/>
+        </p:nvSpPr>
+        <p:spPr>
+          <a:xfrm>
+            <a:off x="9224357" y="4410597"/>
+            <a:ext cx="1399234" cy="626122"/>
+          </a:xfrm>
+          <a:prstGeom prst="roundRect">
+            <a:avLst/>
+          </a:prstGeom>
+          <a:solidFill>
+            <a:schemeClr val="accent1">
+              <a:lumMod val="20000"/>
+              <a:lumOff val="80000"/>
+            </a:schemeClr>
+          </a:solidFill>
+          <a:ln w="19050">
+            <a:solidFill>
+              <a:schemeClr val="accent2"/>
+            </a:solidFill>
+          </a:ln>
+        </p:spPr>
+        <p:style>
+          <a:lnRef idx="2">
+            <a:schemeClr val="accent4">
+              <a:shade val="50000"/>
+            </a:schemeClr>
+          </a:lnRef>
+          <a:fillRef idx="1">
+            <a:schemeClr val="accent4"/>
+          </a:fillRef>
+          <a:effectRef idx="0">
+            <a:schemeClr val="accent4"/>
+          </a:effectRef>
+          <a:fontRef idx="minor">
+            <a:schemeClr val="lt1"/>
+          </a:fontRef>
+        </p:style>
+        <p:txBody>
+          <a:bodyPr rtlCol="0" anchor="ctr"/>
+          <a:lstStyle/>
+          <a:p>
+            <a:pPr algn="ctr"/>
+            <a:endParaRPr lang="en-US" b="1" dirty="0">
+              <a:solidFill>
+                <a:schemeClr val="tx1"/>
+              </a:solidFill>
+            </a:endParaRPr>
+          </a:p>
+        </p:txBody>
+      </p:sp>
+      <p:sp>
+        <p:nvSpPr>
+          <p:cNvPr id="203" name="Rectangle: Rounded Corners 202">
+            <a:extLst>
+              <a:ext uri="{FF2B5EF4-FFF2-40B4-BE49-F238E27FC236}">
+                <a16:creationId xmlns:a16="http://schemas.microsoft.com/office/drawing/2014/main" id="{092ADDC3-480D-4980-8AB4-23B96C13F922}"/>
+              </a:ext>
+            </a:extLst>
+          </p:cNvPr>
+          <p:cNvSpPr/>
+          <p:nvPr/>
+        </p:nvSpPr>
+        <p:spPr>
+          <a:xfrm>
+            <a:off x="153555" y="4422077"/>
+            <a:ext cx="1399234" cy="626122"/>
+          </a:xfrm>
+          <a:prstGeom prst="roundRect">
+            <a:avLst/>
+          </a:prstGeom>
+          <a:solidFill>
+            <a:schemeClr val="accent1">
+              <a:lumMod val="20000"/>
+              <a:lumOff val="80000"/>
+            </a:schemeClr>
+          </a:solidFill>
+          <a:ln w="19050">
+            <a:solidFill>
+              <a:schemeClr val="accent2"/>
+            </a:solidFill>
+          </a:ln>
+        </p:spPr>
+        <p:style>
+          <a:lnRef idx="2">
+            <a:schemeClr val="accent4">
+              <a:shade val="50000"/>
+            </a:schemeClr>
+          </a:lnRef>
+          <a:fillRef idx="1">
+            <a:schemeClr val="accent4"/>
+          </a:fillRef>
+          <a:effectRef idx="0">
+            <a:schemeClr val="accent4"/>
+          </a:effectRef>
+          <a:fontRef idx="minor">
+            <a:schemeClr val="lt1"/>
+          </a:fontRef>
+        </p:style>
+        <p:txBody>
+          <a:bodyPr rtlCol="0" anchor="ctr"/>
+          <a:lstStyle/>
+          <a:p>
+            <a:pPr algn="ctr"/>
+            <a:endParaRPr lang="en-US" b="1" dirty="0">
+              <a:solidFill>
+                <a:schemeClr val="tx1"/>
+              </a:solidFill>
+            </a:endParaRPr>
+          </a:p>
+        </p:txBody>
+      </p:sp>
+      <p:sp>
+        <p:nvSpPr>
+          <p:cNvPr id="204" name="TextBox 203">
+            <a:extLst>
+              <a:ext uri="{FF2B5EF4-FFF2-40B4-BE49-F238E27FC236}">
+                <a16:creationId xmlns:a16="http://schemas.microsoft.com/office/drawing/2014/main" id="{59817436-6736-4C47-9C1D-5A88AADF99E1}"/>
+              </a:ext>
+            </a:extLst>
+          </p:cNvPr>
+          <p:cNvSpPr txBox="1"/>
+          <p:nvPr/>
+        </p:nvSpPr>
+        <p:spPr>
+          <a:xfrm>
+            <a:off x="358166" y="4430889"/>
+            <a:ext cx="873829" cy="307777"/>
           </a:xfrm>
           <a:prstGeom prst="rect">
             <a:avLst/>
@@ -9663,17 +8758,17 @@
           <a:p>
             <a:r>
               <a:rPr lang="en-US" sz="1400" b="1" dirty="0"/>
-              <a:t>CIFIBET</a:t>
-            </a:r>
-          </a:p>
-        </p:txBody>
-      </p:sp>
-      <p:sp>
-        <p:nvSpPr>
-          <p:cNvPr id="159" name="TextBox 158">
-            <a:extLst>
-              <a:ext uri="{FF2B5EF4-FFF2-40B4-BE49-F238E27FC236}">
-                <a16:creationId xmlns:a16="http://schemas.microsoft.com/office/drawing/2014/main" id="{D6D81533-0E79-498B-A7CF-B0974A6D4610}"/>
+              <a:t>OSTOCAL</a:t>
+            </a:r>
+          </a:p>
+        </p:txBody>
+      </p:sp>
+      <p:sp>
+        <p:nvSpPr>
+          <p:cNvPr id="205" name="TextBox 204">
+            <a:extLst>
+              <a:ext uri="{FF2B5EF4-FFF2-40B4-BE49-F238E27FC236}">
+                <a16:creationId xmlns:a16="http://schemas.microsoft.com/office/drawing/2014/main" id="{BEEDF911-349E-42BA-893C-0C6C44929B01}"/>
               </a:ext>
             </a:extLst>
           </p:cNvPr>
@@ -9682,8 +8777,8 @@
         </p:nvSpPr>
         <p:spPr>
           <a:xfrm>
-            <a:off x="4754929" y="2021953"/>
-            <a:ext cx="838371" cy="307777"/>
+            <a:off x="1911238" y="4427972"/>
+            <a:ext cx="856325" cy="307777"/>
           </a:xfrm>
           <a:prstGeom prst="rect">
             <a:avLst/>
@@ -9698,17 +8793,17 @@
           <a:p>
             <a:r>
               <a:rPr lang="en-US" sz="1400" b="1" dirty="0"/>
-              <a:t>AMLEVO</a:t>
-            </a:r>
-          </a:p>
-        </p:txBody>
-      </p:sp>
-      <p:sp>
-        <p:nvSpPr>
-          <p:cNvPr id="160" name="TextBox 159">
-            <a:extLst>
-              <a:ext uri="{FF2B5EF4-FFF2-40B4-BE49-F238E27FC236}">
-                <a16:creationId xmlns:a16="http://schemas.microsoft.com/office/drawing/2014/main" id="{A27B6072-FFF0-47CC-811D-F1A22916A7A1}"/>
+              <a:t>SOLBION</a:t>
+            </a:r>
+          </a:p>
+        </p:txBody>
+      </p:sp>
+      <p:sp>
+        <p:nvSpPr>
+          <p:cNvPr id="206" name="TextBox 205">
+            <a:extLst>
+              <a:ext uri="{FF2B5EF4-FFF2-40B4-BE49-F238E27FC236}">
+                <a16:creationId xmlns:a16="http://schemas.microsoft.com/office/drawing/2014/main" id="{CD0425E2-1110-4704-AEA5-AA2090625F4D}"/>
               </a:ext>
             </a:extLst>
           </p:cNvPr>
@@ -9717,8 +8812,148 @@
         </p:nvSpPr>
         <p:spPr>
           <a:xfrm>
-            <a:off x="5739612" y="1998346"/>
-            <a:ext cx="988045" cy="307777"/>
+            <a:off x="3564411" y="4424654"/>
+            <a:ext cx="545342" cy="307777"/>
+          </a:xfrm>
+          <a:prstGeom prst="rect">
+            <a:avLst/>
+          </a:prstGeom>
+          <a:noFill/>
+        </p:spPr>
+        <p:txBody>
+          <a:bodyPr wrap="none" rtlCol="0">
+            <a:spAutoFit/>
+          </a:bodyPr>
+          <a:lstStyle/>
+          <a:p>
+            <a:r>
+              <a:rPr lang="en-US" sz="1400" b="1" dirty="0"/>
+              <a:t>XINC</a:t>
+            </a:r>
+          </a:p>
+        </p:txBody>
+      </p:sp>
+      <p:sp>
+        <p:nvSpPr>
+          <p:cNvPr id="207" name="TextBox 206">
+            <a:extLst>
+              <a:ext uri="{FF2B5EF4-FFF2-40B4-BE49-F238E27FC236}">
+                <a16:creationId xmlns:a16="http://schemas.microsoft.com/office/drawing/2014/main" id="{A84A3483-E318-47BB-AEA2-95CA2455A609}"/>
+              </a:ext>
+            </a:extLst>
+          </p:cNvPr>
+          <p:cNvSpPr txBox="1"/>
+          <p:nvPr/>
+        </p:nvSpPr>
+        <p:spPr>
+          <a:xfrm>
+            <a:off x="4905350" y="4408331"/>
+            <a:ext cx="879215" cy="307777"/>
+          </a:xfrm>
+          <a:prstGeom prst="rect">
+            <a:avLst/>
+          </a:prstGeom>
+          <a:noFill/>
+        </p:spPr>
+        <p:txBody>
+          <a:bodyPr wrap="none" rtlCol="0">
+            <a:spAutoFit/>
+          </a:bodyPr>
+          <a:lstStyle/>
+          <a:p>
+            <a:r>
+              <a:rPr lang="en-US" sz="1400" b="1" dirty="0"/>
+              <a:t>LUMONA</a:t>
+            </a:r>
+          </a:p>
+        </p:txBody>
+      </p:sp>
+      <p:sp>
+        <p:nvSpPr>
+          <p:cNvPr id="208" name="TextBox 207">
+            <a:extLst>
+              <a:ext uri="{FF2B5EF4-FFF2-40B4-BE49-F238E27FC236}">
+                <a16:creationId xmlns:a16="http://schemas.microsoft.com/office/drawing/2014/main" id="{B74B9F94-1C33-409B-9283-F0F7A165A6A0}"/>
+              </a:ext>
+            </a:extLst>
+          </p:cNvPr>
+          <p:cNvSpPr txBox="1"/>
+          <p:nvPr/>
+        </p:nvSpPr>
+        <p:spPr>
+          <a:xfrm>
+            <a:off x="6533038" y="4408331"/>
+            <a:ext cx="704167" cy="307777"/>
+          </a:xfrm>
+          <a:prstGeom prst="rect">
+            <a:avLst/>
+          </a:prstGeom>
+          <a:noFill/>
+        </p:spPr>
+        <p:txBody>
+          <a:bodyPr wrap="none" rtlCol="0">
+            <a:spAutoFit/>
+          </a:bodyPr>
+          <a:lstStyle/>
+          <a:p>
+            <a:r>
+              <a:rPr lang="en-US" sz="1400" b="1" dirty="0"/>
+              <a:t>ROXIM</a:t>
+            </a:r>
+          </a:p>
+        </p:txBody>
+      </p:sp>
+      <p:sp>
+        <p:nvSpPr>
+          <p:cNvPr id="209" name="TextBox 208">
+            <a:extLst>
+              <a:ext uri="{FF2B5EF4-FFF2-40B4-BE49-F238E27FC236}">
+                <a16:creationId xmlns:a16="http://schemas.microsoft.com/office/drawing/2014/main" id="{1F641396-296E-427D-B67D-329BCCB07292}"/>
+              </a:ext>
+            </a:extLst>
+          </p:cNvPr>
+          <p:cNvSpPr txBox="1"/>
+          <p:nvPr/>
+        </p:nvSpPr>
+        <p:spPr>
+          <a:xfrm>
+            <a:off x="7895442" y="4397143"/>
+            <a:ext cx="944874" cy="307777"/>
+          </a:xfrm>
+          <a:prstGeom prst="rect">
+            <a:avLst/>
+          </a:prstGeom>
+          <a:noFill/>
+        </p:spPr>
+        <p:txBody>
+          <a:bodyPr wrap="none" rtlCol="0">
+            <a:spAutoFit/>
+          </a:bodyPr>
+          <a:lstStyle/>
+          <a:p>
+            <a:r>
+              <a:rPr lang="en-US" sz="1400" b="1" dirty="0"/>
+              <a:t>KEFUCLAV</a:t>
+            </a:r>
+          </a:p>
+        </p:txBody>
+      </p:sp>
+      <p:sp>
+        <p:nvSpPr>
+          <p:cNvPr id="210" name="TextBox 209">
+            <a:extLst>
+              <a:ext uri="{FF2B5EF4-FFF2-40B4-BE49-F238E27FC236}">
+                <a16:creationId xmlns:a16="http://schemas.microsoft.com/office/drawing/2014/main" id="{36A65FE7-D993-4DD6-8F21-A6446378A580}"/>
+              </a:ext>
+            </a:extLst>
+          </p:cNvPr>
+          <p:cNvSpPr txBox="1"/>
+          <p:nvPr/>
+        </p:nvSpPr>
+        <p:spPr>
+          <a:xfrm>
+            <a:off x="9515719" y="4432191"/>
+            <a:ext cx="953002" cy="307777"/>
           </a:xfrm>
           <a:prstGeom prst="rect">
             <a:avLst/>
@@ -9733,602 +8968,7 @@
           <a:p>
             <a:r>
               <a:rPr lang="en-US" sz="1400" b="1" dirty="0"/>
-              <a:t>CARDOBIS</a:t>
-            </a:r>
-          </a:p>
-        </p:txBody>
-      </p:sp>
-      <p:sp>
-        <p:nvSpPr>
-          <p:cNvPr id="161" name="TextBox 160">
-            <a:extLst>
-              <a:ext uri="{FF2B5EF4-FFF2-40B4-BE49-F238E27FC236}">
-                <a16:creationId xmlns:a16="http://schemas.microsoft.com/office/drawing/2014/main" id="{D13AD265-8BDF-4255-A7E5-4840A6101A34}"/>
-              </a:ext>
-            </a:extLst>
-          </p:cNvPr>
-          <p:cNvSpPr txBox="1"/>
-          <p:nvPr/>
-        </p:nvSpPr>
-        <p:spPr>
-          <a:xfrm>
-            <a:off x="6701883" y="2036548"/>
-            <a:ext cx="853311" cy="307777"/>
-          </a:xfrm>
-          <a:prstGeom prst="rect">
-            <a:avLst/>
-          </a:prstGeom>
-          <a:noFill/>
-        </p:spPr>
-        <p:txBody>
-          <a:bodyPr wrap="none" rtlCol="0">
-            <a:spAutoFit/>
-          </a:bodyPr>
-          <a:lstStyle/>
-          <a:p>
-            <a:r>
-              <a:rPr lang="en-US" sz="1400" b="1" dirty="0"/>
-              <a:t>RIVAROX</a:t>
-            </a:r>
-          </a:p>
-        </p:txBody>
-      </p:sp>
-      <p:sp>
-        <p:nvSpPr>
-          <p:cNvPr id="162" name="TextBox 161">
-            <a:extLst>
-              <a:ext uri="{FF2B5EF4-FFF2-40B4-BE49-F238E27FC236}">
-                <a16:creationId xmlns:a16="http://schemas.microsoft.com/office/drawing/2014/main" id="{5C442601-DBC1-41B3-BC32-A2D3B700AD59}"/>
-              </a:ext>
-            </a:extLst>
-          </p:cNvPr>
-          <p:cNvSpPr txBox="1"/>
-          <p:nvPr/>
-        </p:nvSpPr>
-        <p:spPr>
-          <a:xfrm>
-            <a:off x="7655665" y="2029182"/>
-            <a:ext cx="827534" cy="307777"/>
-          </a:xfrm>
-          <a:prstGeom prst="rect">
-            <a:avLst/>
-          </a:prstGeom>
-          <a:noFill/>
-        </p:spPr>
-        <p:txBody>
-          <a:bodyPr wrap="none" rtlCol="0">
-            <a:spAutoFit/>
-          </a:bodyPr>
-          <a:lstStyle/>
-          <a:p>
-            <a:r>
-              <a:rPr lang="en-US" sz="1400" b="1" dirty="0"/>
-              <a:t>NOCLOG</a:t>
-            </a:r>
-          </a:p>
-        </p:txBody>
-      </p:sp>
-      <p:sp>
-        <p:nvSpPr>
-          <p:cNvPr id="163" name="TextBox 162">
-            <a:extLst>
-              <a:ext uri="{FF2B5EF4-FFF2-40B4-BE49-F238E27FC236}">
-                <a16:creationId xmlns:a16="http://schemas.microsoft.com/office/drawing/2014/main" id="{ABD498D2-545F-41DF-BFFC-E4902E8E1A53}"/>
-              </a:ext>
-            </a:extLst>
-          </p:cNvPr>
-          <p:cNvSpPr txBox="1"/>
-          <p:nvPr/>
-        </p:nvSpPr>
-        <p:spPr>
-          <a:xfrm>
-            <a:off x="9594348" y="2035762"/>
-            <a:ext cx="850745" cy="307777"/>
-          </a:xfrm>
-          <a:prstGeom prst="rect">
-            <a:avLst/>
-          </a:prstGeom>
-          <a:noFill/>
-        </p:spPr>
-        <p:txBody>
-          <a:bodyPr wrap="square" rtlCol="0">
-            <a:spAutoFit/>
-          </a:bodyPr>
-          <a:lstStyle/>
-          <a:p>
-            <a:r>
-              <a:rPr lang="en-US" sz="1400" b="1" dirty="0"/>
-              <a:t>AROTIDE</a:t>
-            </a:r>
-          </a:p>
-        </p:txBody>
-      </p:sp>
-      <p:sp>
-        <p:nvSpPr>
-          <p:cNvPr id="164" name="TextBox 163">
-            <a:extLst>
-              <a:ext uri="{FF2B5EF4-FFF2-40B4-BE49-F238E27FC236}">
-                <a16:creationId xmlns:a16="http://schemas.microsoft.com/office/drawing/2014/main" id="{B74A9E3C-F50A-4FFF-8590-227A04CB5F91}"/>
-              </a:ext>
-            </a:extLst>
-          </p:cNvPr>
-          <p:cNvSpPr txBox="1"/>
-          <p:nvPr/>
-        </p:nvSpPr>
-        <p:spPr>
-          <a:xfrm>
-            <a:off x="10463963" y="2023082"/>
-            <a:ext cx="912322" cy="307777"/>
-          </a:xfrm>
-          <a:prstGeom prst="rect">
-            <a:avLst/>
-          </a:prstGeom>
-          <a:noFill/>
-        </p:spPr>
-        <p:txBody>
-          <a:bodyPr wrap="square" rtlCol="0">
-            <a:spAutoFit/>
-          </a:bodyPr>
-          <a:lstStyle/>
-          <a:p>
-            <a:r>
-              <a:rPr lang="en-US" sz="1400" b="1" dirty="0"/>
-              <a:t>FOBUNID</a:t>
-            </a:r>
-          </a:p>
-        </p:txBody>
-      </p:sp>
-      <p:sp>
-        <p:nvSpPr>
-          <p:cNvPr id="165" name="TextBox 164">
-            <a:extLst>
-              <a:ext uri="{FF2B5EF4-FFF2-40B4-BE49-F238E27FC236}">
-                <a16:creationId xmlns:a16="http://schemas.microsoft.com/office/drawing/2014/main" id="{A64963FE-4A4C-4BBF-86E2-DE31769CEA5F}"/>
-              </a:ext>
-            </a:extLst>
-          </p:cNvPr>
-          <p:cNvSpPr txBox="1"/>
-          <p:nvPr/>
-        </p:nvSpPr>
-        <p:spPr>
-          <a:xfrm>
-            <a:off x="8597742" y="2024844"/>
-            <a:ext cx="827655" cy="316451"/>
-          </a:xfrm>
-          <a:prstGeom prst="rect">
-            <a:avLst/>
-          </a:prstGeom>
-          <a:noFill/>
-        </p:spPr>
-        <p:txBody>
-          <a:bodyPr wrap="square">
-            <a:spAutoFit/>
-          </a:bodyPr>
-          <a:lstStyle/>
-          <a:p>
-            <a:r>
-              <a:rPr lang="en-US" sz="1400" b="1" dirty="0"/>
-              <a:t>BEMPID</a:t>
-            </a:r>
-          </a:p>
-        </p:txBody>
-      </p:sp>
-      <p:sp>
-        <p:nvSpPr>
-          <p:cNvPr id="166" name="TextBox 165">
-            <a:extLst>
-              <a:ext uri="{FF2B5EF4-FFF2-40B4-BE49-F238E27FC236}">
-                <a16:creationId xmlns:a16="http://schemas.microsoft.com/office/drawing/2014/main" id="{EC918591-6367-4CD3-B7C9-8E054C647456}"/>
-              </a:ext>
-            </a:extLst>
-          </p:cNvPr>
-          <p:cNvSpPr txBox="1"/>
-          <p:nvPr/>
-        </p:nvSpPr>
-        <p:spPr>
-          <a:xfrm>
-            <a:off x="137528" y="891755"/>
-            <a:ext cx="779381" cy="307777"/>
-          </a:xfrm>
-          <a:prstGeom prst="rect">
-            <a:avLst/>
-          </a:prstGeom>
-          <a:noFill/>
-        </p:spPr>
-        <p:txBody>
-          <a:bodyPr wrap="none" rtlCol="0">
-            <a:spAutoFit/>
-          </a:bodyPr>
-          <a:lstStyle/>
-          <a:p>
-            <a:r>
-              <a:rPr lang="en-US" sz="1400" b="1" dirty="0"/>
-              <a:t>LIGAZID</a:t>
-            </a:r>
-          </a:p>
-        </p:txBody>
-      </p:sp>
-      <p:sp>
-        <p:nvSpPr>
-          <p:cNvPr id="167" name="TextBox 166">
-            <a:extLst>
-              <a:ext uri="{FF2B5EF4-FFF2-40B4-BE49-F238E27FC236}">
-                <a16:creationId xmlns:a16="http://schemas.microsoft.com/office/drawing/2014/main" id="{64A78E3A-F319-4EC3-B732-4301B84C2ABE}"/>
-              </a:ext>
-            </a:extLst>
-          </p:cNvPr>
-          <p:cNvSpPr txBox="1"/>
-          <p:nvPr/>
-        </p:nvSpPr>
-        <p:spPr>
-          <a:xfrm>
-            <a:off x="1068619" y="872999"/>
-            <a:ext cx="787395" cy="307777"/>
-          </a:xfrm>
-          <a:prstGeom prst="rect">
-            <a:avLst/>
-          </a:prstGeom>
-          <a:noFill/>
-        </p:spPr>
-        <p:txBody>
-          <a:bodyPr wrap="none" rtlCol="0">
-            <a:spAutoFit/>
-          </a:bodyPr>
-          <a:lstStyle/>
-          <a:p>
-            <a:r>
-              <a:rPr lang="en-US" sz="1400" b="1" dirty="0"/>
-              <a:t>EMAZID</a:t>
-            </a:r>
-          </a:p>
-        </p:txBody>
-      </p:sp>
-      <p:sp>
-        <p:nvSpPr>
-          <p:cNvPr id="168" name="TextBox 167">
-            <a:extLst>
-              <a:ext uri="{FF2B5EF4-FFF2-40B4-BE49-F238E27FC236}">
-                <a16:creationId xmlns:a16="http://schemas.microsoft.com/office/drawing/2014/main" id="{3996784D-A452-40A0-9B97-22A98A460EF6}"/>
-              </a:ext>
-            </a:extLst>
-          </p:cNvPr>
-          <p:cNvSpPr txBox="1"/>
-          <p:nvPr/>
-        </p:nvSpPr>
-        <p:spPr>
-          <a:xfrm>
-            <a:off x="2014967" y="891755"/>
-            <a:ext cx="786049" cy="307777"/>
-          </a:xfrm>
-          <a:prstGeom prst="rect">
-            <a:avLst/>
-          </a:prstGeom>
-          <a:noFill/>
-        </p:spPr>
-        <p:txBody>
-          <a:bodyPr wrap="none" rtlCol="0">
-            <a:spAutoFit/>
-          </a:bodyPr>
-          <a:lstStyle/>
-          <a:p>
-            <a:r>
-              <a:rPr lang="en-US" sz="1400" b="1" dirty="0"/>
-              <a:t>LIPICON</a:t>
-            </a:r>
-          </a:p>
-        </p:txBody>
-      </p:sp>
-      <p:sp>
-        <p:nvSpPr>
-          <p:cNvPr id="169" name="TextBox 168">
-            <a:extLst>
-              <a:ext uri="{FF2B5EF4-FFF2-40B4-BE49-F238E27FC236}">
-                <a16:creationId xmlns:a16="http://schemas.microsoft.com/office/drawing/2014/main" id="{BF8573BC-6CBA-483E-AB5F-EB6487872E3B}"/>
-              </a:ext>
-            </a:extLst>
-          </p:cNvPr>
-          <p:cNvSpPr txBox="1"/>
-          <p:nvPr/>
-        </p:nvSpPr>
-        <p:spPr>
-          <a:xfrm>
-            <a:off x="3045599" y="891754"/>
-            <a:ext cx="624915" cy="307777"/>
-          </a:xfrm>
-          <a:prstGeom prst="rect">
-            <a:avLst/>
-          </a:prstGeom>
-          <a:noFill/>
-        </p:spPr>
-        <p:txBody>
-          <a:bodyPr wrap="none" rtlCol="0">
-            <a:spAutoFit/>
-          </a:bodyPr>
-          <a:lstStyle/>
-          <a:p>
-            <a:r>
-              <a:rPr lang="en-US" sz="1400" b="1" dirty="0"/>
-              <a:t>AGLIP</a:t>
-            </a:r>
-          </a:p>
-        </p:txBody>
-      </p:sp>
-      <p:sp>
-        <p:nvSpPr>
-          <p:cNvPr id="170" name="TextBox 169">
-            <a:extLst>
-              <a:ext uri="{FF2B5EF4-FFF2-40B4-BE49-F238E27FC236}">
-                <a16:creationId xmlns:a16="http://schemas.microsoft.com/office/drawing/2014/main" id="{DF083072-630F-4F0A-8176-4DC344F4105A}"/>
-              </a:ext>
-            </a:extLst>
-          </p:cNvPr>
-          <p:cNvSpPr txBox="1"/>
-          <p:nvPr/>
-        </p:nvSpPr>
-        <p:spPr>
-          <a:xfrm>
-            <a:off x="3934028" y="913473"/>
-            <a:ext cx="734496" cy="307777"/>
-          </a:xfrm>
-          <a:prstGeom prst="rect">
-            <a:avLst/>
-          </a:prstGeom>
-          <a:noFill/>
-        </p:spPr>
-        <p:txBody>
-          <a:bodyPr wrap="none" rtlCol="0">
-            <a:spAutoFit/>
-          </a:bodyPr>
-          <a:lstStyle/>
-          <a:p>
-            <a:r>
-              <a:rPr lang="en-US" sz="1400" b="1" dirty="0"/>
-              <a:t>CIFIBET</a:t>
-            </a:r>
-          </a:p>
-        </p:txBody>
-      </p:sp>
-      <p:sp>
-        <p:nvSpPr>
-          <p:cNvPr id="171" name="TextBox 170">
-            <a:extLst>
-              <a:ext uri="{FF2B5EF4-FFF2-40B4-BE49-F238E27FC236}">
-                <a16:creationId xmlns:a16="http://schemas.microsoft.com/office/drawing/2014/main" id="{1F6DCEB0-6994-4FC3-A319-878B85152FEB}"/>
-              </a:ext>
-            </a:extLst>
-          </p:cNvPr>
-          <p:cNvSpPr txBox="1"/>
-          <p:nvPr/>
-        </p:nvSpPr>
-        <p:spPr>
-          <a:xfrm>
-            <a:off x="4805076" y="898565"/>
-            <a:ext cx="838371" cy="307777"/>
-          </a:xfrm>
-          <a:prstGeom prst="rect">
-            <a:avLst/>
-          </a:prstGeom>
-          <a:noFill/>
-        </p:spPr>
-        <p:txBody>
-          <a:bodyPr wrap="none" rtlCol="0">
-            <a:spAutoFit/>
-          </a:bodyPr>
-          <a:lstStyle/>
-          <a:p>
-            <a:r>
-              <a:rPr lang="en-US" sz="1400" b="1" dirty="0"/>
-              <a:t>AMLEVO</a:t>
-            </a:r>
-          </a:p>
-        </p:txBody>
-      </p:sp>
-      <p:sp>
-        <p:nvSpPr>
-          <p:cNvPr id="172" name="TextBox 171">
-            <a:extLst>
-              <a:ext uri="{FF2B5EF4-FFF2-40B4-BE49-F238E27FC236}">
-                <a16:creationId xmlns:a16="http://schemas.microsoft.com/office/drawing/2014/main" id="{6CBE6A6E-DF0E-4858-8F10-C0C8859C102B}"/>
-              </a:ext>
-            </a:extLst>
-          </p:cNvPr>
-          <p:cNvSpPr txBox="1"/>
-          <p:nvPr/>
-        </p:nvSpPr>
-        <p:spPr>
-          <a:xfrm>
-            <a:off x="5701823" y="900355"/>
-            <a:ext cx="953002" cy="307777"/>
-          </a:xfrm>
-          <a:prstGeom prst="rect">
-            <a:avLst/>
-          </a:prstGeom>
-          <a:noFill/>
-        </p:spPr>
-        <p:txBody>
-          <a:bodyPr wrap="square" rtlCol="0">
-            <a:spAutoFit/>
-          </a:bodyPr>
-          <a:lstStyle/>
-          <a:p>
-            <a:r>
-              <a:rPr lang="en-US" sz="1400" b="1" dirty="0"/>
-              <a:t>CARDOBIS</a:t>
-            </a:r>
-          </a:p>
-        </p:txBody>
-      </p:sp>
-      <p:sp>
-        <p:nvSpPr>
-          <p:cNvPr id="173" name="TextBox 172">
-            <a:extLst>
-              <a:ext uri="{FF2B5EF4-FFF2-40B4-BE49-F238E27FC236}">
-                <a16:creationId xmlns:a16="http://schemas.microsoft.com/office/drawing/2014/main" id="{F502320B-C66B-4C70-8469-60AD83AE21E5}"/>
-              </a:ext>
-            </a:extLst>
-          </p:cNvPr>
-          <p:cNvSpPr txBox="1"/>
-          <p:nvPr/>
-        </p:nvSpPr>
-        <p:spPr>
-          <a:xfrm>
-            <a:off x="6724976" y="913473"/>
-            <a:ext cx="853311" cy="307777"/>
-          </a:xfrm>
-          <a:prstGeom prst="rect">
-            <a:avLst/>
-          </a:prstGeom>
-          <a:noFill/>
-        </p:spPr>
-        <p:txBody>
-          <a:bodyPr wrap="none" rtlCol="0">
-            <a:spAutoFit/>
-          </a:bodyPr>
-          <a:lstStyle/>
-          <a:p>
-            <a:r>
-              <a:rPr lang="en-US" sz="1400" b="1" dirty="0"/>
-              <a:t>RIVAROX</a:t>
-            </a:r>
-          </a:p>
-        </p:txBody>
-      </p:sp>
-      <p:sp>
-        <p:nvSpPr>
-          <p:cNvPr id="174" name="TextBox 173">
-            <a:extLst>
-              <a:ext uri="{FF2B5EF4-FFF2-40B4-BE49-F238E27FC236}">
-                <a16:creationId xmlns:a16="http://schemas.microsoft.com/office/drawing/2014/main" id="{7B11BEE6-8885-4211-BFE9-147FF59C9E54}"/>
-              </a:ext>
-            </a:extLst>
-          </p:cNvPr>
-          <p:cNvSpPr txBox="1"/>
-          <p:nvPr/>
-        </p:nvSpPr>
-        <p:spPr>
-          <a:xfrm>
-            <a:off x="7641274" y="906107"/>
-            <a:ext cx="827534" cy="307777"/>
-          </a:xfrm>
-          <a:prstGeom prst="rect">
-            <a:avLst/>
-          </a:prstGeom>
-          <a:noFill/>
-        </p:spPr>
-        <p:txBody>
-          <a:bodyPr wrap="none" rtlCol="0">
-            <a:spAutoFit/>
-          </a:bodyPr>
-          <a:lstStyle/>
-          <a:p>
-            <a:r>
-              <a:rPr lang="en-US" sz="1400" b="1" dirty="0"/>
-              <a:t>NOCLOG</a:t>
-            </a:r>
-          </a:p>
-        </p:txBody>
-      </p:sp>
-      <p:sp>
-        <p:nvSpPr>
-          <p:cNvPr id="175" name="TextBox 174">
-            <a:extLst>
-              <a:ext uri="{FF2B5EF4-FFF2-40B4-BE49-F238E27FC236}">
-                <a16:creationId xmlns:a16="http://schemas.microsoft.com/office/drawing/2014/main" id="{7B166425-BD08-4DFE-91A7-3A99E870114A}"/>
-              </a:ext>
-            </a:extLst>
-          </p:cNvPr>
-          <p:cNvSpPr txBox="1"/>
-          <p:nvPr/>
-        </p:nvSpPr>
-        <p:spPr>
-          <a:xfrm>
-            <a:off x="9553623" y="903657"/>
-            <a:ext cx="849015" cy="307777"/>
-          </a:xfrm>
-          <a:prstGeom prst="rect">
-            <a:avLst/>
-          </a:prstGeom>
-          <a:noFill/>
-        </p:spPr>
-        <p:txBody>
-          <a:bodyPr wrap="none" rtlCol="0">
-            <a:spAutoFit/>
-          </a:bodyPr>
-          <a:lstStyle/>
-          <a:p>
-            <a:r>
-              <a:rPr lang="en-US" sz="1400" b="1" dirty="0"/>
-              <a:t>AROTIDE</a:t>
-            </a:r>
-          </a:p>
-        </p:txBody>
-      </p:sp>
-      <p:sp>
-        <p:nvSpPr>
-          <p:cNvPr id="176" name="TextBox 175">
-            <a:extLst>
-              <a:ext uri="{FF2B5EF4-FFF2-40B4-BE49-F238E27FC236}">
-                <a16:creationId xmlns:a16="http://schemas.microsoft.com/office/drawing/2014/main" id="{0D77966B-2801-49D0-8274-23B37E6D75F7}"/>
-              </a:ext>
-            </a:extLst>
-          </p:cNvPr>
-          <p:cNvSpPr txBox="1"/>
-          <p:nvPr/>
-        </p:nvSpPr>
-        <p:spPr>
-          <a:xfrm>
-            <a:off x="10485806" y="920746"/>
-            <a:ext cx="885435" cy="307777"/>
-          </a:xfrm>
-          <a:prstGeom prst="rect">
-            <a:avLst/>
-          </a:prstGeom>
-          <a:noFill/>
-        </p:spPr>
-        <p:txBody>
-          <a:bodyPr wrap="none" rtlCol="0">
-            <a:spAutoFit/>
-          </a:bodyPr>
-          <a:lstStyle/>
-          <a:p>
-            <a:r>
-              <a:rPr lang="en-US" sz="1400" b="1" dirty="0"/>
-              <a:t>FOBUNID</a:t>
-            </a:r>
-          </a:p>
-        </p:txBody>
-      </p:sp>
-      <p:sp>
-        <p:nvSpPr>
-          <p:cNvPr id="177" name="TextBox 176">
-            <a:extLst>
-              <a:ext uri="{FF2B5EF4-FFF2-40B4-BE49-F238E27FC236}">
-                <a16:creationId xmlns:a16="http://schemas.microsoft.com/office/drawing/2014/main" id="{3C0046B9-17F0-4D59-A1CA-49DAD0483C66}"/>
-              </a:ext>
-            </a:extLst>
-          </p:cNvPr>
-          <p:cNvSpPr txBox="1"/>
-          <p:nvPr/>
-        </p:nvSpPr>
-        <p:spPr>
-          <a:xfrm>
-            <a:off x="8594077" y="891217"/>
-            <a:ext cx="827655" cy="316451"/>
-          </a:xfrm>
-          <a:prstGeom prst="rect">
-            <a:avLst/>
-          </a:prstGeom>
-          <a:noFill/>
-        </p:spPr>
-        <p:txBody>
-          <a:bodyPr wrap="square">
-            <a:spAutoFit/>
-          </a:bodyPr>
-          <a:lstStyle/>
-          <a:p>
-            <a:r>
-              <a:rPr lang="en-US" sz="1400" b="1" dirty="0"/>
-              <a:t>BEMPID</a:t>
+              <a:t>DEFCORT</a:t>
             </a:r>
           </a:p>
         </p:txBody>
@@ -10377,8 +9017,8 @@
         </p:nvSpPr>
         <p:spPr>
           <a:xfrm>
-            <a:off x="146304" y="192024"/>
-            <a:ext cx="11722608" cy="1993392"/>
+            <a:off x="146304" y="359922"/>
+            <a:ext cx="11722608" cy="1825493"/>
           </a:xfrm>
           <a:prstGeom prst="rect">
             <a:avLst/>
@@ -10440,7 +9080,7 @@
             <a:avLst/>
           </a:prstGeom>
           <a:solidFill>
-            <a:srgbClr val="00FFCC"/>
+            <a:srgbClr val="FFFFCC"/>
           </a:solidFill>
           <a:ln>
             <a:solidFill>
@@ -10492,7 +9132,7 @@
             <a:avLst/>
           </a:prstGeom>
           <a:solidFill>
-            <a:srgbClr val="00FFCC"/>
+            <a:srgbClr val="FFFFCC"/>
           </a:solidFill>
           <a:ln>
             <a:solidFill>
@@ -10544,7 +9184,7 @@
             <a:avLst/>
           </a:prstGeom>
           <a:solidFill>
-            <a:srgbClr val="00FFCC"/>
+            <a:srgbClr val="FFFFCC"/>
           </a:solidFill>
           <a:ln>
             <a:solidFill>
@@ -10596,7 +9236,7 @@
             <a:avLst/>
           </a:prstGeom>
           <a:solidFill>
-            <a:srgbClr val="00FFCC"/>
+            <a:srgbClr val="FFFFCC"/>
           </a:solidFill>
           <a:ln>
             <a:solidFill>

--- a/orginal file.pptx
+++ b/orginal file.pptx
@@ -7,7 +7,8 @@
   <p:sldIdLst>
     <p:sldId id="257" r:id="rId2"/>
     <p:sldId id="258" r:id="rId3"/>
-    <p:sldId id="259" r:id="rId4"/>
+    <p:sldId id="260" r:id="rId4"/>
+    <p:sldId id="259" r:id="rId5"/>
   </p:sldIdLst>
   <p:sldSz cx="12192000" cy="6858000"/>
   <p:notesSz cx="6858000" cy="9144000"/>
@@ -272,7 +273,7 @@
           <a:p>
             <a:fld id="{FF143A58-3210-4CFC-B34A-6534F5FBAFE6}" type="datetimeFigureOut">
               <a:rPr lang="en-US" smtClean="0"/>
-              <a:t>2021-11-21</a:t>
+              <a:t>2021-12-23</a:t>
             </a:fld>
             <a:endParaRPr lang="en-US"/>
           </a:p>
@@ -470,7 +471,7 @@
           <a:p>
             <a:fld id="{FF143A58-3210-4CFC-B34A-6534F5FBAFE6}" type="datetimeFigureOut">
               <a:rPr lang="en-US" smtClean="0"/>
-              <a:t>2021-11-21</a:t>
+              <a:t>2021-12-23</a:t>
             </a:fld>
             <a:endParaRPr lang="en-US"/>
           </a:p>
@@ -678,7 +679,7 @@
           <a:p>
             <a:fld id="{FF143A58-3210-4CFC-B34A-6534F5FBAFE6}" type="datetimeFigureOut">
               <a:rPr lang="en-US" smtClean="0"/>
-              <a:t>2021-11-21</a:t>
+              <a:t>2021-12-23</a:t>
             </a:fld>
             <a:endParaRPr lang="en-US"/>
           </a:p>
@@ -876,7 +877,7 @@
           <a:p>
             <a:fld id="{FF143A58-3210-4CFC-B34A-6534F5FBAFE6}" type="datetimeFigureOut">
               <a:rPr lang="en-US" smtClean="0"/>
-              <a:t>2021-11-21</a:t>
+              <a:t>2021-12-23</a:t>
             </a:fld>
             <a:endParaRPr lang="en-US"/>
           </a:p>
@@ -1151,7 +1152,7 @@
           <a:p>
             <a:fld id="{FF143A58-3210-4CFC-B34A-6534F5FBAFE6}" type="datetimeFigureOut">
               <a:rPr lang="en-US" smtClean="0"/>
-              <a:t>2021-11-21</a:t>
+              <a:t>2021-12-23</a:t>
             </a:fld>
             <a:endParaRPr lang="en-US"/>
           </a:p>
@@ -1416,7 +1417,7 @@
           <a:p>
             <a:fld id="{FF143A58-3210-4CFC-B34A-6534F5FBAFE6}" type="datetimeFigureOut">
               <a:rPr lang="en-US" smtClean="0"/>
-              <a:t>2021-11-21</a:t>
+              <a:t>2021-12-23</a:t>
             </a:fld>
             <a:endParaRPr lang="en-US"/>
           </a:p>
@@ -1828,7 +1829,7 @@
           <a:p>
             <a:fld id="{FF143A58-3210-4CFC-B34A-6534F5FBAFE6}" type="datetimeFigureOut">
               <a:rPr lang="en-US" smtClean="0"/>
-              <a:t>2021-11-21</a:t>
+              <a:t>2021-12-23</a:t>
             </a:fld>
             <a:endParaRPr lang="en-US"/>
           </a:p>
@@ -1969,7 +1970,7 @@
           <a:p>
             <a:fld id="{FF143A58-3210-4CFC-B34A-6534F5FBAFE6}" type="datetimeFigureOut">
               <a:rPr lang="en-US" smtClean="0"/>
-              <a:t>2021-11-21</a:t>
+              <a:t>2021-12-23</a:t>
             </a:fld>
             <a:endParaRPr lang="en-US"/>
           </a:p>
@@ -2082,7 +2083,7 @@
           <a:p>
             <a:fld id="{FF143A58-3210-4CFC-B34A-6534F5FBAFE6}" type="datetimeFigureOut">
               <a:rPr lang="en-US" smtClean="0"/>
-              <a:t>2021-11-21</a:t>
+              <a:t>2021-12-23</a:t>
             </a:fld>
             <a:endParaRPr lang="en-US"/>
           </a:p>
@@ -2393,7 +2394,7 @@
           <a:p>
             <a:fld id="{FF143A58-3210-4CFC-B34A-6534F5FBAFE6}" type="datetimeFigureOut">
               <a:rPr lang="en-US" smtClean="0"/>
-              <a:t>2021-11-21</a:t>
+              <a:t>2021-12-23</a:t>
             </a:fld>
             <a:endParaRPr lang="en-US"/>
           </a:p>
@@ -2681,7 +2682,7 @@
           <a:p>
             <a:fld id="{FF143A58-3210-4CFC-B34A-6534F5FBAFE6}" type="datetimeFigureOut">
               <a:rPr lang="en-US" smtClean="0"/>
-              <a:t>2021-11-21</a:t>
+              <a:t>2021-12-23</a:t>
             </a:fld>
             <a:endParaRPr lang="en-US"/>
           </a:p>
@@ -2922,7 +2923,7 @@
           <a:p>
             <a:fld id="{FF143A58-3210-4CFC-B34A-6534F5FBAFE6}" type="datetimeFigureOut">
               <a:rPr lang="en-US" smtClean="0"/>
-              <a:t>2021-11-21</a:t>
+              <a:t>2021-12-23</a:t>
             </a:fld>
             <a:endParaRPr lang="en-US"/>
           </a:p>
@@ -6978,10 +6979,7 @@
             <a:avLst/>
           </a:prstGeom>
           <a:solidFill>
-            <a:schemeClr val="accent4">
-              <a:lumMod val="40000"/>
-              <a:lumOff val="60000"/>
-            </a:schemeClr>
+            <a:srgbClr val="FFE699"/>
           </a:solidFill>
           <a:ln w="19050">
             <a:solidFill>
@@ -8987,6 +8985,4531 @@
 </file>
 
 <file path=ppt/slides/slide3.xml><?xml version="1.0" encoding="utf-8"?>
+<p:sld xmlns:a="http://schemas.openxmlformats.org/drawingml/2006/main" xmlns:r="http://schemas.openxmlformats.org/officeDocument/2006/relationships" xmlns:p="http://schemas.openxmlformats.org/presentationml/2006/main">
+  <p:cSld>
+    <p:spTree>
+      <p:nvGrpSpPr>
+        <p:cNvPr id="1" name=""/>
+        <p:cNvGrpSpPr/>
+        <p:nvPr/>
+      </p:nvGrpSpPr>
+      <p:grpSpPr>
+        <a:xfrm>
+          <a:off x="0" y="0"/>
+          <a:ext cx="0" cy="0"/>
+          <a:chOff x="0" y="0"/>
+          <a:chExt cx="0" cy="0"/>
+        </a:xfrm>
+      </p:grpSpPr>
+      <p:sp>
+        <p:nvSpPr>
+          <p:cNvPr id="3" name="Rectangle 2">
+            <a:extLst>
+              <a:ext uri="{FF2B5EF4-FFF2-40B4-BE49-F238E27FC236}">
+                <a16:creationId xmlns:a16="http://schemas.microsoft.com/office/drawing/2014/main" id="{CEFE11AB-55F8-4432-AD00-8C61EE48000D}"/>
+              </a:ext>
+            </a:extLst>
+          </p:cNvPr>
+          <p:cNvSpPr/>
+          <p:nvPr/>
+        </p:nvSpPr>
+        <p:spPr>
+          <a:xfrm>
+            <a:off x="87884" y="504356"/>
+            <a:ext cx="10811270" cy="4646764"/>
+          </a:xfrm>
+          <a:prstGeom prst="rect">
+            <a:avLst/>
+          </a:prstGeom>
+          <a:solidFill>
+            <a:schemeClr val="bg1">
+              <a:lumMod val="95000"/>
+            </a:schemeClr>
+          </a:solidFill>
+          <a:ln>
+            <a:solidFill>
+              <a:schemeClr val="tx1">
+                <a:lumMod val="95000"/>
+                <a:lumOff val="5000"/>
+              </a:schemeClr>
+            </a:solidFill>
+          </a:ln>
+        </p:spPr>
+        <p:style>
+          <a:lnRef idx="2">
+            <a:schemeClr val="accent1">
+              <a:shade val="50000"/>
+            </a:schemeClr>
+          </a:lnRef>
+          <a:fillRef idx="1">
+            <a:schemeClr val="accent1"/>
+          </a:fillRef>
+          <a:effectRef idx="0">
+            <a:schemeClr val="accent1"/>
+          </a:effectRef>
+          <a:fontRef idx="minor">
+            <a:schemeClr val="lt1"/>
+          </a:fontRef>
+        </p:style>
+        <p:txBody>
+          <a:bodyPr rtlCol="0" anchor="ctr"/>
+          <a:lstStyle/>
+          <a:p>
+            <a:pPr algn="ctr"/>
+            <a:endParaRPr lang="en-US" dirty="0"/>
+          </a:p>
+        </p:txBody>
+      </p:sp>
+      <p:sp>
+        <p:nvSpPr>
+          <p:cNvPr id="6" name="Rectangle 5">
+            <a:extLst>
+              <a:ext uri="{FF2B5EF4-FFF2-40B4-BE49-F238E27FC236}">
+                <a16:creationId xmlns:a16="http://schemas.microsoft.com/office/drawing/2014/main" id="{B60319D8-AA1E-4B61-A63A-62DC27FD2962}"/>
+              </a:ext>
+            </a:extLst>
+          </p:cNvPr>
+          <p:cNvSpPr/>
+          <p:nvPr/>
+        </p:nvSpPr>
+        <p:spPr>
+          <a:xfrm>
+            <a:off x="131065" y="2734937"/>
+            <a:ext cx="10768088" cy="338328"/>
+          </a:xfrm>
+          <a:prstGeom prst="rect">
+            <a:avLst/>
+          </a:prstGeom>
+          <a:solidFill>
+            <a:schemeClr val="bg1">
+              <a:lumMod val="50000"/>
+            </a:schemeClr>
+          </a:solidFill>
+          <a:effectLst>
+            <a:outerShdw blurRad="50800" dist="38100" dir="2700000" algn="tl" rotWithShape="0">
+              <a:prstClr val="black">
+                <a:alpha val="40000"/>
+              </a:prstClr>
+            </a:outerShdw>
+          </a:effectLst>
+        </p:spPr>
+        <p:style>
+          <a:lnRef idx="2">
+            <a:schemeClr val="accent1">
+              <a:shade val="50000"/>
+            </a:schemeClr>
+          </a:lnRef>
+          <a:fillRef idx="1">
+            <a:schemeClr val="accent1"/>
+          </a:fillRef>
+          <a:effectRef idx="0">
+            <a:schemeClr val="accent1"/>
+          </a:effectRef>
+          <a:fontRef idx="minor">
+            <a:schemeClr val="lt1"/>
+          </a:fontRef>
+        </p:style>
+        <p:txBody>
+          <a:bodyPr rtlCol="0" anchor="ctr"/>
+          <a:lstStyle/>
+          <a:p>
+            <a:r>
+              <a:rPr lang="en-US" sz="2000" b="1" dirty="0"/>
+              <a:t>Seen Rx </a:t>
+            </a:r>
+          </a:p>
+        </p:txBody>
+      </p:sp>
+      <p:sp>
+        <p:nvSpPr>
+          <p:cNvPr id="7" name="Rectangle 6">
+            <a:extLst>
+              <a:ext uri="{FF2B5EF4-FFF2-40B4-BE49-F238E27FC236}">
+                <a16:creationId xmlns:a16="http://schemas.microsoft.com/office/drawing/2014/main" id="{37B518B5-9FB7-40BA-929B-140CEDD24AF8}"/>
+              </a:ext>
+            </a:extLst>
+          </p:cNvPr>
+          <p:cNvSpPr/>
+          <p:nvPr/>
+        </p:nvSpPr>
+        <p:spPr>
+          <a:xfrm>
+            <a:off x="131064" y="3950945"/>
+            <a:ext cx="10743427" cy="338328"/>
+          </a:xfrm>
+          <a:prstGeom prst="rect">
+            <a:avLst/>
+          </a:prstGeom>
+          <a:solidFill>
+            <a:schemeClr val="bg1">
+              <a:lumMod val="50000"/>
+            </a:schemeClr>
+          </a:solidFill>
+          <a:effectLst>
+            <a:outerShdw blurRad="50800" dist="38100" dir="2700000" algn="tl" rotWithShape="0">
+              <a:prstClr val="black">
+                <a:alpha val="40000"/>
+              </a:prstClr>
+            </a:outerShdw>
+          </a:effectLst>
+        </p:spPr>
+        <p:style>
+          <a:lnRef idx="2">
+            <a:schemeClr val="accent1">
+              <a:shade val="50000"/>
+            </a:schemeClr>
+          </a:lnRef>
+          <a:fillRef idx="1">
+            <a:schemeClr val="accent1"/>
+          </a:fillRef>
+          <a:effectRef idx="0">
+            <a:schemeClr val="accent1"/>
+          </a:effectRef>
+          <a:fontRef idx="minor">
+            <a:schemeClr val="lt1"/>
+          </a:fontRef>
+        </p:style>
+        <p:txBody>
+          <a:bodyPr rtlCol="0" anchor="ctr"/>
+          <a:lstStyle/>
+          <a:p>
+            <a:r>
+              <a:rPr lang="en-US" sz="2000" b="1" dirty="0"/>
+              <a:t>Doctor Call</a:t>
+            </a:r>
+          </a:p>
+        </p:txBody>
+      </p:sp>
+      <p:sp>
+        <p:nvSpPr>
+          <p:cNvPr id="65" name="TextBox 64">
+            <a:extLst>
+              <a:ext uri="{FF2B5EF4-FFF2-40B4-BE49-F238E27FC236}">
+                <a16:creationId xmlns:a16="http://schemas.microsoft.com/office/drawing/2014/main" id="{D4F33CAD-3FFB-4A86-89A9-4C07C4154EC7}"/>
+              </a:ext>
+            </a:extLst>
+          </p:cNvPr>
+          <p:cNvSpPr txBox="1"/>
+          <p:nvPr/>
+        </p:nvSpPr>
+        <p:spPr>
+          <a:xfrm>
+            <a:off x="8658070" y="4352577"/>
+            <a:ext cx="752982" cy="307777"/>
+          </a:xfrm>
+          <a:prstGeom prst="rect">
+            <a:avLst/>
+          </a:prstGeom>
+          <a:noFill/>
+        </p:spPr>
+        <p:txBody>
+          <a:bodyPr wrap="square" rtlCol="0">
+            <a:spAutoFit/>
+          </a:bodyPr>
+          <a:lstStyle/>
+          <a:p>
+            <a:endParaRPr lang="en-US" sz="1400" b="1" dirty="0"/>
+          </a:p>
+        </p:txBody>
+      </p:sp>
+      <p:sp>
+        <p:nvSpPr>
+          <p:cNvPr id="109" name="Rectangle: Rounded Corners 108">
+            <a:extLst>
+              <a:ext uri="{FF2B5EF4-FFF2-40B4-BE49-F238E27FC236}">
+                <a16:creationId xmlns:a16="http://schemas.microsoft.com/office/drawing/2014/main" id="{83E43DFE-8B24-4E44-BD7C-530DBD3C58E6}"/>
+              </a:ext>
+            </a:extLst>
+          </p:cNvPr>
+          <p:cNvSpPr/>
+          <p:nvPr/>
+        </p:nvSpPr>
+        <p:spPr>
+          <a:xfrm>
+            <a:off x="106402" y="907374"/>
+            <a:ext cx="933973" cy="626122"/>
+          </a:xfrm>
+          <a:prstGeom prst="roundRect">
+            <a:avLst/>
+          </a:prstGeom>
+          <a:solidFill>
+            <a:schemeClr val="accent6">
+              <a:lumMod val="20000"/>
+              <a:lumOff val="80000"/>
+            </a:schemeClr>
+          </a:solidFill>
+          <a:ln w="19050">
+            <a:solidFill>
+              <a:schemeClr val="accent2"/>
+            </a:solidFill>
+          </a:ln>
+        </p:spPr>
+        <p:style>
+          <a:lnRef idx="2">
+            <a:schemeClr val="accent4">
+              <a:shade val="50000"/>
+            </a:schemeClr>
+          </a:lnRef>
+          <a:fillRef idx="1">
+            <a:schemeClr val="accent4"/>
+          </a:fillRef>
+          <a:effectRef idx="0">
+            <a:schemeClr val="accent4"/>
+          </a:effectRef>
+          <a:fontRef idx="minor">
+            <a:schemeClr val="lt1"/>
+          </a:fontRef>
+        </p:style>
+        <p:txBody>
+          <a:bodyPr rtlCol="0" anchor="ctr"/>
+          <a:lstStyle/>
+          <a:p>
+            <a:pPr algn="ctr"/>
+            <a:endParaRPr lang="en-US" b="1" dirty="0">
+              <a:solidFill>
+                <a:schemeClr val="tx1"/>
+              </a:solidFill>
+            </a:endParaRPr>
+          </a:p>
+        </p:txBody>
+      </p:sp>
+      <p:sp>
+        <p:nvSpPr>
+          <p:cNvPr id="133" name="Rectangle 132">
+            <a:extLst>
+              <a:ext uri="{FF2B5EF4-FFF2-40B4-BE49-F238E27FC236}">
+                <a16:creationId xmlns:a16="http://schemas.microsoft.com/office/drawing/2014/main" id="{82AC81A8-EE71-4E72-A2FD-D249869CD229}"/>
+              </a:ext>
+            </a:extLst>
+          </p:cNvPr>
+          <p:cNvSpPr/>
+          <p:nvPr/>
+        </p:nvSpPr>
+        <p:spPr>
+          <a:xfrm>
+            <a:off x="88114" y="519778"/>
+            <a:ext cx="10811039" cy="297989"/>
+          </a:xfrm>
+          <a:prstGeom prst="rect">
+            <a:avLst/>
+          </a:prstGeom>
+          <a:solidFill>
+            <a:schemeClr val="bg1">
+              <a:lumMod val="50000"/>
+            </a:schemeClr>
+          </a:solidFill>
+          <a:ln>
+            <a:noFill/>
+          </a:ln>
+          <a:effectLst>
+            <a:outerShdw blurRad="50800" dist="38100" dir="5400000" algn="t" rotWithShape="0">
+              <a:prstClr val="black">
+                <a:alpha val="40000"/>
+              </a:prstClr>
+            </a:outerShdw>
+          </a:effectLst>
+        </p:spPr>
+        <p:style>
+          <a:lnRef idx="2">
+            <a:schemeClr val="accent1">
+              <a:shade val="50000"/>
+            </a:schemeClr>
+          </a:lnRef>
+          <a:fillRef idx="1">
+            <a:schemeClr val="accent1"/>
+          </a:fillRef>
+          <a:effectRef idx="0">
+            <a:schemeClr val="accent1"/>
+          </a:effectRef>
+          <a:fontRef idx="minor">
+            <a:schemeClr val="lt1"/>
+          </a:fontRef>
+        </p:style>
+        <p:txBody>
+          <a:bodyPr rtlCol="0" anchor="ctr"/>
+          <a:lstStyle/>
+          <a:p>
+            <a:r>
+              <a:rPr lang="en-US" sz="2000" b="1" dirty="0"/>
+              <a:t>Sales Achievement %</a:t>
+            </a:r>
+          </a:p>
+        </p:txBody>
+      </p:sp>
+      <p:sp>
+        <p:nvSpPr>
+          <p:cNvPr id="166" name="TextBox 165">
+            <a:extLst>
+              <a:ext uri="{FF2B5EF4-FFF2-40B4-BE49-F238E27FC236}">
+                <a16:creationId xmlns:a16="http://schemas.microsoft.com/office/drawing/2014/main" id="{EC918591-6367-4CD3-B7C9-8E054C647456}"/>
+              </a:ext>
+            </a:extLst>
+          </p:cNvPr>
+          <p:cNvSpPr txBox="1"/>
+          <p:nvPr/>
+        </p:nvSpPr>
+        <p:spPr>
+          <a:xfrm>
+            <a:off x="176867" y="926608"/>
+            <a:ext cx="777008" cy="276999"/>
+          </a:xfrm>
+          <a:prstGeom prst="rect">
+            <a:avLst/>
+          </a:prstGeom>
+          <a:noFill/>
+        </p:spPr>
+        <p:txBody>
+          <a:bodyPr wrap="none" rtlCol="0">
+            <a:spAutoFit/>
+          </a:bodyPr>
+          <a:lstStyle/>
+          <a:p>
+            <a:r>
+              <a:rPr lang="en-US" sz="1200" b="1" dirty="0"/>
+              <a:t>OSTOCAL</a:t>
+            </a:r>
+          </a:p>
+        </p:txBody>
+      </p:sp>
+      <p:sp>
+        <p:nvSpPr>
+          <p:cNvPr id="159" name="Rectangle: Rounded Corners 158">
+            <a:extLst>
+              <a:ext uri="{FF2B5EF4-FFF2-40B4-BE49-F238E27FC236}">
+                <a16:creationId xmlns:a16="http://schemas.microsoft.com/office/drawing/2014/main" id="{6799D7D5-BA29-41CE-8862-73D3D0A79B38}"/>
+              </a:ext>
+            </a:extLst>
+          </p:cNvPr>
+          <p:cNvSpPr/>
+          <p:nvPr/>
+        </p:nvSpPr>
+        <p:spPr>
+          <a:xfrm>
+            <a:off x="1085802" y="915690"/>
+            <a:ext cx="933973" cy="626122"/>
+          </a:xfrm>
+          <a:prstGeom prst="roundRect">
+            <a:avLst/>
+          </a:prstGeom>
+          <a:solidFill>
+            <a:schemeClr val="accent6">
+              <a:lumMod val="20000"/>
+              <a:lumOff val="80000"/>
+            </a:schemeClr>
+          </a:solidFill>
+          <a:ln w="19050">
+            <a:solidFill>
+              <a:schemeClr val="accent2"/>
+            </a:solidFill>
+          </a:ln>
+        </p:spPr>
+        <p:style>
+          <a:lnRef idx="2">
+            <a:schemeClr val="accent4">
+              <a:shade val="50000"/>
+            </a:schemeClr>
+          </a:lnRef>
+          <a:fillRef idx="1">
+            <a:schemeClr val="accent4"/>
+          </a:fillRef>
+          <a:effectRef idx="0">
+            <a:schemeClr val="accent4"/>
+          </a:effectRef>
+          <a:fontRef idx="minor">
+            <a:schemeClr val="lt1"/>
+          </a:fontRef>
+        </p:style>
+        <p:txBody>
+          <a:bodyPr rtlCol="0" anchor="ctr"/>
+          <a:lstStyle/>
+          <a:p>
+            <a:pPr algn="ctr"/>
+            <a:endParaRPr lang="en-US" b="1" dirty="0">
+              <a:solidFill>
+                <a:schemeClr val="tx1"/>
+              </a:solidFill>
+            </a:endParaRPr>
+          </a:p>
+        </p:txBody>
+      </p:sp>
+      <p:sp>
+        <p:nvSpPr>
+          <p:cNvPr id="160" name="Rectangle: Rounded Corners 159">
+            <a:extLst>
+              <a:ext uri="{FF2B5EF4-FFF2-40B4-BE49-F238E27FC236}">
+                <a16:creationId xmlns:a16="http://schemas.microsoft.com/office/drawing/2014/main" id="{8251A597-D37C-42C3-ACF4-9B4A7C8EFE67}"/>
+              </a:ext>
+            </a:extLst>
+          </p:cNvPr>
+          <p:cNvSpPr/>
+          <p:nvPr/>
+        </p:nvSpPr>
+        <p:spPr>
+          <a:xfrm>
+            <a:off x="2073229" y="907374"/>
+            <a:ext cx="933973" cy="626122"/>
+          </a:xfrm>
+          <a:prstGeom prst="roundRect">
+            <a:avLst/>
+          </a:prstGeom>
+          <a:solidFill>
+            <a:schemeClr val="accent6">
+              <a:lumMod val="20000"/>
+              <a:lumOff val="80000"/>
+            </a:schemeClr>
+          </a:solidFill>
+          <a:ln w="19050">
+            <a:solidFill>
+              <a:schemeClr val="accent2"/>
+            </a:solidFill>
+          </a:ln>
+        </p:spPr>
+        <p:style>
+          <a:lnRef idx="2">
+            <a:schemeClr val="accent4">
+              <a:shade val="50000"/>
+            </a:schemeClr>
+          </a:lnRef>
+          <a:fillRef idx="1">
+            <a:schemeClr val="accent4"/>
+          </a:fillRef>
+          <a:effectRef idx="0">
+            <a:schemeClr val="accent4"/>
+          </a:effectRef>
+          <a:fontRef idx="minor">
+            <a:schemeClr val="lt1"/>
+          </a:fontRef>
+        </p:style>
+        <p:txBody>
+          <a:bodyPr rtlCol="0" anchor="ctr"/>
+          <a:lstStyle/>
+          <a:p>
+            <a:pPr algn="ctr"/>
+            <a:endParaRPr lang="en-US" b="1" dirty="0">
+              <a:solidFill>
+                <a:schemeClr val="tx1"/>
+              </a:solidFill>
+            </a:endParaRPr>
+          </a:p>
+        </p:txBody>
+      </p:sp>
+      <p:sp>
+        <p:nvSpPr>
+          <p:cNvPr id="161" name="Rectangle: Rounded Corners 160">
+            <a:extLst>
+              <a:ext uri="{FF2B5EF4-FFF2-40B4-BE49-F238E27FC236}">
+                <a16:creationId xmlns:a16="http://schemas.microsoft.com/office/drawing/2014/main" id="{C035E5E5-2207-400B-B467-BA6BC8501B9F}"/>
+              </a:ext>
+            </a:extLst>
+          </p:cNvPr>
+          <p:cNvSpPr/>
+          <p:nvPr/>
+        </p:nvSpPr>
+        <p:spPr>
+          <a:xfrm>
+            <a:off x="3049584" y="907374"/>
+            <a:ext cx="933973" cy="626122"/>
+          </a:xfrm>
+          <a:prstGeom prst="roundRect">
+            <a:avLst/>
+          </a:prstGeom>
+          <a:solidFill>
+            <a:schemeClr val="accent6">
+              <a:lumMod val="20000"/>
+              <a:lumOff val="80000"/>
+            </a:schemeClr>
+          </a:solidFill>
+          <a:ln w="19050">
+            <a:solidFill>
+              <a:schemeClr val="accent2"/>
+            </a:solidFill>
+          </a:ln>
+        </p:spPr>
+        <p:style>
+          <a:lnRef idx="2">
+            <a:schemeClr val="accent4">
+              <a:shade val="50000"/>
+            </a:schemeClr>
+          </a:lnRef>
+          <a:fillRef idx="1">
+            <a:schemeClr val="accent4"/>
+          </a:fillRef>
+          <a:effectRef idx="0">
+            <a:schemeClr val="accent4"/>
+          </a:effectRef>
+          <a:fontRef idx="minor">
+            <a:schemeClr val="lt1"/>
+          </a:fontRef>
+        </p:style>
+        <p:txBody>
+          <a:bodyPr rtlCol="0" anchor="ctr"/>
+          <a:lstStyle/>
+          <a:p>
+            <a:pPr algn="ctr"/>
+            <a:endParaRPr lang="en-US" b="1" dirty="0">
+              <a:solidFill>
+                <a:schemeClr val="tx1"/>
+              </a:solidFill>
+            </a:endParaRPr>
+          </a:p>
+        </p:txBody>
+      </p:sp>
+      <p:sp>
+        <p:nvSpPr>
+          <p:cNvPr id="162" name="Rectangle: Rounded Corners 161">
+            <a:extLst>
+              <a:ext uri="{FF2B5EF4-FFF2-40B4-BE49-F238E27FC236}">
+                <a16:creationId xmlns:a16="http://schemas.microsoft.com/office/drawing/2014/main" id="{08AADE18-08B8-4F46-8ABB-3C77B89C9245}"/>
+              </a:ext>
+            </a:extLst>
+          </p:cNvPr>
+          <p:cNvSpPr/>
+          <p:nvPr/>
+        </p:nvSpPr>
+        <p:spPr>
+          <a:xfrm>
+            <a:off x="4032029" y="907374"/>
+            <a:ext cx="933973" cy="626122"/>
+          </a:xfrm>
+          <a:prstGeom prst="roundRect">
+            <a:avLst/>
+          </a:prstGeom>
+          <a:solidFill>
+            <a:schemeClr val="accent6">
+              <a:lumMod val="20000"/>
+              <a:lumOff val="80000"/>
+            </a:schemeClr>
+          </a:solidFill>
+          <a:ln w="19050">
+            <a:solidFill>
+              <a:schemeClr val="accent2"/>
+            </a:solidFill>
+          </a:ln>
+        </p:spPr>
+        <p:style>
+          <a:lnRef idx="2">
+            <a:schemeClr val="accent4">
+              <a:shade val="50000"/>
+            </a:schemeClr>
+          </a:lnRef>
+          <a:fillRef idx="1">
+            <a:schemeClr val="accent4"/>
+          </a:fillRef>
+          <a:effectRef idx="0">
+            <a:schemeClr val="accent4"/>
+          </a:effectRef>
+          <a:fontRef idx="minor">
+            <a:schemeClr val="lt1"/>
+          </a:fontRef>
+        </p:style>
+        <p:txBody>
+          <a:bodyPr rtlCol="0" anchor="ctr"/>
+          <a:lstStyle/>
+          <a:p>
+            <a:pPr algn="ctr"/>
+            <a:endParaRPr lang="en-US" b="1" dirty="0">
+              <a:solidFill>
+                <a:schemeClr val="tx1"/>
+              </a:solidFill>
+            </a:endParaRPr>
+          </a:p>
+        </p:txBody>
+      </p:sp>
+      <p:sp>
+        <p:nvSpPr>
+          <p:cNvPr id="163" name="Rectangle: Rounded Corners 162">
+            <a:extLst>
+              <a:ext uri="{FF2B5EF4-FFF2-40B4-BE49-F238E27FC236}">
+                <a16:creationId xmlns:a16="http://schemas.microsoft.com/office/drawing/2014/main" id="{8C54BA17-FD71-4C14-A991-68B7642DD14F}"/>
+              </a:ext>
+            </a:extLst>
+          </p:cNvPr>
+          <p:cNvSpPr/>
+          <p:nvPr/>
+        </p:nvSpPr>
+        <p:spPr>
+          <a:xfrm>
+            <a:off x="5026805" y="907374"/>
+            <a:ext cx="933973" cy="626122"/>
+          </a:xfrm>
+          <a:prstGeom prst="roundRect">
+            <a:avLst/>
+          </a:prstGeom>
+          <a:solidFill>
+            <a:schemeClr val="accent6">
+              <a:lumMod val="20000"/>
+              <a:lumOff val="80000"/>
+            </a:schemeClr>
+          </a:solidFill>
+          <a:ln w="19050">
+            <a:solidFill>
+              <a:schemeClr val="accent2"/>
+            </a:solidFill>
+          </a:ln>
+        </p:spPr>
+        <p:style>
+          <a:lnRef idx="2">
+            <a:schemeClr val="accent4">
+              <a:shade val="50000"/>
+            </a:schemeClr>
+          </a:lnRef>
+          <a:fillRef idx="1">
+            <a:schemeClr val="accent4"/>
+          </a:fillRef>
+          <a:effectRef idx="0">
+            <a:schemeClr val="accent4"/>
+          </a:effectRef>
+          <a:fontRef idx="minor">
+            <a:schemeClr val="lt1"/>
+          </a:fontRef>
+        </p:style>
+        <p:txBody>
+          <a:bodyPr rtlCol="0" anchor="ctr"/>
+          <a:lstStyle/>
+          <a:p>
+            <a:pPr algn="ctr"/>
+            <a:endParaRPr lang="en-US" b="1" dirty="0">
+              <a:solidFill>
+                <a:schemeClr val="tx1"/>
+              </a:solidFill>
+            </a:endParaRPr>
+          </a:p>
+        </p:txBody>
+      </p:sp>
+      <p:sp>
+        <p:nvSpPr>
+          <p:cNvPr id="164" name="Rectangle: Rounded Corners 163">
+            <a:extLst>
+              <a:ext uri="{FF2B5EF4-FFF2-40B4-BE49-F238E27FC236}">
+                <a16:creationId xmlns:a16="http://schemas.microsoft.com/office/drawing/2014/main" id="{3E82512F-1084-43ED-95F4-CB5E6D62CE9C}"/>
+              </a:ext>
+            </a:extLst>
+          </p:cNvPr>
+          <p:cNvSpPr/>
+          <p:nvPr/>
+        </p:nvSpPr>
+        <p:spPr>
+          <a:xfrm>
+            <a:off x="5998856" y="907374"/>
+            <a:ext cx="933973" cy="626122"/>
+          </a:xfrm>
+          <a:prstGeom prst="roundRect">
+            <a:avLst/>
+          </a:prstGeom>
+          <a:solidFill>
+            <a:schemeClr val="accent6">
+              <a:lumMod val="20000"/>
+              <a:lumOff val="80000"/>
+            </a:schemeClr>
+          </a:solidFill>
+          <a:ln w="19050">
+            <a:solidFill>
+              <a:schemeClr val="accent2"/>
+            </a:solidFill>
+          </a:ln>
+        </p:spPr>
+        <p:style>
+          <a:lnRef idx="2">
+            <a:schemeClr val="accent4">
+              <a:shade val="50000"/>
+            </a:schemeClr>
+          </a:lnRef>
+          <a:fillRef idx="1">
+            <a:schemeClr val="accent4"/>
+          </a:fillRef>
+          <a:effectRef idx="0">
+            <a:schemeClr val="accent4"/>
+          </a:effectRef>
+          <a:fontRef idx="minor">
+            <a:schemeClr val="lt1"/>
+          </a:fontRef>
+        </p:style>
+        <p:txBody>
+          <a:bodyPr rtlCol="0" anchor="ctr"/>
+          <a:lstStyle/>
+          <a:p>
+            <a:pPr algn="ctr"/>
+            <a:endParaRPr lang="en-US" b="1" dirty="0">
+              <a:solidFill>
+                <a:schemeClr val="tx1"/>
+              </a:solidFill>
+            </a:endParaRPr>
+          </a:p>
+        </p:txBody>
+      </p:sp>
+      <p:sp>
+        <p:nvSpPr>
+          <p:cNvPr id="165" name="Rectangle: Rounded Corners 164">
+            <a:extLst>
+              <a:ext uri="{FF2B5EF4-FFF2-40B4-BE49-F238E27FC236}">
+                <a16:creationId xmlns:a16="http://schemas.microsoft.com/office/drawing/2014/main" id="{06243B72-CEB6-4A84-A8BB-9E1A655C36A0}"/>
+              </a:ext>
+            </a:extLst>
+          </p:cNvPr>
+          <p:cNvSpPr/>
+          <p:nvPr/>
+        </p:nvSpPr>
+        <p:spPr>
+          <a:xfrm>
+            <a:off x="6978256" y="907374"/>
+            <a:ext cx="933973" cy="626122"/>
+          </a:xfrm>
+          <a:prstGeom prst="roundRect">
+            <a:avLst/>
+          </a:prstGeom>
+          <a:solidFill>
+            <a:schemeClr val="accent6">
+              <a:lumMod val="20000"/>
+              <a:lumOff val="80000"/>
+            </a:schemeClr>
+          </a:solidFill>
+          <a:ln w="19050">
+            <a:solidFill>
+              <a:schemeClr val="accent2"/>
+            </a:solidFill>
+          </a:ln>
+        </p:spPr>
+        <p:style>
+          <a:lnRef idx="2">
+            <a:schemeClr val="accent4">
+              <a:shade val="50000"/>
+            </a:schemeClr>
+          </a:lnRef>
+          <a:fillRef idx="1">
+            <a:schemeClr val="accent4"/>
+          </a:fillRef>
+          <a:effectRef idx="0">
+            <a:schemeClr val="accent4"/>
+          </a:effectRef>
+          <a:fontRef idx="minor">
+            <a:schemeClr val="lt1"/>
+          </a:fontRef>
+        </p:style>
+        <p:txBody>
+          <a:bodyPr rtlCol="0" anchor="ctr"/>
+          <a:lstStyle/>
+          <a:p>
+            <a:pPr algn="ctr"/>
+            <a:endParaRPr lang="en-US" b="1" dirty="0">
+              <a:solidFill>
+                <a:schemeClr val="tx1"/>
+              </a:solidFill>
+            </a:endParaRPr>
+          </a:p>
+        </p:txBody>
+      </p:sp>
+      <p:sp>
+        <p:nvSpPr>
+          <p:cNvPr id="173" name="Rectangle: Rounded Corners 172">
+            <a:extLst>
+              <a:ext uri="{FF2B5EF4-FFF2-40B4-BE49-F238E27FC236}">
+                <a16:creationId xmlns:a16="http://schemas.microsoft.com/office/drawing/2014/main" id="{BF23B095-A477-4992-B32C-C2C43455E4AC}"/>
+              </a:ext>
+            </a:extLst>
+          </p:cNvPr>
+          <p:cNvSpPr/>
+          <p:nvPr/>
+        </p:nvSpPr>
+        <p:spPr>
+          <a:xfrm>
+            <a:off x="7973691" y="889940"/>
+            <a:ext cx="933973" cy="626122"/>
+          </a:xfrm>
+          <a:prstGeom prst="roundRect">
+            <a:avLst/>
+          </a:prstGeom>
+          <a:solidFill>
+            <a:schemeClr val="accent6">
+              <a:lumMod val="20000"/>
+              <a:lumOff val="80000"/>
+            </a:schemeClr>
+          </a:solidFill>
+          <a:ln w="19050">
+            <a:solidFill>
+              <a:schemeClr val="accent2"/>
+            </a:solidFill>
+          </a:ln>
+        </p:spPr>
+        <p:style>
+          <a:lnRef idx="2">
+            <a:schemeClr val="accent4">
+              <a:shade val="50000"/>
+            </a:schemeClr>
+          </a:lnRef>
+          <a:fillRef idx="1">
+            <a:schemeClr val="accent4"/>
+          </a:fillRef>
+          <a:effectRef idx="0">
+            <a:schemeClr val="accent4"/>
+          </a:effectRef>
+          <a:fontRef idx="minor">
+            <a:schemeClr val="lt1"/>
+          </a:fontRef>
+        </p:style>
+        <p:txBody>
+          <a:bodyPr rtlCol="0" anchor="ctr"/>
+          <a:lstStyle/>
+          <a:p>
+            <a:pPr algn="ctr"/>
+            <a:endParaRPr lang="en-US" b="1" dirty="0">
+              <a:solidFill>
+                <a:schemeClr val="tx1"/>
+              </a:solidFill>
+            </a:endParaRPr>
+          </a:p>
+        </p:txBody>
+      </p:sp>
+      <p:sp>
+        <p:nvSpPr>
+          <p:cNvPr id="174" name="Rectangle: Rounded Corners 173">
+            <a:extLst>
+              <a:ext uri="{FF2B5EF4-FFF2-40B4-BE49-F238E27FC236}">
+                <a16:creationId xmlns:a16="http://schemas.microsoft.com/office/drawing/2014/main" id="{D64A0DE6-E348-43A2-8C62-AE1834EE2D87}"/>
+              </a:ext>
+            </a:extLst>
+          </p:cNvPr>
+          <p:cNvSpPr/>
+          <p:nvPr/>
+        </p:nvSpPr>
+        <p:spPr>
+          <a:xfrm>
+            <a:off x="8945083" y="889940"/>
+            <a:ext cx="933973" cy="626122"/>
+          </a:xfrm>
+          <a:prstGeom prst="roundRect">
+            <a:avLst/>
+          </a:prstGeom>
+          <a:solidFill>
+            <a:schemeClr val="accent6">
+              <a:lumMod val="20000"/>
+              <a:lumOff val="80000"/>
+            </a:schemeClr>
+          </a:solidFill>
+          <a:ln w="19050">
+            <a:solidFill>
+              <a:schemeClr val="accent2"/>
+            </a:solidFill>
+          </a:ln>
+        </p:spPr>
+        <p:style>
+          <a:lnRef idx="2">
+            <a:schemeClr val="accent4">
+              <a:shade val="50000"/>
+            </a:schemeClr>
+          </a:lnRef>
+          <a:fillRef idx="1">
+            <a:schemeClr val="accent4"/>
+          </a:fillRef>
+          <a:effectRef idx="0">
+            <a:schemeClr val="accent4"/>
+          </a:effectRef>
+          <a:fontRef idx="minor">
+            <a:schemeClr val="lt1"/>
+          </a:fontRef>
+        </p:style>
+        <p:txBody>
+          <a:bodyPr rtlCol="0" anchor="ctr"/>
+          <a:lstStyle/>
+          <a:p>
+            <a:pPr algn="ctr"/>
+            <a:endParaRPr lang="en-US" b="1" dirty="0">
+              <a:solidFill>
+                <a:schemeClr val="tx1"/>
+              </a:solidFill>
+            </a:endParaRPr>
+          </a:p>
+        </p:txBody>
+      </p:sp>
+      <p:sp>
+        <p:nvSpPr>
+          <p:cNvPr id="175" name="Rectangle: Rounded Corners 174">
+            <a:extLst>
+              <a:ext uri="{FF2B5EF4-FFF2-40B4-BE49-F238E27FC236}">
+                <a16:creationId xmlns:a16="http://schemas.microsoft.com/office/drawing/2014/main" id="{7EBE34AD-697F-4B4D-94CC-1EF4C126F63D}"/>
+              </a:ext>
+            </a:extLst>
+          </p:cNvPr>
+          <p:cNvSpPr/>
+          <p:nvPr/>
+        </p:nvSpPr>
+        <p:spPr>
+          <a:xfrm>
+            <a:off x="9940518" y="889940"/>
+            <a:ext cx="933973" cy="626122"/>
+          </a:xfrm>
+          <a:prstGeom prst="roundRect">
+            <a:avLst/>
+          </a:prstGeom>
+          <a:solidFill>
+            <a:schemeClr val="accent6">
+              <a:lumMod val="20000"/>
+              <a:lumOff val="80000"/>
+            </a:schemeClr>
+          </a:solidFill>
+          <a:ln w="19050">
+            <a:solidFill>
+              <a:schemeClr val="accent2"/>
+            </a:solidFill>
+          </a:ln>
+        </p:spPr>
+        <p:style>
+          <a:lnRef idx="2">
+            <a:schemeClr val="accent4">
+              <a:shade val="50000"/>
+            </a:schemeClr>
+          </a:lnRef>
+          <a:fillRef idx="1">
+            <a:schemeClr val="accent4"/>
+          </a:fillRef>
+          <a:effectRef idx="0">
+            <a:schemeClr val="accent4"/>
+          </a:effectRef>
+          <a:fontRef idx="minor">
+            <a:schemeClr val="lt1"/>
+          </a:fontRef>
+        </p:style>
+        <p:txBody>
+          <a:bodyPr rtlCol="0" anchor="ctr"/>
+          <a:lstStyle/>
+          <a:p>
+            <a:pPr algn="ctr"/>
+            <a:endParaRPr lang="en-US" b="1" dirty="0">
+              <a:solidFill>
+                <a:schemeClr val="tx1"/>
+              </a:solidFill>
+            </a:endParaRPr>
+          </a:p>
+        </p:txBody>
+      </p:sp>
+      <p:sp>
+        <p:nvSpPr>
+          <p:cNvPr id="177" name="Rectangle 176">
+            <a:extLst>
+              <a:ext uri="{FF2B5EF4-FFF2-40B4-BE49-F238E27FC236}">
+                <a16:creationId xmlns:a16="http://schemas.microsoft.com/office/drawing/2014/main" id="{C7FF537E-780B-4D83-9141-BCE4B0152417}"/>
+              </a:ext>
+            </a:extLst>
+          </p:cNvPr>
+          <p:cNvSpPr/>
+          <p:nvPr/>
+        </p:nvSpPr>
+        <p:spPr>
+          <a:xfrm>
+            <a:off x="87883" y="1609877"/>
+            <a:ext cx="10803341" cy="297989"/>
+          </a:xfrm>
+          <a:prstGeom prst="rect">
+            <a:avLst/>
+          </a:prstGeom>
+          <a:solidFill>
+            <a:schemeClr val="bg1">
+              <a:lumMod val="50000"/>
+            </a:schemeClr>
+          </a:solidFill>
+          <a:ln>
+            <a:noFill/>
+          </a:ln>
+          <a:effectLst>
+            <a:outerShdw blurRad="50800" dist="38100" dir="5400000" algn="t" rotWithShape="0">
+              <a:prstClr val="black">
+                <a:alpha val="40000"/>
+              </a:prstClr>
+            </a:outerShdw>
+          </a:effectLst>
+        </p:spPr>
+        <p:style>
+          <a:lnRef idx="2">
+            <a:schemeClr val="accent1">
+              <a:shade val="50000"/>
+            </a:schemeClr>
+          </a:lnRef>
+          <a:fillRef idx="1">
+            <a:schemeClr val="accent1"/>
+          </a:fillRef>
+          <a:effectRef idx="0">
+            <a:schemeClr val="accent1"/>
+          </a:effectRef>
+          <a:fontRef idx="minor">
+            <a:schemeClr val="lt1"/>
+          </a:fontRef>
+        </p:style>
+        <p:txBody>
+          <a:bodyPr rtlCol="0" anchor="ctr"/>
+          <a:lstStyle/>
+          <a:p>
+            <a:r>
+              <a:rPr lang="en-US" sz="2000" b="1" dirty="0"/>
+              <a:t>Sales Trend %</a:t>
+            </a:r>
+          </a:p>
+        </p:txBody>
+      </p:sp>
+      <p:sp>
+        <p:nvSpPr>
+          <p:cNvPr id="180" name="Rectangle: Rounded Corners 179">
+            <a:extLst>
+              <a:ext uri="{FF2B5EF4-FFF2-40B4-BE49-F238E27FC236}">
+                <a16:creationId xmlns:a16="http://schemas.microsoft.com/office/drawing/2014/main" id="{D8924886-271D-43B0-B56B-DD5FAAA70FFB}"/>
+              </a:ext>
+            </a:extLst>
+          </p:cNvPr>
+          <p:cNvSpPr/>
+          <p:nvPr/>
+        </p:nvSpPr>
+        <p:spPr>
+          <a:xfrm>
+            <a:off x="131064" y="2028857"/>
+            <a:ext cx="933973" cy="626122"/>
+          </a:xfrm>
+          <a:prstGeom prst="roundRect">
+            <a:avLst/>
+          </a:prstGeom>
+          <a:solidFill>
+            <a:srgbClr val="FFE699"/>
+          </a:solidFill>
+          <a:ln w="19050">
+            <a:solidFill>
+              <a:schemeClr val="accent2"/>
+            </a:solidFill>
+          </a:ln>
+        </p:spPr>
+        <p:style>
+          <a:lnRef idx="2">
+            <a:schemeClr val="accent4">
+              <a:shade val="50000"/>
+            </a:schemeClr>
+          </a:lnRef>
+          <a:fillRef idx="1">
+            <a:schemeClr val="accent4"/>
+          </a:fillRef>
+          <a:effectRef idx="0">
+            <a:schemeClr val="accent4"/>
+          </a:effectRef>
+          <a:fontRef idx="minor">
+            <a:schemeClr val="lt1"/>
+          </a:fontRef>
+        </p:style>
+        <p:txBody>
+          <a:bodyPr rtlCol="0" anchor="ctr"/>
+          <a:lstStyle/>
+          <a:p>
+            <a:pPr algn="ctr"/>
+            <a:endParaRPr lang="en-US" b="1" dirty="0">
+              <a:solidFill>
+                <a:schemeClr val="tx1"/>
+              </a:solidFill>
+            </a:endParaRPr>
+          </a:p>
+        </p:txBody>
+      </p:sp>
+      <p:sp>
+        <p:nvSpPr>
+          <p:cNvPr id="181" name="Rectangle: Rounded Corners 180">
+            <a:extLst>
+              <a:ext uri="{FF2B5EF4-FFF2-40B4-BE49-F238E27FC236}">
+                <a16:creationId xmlns:a16="http://schemas.microsoft.com/office/drawing/2014/main" id="{A011F33D-0B7C-4C74-A856-55216E58FFB2}"/>
+              </a:ext>
+            </a:extLst>
+          </p:cNvPr>
+          <p:cNvSpPr/>
+          <p:nvPr/>
+        </p:nvSpPr>
+        <p:spPr>
+          <a:xfrm>
+            <a:off x="1110464" y="2037173"/>
+            <a:ext cx="933973" cy="626122"/>
+          </a:xfrm>
+          <a:prstGeom prst="roundRect">
+            <a:avLst/>
+          </a:prstGeom>
+          <a:solidFill>
+            <a:srgbClr val="FFE699"/>
+          </a:solidFill>
+          <a:ln w="19050">
+            <a:solidFill>
+              <a:schemeClr val="accent2"/>
+            </a:solidFill>
+          </a:ln>
+        </p:spPr>
+        <p:style>
+          <a:lnRef idx="2">
+            <a:schemeClr val="accent4">
+              <a:shade val="50000"/>
+            </a:schemeClr>
+          </a:lnRef>
+          <a:fillRef idx="1">
+            <a:schemeClr val="accent4"/>
+          </a:fillRef>
+          <a:effectRef idx="0">
+            <a:schemeClr val="accent4"/>
+          </a:effectRef>
+          <a:fontRef idx="minor">
+            <a:schemeClr val="lt1"/>
+          </a:fontRef>
+        </p:style>
+        <p:txBody>
+          <a:bodyPr rtlCol="0" anchor="ctr"/>
+          <a:lstStyle/>
+          <a:p>
+            <a:pPr algn="ctr"/>
+            <a:endParaRPr lang="en-US" b="1" dirty="0">
+              <a:solidFill>
+                <a:schemeClr val="tx1"/>
+              </a:solidFill>
+            </a:endParaRPr>
+          </a:p>
+        </p:txBody>
+      </p:sp>
+      <p:sp>
+        <p:nvSpPr>
+          <p:cNvPr id="182" name="Rectangle: Rounded Corners 181">
+            <a:extLst>
+              <a:ext uri="{FF2B5EF4-FFF2-40B4-BE49-F238E27FC236}">
+                <a16:creationId xmlns:a16="http://schemas.microsoft.com/office/drawing/2014/main" id="{450D1B40-F403-4645-A9FC-E690F0505AF3}"/>
+              </a:ext>
+            </a:extLst>
+          </p:cNvPr>
+          <p:cNvSpPr/>
+          <p:nvPr/>
+        </p:nvSpPr>
+        <p:spPr>
+          <a:xfrm>
+            <a:off x="2097891" y="2028857"/>
+            <a:ext cx="933973" cy="626122"/>
+          </a:xfrm>
+          <a:prstGeom prst="roundRect">
+            <a:avLst/>
+          </a:prstGeom>
+          <a:solidFill>
+            <a:srgbClr val="FFE699"/>
+          </a:solidFill>
+          <a:ln w="19050">
+            <a:solidFill>
+              <a:schemeClr val="accent2"/>
+            </a:solidFill>
+          </a:ln>
+        </p:spPr>
+        <p:style>
+          <a:lnRef idx="2">
+            <a:schemeClr val="accent4">
+              <a:shade val="50000"/>
+            </a:schemeClr>
+          </a:lnRef>
+          <a:fillRef idx="1">
+            <a:schemeClr val="accent4"/>
+          </a:fillRef>
+          <a:effectRef idx="0">
+            <a:schemeClr val="accent4"/>
+          </a:effectRef>
+          <a:fontRef idx="minor">
+            <a:schemeClr val="lt1"/>
+          </a:fontRef>
+        </p:style>
+        <p:txBody>
+          <a:bodyPr rtlCol="0" anchor="ctr"/>
+          <a:lstStyle/>
+          <a:p>
+            <a:pPr algn="ctr"/>
+            <a:endParaRPr lang="en-US" b="1" dirty="0">
+              <a:solidFill>
+                <a:schemeClr val="tx1"/>
+              </a:solidFill>
+            </a:endParaRPr>
+          </a:p>
+        </p:txBody>
+      </p:sp>
+      <p:sp>
+        <p:nvSpPr>
+          <p:cNvPr id="211" name="Rectangle: Rounded Corners 210">
+            <a:extLst>
+              <a:ext uri="{FF2B5EF4-FFF2-40B4-BE49-F238E27FC236}">
+                <a16:creationId xmlns:a16="http://schemas.microsoft.com/office/drawing/2014/main" id="{55B6AC6C-B93D-49F9-8017-F046EFA3E9C7}"/>
+              </a:ext>
+            </a:extLst>
+          </p:cNvPr>
+          <p:cNvSpPr/>
+          <p:nvPr/>
+        </p:nvSpPr>
+        <p:spPr>
+          <a:xfrm>
+            <a:off x="3074246" y="2028857"/>
+            <a:ext cx="933973" cy="626122"/>
+          </a:xfrm>
+          <a:prstGeom prst="roundRect">
+            <a:avLst/>
+          </a:prstGeom>
+          <a:solidFill>
+            <a:srgbClr val="FFE699"/>
+          </a:solidFill>
+          <a:ln w="19050">
+            <a:solidFill>
+              <a:schemeClr val="accent2"/>
+            </a:solidFill>
+          </a:ln>
+        </p:spPr>
+        <p:style>
+          <a:lnRef idx="2">
+            <a:schemeClr val="accent4">
+              <a:shade val="50000"/>
+            </a:schemeClr>
+          </a:lnRef>
+          <a:fillRef idx="1">
+            <a:schemeClr val="accent4"/>
+          </a:fillRef>
+          <a:effectRef idx="0">
+            <a:schemeClr val="accent4"/>
+          </a:effectRef>
+          <a:fontRef idx="minor">
+            <a:schemeClr val="lt1"/>
+          </a:fontRef>
+        </p:style>
+        <p:txBody>
+          <a:bodyPr rtlCol="0" anchor="ctr"/>
+          <a:lstStyle/>
+          <a:p>
+            <a:pPr algn="ctr"/>
+            <a:endParaRPr lang="en-US" b="1" dirty="0">
+              <a:solidFill>
+                <a:schemeClr val="tx1"/>
+              </a:solidFill>
+            </a:endParaRPr>
+          </a:p>
+        </p:txBody>
+      </p:sp>
+      <p:sp>
+        <p:nvSpPr>
+          <p:cNvPr id="212" name="Rectangle: Rounded Corners 211">
+            <a:extLst>
+              <a:ext uri="{FF2B5EF4-FFF2-40B4-BE49-F238E27FC236}">
+                <a16:creationId xmlns:a16="http://schemas.microsoft.com/office/drawing/2014/main" id="{BD6E375C-B328-4682-BDFE-B5377ADE6C27}"/>
+              </a:ext>
+            </a:extLst>
+          </p:cNvPr>
+          <p:cNvSpPr/>
+          <p:nvPr/>
+        </p:nvSpPr>
+        <p:spPr>
+          <a:xfrm>
+            <a:off x="4056691" y="2028857"/>
+            <a:ext cx="933973" cy="626122"/>
+          </a:xfrm>
+          <a:prstGeom prst="roundRect">
+            <a:avLst/>
+          </a:prstGeom>
+          <a:solidFill>
+            <a:srgbClr val="FFE699"/>
+          </a:solidFill>
+          <a:ln w="19050">
+            <a:solidFill>
+              <a:schemeClr val="accent2"/>
+            </a:solidFill>
+          </a:ln>
+        </p:spPr>
+        <p:style>
+          <a:lnRef idx="2">
+            <a:schemeClr val="accent4">
+              <a:shade val="50000"/>
+            </a:schemeClr>
+          </a:lnRef>
+          <a:fillRef idx="1">
+            <a:schemeClr val="accent4"/>
+          </a:fillRef>
+          <a:effectRef idx="0">
+            <a:schemeClr val="accent4"/>
+          </a:effectRef>
+          <a:fontRef idx="minor">
+            <a:schemeClr val="lt1"/>
+          </a:fontRef>
+        </p:style>
+        <p:txBody>
+          <a:bodyPr rtlCol="0" anchor="ctr"/>
+          <a:lstStyle/>
+          <a:p>
+            <a:pPr algn="ctr"/>
+            <a:endParaRPr lang="en-US" b="1" dirty="0">
+              <a:solidFill>
+                <a:schemeClr val="tx1"/>
+              </a:solidFill>
+            </a:endParaRPr>
+          </a:p>
+        </p:txBody>
+      </p:sp>
+      <p:sp>
+        <p:nvSpPr>
+          <p:cNvPr id="213" name="Rectangle: Rounded Corners 212">
+            <a:extLst>
+              <a:ext uri="{FF2B5EF4-FFF2-40B4-BE49-F238E27FC236}">
+                <a16:creationId xmlns:a16="http://schemas.microsoft.com/office/drawing/2014/main" id="{183E5421-8853-4509-BA83-7375CA5856CA}"/>
+              </a:ext>
+            </a:extLst>
+          </p:cNvPr>
+          <p:cNvSpPr/>
+          <p:nvPr/>
+        </p:nvSpPr>
+        <p:spPr>
+          <a:xfrm>
+            <a:off x="5051467" y="2028857"/>
+            <a:ext cx="933973" cy="626122"/>
+          </a:xfrm>
+          <a:prstGeom prst="roundRect">
+            <a:avLst/>
+          </a:prstGeom>
+          <a:solidFill>
+            <a:srgbClr val="FFE699"/>
+          </a:solidFill>
+          <a:ln w="19050">
+            <a:solidFill>
+              <a:schemeClr val="accent2"/>
+            </a:solidFill>
+          </a:ln>
+        </p:spPr>
+        <p:style>
+          <a:lnRef idx="2">
+            <a:schemeClr val="accent4">
+              <a:shade val="50000"/>
+            </a:schemeClr>
+          </a:lnRef>
+          <a:fillRef idx="1">
+            <a:schemeClr val="accent4"/>
+          </a:fillRef>
+          <a:effectRef idx="0">
+            <a:schemeClr val="accent4"/>
+          </a:effectRef>
+          <a:fontRef idx="minor">
+            <a:schemeClr val="lt1"/>
+          </a:fontRef>
+        </p:style>
+        <p:txBody>
+          <a:bodyPr rtlCol="0" anchor="ctr"/>
+          <a:lstStyle/>
+          <a:p>
+            <a:pPr algn="ctr"/>
+            <a:endParaRPr lang="en-US" b="1" dirty="0">
+              <a:solidFill>
+                <a:schemeClr val="tx1"/>
+              </a:solidFill>
+            </a:endParaRPr>
+          </a:p>
+        </p:txBody>
+      </p:sp>
+      <p:sp>
+        <p:nvSpPr>
+          <p:cNvPr id="214" name="Rectangle: Rounded Corners 213">
+            <a:extLst>
+              <a:ext uri="{FF2B5EF4-FFF2-40B4-BE49-F238E27FC236}">
+                <a16:creationId xmlns:a16="http://schemas.microsoft.com/office/drawing/2014/main" id="{9EFF711B-FD8E-4E38-92A0-CCFCCEF12D42}"/>
+              </a:ext>
+            </a:extLst>
+          </p:cNvPr>
+          <p:cNvSpPr/>
+          <p:nvPr/>
+        </p:nvSpPr>
+        <p:spPr>
+          <a:xfrm>
+            <a:off x="6023518" y="2028857"/>
+            <a:ext cx="933973" cy="626122"/>
+          </a:xfrm>
+          <a:prstGeom prst="roundRect">
+            <a:avLst/>
+          </a:prstGeom>
+          <a:solidFill>
+            <a:srgbClr val="FFE699"/>
+          </a:solidFill>
+          <a:ln w="19050">
+            <a:solidFill>
+              <a:schemeClr val="accent2"/>
+            </a:solidFill>
+          </a:ln>
+        </p:spPr>
+        <p:style>
+          <a:lnRef idx="2">
+            <a:schemeClr val="accent4">
+              <a:shade val="50000"/>
+            </a:schemeClr>
+          </a:lnRef>
+          <a:fillRef idx="1">
+            <a:schemeClr val="accent4"/>
+          </a:fillRef>
+          <a:effectRef idx="0">
+            <a:schemeClr val="accent4"/>
+          </a:effectRef>
+          <a:fontRef idx="minor">
+            <a:schemeClr val="lt1"/>
+          </a:fontRef>
+        </p:style>
+        <p:txBody>
+          <a:bodyPr rtlCol="0" anchor="ctr"/>
+          <a:lstStyle/>
+          <a:p>
+            <a:pPr algn="ctr"/>
+            <a:endParaRPr lang="en-US" b="1" dirty="0">
+              <a:solidFill>
+                <a:schemeClr val="tx1"/>
+              </a:solidFill>
+            </a:endParaRPr>
+          </a:p>
+        </p:txBody>
+      </p:sp>
+      <p:sp>
+        <p:nvSpPr>
+          <p:cNvPr id="215" name="Rectangle: Rounded Corners 214">
+            <a:extLst>
+              <a:ext uri="{FF2B5EF4-FFF2-40B4-BE49-F238E27FC236}">
+                <a16:creationId xmlns:a16="http://schemas.microsoft.com/office/drawing/2014/main" id="{B1704D55-7FD0-4C53-BD59-1651C46612A7}"/>
+              </a:ext>
+            </a:extLst>
+          </p:cNvPr>
+          <p:cNvSpPr/>
+          <p:nvPr/>
+        </p:nvSpPr>
+        <p:spPr>
+          <a:xfrm>
+            <a:off x="7002918" y="2028857"/>
+            <a:ext cx="933973" cy="626122"/>
+          </a:xfrm>
+          <a:prstGeom prst="roundRect">
+            <a:avLst/>
+          </a:prstGeom>
+          <a:solidFill>
+            <a:srgbClr val="FFE699"/>
+          </a:solidFill>
+          <a:ln w="19050">
+            <a:solidFill>
+              <a:schemeClr val="accent2"/>
+            </a:solidFill>
+          </a:ln>
+        </p:spPr>
+        <p:style>
+          <a:lnRef idx="2">
+            <a:schemeClr val="accent4">
+              <a:shade val="50000"/>
+            </a:schemeClr>
+          </a:lnRef>
+          <a:fillRef idx="1">
+            <a:schemeClr val="accent4"/>
+          </a:fillRef>
+          <a:effectRef idx="0">
+            <a:schemeClr val="accent4"/>
+          </a:effectRef>
+          <a:fontRef idx="minor">
+            <a:schemeClr val="lt1"/>
+          </a:fontRef>
+        </p:style>
+        <p:txBody>
+          <a:bodyPr rtlCol="0" anchor="ctr"/>
+          <a:lstStyle/>
+          <a:p>
+            <a:pPr algn="ctr"/>
+            <a:endParaRPr lang="en-US" b="1" dirty="0">
+              <a:solidFill>
+                <a:schemeClr val="tx1"/>
+              </a:solidFill>
+            </a:endParaRPr>
+          </a:p>
+        </p:txBody>
+      </p:sp>
+      <p:sp>
+        <p:nvSpPr>
+          <p:cNvPr id="216" name="Rectangle: Rounded Corners 215">
+            <a:extLst>
+              <a:ext uri="{FF2B5EF4-FFF2-40B4-BE49-F238E27FC236}">
+                <a16:creationId xmlns:a16="http://schemas.microsoft.com/office/drawing/2014/main" id="{DED97421-4FE2-42CA-ABFA-68B0DC5E12C1}"/>
+              </a:ext>
+            </a:extLst>
+          </p:cNvPr>
+          <p:cNvSpPr/>
+          <p:nvPr/>
+        </p:nvSpPr>
+        <p:spPr>
+          <a:xfrm>
+            <a:off x="7998353" y="2011423"/>
+            <a:ext cx="933973" cy="626122"/>
+          </a:xfrm>
+          <a:prstGeom prst="roundRect">
+            <a:avLst/>
+          </a:prstGeom>
+          <a:solidFill>
+            <a:srgbClr val="FFE699"/>
+          </a:solidFill>
+          <a:ln w="19050">
+            <a:solidFill>
+              <a:schemeClr val="accent2"/>
+            </a:solidFill>
+          </a:ln>
+        </p:spPr>
+        <p:style>
+          <a:lnRef idx="2">
+            <a:schemeClr val="accent4">
+              <a:shade val="50000"/>
+            </a:schemeClr>
+          </a:lnRef>
+          <a:fillRef idx="1">
+            <a:schemeClr val="accent4"/>
+          </a:fillRef>
+          <a:effectRef idx="0">
+            <a:schemeClr val="accent4"/>
+          </a:effectRef>
+          <a:fontRef idx="minor">
+            <a:schemeClr val="lt1"/>
+          </a:fontRef>
+        </p:style>
+        <p:txBody>
+          <a:bodyPr rtlCol="0" anchor="ctr"/>
+          <a:lstStyle/>
+          <a:p>
+            <a:pPr algn="ctr"/>
+            <a:endParaRPr lang="en-US" b="1" dirty="0">
+              <a:solidFill>
+                <a:schemeClr val="tx1"/>
+              </a:solidFill>
+            </a:endParaRPr>
+          </a:p>
+        </p:txBody>
+      </p:sp>
+      <p:sp>
+        <p:nvSpPr>
+          <p:cNvPr id="217" name="Rectangle: Rounded Corners 216">
+            <a:extLst>
+              <a:ext uri="{FF2B5EF4-FFF2-40B4-BE49-F238E27FC236}">
+                <a16:creationId xmlns:a16="http://schemas.microsoft.com/office/drawing/2014/main" id="{7615A7A9-9D77-4420-AF60-89F1989CED10}"/>
+              </a:ext>
+            </a:extLst>
+          </p:cNvPr>
+          <p:cNvSpPr/>
+          <p:nvPr/>
+        </p:nvSpPr>
+        <p:spPr>
+          <a:xfrm>
+            <a:off x="8969745" y="2011423"/>
+            <a:ext cx="933973" cy="626122"/>
+          </a:xfrm>
+          <a:prstGeom prst="roundRect">
+            <a:avLst/>
+          </a:prstGeom>
+          <a:solidFill>
+            <a:srgbClr val="FFE699"/>
+          </a:solidFill>
+          <a:ln w="19050">
+            <a:solidFill>
+              <a:schemeClr val="accent2"/>
+            </a:solidFill>
+          </a:ln>
+        </p:spPr>
+        <p:style>
+          <a:lnRef idx="2">
+            <a:schemeClr val="accent4">
+              <a:shade val="50000"/>
+            </a:schemeClr>
+          </a:lnRef>
+          <a:fillRef idx="1">
+            <a:schemeClr val="accent4"/>
+          </a:fillRef>
+          <a:effectRef idx="0">
+            <a:schemeClr val="accent4"/>
+          </a:effectRef>
+          <a:fontRef idx="minor">
+            <a:schemeClr val="lt1"/>
+          </a:fontRef>
+        </p:style>
+        <p:txBody>
+          <a:bodyPr rtlCol="0" anchor="ctr"/>
+          <a:lstStyle/>
+          <a:p>
+            <a:pPr algn="ctr"/>
+            <a:endParaRPr lang="en-US" b="1" dirty="0">
+              <a:solidFill>
+                <a:schemeClr val="tx1"/>
+              </a:solidFill>
+            </a:endParaRPr>
+          </a:p>
+        </p:txBody>
+      </p:sp>
+      <p:sp>
+        <p:nvSpPr>
+          <p:cNvPr id="218" name="Rectangle: Rounded Corners 217">
+            <a:extLst>
+              <a:ext uri="{FF2B5EF4-FFF2-40B4-BE49-F238E27FC236}">
+                <a16:creationId xmlns:a16="http://schemas.microsoft.com/office/drawing/2014/main" id="{99FF705A-E4F9-40C8-8730-139FFFD1302F}"/>
+              </a:ext>
+            </a:extLst>
+          </p:cNvPr>
+          <p:cNvSpPr/>
+          <p:nvPr/>
+        </p:nvSpPr>
+        <p:spPr>
+          <a:xfrm>
+            <a:off x="9965180" y="2011423"/>
+            <a:ext cx="933973" cy="626122"/>
+          </a:xfrm>
+          <a:prstGeom prst="roundRect">
+            <a:avLst/>
+          </a:prstGeom>
+          <a:solidFill>
+            <a:srgbClr val="FFE699"/>
+          </a:solidFill>
+          <a:ln w="19050">
+            <a:solidFill>
+              <a:schemeClr val="accent2"/>
+            </a:solidFill>
+          </a:ln>
+        </p:spPr>
+        <p:style>
+          <a:lnRef idx="2">
+            <a:schemeClr val="accent4">
+              <a:shade val="50000"/>
+            </a:schemeClr>
+          </a:lnRef>
+          <a:fillRef idx="1">
+            <a:schemeClr val="accent4"/>
+          </a:fillRef>
+          <a:effectRef idx="0">
+            <a:schemeClr val="accent4"/>
+          </a:effectRef>
+          <a:fontRef idx="minor">
+            <a:schemeClr val="lt1"/>
+          </a:fontRef>
+        </p:style>
+        <p:txBody>
+          <a:bodyPr rtlCol="0" anchor="ctr"/>
+          <a:lstStyle/>
+          <a:p>
+            <a:pPr algn="ctr"/>
+            <a:endParaRPr lang="en-US" b="1" dirty="0">
+              <a:solidFill>
+                <a:schemeClr val="tx1"/>
+              </a:solidFill>
+            </a:endParaRPr>
+          </a:p>
+        </p:txBody>
+      </p:sp>
+      <p:sp>
+        <p:nvSpPr>
+          <p:cNvPr id="220" name="Rectangle: Rounded Corners 219">
+            <a:extLst>
+              <a:ext uri="{FF2B5EF4-FFF2-40B4-BE49-F238E27FC236}">
+                <a16:creationId xmlns:a16="http://schemas.microsoft.com/office/drawing/2014/main" id="{64F915A0-F49A-4856-AF0F-3F8F2C203F60}"/>
+              </a:ext>
+            </a:extLst>
+          </p:cNvPr>
+          <p:cNvSpPr/>
+          <p:nvPr/>
+        </p:nvSpPr>
+        <p:spPr>
+          <a:xfrm>
+            <a:off x="131064" y="3187138"/>
+            <a:ext cx="933973" cy="626122"/>
+          </a:xfrm>
+          <a:prstGeom prst="roundRect">
+            <a:avLst/>
+          </a:prstGeom>
+          <a:solidFill>
+            <a:srgbClr val="FBE5D6"/>
+          </a:solidFill>
+          <a:ln w="19050">
+            <a:solidFill>
+              <a:schemeClr val="accent2"/>
+            </a:solidFill>
+          </a:ln>
+        </p:spPr>
+        <p:style>
+          <a:lnRef idx="2">
+            <a:schemeClr val="accent4">
+              <a:shade val="50000"/>
+            </a:schemeClr>
+          </a:lnRef>
+          <a:fillRef idx="1">
+            <a:schemeClr val="accent4"/>
+          </a:fillRef>
+          <a:effectRef idx="0">
+            <a:schemeClr val="accent4"/>
+          </a:effectRef>
+          <a:fontRef idx="minor">
+            <a:schemeClr val="lt1"/>
+          </a:fontRef>
+        </p:style>
+        <p:txBody>
+          <a:bodyPr rtlCol="0" anchor="ctr"/>
+          <a:lstStyle/>
+          <a:p>
+            <a:pPr algn="ctr"/>
+            <a:endParaRPr lang="en-US" b="1" dirty="0">
+              <a:solidFill>
+                <a:schemeClr val="tx1"/>
+              </a:solidFill>
+            </a:endParaRPr>
+          </a:p>
+        </p:txBody>
+      </p:sp>
+      <p:sp>
+        <p:nvSpPr>
+          <p:cNvPr id="221" name="Rectangle: Rounded Corners 220">
+            <a:extLst>
+              <a:ext uri="{FF2B5EF4-FFF2-40B4-BE49-F238E27FC236}">
+                <a16:creationId xmlns:a16="http://schemas.microsoft.com/office/drawing/2014/main" id="{08B94B9E-ACCB-4D54-81D6-C5E1D86CF53F}"/>
+              </a:ext>
+            </a:extLst>
+          </p:cNvPr>
+          <p:cNvSpPr/>
+          <p:nvPr/>
+        </p:nvSpPr>
+        <p:spPr>
+          <a:xfrm>
+            <a:off x="1110464" y="3195454"/>
+            <a:ext cx="933973" cy="626122"/>
+          </a:xfrm>
+          <a:prstGeom prst="roundRect">
+            <a:avLst/>
+          </a:prstGeom>
+          <a:solidFill>
+            <a:srgbClr val="FBE5D6"/>
+          </a:solidFill>
+          <a:ln w="19050">
+            <a:solidFill>
+              <a:schemeClr val="accent2"/>
+            </a:solidFill>
+          </a:ln>
+        </p:spPr>
+        <p:style>
+          <a:lnRef idx="2">
+            <a:schemeClr val="accent4">
+              <a:shade val="50000"/>
+            </a:schemeClr>
+          </a:lnRef>
+          <a:fillRef idx="1">
+            <a:schemeClr val="accent4"/>
+          </a:fillRef>
+          <a:effectRef idx="0">
+            <a:schemeClr val="accent4"/>
+          </a:effectRef>
+          <a:fontRef idx="minor">
+            <a:schemeClr val="lt1"/>
+          </a:fontRef>
+        </p:style>
+        <p:txBody>
+          <a:bodyPr rtlCol="0" anchor="ctr"/>
+          <a:lstStyle/>
+          <a:p>
+            <a:pPr algn="ctr"/>
+            <a:endParaRPr lang="en-US" b="1" dirty="0">
+              <a:solidFill>
+                <a:schemeClr val="tx1"/>
+              </a:solidFill>
+            </a:endParaRPr>
+          </a:p>
+        </p:txBody>
+      </p:sp>
+      <p:sp>
+        <p:nvSpPr>
+          <p:cNvPr id="222" name="Rectangle: Rounded Corners 221">
+            <a:extLst>
+              <a:ext uri="{FF2B5EF4-FFF2-40B4-BE49-F238E27FC236}">
+                <a16:creationId xmlns:a16="http://schemas.microsoft.com/office/drawing/2014/main" id="{96EC7203-132D-46C8-840F-C75704AAA5A5}"/>
+              </a:ext>
+            </a:extLst>
+          </p:cNvPr>
+          <p:cNvSpPr/>
+          <p:nvPr/>
+        </p:nvSpPr>
+        <p:spPr>
+          <a:xfrm>
+            <a:off x="2097891" y="3187138"/>
+            <a:ext cx="933973" cy="626122"/>
+          </a:xfrm>
+          <a:prstGeom prst="roundRect">
+            <a:avLst/>
+          </a:prstGeom>
+          <a:solidFill>
+            <a:srgbClr val="FBE5D6"/>
+          </a:solidFill>
+          <a:ln w="19050">
+            <a:solidFill>
+              <a:schemeClr val="accent2"/>
+            </a:solidFill>
+          </a:ln>
+        </p:spPr>
+        <p:style>
+          <a:lnRef idx="2">
+            <a:schemeClr val="accent4">
+              <a:shade val="50000"/>
+            </a:schemeClr>
+          </a:lnRef>
+          <a:fillRef idx="1">
+            <a:schemeClr val="accent4"/>
+          </a:fillRef>
+          <a:effectRef idx="0">
+            <a:schemeClr val="accent4"/>
+          </a:effectRef>
+          <a:fontRef idx="minor">
+            <a:schemeClr val="lt1"/>
+          </a:fontRef>
+        </p:style>
+        <p:txBody>
+          <a:bodyPr rtlCol="0" anchor="ctr"/>
+          <a:lstStyle/>
+          <a:p>
+            <a:pPr algn="ctr"/>
+            <a:endParaRPr lang="en-US" b="1" dirty="0">
+              <a:solidFill>
+                <a:schemeClr val="tx1"/>
+              </a:solidFill>
+            </a:endParaRPr>
+          </a:p>
+        </p:txBody>
+      </p:sp>
+      <p:sp>
+        <p:nvSpPr>
+          <p:cNvPr id="223" name="Rectangle: Rounded Corners 222">
+            <a:extLst>
+              <a:ext uri="{FF2B5EF4-FFF2-40B4-BE49-F238E27FC236}">
+                <a16:creationId xmlns:a16="http://schemas.microsoft.com/office/drawing/2014/main" id="{C9363873-C7E8-4C8C-A827-ED1EF8F29CFF}"/>
+              </a:ext>
+            </a:extLst>
+          </p:cNvPr>
+          <p:cNvSpPr/>
+          <p:nvPr/>
+        </p:nvSpPr>
+        <p:spPr>
+          <a:xfrm>
+            <a:off x="3074246" y="3187138"/>
+            <a:ext cx="933973" cy="626122"/>
+          </a:xfrm>
+          <a:prstGeom prst="roundRect">
+            <a:avLst/>
+          </a:prstGeom>
+          <a:solidFill>
+            <a:srgbClr val="FBE5D6"/>
+          </a:solidFill>
+          <a:ln w="19050">
+            <a:solidFill>
+              <a:schemeClr val="accent2"/>
+            </a:solidFill>
+          </a:ln>
+        </p:spPr>
+        <p:style>
+          <a:lnRef idx="2">
+            <a:schemeClr val="accent4">
+              <a:shade val="50000"/>
+            </a:schemeClr>
+          </a:lnRef>
+          <a:fillRef idx="1">
+            <a:schemeClr val="accent4"/>
+          </a:fillRef>
+          <a:effectRef idx="0">
+            <a:schemeClr val="accent4"/>
+          </a:effectRef>
+          <a:fontRef idx="minor">
+            <a:schemeClr val="lt1"/>
+          </a:fontRef>
+        </p:style>
+        <p:txBody>
+          <a:bodyPr rtlCol="0" anchor="ctr"/>
+          <a:lstStyle/>
+          <a:p>
+            <a:pPr algn="ctr"/>
+            <a:endParaRPr lang="en-US" b="1" dirty="0">
+              <a:solidFill>
+                <a:schemeClr val="tx1"/>
+              </a:solidFill>
+            </a:endParaRPr>
+          </a:p>
+        </p:txBody>
+      </p:sp>
+      <p:sp>
+        <p:nvSpPr>
+          <p:cNvPr id="224" name="Rectangle: Rounded Corners 223">
+            <a:extLst>
+              <a:ext uri="{FF2B5EF4-FFF2-40B4-BE49-F238E27FC236}">
+                <a16:creationId xmlns:a16="http://schemas.microsoft.com/office/drawing/2014/main" id="{8B1E6EB2-88C7-483A-ADAD-11649DC19A79}"/>
+              </a:ext>
+            </a:extLst>
+          </p:cNvPr>
+          <p:cNvSpPr/>
+          <p:nvPr/>
+        </p:nvSpPr>
+        <p:spPr>
+          <a:xfrm>
+            <a:off x="4056691" y="3187138"/>
+            <a:ext cx="933973" cy="626122"/>
+          </a:xfrm>
+          <a:prstGeom prst="roundRect">
+            <a:avLst/>
+          </a:prstGeom>
+          <a:solidFill>
+            <a:srgbClr val="FBE5D6"/>
+          </a:solidFill>
+          <a:ln w="19050">
+            <a:solidFill>
+              <a:schemeClr val="accent2"/>
+            </a:solidFill>
+          </a:ln>
+        </p:spPr>
+        <p:style>
+          <a:lnRef idx="2">
+            <a:schemeClr val="accent4">
+              <a:shade val="50000"/>
+            </a:schemeClr>
+          </a:lnRef>
+          <a:fillRef idx="1">
+            <a:schemeClr val="accent4"/>
+          </a:fillRef>
+          <a:effectRef idx="0">
+            <a:schemeClr val="accent4"/>
+          </a:effectRef>
+          <a:fontRef idx="minor">
+            <a:schemeClr val="lt1"/>
+          </a:fontRef>
+        </p:style>
+        <p:txBody>
+          <a:bodyPr rtlCol="0" anchor="ctr"/>
+          <a:lstStyle/>
+          <a:p>
+            <a:pPr algn="ctr"/>
+            <a:endParaRPr lang="en-US" b="1" dirty="0">
+              <a:solidFill>
+                <a:schemeClr val="tx1"/>
+              </a:solidFill>
+            </a:endParaRPr>
+          </a:p>
+        </p:txBody>
+      </p:sp>
+      <p:sp>
+        <p:nvSpPr>
+          <p:cNvPr id="225" name="Rectangle: Rounded Corners 224">
+            <a:extLst>
+              <a:ext uri="{FF2B5EF4-FFF2-40B4-BE49-F238E27FC236}">
+                <a16:creationId xmlns:a16="http://schemas.microsoft.com/office/drawing/2014/main" id="{48662A82-8025-455B-B26D-BFA57D102419}"/>
+              </a:ext>
+            </a:extLst>
+          </p:cNvPr>
+          <p:cNvSpPr/>
+          <p:nvPr/>
+        </p:nvSpPr>
+        <p:spPr>
+          <a:xfrm>
+            <a:off x="5051467" y="3187138"/>
+            <a:ext cx="933973" cy="626122"/>
+          </a:xfrm>
+          <a:prstGeom prst="roundRect">
+            <a:avLst/>
+          </a:prstGeom>
+          <a:solidFill>
+            <a:srgbClr val="FBE5D6"/>
+          </a:solidFill>
+          <a:ln w="19050">
+            <a:solidFill>
+              <a:schemeClr val="accent2"/>
+            </a:solidFill>
+          </a:ln>
+        </p:spPr>
+        <p:style>
+          <a:lnRef idx="2">
+            <a:schemeClr val="accent4">
+              <a:shade val="50000"/>
+            </a:schemeClr>
+          </a:lnRef>
+          <a:fillRef idx="1">
+            <a:schemeClr val="accent4"/>
+          </a:fillRef>
+          <a:effectRef idx="0">
+            <a:schemeClr val="accent4"/>
+          </a:effectRef>
+          <a:fontRef idx="minor">
+            <a:schemeClr val="lt1"/>
+          </a:fontRef>
+        </p:style>
+        <p:txBody>
+          <a:bodyPr rtlCol="0" anchor="ctr"/>
+          <a:lstStyle/>
+          <a:p>
+            <a:pPr algn="ctr"/>
+            <a:endParaRPr lang="en-US" b="1" dirty="0">
+              <a:solidFill>
+                <a:schemeClr val="tx1"/>
+              </a:solidFill>
+            </a:endParaRPr>
+          </a:p>
+        </p:txBody>
+      </p:sp>
+      <p:sp>
+        <p:nvSpPr>
+          <p:cNvPr id="226" name="Rectangle: Rounded Corners 225">
+            <a:extLst>
+              <a:ext uri="{FF2B5EF4-FFF2-40B4-BE49-F238E27FC236}">
+                <a16:creationId xmlns:a16="http://schemas.microsoft.com/office/drawing/2014/main" id="{5A892F11-92B1-4865-9D72-7B31DCFD5B31}"/>
+              </a:ext>
+            </a:extLst>
+          </p:cNvPr>
+          <p:cNvSpPr/>
+          <p:nvPr/>
+        </p:nvSpPr>
+        <p:spPr>
+          <a:xfrm>
+            <a:off x="6023518" y="3187138"/>
+            <a:ext cx="933973" cy="626122"/>
+          </a:xfrm>
+          <a:prstGeom prst="roundRect">
+            <a:avLst/>
+          </a:prstGeom>
+          <a:solidFill>
+            <a:srgbClr val="FBE5D6"/>
+          </a:solidFill>
+          <a:ln w="19050">
+            <a:solidFill>
+              <a:schemeClr val="accent2"/>
+            </a:solidFill>
+          </a:ln>
+        </p:spPr>
+        <p:style>
+          <a:lnRef idx="2">
+            <a:schemeClr val="accent4">
+              <a:shade val="50000"/>
+            </a:schemeClr>
+          </a:lnRef>
+          <a:fillRef idx="1">
+            <a:schemeClr val="accent4"/>
+          </a:fillRef>
+          <a:effectRef idx="0">
+            <a:schemeClr val="accent4"/>
+          </a:effectRef>
+          <a:fontRef idx="minor">
+            <a:schemeClr val="lt1"/>
+          </a:fontRef>
+        </p:style>
+        <p:txBody>
+          <a:bodyPr rtlCol="0" anchor="ctr"/>
+          <a:lstStyle/>
+          <a:p>
+            <a:pPr algn="ctr"/>
+            <a:endParaRPr lang="en-US" b="1" dirty="0">
+              <a:solidFill>
+                <a:schemeClr val="tx1"/>
+              </a:solidFill>
+            </a:endParaRPr>
+          </a:p>
+        </p:txBody>
+      </p:sp>
+      <p:sp>
+        <p:nvSpPr>
+          <p:cNvPr id="227" name="Rectangle: Rounded Corners 226">
+            <a:extLst>
+              <a:ext uri="{FF2B5EF4-FFF2-40B4-BE49-F238E27FC236}">
+                <a16:creationId xmlns:a16="http://schemas.microsoft.com/office/drawing/2014/main" id="{06D0A0F2-D821-458B-9F72-086ACADF385F}"/>
+              </a:ext>
+            </a:extLst>
+          </p:cNvPr>
+          <p:cNvSpPr/>
+          <p:nvPr/>
+        </p:nvSpPr>
+        <p:spPr>
+          <a:xfrm>
+            <a:off x="7002918" y="3187138"/>
+            <a:ext cx="933973" cy="626122"/>
+          </a:xfrm>
+          <a:prstGeom prst="roundRect">
+            <a:avLst/>
+          </a:prstGeom>
+          <a:solidFill>
+            <a:srgbClr val="FBE5D6"/>
+          </a:solidFill>
+          <a:ln w="19050">
+            <a:solidFill>
+              <a:schemeClr val="accent2"/>
+            </a:solidFill>
+          </a:ln>
+        </p:spPr>
+        <p:style>
+          <a:lnRef idx="2">
+            <a:schemeClr val="accent4">
+              <a:shade val="50000"/>
+            </a:schemeClr>
+          </a:lnRef>
+          <a:fillRef idx="1">
+            <a:schemeClr val="accent4"/>
+          </a:fillRef>
+          <a:effectRef idx="0">
+            <a:schemeClr val="accent4"/>
+          </a:effectRef>
+          <a:fontRef idx="minor">
+            <a:schemeClr val="lt1"/>
+          </a:fontRef>
+        </p:style>
+        <p:txBody>
+          <a:bodyPr rtlCol="0" anchor="ctr"/>
+          <a:lstStyle/>
+          <a:p>
+            <a:pPr algn="ctr"/>
+            <a:endParaRPr lang="en-US" b="1" dirty="0">
+              <a:solidFill>
+                <a:schemeClr val="tx1"/>
+              </a:solidFill>
+            </a:endParaRPr>
+          </a:p>
+        </p:txBody>
+      </p:sp>
+      <p:sp>
+        <p:nvSpPr>
+          <p:cNvPr id="228" name="Rectangle: Rounded Corners 227">
+            <a:extLst>
+              <a:ext uri="{FF2B5EF4-FFF2-40B4-BE49-F238E27FC236}">
+                <a16:creationId xmlns:a16="http://schemas.microsoft.com/office/drawing/2014/main" id="{E26FBD75-5A15-4D87-9CD7-D95D984EDD8A}"/>
+              </a:ext>
+            </a:extLst>
+          </p:cNvPr>
+          <p:cNvSpPr/>
+          <p:nvPr/>
+        </p:nvSpPr>
+        <p:spPr>
+          <a:xfrm>
+            <a:off x="7998353" y="3169704"/>
+            <a:ext cx="933973" cy="626122"/>
+          </a:xfrm>
+          <a:prstGeom prst="roundRect">
+            <a:avLst/>
+          </a:prstGeom>
+          <a:solidFill>
+            <a:srgbClr val="FBE5D6"/>
+          </a:solidFill>
+          <a:ln w="19050">
+            <a:solidFill>
+              <a:schemeClr val="accent2"/>
+            </a:solidFill>
+          </a:ln>
+        </p:spPr>
+        <p:style>
+          <a:lnRef idx="2">
+            <a:schemeClr val="accent4">
+              <a:shade val="50000"/>
+            </a:schemeClr>
+          </a:lnRef>
+          <a:fillRef idx="1">
+            <a:schemeClr val="accent4"/>
+          </a:fillRef>
+          <a:effectRef idx="0">
+            <a:schemeClr val="accent4"/>
+          </a:effectRef>
+          <a:fontRef idx="minor">
+            <a:schemeClr val="lt1"/>
+          </a:fontRef>
+        </p:style>
+        <p:txBody>
+          <a:bodyPr rtlCol="0" anchor="ctr"/>
+          <a:lstStyle/>
+          <a:p>
+            <a:pPr algn="ctr"/>
+            <a:endParaRPr lang="en-US" b="1" dirty="0">
+              <a:solidFill>
+                <a:schemeClr val="tx1"/>
+              </a:solidFill>
+            </a:endParaRPr>
+          </a:p>
+        </p:txBody>
+      </p:sp>
+      <p:sp>
+        <p:nvSpPr>
+          <p:cNvPr id="229" name="Rectangle: Rounded Corners 228">
+            <a:extLst>
+              <a:ext uri="{FF2B5EF4-FFF2-40B4-BE49-F238E27FC236}">
+                <a16:creationId xmlns:a16="http://schemas.microsoft.com/office/drawing/2014/main" id="{6F2B0562-1895-43A3-95C6-C046AB4516E0}"/>
+              </a:ext>
+            </a:extLst>
+          </p:cNvPr>
+          <p:cNvSpPr/>
+          <p:nvPr/>
+        </p:nvSpPr>
+        <p:spPr>
+          <a:xfrm>
+            <a:off x="8969745" y="3169704"/>
+            <a:ext cx="933973" cy="626122"/>
+          </a:xfrm>
+          <a:prstGeom prst="roundRect">
+            <a:avLst/>
+          </a:prstGeom>
+          <a:solidFill>
+            <a:srgbClr val="FBE5D6"/>
+          </a:solidFill>
+          <a:ln w="19050">
+            <a:solidFill>
+              <a:schemeClr val="accent2"/>
+            </a:solidFill>
+          </a:ln>
+        </p:spPr>
+        <p:style>
+          <a:lnRef idx="2">
+            <a:schemeClr val="accent4">
+              <a:shade val="50000"/>
+            </a:schemeClr>
+          </a:lnRef>
+          <a:fillRef idx="1">
+            <a:schemeClr val="accent4"/>
+          </a:fillRef>
+          <a:effectRef idx="0">
+            <a:schemeClr val="accent4"/>
+          </a:effectRef>
+          <a:fontRef idx="minor">
+            <a:schemeClr val="lt1"/>
+          </a:fontRef>
+        </p:style>
+        <p:txBody>
+          <a:bodyPr rtlCol="0" anchor="ctr"/>
+          <a:lstStyle/>
+          <a:p>
+            <a:pPr algn="ctr"/>
+            <a:endParaRPr lang="en-US" b="1" dirty="0">
+              <a:solidFill>
+                <a:schemeClr val="tx1"/>
+              </a:solidFill>
+            </a:endParaRPr>
+          </a:p>
+        </p:txBody>
+      </p:sp>
+      <p:sp>
+        <p:nvSpPr>
+          <p:cNvPr id="230" name="Rectangle: Rounded Corners 229">
+            <a:extLst>
+              <a:ext uri="{FF2B5EF4-FFF2-40B4-BE49-F238E27FC236}">
+                <a16:creationId xmlns:a16="http://schemas.microsoft.com/office/drawing/2014/main" id="{FC93D54F-4D50-42FB-95DD-3B9208AEC28A}"/>
+              </a:ext>
+            </a:extLst>
+          </p:cNvPr>
+          <p:cNvSpPr/>
+          <p:nvPr/>
+        </p:nvSpPr>
+        <p:spPr>
+          <a:xfrm>
+            <a:off x="9965180" y="3169704"/>
+            <a:ext cx="933973" cy="626122"/>
+          </a:xfrm>
+          <a:prstGeom prst="roundRect">
+            <a:avLst/>
+          </a:prstGeom>
+          <a:solidFill>
+            <a:srgbClr val="FBE5D6"/>
+          </a:solidFill>
+          <a:ln w="19050">
+            <a:solidFill>
+              <a:schemeClr val="accent2"/>
+            </a:solidFill>
+          </a:ln>
+        </p:spPr>
+        <p:style>
+          <a:lnRef idx="2">
+            <a:schemeClr val="accent4">
+              <a:shade val="50000"/>
+            </a:schemeClr>
+          </a:lnRef>
+          <a:fillRef idx="1">
+            <a:schemeClr val="accent4"/>
+          </a:fillRef>
+          <a:effectRef idx="0">
+            <a:schemeClr val="accent4"/>
+          </a:effectRef>
+          <a:fontRef idx="minor">
+            <a:schemeClr val="lt1"/>
+          </a:fontRef>
+        </p:style>
+        <p:txBody>
+          <a:bodyPr rtlCol="0" anchor="ctr"/>
+          <a:lstStyle/>
+          <a:p>
+            <a:pPr algn="ctr"/>
+            <a:endParaRPr lang="en-US" b="1" dirty="0">
+              <a:solidFill>
+                <a:schemeClr val="tx1"/>
+              </a:solidFill>
+            </a:endParaRPr>
+          </a:p>
+        </p:txBody>
+      </p:sp>
+      <p:sp>
+        <p:nvSpPr>
+          <p:cNvPr id="232" name="Rectangle: Rounded Corners 231">
+            <a:extLst>
+              <a:ext uri="{FF2B5EF4-FFF2-40B4-BE49-F238E27FC236}">
+                <a16:creationId xmlns:a16="http://schemas.microsoft.com/office/drawing/2014/main" id="{C6E17FBF-CA6C-4EA1-A724-1DA2B5009ED6}"/>
+              </a:ext>
+            </a:extLst>
+          </p:cNvPr>
+          <p:cNvSpPr/>
+          <p:nvPr/>
+        </p:nvSpPr>
+        <p:spPr>
+          <a:xfrm>
+            <a:off x="106402" y="4410597"/>
+            <a:ext cx="933973" cy="626122"/>
+          </a:xfrm>
+          <a:prstGeom prst="roundRect">
+            <a:avLst/>
+          </a:prstGeom>
+          <a:solidFill>
+            <a:schemeClr val="accent5">
+              <a:lumMod val="20000"/>
+              <a:lumOff val="80000"/>
+            </a:schemeClr>
+          </a:solidFill>
+          <a:ln w="19050">
+            <a:solidFill>
+              <a:schemeClr val="accent2"/>
+            </a:solidFill>
+          </a:ln>
+        </p:spPr>
+        <p:style>
+          <a:lnRef idx="2">
+            <a:schemeClr val="accent4">
+              <a:shade val="50000"/>
+            </a:schemeClr>
+          </a:lnRef>
+          <a:fillRef idx="1">
+            <a:schemeClr val="accent4"/>
+          </a:fillRef>
+          <a:effectRef idx="0">
+            <a:schemeClr val="accent4"/>
+          </a:effectRef>
+          <a:fontRef idx="minor">
+            <a:schemeClr val="lt1"/>
+          </a:fontRef>
+        </p:style>
+        <p:txBody>
+          <a:bodyPr rtlCol="0" anchor="ctr"/>
+          <a:lstStyle/>
+          <a:p>
+            <a:pPr algn="ctr"/>
+            <a:endParaRPr lang="en-US" b="1" dirty="0">
+              <a:solidFill>
+                <a:schemeClr val="tx1"/>
+              </a:solidFill>
+            </a:endParaRPr>
+          </a:p>
+        </p:txBody>
+      </p:sp>
+      <p:sp>
+        <p:nvSpPr>
+          <p:cNvPr id="233" name="Rectangle: Rounded Corners 232">
+            <a:extLst>
+              <a:ext uri="{FF2B5EF4-FFF2-40B4-BE49-F238E27FC236}">
+                <a16:creationId xmlns:a16="http://schemas.microsoft.com/office/drawing/2014/main" id="{8453498B-26E2-4043-AFB4-6E749FC21368}"/>
+              </a:ext>
+            </a:extLst>
+          </p:cNvPr>
+          <p:cNvSpPr/>
+          <p:nvPr/>
+        </p:nvSpPr>
+        <p:spPr>
+          <a:xfrm>
+            <a:off x="1085802" y="4418913"/>
+            <a:ext cx="933973" cy="626122"/>
+          </a:xfrm>
+          <a:prstGeom prst="roundRect">
+            <a:avLst/>
+          </a:prstGeom>
+          <a:solidFill>
+            <a:schemeClr val="accent5">
+              <a:lumMod val="20000"/>
+              <a:lumOff val="80000"/>
+            </a:schemeClr>
+          </a:solidFill>
+          <a:ln w="19050">
+            <a:solidFill>
+              <a:schemeClr val="accent2"/>
+            </a:solidFill>
+          </a:ln>
+        </p:spPr>
+        <p:style>
+          <a:lnRef idx="2">
+            <a:schemeClr val="accent4">
+              <a:shade val="50000"/>
+            </a:schemeClr>
+          </a:lnRef>
+          <a:fillRef idx="1">
+            <a:schemeClr val="accent4"/>
+          </a:fillRef>
+          <a:effectRef idx="0">
+            <a:schemeClr val="accent4"/>
+          </a:effectRef>
+          <a:fontRef idx="minor">
+            <a:schemeClr val="lt1"/>
+          </a:fontRef>
+        </p:style>
+        <p:txBody>
+          <a:bodyPr rtlCol="0" anchor="ctr"/>
+          <a:lstStyle/>
+          <a:p>
+            <a:pPr algn="ctr"/>
+            <a:endParaRPr lang="en-US" b="1" dirty="0">
+              <a:solidFill>
+                <a:schemeClr val="tx1"/>
+              </a:solidFill>
+            </a:endParaRPr>
+          </a:p>
+        </p:txBody>
+      </p:sp>
+      <p:sp>
+        <p:nvSpPr>
+          <p:cNvPr id="234" name="Rectangle: Rounded Corners 233">
+            <a:extLst>
+              <a:ext uri="{FF2B5EF4-FFF2-40B4-BE49-F238E27FC236}">
+                <a16:creationId xmlns:a16="http://schemas.microsoft.com/office/drawing/2014/main" id="{2D53134C-AC07-43E8-8DFE-965B07B24E3B}"/>
+              </a:ext>
+            </a:extLst>
+          </p:cNvPr>
+          <p:cNvSpPr/>
+          <p:nvPr/>
+        </p:nvSpPr>
+        <p:spPr>
+          <a:xfrm>
+            <a:off x="2073229" y="4410597"/>
+            <a:ext cx="933973" cy="626122"/>
+          </a:xfrm>
+          <a:prstGeom prst="roundRect">
+            <a:avLst/>
+          </a:prstGeom>
+          <a:solidFill>
+            <a:schemeClr val="accent5">
+              <a:lumMod val="20000"/>
+              <a:lumOff val="80000"/>
+            </a:schemeClr>
+          </a:solidFill>
+          <a:ln w="19050">
+            <a:solidFill>
+              <a:schemeClr val="accent2"/>
+            </a:solidFill>
+          </a:ln>
+        </p:spPr>
+        <p:style>
+          <a:lnRef idx="2">
+            <a:schemeClr val="accent4">
+              <a:shade val="50000"/>
+            </a:schemeClr>
+          </a:lnRef>
+          <a:fillRef idx="1">
+            <a:schemeClr val="accent4"/>
+          </a:fillRef>
+          <a:effectRef idx="0">
+            <a:schemeClr val="accent4"/>
+          </a:effectRef>
+          <a:fontRef idx="minor">
+            <a:schemeClr val="lt1"/>
+          </a:fontRef>
+        </p:style>
+        <p:txBody>
+          <a:bodyPr rtlCol="0" anchor="ctr"/>
+          <a:lstStyle/>
+          <a:p>
+            <a:pPr algn="ctr"/>
+            <a:endParaRPr lang="en-US" b="1" dirty="0">
+              <a:solidFill>
+                <a:schemeClr val="tx1"/>
+              </a:solidFill>
+            </a:endParaRPr>
+          </a:p>
+        </p:txBody>
+      </p:sp>
+      <p:sp>
+        <p:nvSpPr>
+          <p:cNvPr id="235" name="Rectangle: Rounded Corners 234">
+            <a:extLst>
+              <a:ext uri="{FF2B5EF4-FFF2-40B4-BE49-F238E27FC236}">
+                <a16:creationId xmlns:a16="http://schemas.microsoft.com/office/drawing/2014/main" id="{13F1E4FF-76F1-4212-A560-F56225CCABB3}"/>
+              </a:ext>
+            </a:extLst>
+          </p:cNvPr>
+          <p:cNvSpPr/>
+          <p:nvPr/>
+        </p:nvSpPr>
+        <p:spPr>
+          <a:xfrm>
+            <a:off x="3049584" y="4410597"/>
+            <a:ext cx="933973" cy="626122"/>
+          </a:xfrm>
+          <a:prstGeom prst="roundRect">
+            <a:avLst/>
+          </a:prstGeom>
+          <a:solidFill>
+            <a:schemeClr val="accent5">
+              <a:lumMod val="20000"/>
+              <a:lumOff val="80000"/>
+            </a:schemeClr>
+          </a:solidFill>
+          <a:ln w="19050">
+            <a:solidFill>
+              <a:schemeClr val="accent2"/>
+            </a:solidFill>
+          </a:ln>
+        </p:spPr>
+        <p:style>
+          <a:lnRef idx="2">
+            <a:schemeClr val="accent4">
+              <a:shade val="50000"/>
+            </a:schemeClr>
+          </a:lnRef>
+          <a:fillRef idx="1">
+            <a:schemeClr val="accent4"/>
+          </a:fillRef>
+          <a:effectRef idx="0">
+            <a:schemeClr val="accent4"/>
+          </a:effectRef>
+          <a:fontRef idx="minor">
+            <a:schemeClr val="lt1"/>
+          </a:fontRef>
+        </p:style>
+        <p:txBody>
+          <a:bodyPr rtlCol="0" anchor="ctr"/>
+          <a:lstStyle/>
+          <a:p>
+            <a:pPr algn="ctr"/>
+            <a:endParaRPr lang="en-US" b="1" dirty="0">
+              <a:solidFill>
+                <a:schemeClr val="tx1"/>
+              </a:solidFill>
+            </a:endParaRPr>
+          </a:p>
+        </p:txBody>
+      </p:sp>
+      <p:sp>
+        <p:nvSpPr>
+          <p:cNvPr id="236" name="Rectangle: Rounded Corners 235">
+            <a:extLst>
+              <a:ext uri="{FF2B5EF4-FFF2-40B4-BE49-F238E27FC236}">
+                <a16:creationId xmlns:a16="http://schemas.microsoft.com/office/drawing/2014/main" id="{35B6E152-5F11-479E-AA8F-E1EE8FD0E723}"/>
+              </a:ext>
+            </a:extLst>
+          </p:cNvPr>
+          <p:cNvSpPr/>
+          <p:nvPr/>
+        </p:nvSpPr>
+        <p:spPr>
+          <a:xfrm>
+            <a:off x="4032029" y="4410597"/>
+            <a:ext cx="933973" cy="626122"/>
+          </a:xfrm>
+          <a:prstGeom prst="roundRect">
+            <a:avLst/>
+          </a:prstGeom>
+          <a:solidFill>
+            <a:schemeClr val="accent5">
+              <a:lumMod val="20000"/>
+              <a:lumOff val="80000"/>
+            </a:schemeClr>
+          </a:solidFill>
+          <a:ln w="19050">
+            <a:solidFill>
+              <a:schemeClr val="accent2"/>
+            </a:solidFill>
+          </a:ln>
+        </p:spPr>
+        <p:style>
+          <a:lnRef idx="2">
+            <a:schemeClr val="accent4">
+              <a:shade val="50000"/>
+            </a:schemeClr>
+          </a:lnRef>
+          <a:fillRef idx="1">
+            <a:schemeClr val="accent4"/>
+          </a:fillRef>
+          <a:effectRef idx="0">
+            <a:schemeClr val="accent4"/>
+          </a:effectRef>
+          <a:fontRef idx="minor">
+            <a:schemeClr val="lt1"/>
+          </a:fontRef>
+        </p:style>
+        <p:txBody>
+          <a:bodyPr rtlCol="0" anchor="ctr"/>
+          <a:lstStyle/>
+          <a:p>
+            <a:pPr algn="ctr"/>
+            <a:endParaRPr lang="en-US" b="1" dirty="0">
+              <a:solidFill>
+                <a:schemeClr val="tx1"/>
+              </a:solidFill>
+            </a:endParaRPr>
+          </a:p>
+        </p:txBody>
+      </p:sp>
+      <p:sp>
+        <p:nvSpPr>
+          <p:cNvPr id="237" name="Rectangle: Rounded Corners 236">
+            <a:extLst>
+              <a:ext uri="{FF2B5EF4-FFF2-40B4-BE49-F238E27FC236}">
+                <a16:creationId xmlns:a16="http://schemas.microsoft.com/office/drawing/2014/main" id="{C720F07D-D2C5-4F32-BE13-6CE9239DA31F}"/>
+              </a:ext>
+            </a:extLst>
+          </p:cNvPr>
+          <p:cNvSpPr/>
+          <p:nvPr/>
+        </p:nvSpPr>
+        <p:spPr>
+          <a:xfrm>
+            <a:off x="5026805" y="4410597"/>
+            <a:ext cx="933973" cy="626122"/>
+          </a:xfrm>
+          <a:prstGeom prst="roundRect">
+            <a:avLst/>
+          </a:prstGeom>
+          <a:solidFill>
+            <a:schemeClr val="accent5">
+              <a:lumMod val="20000"/>
+              <a:lumOff val="80000"/>
+            </a:schemeClr>
+          </a:solidFill>
+          <a:ln w="19050">
+            <a:solidFill>
+              <a:schemeClr val="accent2"/>
+            </a:solidFill>
+          </a:ln>
+        </p:spPr>
+        <p:style>
+          <a:lnRef idx="2">
+            <a:schemeClr val="accent4">
+              <a:shade val="50000"/>
+            </a:schemeClr>
+          </a:lnRef>
+          <a:fillRef idx="1">
+            <a:schemeClr val="accent4"/>
+          </a:fillRef>
+          <a:effectRef idx="0">
+            <a:schemeClr val="accent4"/>
+          </a:effectRef>
+          <a:fontRef idx="minor">
+            <a:schemeClr val="lt1"/>
+          </a:fontRef>
+        </p:style>
+        <p:txBody>
+          <a:bodyPr rtlCol="0" anchor="ctr"/>
+          <a:lstStyle/>
+          <a:p>
+            <a:pPr algn="ctr"/>
+            <a:endParaRPr lang="en-US" b="1" dirty="0">
+              <a:solidFill>
+                <a:schemeClr val="tx1"/>
+              </a:solidFill>
+            </a:endParaRPr>
+          </a:p>
+        </p:txBody>
+      </p:sp>
+      <p:sp>
+        <p:nvSpPr>
+          <p:cNvPr id="238" name="Rectangle: Rounded Corners 237">
+            <a:extLst>
+              <a:ext uri="{FF2B5EF4-FFF2-40B4-BE49-F238E27FC236}">
+                <a16:creationId xmlns:a16="http://schemas.microsoft.com/office/drawing/2014/main" id="{B7BD98A0-2F13-447D-B879-1C9DFEC68F4C}"/>
+              </a:ext>
+            </a:extLst>
+          </p:cNvPr>
+          <p:cNvSpPr/>
+          <p:nvPr/>
+        </p:nvSpPr>
+        <p:spPr>
+          <a:xfrm>
+            <a:off x="5998856" y="4410597"/>
+            <a:ext cx="933973" cy="626122"/>
+          </a:xfrm>
+          <a:prstGeom prst="roundRect">
+            <a:avLst/>
+          </a:prstGeom>
+          <a:solidFill>
+            <a:schemeClr val="accent5">
+              <a:lumMod val="20000"/>
+              <a:lumOff val="80000"/>
+            </a:schemeClr>
+          </a:solidFill>
+          <a:ln w="19050">
+            <a:solidFill>
+              <a:schemeClr val="accent2"/>
+            </a:solidFill>
+          </a:ln>
+        </p:spPr>
+        <p:style>
+          <a:lnRef idx="2">
+            <a:schemeClr val="accent4">
+              <a:shade val="50000"/>
+            </a:schemeClr>
+          </a:lnRef>
+          <a:fillRef idx="1">
+            <a:schemeClr val="accent4"/>
+          </a:fillRef>
+          <a:effectRef idx="0">
+            <a:schemeClr val="accent4"/>
+          </a:effectRef>
+          <a:fontRef idx="minor">
+            <a:schemeClr val="lt1"/>
+          </a:fontRef>
+        </p:style>
+        <p:txBody>
+          <a:bodyPr rtlCol="0" anchor="ctr"/>
+          <a:lstStyle/>
+          <a:p>
+            <a:pPr algn="ctr"/>
+            <a:endParaRPr lang="en-US" b="1" dirty="0">
+              <a:solidFill>
+                <a:schemeClr val="tx1"/>
+              </a:solidFill>
+            </a:endParaRPr>
+          </a:p>
+        </p:txBody>
+      </p:sp>
+      <p:sp>
+        <p:nvSpPr>
+          <p:cNvPr id="239" name="Rectangle: Rounded Corners 238">
+            <a:extLst>
+              <a:ext uri="{FF2B5EF4-FFF2-40B4-BE49-F238E27FC236}">
+                <a16:creationId xmlns:a16="http://schemas.microsoft.com/office/drawing/2014/main" id="{8E84C24A-9C5C-4434-AA5F-FD4F173E4052}"/>
+              </a:ext>
+            </a:extLst>
+          </p:cNvPr>
+          <p:cNvSpPr/>
+          <p:nvPr/>
+        </p:nvSpPr>
+        <p:spPr>
+          <a:xfrm>
+            <a:off x="6978256" y="4410597"/>
+            <a:ext cx="933973" cy="626122"/>
+          </a:xfrm>
+          <a:prstGeom prst="roundRect">
+            <a:avLst/>
+          </a:prstGeom>
+          <a:solidFill>
+            <a:schemeClr val="accent5">
+              <a:lumMod val="20000"/>
+              <a:lumOff val="80000"/>
+            </a:schemeClr>
+          </a:solidFill>
+          <a:ln w="19050">
+            <a:solidFill>
+              <a:schemeClr val="accent2"/>
+            </a:solidFill>
+          </a:ln>
+        </p:spPr>
+        <p:style>
+          <a:lnRef idx="2">
+            <a:schemeClr val="accent4">
+              <a:shade val="50000"/>
+            </a:schemeClr>
+          </a:lnRef>
+          <a:fillRef idx="1">
+            <a:schemeClr val="accent4"/>
+          </a:fillRef>
+          <a:effectRef idx="0">
+            <a:schemeClr val="accent4"/>
+          </a:effectRef>
+          <a:fontRef idx="minor">
+            <a:schemeClr val="lt1"/>
+          </a:fontRef>
+        </p:style>
+        <p:txBody>
+          <a:bodyPr rtlCol="0" anchor="ctr"/>
+          <a:lstStyle/>
+          <a:p>
+            <a:pPr algn="ctr"/>
+            <a:endParaRPr lang="en-US" b="1" dirty="0">
+              <a:solidFill>
+                <a:schemeClr val="tx1"/>
+              </a:solidFill>
+            </a:endParaRPr>
+          </a:p>
+        </p:txBody>
+      </p:sp>
+      <p:sp>
+        <p:nvSpPr>
+          <p:cNvPr id="240" name="Rectangle: Rounded Corners 239">
+            <a:extLst>
+              <a:ext uri="{FF2B5EF4-FFF2-40B4-BE49-F238E27FC236}">
+                <a16:creationId xmlns:a16="http://schemas.microsoft.com/office/drawing/2014/main" id="{5BA9E2BA-357A-4AB8-866D-F20BFB564CED}"/>
+              </a:ext>
+            </a:extLst>
+          </p:cNvPr>
+          <p:cNvSpPr/>
+          <p:nvPr/>
+        </p:nvSpPr>
+        <p:spPr>
+          <a:xfrm>
+            <a:off x="7973691" y="4393163"/>
+            <a:ext cx="933973" cy="626122"/>
+          </a:xfrm>
+          <a:prstGeom prst="roundRect">
+            <a:avLst/>
+          </a:prstGeom>
+          <a:solidFill>
+            <a:schemeClr val="accent5">
+              <a:lumMod val="20000"/>
+              <a:lumOff val="80000"/>
+            </a:schemeClr>
+          </a:solidFill>
+          <a:ln w="19050">
+            <a:solidFill>
+              <a:schemeClr val="accent2"/>
+            </a:solidFill>
+          </a:ln>
+        </p:spPr>
+        <p:style>
+          <a:lnRef idx="2">
+            <a:schemeClr val="accent4">
+              <a:shade val="50000"/>
+            </a:schemeClr>
+          </a:lnRef>
+          <a:fillRef idx="1">
+            <a:schemeClr val="accent4"/>
+          </a:fillRef>
+          <a:effectRef idx="0">
+            <a:schemeClr val="accent4"/>
+          </a:effectRef>
+          <a:fontRef idx="minor">
+            <a:schemeClr val="lt1"/>
+          </a:fontRef>
+        </p:style>
+        <p:txBody>
+          <a:bodyPr rtlCol="0" anchor="ctr"/>
+          <a:lstStyle/>
+          <a:p>
+            <a:pPr algn="ctr"/>
+            <a:endParaRPr lang="en-US" b="1" dirty="0">
+              <a:solidFill>
+                <a:schemeClr val="tx1"/>
+              </a:solidFill>
+            </a:endParaRPr>
+          </a:p>
+        </p:txBody>
+      </p:sp>
+      <p:sp>
+        <p:nvSpPr>
+          <p:cNvPr id="241" name="Rectangle: Rounded Corners 240">
+            <a:extLst>
+              <a:ext uri="{FF2B5EF4-FFF2-40B4-BE49-F238E27FC236}">
+                <a16:creationId xmlns:a16="http://schemas.microsoft.com/office/drawing/2014/main" id="{22424AB6-DC0F-493A-8A34-043D1F298F94}"/>
+              </a:ext>
+            </a:extLst>
+          </p:cNvPr>
+          <p:cNvSpPr/>
+          <p:nvPr/>
+        </p:nvSpPr>
+        <p:spPr>
+          <a:xfrm>
+            <a:off x="8945083" y="4393163"/>
+            <a:ext cx="933973" cy="626122"/>
+          </a:xfrm>
+          <a:prstGeom prst="roundRect">
+            <a:avLst/>
+          </a:prstGeom>
+          <a:solidFill>
+            <a:schemeClr val="accent5">
+              <a:lumMod val="20000"/>
+              <a:lumOff val="80000"/>
+            </a:schemeClr>
+          </a:solidFill>
+          <a:ln w="19050">
+            <a:solidFill>
+              <a:schemeClr val="accent2"/>
+            </a:solidFill>
+          </a:ln>
+        </p:spPr>
+        <p:style>
+          <a:lnRef idx="2">
+            <a:schemeClr val="accent4">
+              <a:shade val="50000"/>
+            </a:schemeClr>
+          </a:lnRef>
+          <a:fillRef idx="1">
+            <a:schemeClr val="accent4"/>
+          </a:fillRef>
+          <a:effectRef idx="0">
+            <a:schemeClr val="accent4"/>
+          </a:effectRef>
+          <a:fontRef idx="minor">
+            <a:schemeClr val="lt1"/>
+          </a:fontRef>
+        </p:style>
+        <p:txBody>
+          <a:bodyPr rtlCol="0" anchor="ctr"/>
+          <a:lstStyle/>
+          <a:p>
+            <a:pPr algn="ctr"/>
+            <a:endParaRPr lang="en-US" b="1" dirty="0">
+              <a:solidFill>
+                <a:schemeClr val="tx1"/>
+              </a:solidFill>
+            </a:endParaRPr>
+          </a:p>
+        </p:txBody>
+      </p:sp>
+      <p:sp>
+        <p:nvSpPr>
+          <p:cNvPr id="242" name="Rectangle: Rounded Corners 241">
+            <a:extLst>
+              <a:ext uri="{FF2B5EF4-FFF2-40B4-BE49-F238E27FC236}">
+                <a16:creationId xmlns:a16="http://schemas.microsoft.com/office/drawing/2014/main" id="{D472FE63-F4C6-497A-9517-542AE6480F5D}"/>
+              </a:ext>
+            </a:extLst>
+          </p:cNvPr>
+          <p:cNvSpPr/>
+          <p:nvPr/>
+        </p:nvSpPr>
+        <p:spPr>
+          <a:xfrm>
+            <a:off x="9940518" y="4393163"/>
+            <a:ext cx="933973" cy="626122"/>
+          </a:xfrm>
+          <a:prstGeom prst="roundRect">
+            <a:avLst/>
+          </a:prstGeom>
+          <a:solidFill>
+            <a:schemeClr val="accent5">
+              <a:lumMod val="20000"/>
+              <a:lumOff val="80000"/>
+            </a:schemeClr>
+          </a:solidFill>
+          <a:ln w="19050">
+            <a:solidFill>
+              <a:schemeClr val="accent2"/>
+            </a:solidFill>
+          </a:ln>
+        </p:spPr>
+        <p:style>
+          <a:lnRef idx="2">
+            <a:schemeClr val="accent4">
+              <a:shade val="50000"/>
+            </a:schemeClr>
+          </a:lnRef>
+          <a:fillRef idx="1">
+            <a:schemeClr val="accent4"/>
+          </a:fillRef>
+          <a:effectRef idx="0">
+            <a:schemeClr val="accent4"/>
+          </a:effectRef>
+          <a:fontRef idx="minor">
+            <a:schemeClr val="lt1"/>
+          </a:fontRef>
+        </p:style>
+        <p:txBody>
+          <a:bodyPr rtlCol="0" anchor="ctr"/>
+          <a:lstStyle/>
+          <a:p>
+            <a:pPr algn="ctr"/>
+            <a:endParaRPr lang="en-US" b="1" dirty="0">
+              <a:solidFill>
+                <a:schemeClr val="tx1"/>
+              </a:solidFill>
+            </a:endParaRPr>
+          </a:p>
+        </p:txBody>
+      </p:sp>
+      <p:sp>
+        <p:nvSpPr>
+          <p:cNvPr id="259" name="TextBox 258">
+            <a:extLst>
+              <a:ext uri="{FF2B5EF4-FFF2-40B4-BE49-F238E27FC236}">
+                <a16:creationId xmlns:a16="http://schemas.microsoft.com/office/drawing/2014/main" id="{635E24D4-7971-4E6D-B7D6-1840EE458458}"/>
+              </a:ext>
+            </a:extLst>
+          </p:cNvPr>
+          <p:cNvSpPr txBox="1"/>
+          <p:nvPr/>
+        </p:nvSpPr>
+        <p:spPr>
+          <a:xfrm>
+            <a:off x="1172716" y="926002"/>
+            <a:ext cx="760144" cy="276999"/>
+          </a:xfrm>
+          <a:prstGeom prst="rect">
+            <a:avLst/>
+          </a:prstGeom>
+          <a:noFill/>
+        </p:spPr>
+        <p:txBody>
+          <a:bodyPr wrap="none" rtlCol="0">
+            <a:spAutoFit/>
+          </a:bodyPr>
+          <a:lstStyle/>
+          <a:p>
+            <a:r>
+              <a:rPr lang="en-US" sz="1200" b="1" dirty="0"/>
+              <a:t>SOLBION</a:t>
+            </a:r>
+          </a:p>
+        </p:txBody>
+      </p:sp>
+      <p:sp>
+        <p:nvSpPr>
+          <p:cNvPr id="260" name="TextBox 259">
+            <a:extLst>
+              <a:ext uri="{FF2B5EF4-FFF2-40B4-BE49-F238E27FC236}">
+                <a16:creationId xmlns:a16="http://schemas.microsoft.com/office/drawing/2014/main" id="{41D81625-C6C1-44B7-A0EE-B7CFC9229E11}"/>
+              </a:ext>
+            </a:extLst>
+          </p:cNvPr>
+          <p:cNvSpPr txBox="1"/>
+          <p:nvPr/>
+        </p:nvSpPr>
+        <p:spPr>
+          <a:xfrm>
+            <a:off x="2317854" y="926002"/>
+            <a:ext cx="494046" cy="276999"/>
+          </a:xfrm>
+          <a:prstGeom prst="rect">
+            <a:avLst/>
+          </a:prstGeom>
+          <a:noFill/>
+        </p:spPr>
+        <p:txBody>
+          <a:bodyPr wrap="none" rtlCol="0">
+            <a:spAutoFit/>
+          </a:bodyPr>
+          <a:lstStyle/>
+          <a:p>
+            <a:r>
+              <a:rPr lang="en-US" sz="1200" b="1" dirty="0"/>
+              <a:t>XINC</a:t>
+            </a:r>
+          </a:p>
+        </p:txBody>
+      </p:sp>
+      <p:sp>
+        <p:nvSpPr>
+          <p:cNvPr id="261" name="TextBox 260">
+            <a:extLst>
+              <a:ext uri="{FF2B5EF4-FFF2-40B4-BE49-F238E27FC236}">
+                <a16:creationId xmlns:a16="http://schemas.microsoft.com/office/drawing/2014/main" id="{225464E4-0950-47EE-B270-C1DBBBCF21F2}"/>
+              </a:ext>
+            </a:extLst>
+          </p:cNvPr>
+          <p:cNvSpPr txBox="1"/>
+          <p:nvPr/>
+        </p:nvSpPr>
+        <p:spPr>
+          <a:xfrm>
+            <a:off x="3144687" y="926002"/>
+            <a:ext cx="729687" cy="276999"/>
+          </a:xfrm>
+          <a:prstGeom prst="rect">
+            <a:avLst/>
+          </a:prstGeom>
+          <a:noFill/>
+        </p:spPr>
+        <p:txBody>
+          <a:bodyPr wrap="none" rtlCol="0">
+            <a:spAutoFit/>
+          </a:bodyPr>
+          <a:lstStyle/>
+          <a:p>
+            <a:r>
+              <a:rPr lang="en-US" sz="1200" b="1" dirty="0"/>
+              <a:t>MAXFER</a:t>
+            </a:r>
+          </a:p>
+        </p:txBody>
+      </p:sp>
+      <p:sp>
+        <p:nvSpPr>
+          <p:cNvPr id="262" name="TextBox 261">
+            <a:extLst>
+              <a:ext uri="{FF2B5EF4-FFF2-40B4-BE49-F238E27FC236}">
+                <a16:creationId xmlns:a16="http://schemas.microsoft.com/office/drawing/2014/main" id="{36F19B1D-E49A-4D2B-BC00-0CB03350AE18}"/>
+              </a:ext>
+            </a:extLst>
+          </p:cNvPr>
+          <p:cNvSpPr txBox="1"/>
+          <p:nvPr/>
+        </p:nvSpPr>
+        <p:spPr>
+          <a:xfrm>
+            <a:off x="4172011" y="907374"/>
+            <a:ext cx="648383" cy="276999"/>
+          </a:xfrm>
+          <a:prstGeom prst="rect">
+            <a:avLst/>
+          </a:prstGeom>
+          <a:noFill/>
+        </p:spPr>
+        <p:txBody>
+          <a:bodyPr wrap="none" rtlCol="0">
+            <a:spAutoFit/>
+          </a:bodyPr>
+          <a:lstStyle/>
+          <a:p>
+            <a:r>
+              <a:rPr lang="en-US" sz="1200" b="1" dirty="0"/>
+              <a:t>ZEEFOL</a:t>
+            </a:r>
+          </a:p>
+        </p:txBody>
+      </p:sp>
+      <p:sp>
+        <p:nvSpPr>
+          <p:cNvPr id="263" name="TextBox 262">
+            <a:extLst>
+              <a:ext uri="{FF2B5EF4-FFF2-40B4-BE49-F238E27FC236}">
+                <a16:creationId xmlns:a16="http://schemas.microsoft.com/office/drawing/2014/main" id="{6E79EA7A-754C-4463-8AA8-A57A871DE0BE}"/>
+              </a:ext>
+            </a:extLst>
+          </p:cNvPr>
+          <p:cNvSpPr txBox="1"/>
+          <p:nvPr/>
+        </p:nvSpPr>
+        <p:spPr>
+          <a:xfrm>
+            <a:off x="5067630" y="916380"/>
+            <a:ext cx="852734" cy="276999"/>
+          </a:xfrm>
+          <a:prstGeom prst="rect">
+            <a:avLst/>
+          </a:prstGeom>
+          <a:noFill/>
+        </p:spPr>
+        <p:txBody>
+          <a:bodyPr wrap="none" rtlCol="0">
+            <a:spAutoFit/>
+          </a:bodyPr>
+          <a:lstStyle/>
+          <a:p>
+            <a:r>
+              <a:rPr lang="en-US" sz="1200" b="1" dirty="0"/>
+              <a:t>DANAMET</a:t>
+            </a:r>
+          </a:p>
+        </p:txBody>
+      </p:sp>
+      <p:sp>
+        <p:nvSpPr>
+          <p:cNvPr id="264" name="TextBox 263">
+            <a:extLst>
+              <a:ext uri="{FF2B5EF4-FFF2-40B4-BE49-F238E27FC236}">
+                <a16:creationId xmlns:a16="http://schemas.microsoft.com/office/drawing/2014/main" id="{8299D489-E0EB-4303-A170-2FA25B29EF1E}"/>
+              </a:ext>
+            </a:extLst>
+          </p:cNvPr>
+          <p:cNvSpPr txBox="1"/>
+          <p:nvPr/>
+        </p:nvSpPr>
+        <p:spPr>
+          <a:xfrm>
+            <a:off x="6061227" y="907373"/>
+            <a:ext cx="768159" cy="276999"/>
+          </a:xfrm>
+          <a:prstGeom prst="rect">
+            <a:avLst/>
+          </a:prstGeom>
+          <a:noFill/>
+        </p:spPr>
+        <p:txBody>
+          <a:bodyPr wrap="none" rtlCol="0">
+            <a:spAutoFit/>
+          </a:bodyPr>
+          <a:lstStyle/>
+          <a:p>
+            <a:r>
+              <a:rPr lang="en-US" sz="1200" b="1" dirty="0"/>
+              <a:t>ETHINOR</a:t>
+            </a:r>
+          </a:p>
+        </p:txBody>
+      </p:sp>
+      <p:sp>
+        <p:nvSpPr>
+          <p:cNvPr id="266" name="TextBox 265">
+            <a:extLst>
+              <a:ext uri="{FF2B5EF4-FFF2-40B4-BE49-F238E27FC236}">
+                <a16:creationId xmlns:a16="http://schemas.microsoft.com/office/drawing/2014/main" id="{D5D2D8EA-EBC4-48DF-8362-EEFE7DB7B3DA}"/>
+              </a:ext>
+            </a:extLst>
+          </p:cNvPr>
+          <p:cNvSpPr txBox="1"/>
+          <p:nvPr/>
+        </p:nvSpPr>
+        <p:spPr>
+          <a:xfrm>
+            <a:off x="7115666" y="896404"/>
+            <a:ext cx="617477" cy="276999"/>
+          </a:xfrm>
+          <a:prstGeom prst="rect">
+            <a:avLst/>
+          </a:prstGeom>
+          <a:noFill/>
+        </p:spPr>
+        <p:txBody>
+          <a:bodyPr wrap="none" rtlCol="0">
+            <a:spAutoFit/>
+          </a:bodyPr>
+          <a:lstStyle/>
+          <a:p>
+            <a:r>
+              <a:rPr lang="en-US" sz="1200" b="1" dirty="0"/>
+              <a:t>LENOR</a:t>
+            </a:r>
+          </a:p>
+        </p:txBody>
+      </p:sp>
+      <p:sp>
+        <p:nvSpPr>
+          <p:cNvPr id="267" name="TextBox 266">
+            <a:extLst>
+              <a:ext uri="{FF2B5EF4-FFF2-40B4-BE49-F238E27FC236}">
+                <a16:creationId xmlns:a16="http://schemas.microsoft.com/office/drawing/2014/main" id="{7A5378C9-EA14-41AE-9AD2-955DDE3316DF}"/>
+              </a:ext>
+            </a:extLst>
+          </p:cNvPr>
+          <p:cNvSpPr txBox="1"/>
+          <p:nvPr/>
+        </p:nvSpPr>
+        <p:spPr>
+          <a:xfrm>
+            <a:off x="8131938" y="894625"/>
+            <a:ext cx="660502" cy="276999"/>
+          </a:xfrm>
+          <a:prstGeom prst="rect">
+            <a:avLst/>
+          </a:prstGeom>
+          <a:noFill/>
+        </p:spPr>
+        <p:txBody>
+          <a:bodyPr wrap="none" rtlCol="0">
+            <a:spAutoFit/>
+          </a:bodyPr>
+          <a:lstStyle/>
+          <a:p>
+            <a:r>
+              <a:rPr lang="en-US" sz="1200" b="1" dirty="0"/>
+              <a:t>ZATRAL</a:t>
+            </a:r>
+          </a:p>
+        </p:txBody>
+      </p:sp>
+      <p:sp>
+        <p:nvSpPr>
+          <p:cNvPr id="268" name="TextBox 267">
+            <a:extLst>
+              <a:ext uri="{FF2B5EF4-FFF2-40B4-BE49-F238E27FC236}">
+                <a16:creationId xmlns:a16="http://schemas.microsoft.com/office/drawing/2014/main" id="{41AE04F0-1B0C-4852-9FFB-C05763BA5450}"/>
+              </a:ext>
+            </a:extLst>
+          </p:cNvPr>
+          <p:cNvSpPr txBox="1"/>
+          <p:nvPr/>
+        </p:nvSpPr>
+        <p:spPr>
+          <a:xfrm>
+            <a:off x="9107531" y="900689"/>
+            <a:ext cx="678519" cy="276999"/>
+          </a:xfrm>
+          <a:prstGeom prst="rect">
+            <a:avLst/>
+          </a:prstGeom>
+          <a:noFill/>
+        </p:spPr>
+        <p:txBody>
+          <a:bodyPr wrap="none" rtlCol="0">
+            <a:spAutoFit/>
+          </a:bodyPr>
+          <a:lstStyle/>
+          <a:p>
+            <a:r>
+              <a:rPr lang="en-US" sz="1200" b="1" dirty="0"/>
+              <a:t>UROKIT</a:t>
+            </a:r>
+          </a:p>
+        </p:txBody>
+      </p:sp>
+      <p:sp>
+        <p:nvSpPr>
+          <p:cNvPr id="269" name="TextBox 268">
+            <a:extLst>
+              <a:ext uri="{FF2B5EF4-FFF2-40B4-BE49-F238E27FC236}">
+                <a16:creationId xmlns:a16="http://schemas.microsoft.com/office/drawing/2014/main" id="{96AE526B-5C8B-4B58-A3DE-31C0D0D3DFDE}"/>
+              </a:ext>
+            </a:extLst>
+          </p:cNvPr>
+          <p:cNvSpPr txBox="1"/>
+          <p:nvPr/>
+        </p:nvSpPr>
+        <p:spPr>
+          <a:xfrm>
+            <a:off x="10055072" y="899964"/>
+            <a:ext cx="759952" cy="276999"/>
+          </a:xfrm>
+          <a:prstGeom prst="rect">
+            <a:avLst/>
+          </a:prstGeom>
+          <a:noFill/>
+        </p:spPr>
+        <p:txBody>
+          <a:bodyPr wrap="none" rtlCol="0">
+            <a:spAutoFit/>
+          </a:bodyPr>
+          <a:lstStyle/>
+          <a:p>
+            <a:r>
+              <a:rPr lang="en-US" sz="1200" b="1" dirty="0"/>
+              <a:t>VALENTY</a:t>
+            </a:r>
+          </a:p>
+        </p:txBody>
+      </p:sp>
+      <p:sp>
+        <p:nvSpPr>
+          <p:cNvPr id="270" name="TextBox 269">
+            <a:extLst>
+              <a:ext uri="{FF2B5EF4-FFF2-40B4-BE49-F238E27FC236}">
+                <a16:creationId xmlns:a16="http://schemas.microsoft.com/office/drawing/2014/main" id="{C67BF8A2-D127-4F6C-8574-45DDF1FF6952}"/>
+              </a:ext>
+            </a:extLst>
+          </p:cNvPr>
+          <p:cNvSpPr txBox="1"/>
+          <p:nvPr/>
+        </p:nvSpPr>
+        <p:spPr>
+          <a:xfrm>
+            <a:off x="176867" y="2060427"/>
+            <a:ext cx="777008" cy="276999"/>
+          </a:xfrm>
+          <a:prstGeom prst="rect">
+            <a:avLst/>
+          </a:prstGeom>
+          <a:noFill/>
+        </p:spPr>
+        <p:txBody>
+          <a:bodyPr wrap="none" rtlCol="0">
+            <a:spAutoFit/>
+          </a:bodyPr>
+          <a:lstStyle/>
+          <a:p>
+            <a:r>
+              <a:rPr lang="en-US" sz="1200" b="1" dirty="0"/>
+              <a:t>OSTOCAL</a:t>
+            </a:r>
+          </a:p>
+        </p:txBody>
+      </p:sp>
+      <p:sp>
+        <p:nvSpPr>
+          <p:cNvPr id="271" name="TextBox 270">
+            <a:extLst>
+              <a:ext uri="{FF2B5EF4-FFF2-40B4-BE49-F238E27FC236}">
+                <a16:creationId xmlns:a16="http://schemas.microsoft.com/office/drawing/2014/main" id="{7A5A1BB3-3214-46E2-ACEE-4B469CA7B6F4}"/>
+              </a:ext>
+            </a:extLst>
+          </p:cNvPr>
+          <p:cNvSpPr txBox="1"/>
+          <p:nvPr/>
+        </p:nvSpPr>
+        <p:spPr>
+          <a:xfrm>
+            <a:off x="1172716" y="2059821"/>
+            <a:ext cx="760144" cy="276999"/>
+          </a:xfrm>
+          <a:prstGeom prst="rect">
+            <a:avLst/>
+          </a:prstGeom>
+          <a:noFill/>
+        </p:spPr>
+        <p:txBody>
+          <a:bodyPr wrap="none" rtlCol="0">
+            <a:spAutoFit/>
+          </a:bodyPr>
+          <a:lstStyle/>
+          <a:p>
+            <a:r>
+              <a:rPr lang="en-US" sz="1200" b="1" dirty="0"/>
+              <a:t>SOLBION</a:t>
+            </a:r>
+          </a:p>
+        </p:txBody>
+      </p:sp>
+      <p:sp>
+        <p:nvSpPr>
+          <p:cNvPr id="272" name="TextBox 271">
+            <a:extLst>
+              <a:ext uri="{FF2B5EF4-FFF2-40B4-BE49-F238E27FC236}">
+                <a16:creationId xmlns:a16="http://schemas.microsoft.com/office/drawing/2014/main" id="{EC7DF863-DF76-4DDD-AFE7-98D32854E09E}"/>
+              </a:ext>
+            </a:extLst>
+          </p:cNvPr>
+          <p:cNvSpPr txBox="1"/>
+          <p:nvPr/>
+        </p:nvSpPr>
+        <p:spPr>
+          <a:xfrm>
+            <a:off x="2317854" y="2059821"/>
+            <a:ext cx="494046" cy="276999"/>
+          </a:xfrm>
+          <a:prstGeom prst="rect">
+            <a:avLst/>
+          </a:prstGeom>
+          <a:noFill/>
+        </p:spPr>
+        <p:txBody>
+          <a:bodyPr wrap="none" rtlCol="0">
+            <a:spAutoFit/>
+          </a:bodyPr>
+          <a:lstStyle/>
+          <a:p>
+            <a:r>
+              <a:rPr lang="en-US" sz="1200" b="1" dirty="0"/>
+              <a:t>XINC</a:t>
+            </a:r>
+          </a:p>
+        </p:txBody>
+      </p:sp>
+      <p:sp>
+        <p:nvSpPr>
+          <p:cNvPr id="273" name="TextBox 272">
+            <a:extLst>
+              <a:ext uri="{FF2B5EF4-FFF2-40B4-BE49-F238E27FC236}">
+                <a16:creationId xmlns:a16="http://schemas.microsoft.com/office/drawing/2014/main" id="{A1FDB11A-5798-4F12-9E72-68872C0F2F9B}"/>
+              </a:ext>
+            </a:extLst>
+          </p:cNvPr>
+          <p:cNvSpPr txBox="1"/>
+          <p:nvPr/>
+        </p:nvSpPr>
+        <p:spPr>
+          <a:xfrm>
+            <a:off x="3144687" y="2059821"/>
+            <a:ext cx="729687" cy="276999"/>
+          </a:xfrm>
+          <a:prstGeom prst="rect">
+            <a:avLst/>
+          </a:prstGeom>
+          <a:noFill/>
+        </p:spPr>
+        <p:txBody>
+          <a:bodyPr wrap="none" rtlCol="0">
+            <a:spAutoFit/>
+          </a:bodyPr>
+          <a:lstStyle/>
+          <a:p>
+            <a:r>
+              <a:rPr lang="en-US" sz="1200" b="1" dirty="0"/>
+              <a:t>MAXFER</a:t>
+            </a:r>
+          </a:p>
+        </p:txBody>
+      </p:sp>
+      <p:sp>
+        <p:nvSpPr>
+          <p:cNvPr id="274" name="TextBox 273">
+            <a:extLst>
+              <a:ext uri="{FF2B5EF4-FFF2-40B4-BE49-F238E27FC236}">
+                <a16:creationId xmlns:a16="http://schemas.microsoft.com/office/drawing/2014/main" id="{49AB40B4-1938-434F-A605-9D4282DA5823}"/>
+              </a:ext>
+            </a:extLst>
+          </p:cNvPr>
+          <p:cNvSpPr txBox="1"/>
+          <p:nvPr/>
+        </p:nvSpPr>
+        <p:spPr>
+          <a:xfrm>
+            <a:off x="4172011" y="2041193"/>
+            <a:ext cx="648383" cy="276999"/>
+          </a:xfrm>
+          <a:prstGeom prst="rect">
+            <a:avLst/>
+          </a:prstGeom>
+          <a:noFill/>
+        </p:spPr>
+        <p:txBody>
+          <a:bodyPr wrap="none" rtlCol="0">
+            <a:spAutoFit/>
+          </a:bodyPr>
+          <a:lstStyle/>
+          <a:p>
+            <a:r>
+              <a:rPr lang="en-US" sz="1200" b="1" dirty="0"/>
+              <a:t>ZEEFOL</a:t>
+            </a:r>
+          </a:p>
+        </p:txBody>
+      </p:sp>
+      <p:sp>
+        <p:nvSpPr>
+          <p:cNvPr id="275" name="TextBox 274">
+            <a:extLst>
+              <a:ext uri="{FF2B5EF4-FFF2-40B4-BE49-F238E27FC236}">
+                <a16:creationId xmlns:a16="http://schemas.microsoft.com/office/drawing/2014/main" id="{4886F576-E850-45C3-AC4C-A552CD252B7C}"/>
+              </a:ext>
+            </a:extLst>
+          </p:cNvPr>
+          <p:cNvSpPr txBox="1"/>
+          <p:nvPr/>
+        </p:nvSpPr>
+        <p:spPr>
+          <a:xfrm>
+            <a:off x="5067630" y="2050199"/>
+            <a:ext cx="852734" cy="276999"/>
+          </a:xfrm>
+          <a:prstGeom prst="rect">
+            <a:avLst/>
+          </a:prstGeom>
+          <a:noFill/>
+        </p:spPr>
+        <p:txBody>
+          <a:bodyPr wrap="none" rtlCol="0">
+            <a:spAutoFit/>
+          </a:bodyPr>
+          <a:lstStyle/>
+          <a:p>
+            <a:r>
+              <a:rPr lang="en-US" sz="1200" b="1" dirty="0"/>
+              <a:t>DANAMET</a:t>
+            </a:r>
+          </a:p>
+        </p:txBody>
+      </p:sp>
+      <p:sp>
+        <p:nvSpPr>
+          <p:cNvPr id="276" name="TextBox 275">
+            <a:extLst>
+              <a:ext uri="{FF2B5EF4-FFF2-40B4-BE49-F238E27FC236}">
+                <a16:creationId xmlns:a16="http://schemas.microsoft.com/office/drawing/2014/main" id="{864D820C-5FDC-4A05-9D49-8337D9CE8B1A}"/>
+              </a:ext>
+            </a:extLst>
+          </p:cNvPr>
+          <p:cNvSpPr txBox="1"/>
+          <p:nvPr/>
+        </p:nvSpPr>
+        <p:spPr>
+          <a:xfrm>
+            <a:off x="6061227" y="2041192"/>
+            <a:ext cx="768159" cy="276999"/>
+          </a:xfrm>
+          <a:prstGeom prst="rect">
+            <a:avLst/>
+          </a:prstGeom>
+          <a:noFill/>
+        </p:spPr>
+        <p:txBody>
+          <a:bodyPr wrap="none" rtlCol="0">
+            <a:spAutoFit/>
+          </a:bodyPr>
+          <a:lstStyle/>
+          <a:p>
+            <a:r>
+              <a:rPr lang="en-US" sz="1200" b="1" dirty="0"/>
+              <a:t>ETHINOR</a:t>
+            </a:r>
+          </a:p>
+        </p:txBody>
+      </p:sp>
+      <p:sp>
+        <p:nvSpPr>
+          <p:cNvPr id="277" name="TextBox 276">
+            <a:extLst>
+              <a:ext uri="{FF2B5EF4-FFF2-40B4-BE49-F238E27FC236}">
+                <a16:creationId xmlns:a16="http://schemas.microsoft.com/office/drawing/2014/main" id="{68D094AC-3282-4DBD-97C0-03C7B19973F1}"/>
+              </a:ext>
+            </a:extLst>
+          </p:cNvPr>
+          <p:cNvSpPr txBox="1"/>
+          <p:nvPr/>
+        </p:nvSpPr>
+        <p:spPr>
+          <a:xfrm>
+            <a:off x="7115666" y="2030223"/>
+            <a:ext cx="617477" cy="276999"/>
+          </a:xfrm>
+          <a:prstGeom prst="rect">
+            <a:avLst/>
+          </a:prstGeom>
+          <a:noFill/>
+        </p:spPr>
+        <p:txBody>
+          <a:bodyPr wrap="none" rtlCol="0">
+            <a:spAutoFit/>
+          </a:bodyPr>
+          <a:lstStyle/>
+          <a:p>
+            <a:r>
+              <a:rPr lang="en-US" sz="1200" b="1" dirty="0"/>
+              <a:t>LENOR</a:t>
+            </a:r>
+          </a:p>
+        </p:txBody>
+      </p:sp>
+      <p:sp>
+        <p:nvSpPr>
+          <p:cNvPr id="278" name="TextBox 277">
+            <a:extLst>
+              <a:ext uri="{FF2B5EF4-FFF2-40B4-BE49-F238E27FC236}">
+                <a16:creationId xmlns:a16="http://schemas.microsoft.com/office/drawing/2014/main" id="{A463D28B-213A-4ACE-A0D6-2BCD25410311}"/>
+              </a:ext>
+            </a:extLst>
+          </p:cNvPr>
+          <p:cNvSpPr txBox="1"/>
+          <p:nvPr/>
+        </p:nvSpPr>
+        <p:spPr>
+          <a:xfrm>
+            <a:off x="8131938" y="2028444"/>
+            <a:ext cx="660502" cy="276999"/>
+          </a:xfrm>
+          <a:prstGeom prst="rect">
+            <a:avLst/>
+          </a:prstGeom>
+          <a:noFill/>
+        </p:spPr>
+        <p:txBody>
+          <a:bodyPr wrap="none" rtlCol="0">
+            <a:spAutoFit/>
+          </a:bodyPr>
+          <a:lstStyle/>
+          <a:p>
+            <a:r>
+              <a:rPr lang="en-US" sz="1200" b="1" dirty="0"/>
+              <a:t>ZATRAL</a:t>
+            </a:r>
+          </a:p>
+        </p:txBody>
+      </p:sp>
+      <p:sp>
+        <p:nvSpPr>
+          <p:cNvPr id="279" name="TextBox 278">
+            <a:extLst>
+              <a:ext uri="{FF2B5EF4-FFF2-40B4-BE49-F238E27FC236}">
+                <a16:creationId xmlns:a16="http://schemas.microsoft.com/office/drawing/2014/main" id="{80B1E895-FDF4-44EF-A255-47603028B1C3}"/>
+              </a:ext>
+            </a:extLst>
+          </p:cNvPr>
+          <p:cNvSpPr txBox="1"/>
+          <p:nvPr/>
+        </p:nvSpPr>
+        <p:spPr>
+          <a:xfrm>
+            <a:off x="9107531" y="2034508"/>
+            <a:ext cx="678519" cy="276999"/>
+          </a:xfrm>
+          <a:prstGeom prst="rect">
+            <a:avLst/>
+          </a:prstGeom>
+          <a:noFill/>
+        </p:spPr>
+        <p:txBody>
+          <a:bodyPr wrap="none" rtlCol="0">
+            <a:spAutoFit/>
+          </a:bodyPr>
+          <a:lstStyle/>
+          <a:p>
+            <a:r>
+              <a:rPr lang="en-US" sz="1200" b="1" dirty="0"/>
+              <a:t>UROKIT</a:t>
+            </a:r>
+          </a:p>
+        </p:txBody>
+      </p:sp>
+      <p:sp>
+        <p:nvSpPr>
+          <p:cNvPr id="280" name="TextBox 279">
+            <a:extLst>
+              <a:ext uri="{FF2B5EF4-FFF2-40B4-BE49-F238E27FC236}">
+                <a16:creationId xmlns:a16="http://schemas.microsoft.com/office/drawing/2014/main" id="{B068A8FC-FAC5-4201-9901-B3ECA926F95C}"/>
+              </a:ext>
+            </a:extLst>
+          </p:cNvPr>
+          <p:cNvSpPr txBox="1"/>
+          <p:nvPr/>
+        </p:nvSpPr>
+        <p:spPr>
+          <a:xfrm>
+            <a:off x="10055072" y="2033783"/>
+            <a:ext cx="759952" cy="276999"/>
+          </a:xfrm>
+          <a:prstGeom prst="rect">
+            <a:avLst/>
+          </a:prstGeom>
+          <a:noFill/>
+        </p:spPr>
+        <p:txBody>
+          <a:bodyPr wrap="none" rtlCol="0">
+            <a:spAutoFit/>
+          </a:bodyPr>
+          <a:lstStyle/>
+          <a:p>
+            <a:r>
+              <a:rPr lang="en-US" sz="1200" b="1" dirty="0"/>
+              <a:t>VALENTY</a:t>
+            </a:r>
+          </a:p>
+        </p:txBody>
+      </p:sp>
+      <p:sp>
+        <p:nvSpPr>
+          <p:cNvPr id="281" name="TextBox 280">
+            <a:extLst>
+              <a:ext uri="{FF2B5EF4-FFF2-40B4-BE49-F238E27FC236}">
+                <a16:creationId xmlns:a16="http://schemas.microsoft.com/office/drawing/2014/main" id="{EEA0CD12-F911-4E24-801E-5823D050C88E}"/>
+              </a:ext>
+            </a:extLst>
+          </p:cNvPr>
+          <p:cNvSpPr txBox="1"/>
+          <p:nvPr/>
+        </p:nvSpPr>
+        <p:spPr>
+          <a:xfrm>
+            <a:off x="164709" y="3213889"/>
+            <a:ext cx="777008" cy="276999"/>
+          </a:xfrm>
+          <a:prstGeom prst="rect">
+            <a:avLst/>
+          </a:prstGeom>
+          <a:noFill/>
+        </p:spPr>
+        <p:txBody>
+          <a:bodyPr wrap="none" rtlCol="0">
+            <a:spAutoFit/>
+          </a:bodyPr>
+          <a:lstStyle/>
+          <a:p>
+            <a:r>
+              <a:rPr lang="en-US" sz="1200" b="1" dirty="0"/>
+              <a:t>OSTOCAL</a:t>
+            </a:r>
+          </a:p>
+        </p:txBody>
+      </p:sp>
+      <p:sp>
+        <p:nvSpPr>
+          <p:cNvPr id="282" name="TextBox 281">
+            <a:extLst>
+              <a:ext uri="{FF2B5EF4-FFF2-40B4-BE49-F238E27FC236}">
+                <a16:creationId xmlns:a16="http://schemas.microsoft.com/office/drawing/2014/main" id="{99BEE872-D1B5-4ECD-A454-F53E86788044}"/>
+              </a:ext>
+            </a:extLst>
+          </p:cNvPr>
+          <p:cNvSpPr txBox="1"/>
+          <p:nvPr/>
+        </p:nvSpPr>
+        <p:spPr>
+          <a:xfrm>
+            <a:off x="1160558" y="3213283"/>
+            <a:ext cx="760144" cy="276999"/>
+          </a:xfrm>
+          <a:prstGeom prst="rect">
+            <a:avLst/>
+          </a:prstGeom>
+          <a:noFill/>
+        </p:spPr>
+        <p:txBody>
+          <a:bodyPr wrap="none" rtlCol="0">
+            <a:spAutoFit/>
+          </a:bodyPr>
+          <a:lstStyle/>
+          <a:p>
+            <a:r>
+              <a:rPr lang="en-US" sz="1200" b="1" dirty="0"/>
+              <a:t>SOLBION</a:t>
+            </a:r>
+          </a:p>
+        </p:txBody>
+      </p:sp>
+      <p:sp>
+        <p:nvSpPr>
+          <p:cNvPr id="283" name="TextBox 282">
+            <a:extLst>
+              <a:ext uri="{FF2B5EF4-FFF2-40B4-BE49-F238E27FC236}">
+                <a16:creationId xmlns:a16="http://schemas.microsoft.com/office/drawing/2014/main" id="{21ED79E7-E4F6-4B46-9E52-C4A7B243AAE1}"/>
+              </a:ext>
+            </a:extLst>
+          </p:cNvPr>
+          <p:cNvSpPr txBox="1"/>
+          <p:nvPr/>
+        </p:nvSpPr>
+        <p:spPr>
+          <a:xfrm>
+            <a:off x="2305696" y="3213283"/>
+            <a:ext cx="494046" cy="276999"/>
+          </a:xfrm>
+          <a:prstGeom prst="rect">
+            <a:avLst/>
+          </a:prstGeom>
+          <a:noFill/>
+        </p:spPr>
+        <p:txBody>
+          <a:bodyPr wrap="none" rtlCol="0">
+            <a:spAutoFit/>
+          </a:bodyPr>
+          <a:lstStyle/>
+          <a:p>
+            <a:r>
+              <a:rPr lang="en-US" sz="1200" b="1" dirty="0"/>
+              <a:t>XINC</a:t>
+            </a:r>
+          </a:p>
+        </p:txBody>
+      </p:sp>
+      <p:sp>
+        <p:nvSpPr>
+          <p:cNvPr id="284" name="TextBox 283">
+            <a:extLst>
+              <a:ext uri="{FF2B5EF4-FFF2-40B4-BE49-F238E27FC236}">
+                <a16:creationId xmlns:a16="http://schemas.microsoft.com/office/drawing/2014/main" id="{EFF207D6-2883-44ED-9A33-F9A38969C763}"/>
+              </a:ext>
+            </a:extLst>
+          </p:cNvPr>
+          <p:cNvSpPr txBox="1"/>
+          <p:nvPr/>
+        </p:nvSpPr>
+        <p:spPr>
+          <a:xfrm>
+            <a:off x="3132529" y="3213283"/>
+            <a:ext cx="729687" cy="276999"/>
+          </a:xfrm>
+          <a:prstGeom prst="rect">
+            <a:avLst/>
+          </a:prstGeom>
+          <a:noFill/>
+        </p:spPr>
+        <p:txBody>
+          <a:bodyPr wrap="none" rtlCol="0">
+            <a:spAutoFit/>
+          </a:bodyPr>
+          <a:lstStyle/>
+          <a:p>
+            <a:r>
+              <a:rPr lang="en-US" sz="1200" b="1" dirty="0"/>
+              <a:t>MAXFER</a:t>
+            </a:r>
+          </a:p>
+        </p:txBody>
+      </p:sp>
+      <p:sp>
+        <p:nvSpPr>
+          <p:cNvPr id="285" name="TextBox 284">
+            <a:extLst>
+              <a:ext uri="{FF2B5EF4-FFF2-40B4-BE49-F238E27FC236}">
+                <a16:creationId xmlns:a16="http://schemas.microsoft.com/office/drawing/2014/main" id="{586BCD08-2FB5-4B16-9C64-ABD3F406D6EE}"/>
+              </a:ext>
+            </a:extLst>
+          </p:cNvPr>
+          <p:cNvSpPr txBox="1"/>
+          <p:nvPr/>
+        </p:nvSpPr>
+        <p:spPr>
+          <a:xfrm>
+            <a:off x="4159853" y="3194655"/>
+            <a:ext cx="648383" cy="276999"/>
+          </a:xfrm>
+          <a:prstGeom prst="rect">
+            <a:avLst/>
+          </a:prstGeom>
+          <a:noFill/>
+        </p:spPr>
+        <p:txBody>
+          <a:bodyPr wrap="none" rtlCol="0">
+            <a:spAutoFit/>
+          </a:bodyPr>
+          <a:lstStyle/>
+          <a:p>
+            <a:r>
+              <a:rPr lang="en-US" sz="1200" b="1" dirty="0"/>
+              <a:t>ZEEFOL</a:t>
+            </a:r>
+          </a:p>
+        </p:txBody>
+      </p:sp>
+      <p:sp>
+        <p:nvSpPr>
+          <p:cNvPr id="286" name="TextBox 285">
+            <a:extLst>
+              <a:ext uri="{FF2B5EF4-FFF2-40B4-BE49-F238E27FC236}">
+                <a16:creationId xmlns:a16="http://schemas.microsoft.com/office/drawing/2014/main" id="{E0A9CFE0-905B-4C06-9831-1F43245595C4}"/>
+              </a:ext>
+            </a:extLst>
+          </p:cNvPr>
+          <p:cNvSpPr txBox="1"/>
+          <p:nvPr/>
+        </p:nvSpPr>
+        <p:spPr>
+          <a:xfrm>
+            <a:off x="5055472" y="3203661"/>
+            <a:ext cx="852734" cy="276999"/>
+          </a:xfrm>
+          <a:prstGeom prst="rect">
+            <a:avLst/>
+          </a:prstGeom>
+          <a:noFill/>
+        </p:spPr>
+        <p:txBody>
+          <a:bodyPr wrap="none" rtlCol="0">
+            <a:spAutoFit/>
+          </a:bodyPr>
+          <a:lstStyle/>
+          <a:p>
+            <a:r>
+              <a:rPr lang="en-US" sz="1200" b="1" dirty="0"/>
+              <a:t>DANAMET</a:t>
+            </a:r>
+          </a:p>
+        </p:txBody>
+      </p:sp>
+      <p:sp>
+        <p:nvSpPr>
+          <p:cNvPr id="287" name="TextBox 286">
+            <a:extLst>
+              <a:ext uri="{FF2B5EF4-FFF2-40B4-BE49-F238E27FC236}">
+                <a16:creationId xmlns:a16="http://schemas.microsoft.com/office/drawing/2014/main" id="{A7D60917-DFE8-4855-80B1-6AFB1286F45A}"/>
+              </a:ext>
+            </a:extLst>
+          </p:cNvPr>
+          <p:cNvSpPr txBox="1"/>
+          <p:nvPr/>
+        </p:nvSpPr>
+        <p:spPr>
+          <a:xfrm>
+            <a:off x="6049069" y="3194654"/>
+            <a:ext cx="768159" cy="276999"/>
+          </a:xfrm>
+          <a:prstGeom prst="rect">
+            <a:avLst/>
+          </a:prstGeom>
+          <a:noFill/>
+        </p:spPr>
+        <p:txBody>
+          <a:bodyPr wrap="none" rtlCol="0">
+            <a:spAutoFit/>
+          </a:bodyPr>
+          <a:lstStyle/>
+          <a:p>
+            <a:r>
+              <a:rPr lang="en-US" sz="1200" b="1" dirty="0"/>
+              <a:t>ETHINOR</a:t>
+            </a:r>
+          </a:p>
+        </p:txBody>
+      </p:sp>
+      <p:sp>
+        <p:nvSpPr>
+          <p:cNvPr id="288" name="TextBox 287">
+            <a:extLst>
+              <a:ext uri="{FF2B5EF4-FFF2-40B4-BE49-F238E27FC236}">
+                <a16:creationId xmlns:a16="http://schemas.microsoft.com/office/drawing/2014/main" id="{3C96FA38-AA23-45ED-85F2-A484A8D72317}"/>
+              </a:ext>
+            </a:extLst>
+          </p:cNvPr>
+          <p:cNvSpPr txBox="1"/>
+          <p:nvPr/>
+        </p:nvSpPr>
+        <p:spPr>
+          <a:xfrm>
+            <a:off x="7117221" y="3183685"/>
+            <a:ext cx="617477" cy="276999"/>
+          </a:xfrm>
+          <a:prstGeom prst="rect">
+            <a:avLst/>
+          </a:prstGeom>
+          <a:noFill/>
+        </p:spPr>
+        <p:txBody>
+          <a:bodyPr wrap="none" rtlCol="0">
+            <a:spAutoFit/>
+          </a:bodyPr>
+          <a:lstStyle/>
+          <a:p>
+            <a:r>
+              <a:rPr lang="en-US" sz="1200" b="1" dirty="0"/>
+              <a:t>LENOR</a:t>
+            </a:r>
+          </a:p>
+        </p:txBody>
+      </p:sp>
+      <p:sp>
+        <p:nvSpPr>
+          <p:cNvPr id="289" name="TextBox 288">
+            <a:extLst>
+              <a:ext uri="{FF2B5EF4-FFF2-40B4-BE49-F238E27FC236}">
+                <a16:creationId xmlns:a16="http://schemas.microsoft.com/office/drawing/2014/main" id="{8B246C03-E6E1-4E0B-82B6-597DBADFD818}"/>
+              </a:ext>
+            </a:extLst>
+          </p:cNvPr>
+          <p:cNvSpPr txBox="1"/>
+          <p:nvPr/>
+        </p:nvSpPr>
+        <p:spPr>
+          <a:xfrm>
+            <a:off x="8133493" y="3181906"/>
+            <a:ext cx="660502" cy="276999"/>
+          </a:xfrm>
+          <a:prstGeom prst="rect">
+            <a:avLst/>
+          </a:prstGeom>
+          <a:noFill/>
+        </p:spPr>
+        <p:txBody>
+          <a:bodyPr wrap="none" rtlCol="0">
+            <a:spAutoFit/>
+          </a:bodyPr>
+          <a:lstStyle/>
+          <a:p>
+            <a:r>
+              <a:rPr lang="en-US" sz="1200" b="1" dirty="0"/>
+              <a:t>ZATRAL</a:t>
+            </a:r>
+          </a:p>
+        </p:txBody>
+      </p:sp>
+      <p:sp>
+        <p:nvSpPr>
+          <p:cNvPr id="290" name="TextBox 289">
+            <a:extLst>
+              <a:ext uri="{FF2B5EF4-FFF2-40B4-BE49-F238E27FC236}">
+                <a16:creationId xmlns:a16="http://schemas.microsoft.com/office/drawing/2014/main" id="{91DC31D9-64A0-41FB-BA66-794FBBFC5903}"/>
+              </a:ext>
+            </a:extLst>
+          </p:cNvPr>
+          <p:cNvSpPr txBox="1"/>
+          <p:nvPr/>
+        </p:nvSpPr>
+        <p:spPr>
+          <a:xfrm>
+            <a:off x="9061727" y="3187970"/>
+            <a:ext cx="678519" cy="276999"/>
+          </a:xfrm>
+          <a:prstGeom prst="rect">
+            <a:avLst/>
+          </a:prstGeom>
+          <a:noFill/>
+        </p:spPr>
+        <p:txBody>
+          <a:bodyPr wrap="none" rtlCol="0">
+            <a:spAutoFit/>
+          </a:bodyPr>
+          <a:lstStyle/>
+          <a:p>
+            <a:r>
+              <a:rPr lang="en-US" sz="1200" b="1" dirty="0"/>
+              <a:t>UROKIT</a:t>
+            </a:r>
+          </a:p>
+        </p:txBody>
+      </p:sp>
+      <p:sp>
+        <p:nvSpPr>
+          <p:cNvPr id="291" name="TextBox 290">
+            <a:extLst>
+              <a:ext uri="{FF2B5EF4-FFF2-40B4-BE49-F238E27FC236}">
+                <a16:creationId xmlns:a16="http://schemas.microsoft.com/office/drawing/2014/main" id="{329D0880-527D-4D40-96AA-0175A1ABBF1D}"/>
+              </a:ext>
+            </a:extLst>
+          </p:cNvPr>
+          <p:cNvSpPr txBox="1"/>
+          <p:nvPr/>
+        </p:nvSpPr>
+        <p:spPr>
+          <a:xfrm>
+            <a:off x="10009268" y="3187245"/>
+            <a:ext cx="759952" cy="276999"/>
+          </a:xfrm>
+          <a:prstGeom prst="rect">
+            <a:avLst/>
+          </a:prstGeom>
+          <a:noFill/>
+        </p:spPr>
+        <p:txBody>
+          <a:bodyPr wrap="none" rtlCol="0">
+            <a:spAutoFit/>
+          </a:bodyPr>
+          <a:lstStyle/>
+          <a:p>
+            <a:r>
+              <a:rPr lang="en-US" sz="1200" b="1" dirty="0"/>
+              <a:t>VALENTY</a:t>
+            </a:r>
+          </a:p>
+        </p:txBody>
+      </p:sp>
+      <p:sp>
+        <p:nvSpPr>
+          <p:cNvPr id="292" name="TextBox 291">
+            <a:extLst>
+              <a:ext uri="{FF2B5EF4-FFF2-40B4-BE49-F238E27FC236}">
+                <a16:creationId xmlns:a16="http://schemas.microsoft.com/office/drawing/2014/main" id="{250211B8-3129-45B9-95EE-6375F17428CF}"/>
+              </a:ext>
+            </a:extLst>
+          </p:cNvPr>
+          <p:cNvSpPr txBox="1"/>
+          <p:nvPr/>
+        </p:nvSpPr>
+        <p:spPr>
+          <a:xfrm>
+            <a:off x="146672" y="4413781"/>
+            <a:ext cx="777008" cy="276999"/>
+          </a:xfrm>
+          <a:prstGeom prst="rect">
+            <a:avLst/>
+          </a:prstGeom>
+          <a:noFill/>
+        </p:spPr>
+        <p:txBody>
+          <a:bodyPr wrap="none" rtlCol="0">
+            <a:spAutoFit/>
+          </a:bodyPr>
+          <a:lstStyle/>
+          <a:p>
+            <a:r>
+              <a:rPr lang="en-US" sz="1200" b="1" dirty="0"/>
+              <a:t>OSTOCAL</a:t>
+            </a:r>
+          </a:p>
+        </p:txBody>
+      </p:sp>
+      <p:sp>
+        <p:nvSpPr>
+          <p:cNvPr id="293" name="TextBox 292">
+            <a:extLst>
+              <a:ext uri="{FF2B5EF4-FFF2-40B4-BE49-F238E27FC236}">
+                <a16:creationId xmlns:a16="http://schemas.microsoft.com/office/drawing/2014/main" id="{F723375C-57DA-4B2A-A6D3-3FF1252A8446}"/>
+              </a:ext>
+            </a:extLst>
+          </p:cNvPr>
+          <p:cNvSpPr txBox="1"/>
+          <p:nvPr/>
+        </p:nvSpPr>
+        <p:spPr>
+          <a:xfrm>
+            <a:off x="1142521" y="4413175"/>
+            <a:ext cx="760144" cy="276999"/>
+          </a:xfrm>
+          <a:prstGeom prst="rect">
+            <a:avLst/>
+          </a:prstGeom>
+          <a:noFill/>
+        </p:spPr>
+        <p:txBody>
+          <a:bodyPr wrap="none" rtlCol="0">
+            <a:spAutoFit/>
+          </a:bodyPr>
+          <a:lstStyle/>
+          <a:p>
+            <a:r>
+              <a:rPr lang="en-US" sz="1200" b="1" dirty="0"/>
+              <a:t>SOLBION</a:t>
+            </a:r>
+          </a:p>
+        </p:txBody>
+      </p:sp>
+      <p:sp>
+        <p:nvSpPr>
+          <p:cNvPr id="294" name="TextBox 293">
+            <a:extLst>
+              <a:ext uri="{FF2B5EF4-FFF2-40B4-BE49-F238E27FC236}">
+                <a16:creationId xmlns:a16="http://schemas.microsoft.com/office/drawing/2014/main" id="{FEB24DE1-31FA-4B8C-8973-82B7097D3D4C}"/>
+              </a:ext>
+            </a:extLst>
+          </p:cNvPr>
+          <p:cNvSpPr txBox="1"/>
+          <p:nvPr/>
+        </p:nvSpPr>
+        <p:spPr>
+          <a:xfrm>
+            <a:off x="2287659" y="4413175"/>
+            <a:ext cx="494046" cy="276999"/>
+          </a:xfrm>
+          <a:prstGeom prst="rect">
+            <a:avLst/>
+          </a:prstGeom>
+          <a:noFill/>
+        </p:spPr>
+        <p:txBody>
+          <a:bodyPr wrap="none" rtlCol="0">
+            <a:spAutoFit/>
+          </a:bodyPr>
+          <a:lstStyle/>
+          <a:p>
+            <a:r>
+              <a:rPr lang="en-US" sz="1200" b="1" dirty="0"/>
+              <a:t>XINC</a:t>
+            </a:r>
+          </a:p>
+        </p:txBody>
+      </p:sp>
+      <p:sp>
+        <p:nvSpPr>
+          <p:cNvPr id="295" name="TextBox 294">
+            <a:extLst>
+              <a:ext uri="{FF2B5EF4-FFF2-40B4-BE49-F238E27FC236}">
+                <a16:creationId xmlns:a16="http://schemas.microsoft.com/office/drawing/2014/main" id="{1A64EF62-11CA-4198-B180-B437501D0146}"/>
+              </a:ext>
+            </a:extLst>
+          </p:cNvPr>
+          <p:cNvSpPr txBox="1"/>
+          <p:nvPr/>
+        </p:nvSpPr>
+        <p:spPr>
+          <a:xfrm>
+            <a:off x="3114492" y="4413175"/>
+            <a:ext cx="729687" cy="276999"/>
+          </a:xfrm>
+          <a:prstGeom prst="rect">
+            <a:avLst/>
+          </a:prstGeom>
+          <a:noFill/>
+        </p:spPr>
+        <p:txBody>
+          <a:bodyPr wrap="none" rtlCol="0">
+            <a:spAutoFit/>
+          </a:bodyPr>
+          <a:lstStyle/>
+          <a:p>
+            <a:r>
+              <a:rPr lang="en-US" sz="1200" b="1" dirty="0"/>
+              <a:t>MAXFER</a:t>
+            </a:r>
+          </a:p>
+        </p:txBody>
+      </p:sp>
+      <p:sp>
+        <p:nvSpPr>
+          <p:cNvPr id="296" name="TextBox 295">
+            <a:extLst>
+              <a:ext uri="{FF2B5EF4-FFF2-40B4-BE49-F238E27FC236}">
+                <a16:creationId xmlns:a16="http://schemas.microsoft.com/office/drawing/2014/main" id="{3D04A615-1EB3-4A20-8026-4B64BDE112D3}"/>
+              </a:ext>
+            </a:extLst>
+          </p:cNvPr>
+          <p:cNvSpPr txBox="1"/>
+          <p:nvPr/>
+        </p:nvSpPr>
+        <p:spPr>
+          <a:xfrm>
+            <a:off x="4141816" y="4394547"/>
+            <a:ext cx="648383" cy="276999"/>
+          </a:xfrm>
+          <a:prstGeom prst="rect">
+            <a:avLst/>
+          </a:prstGeom>
+          <a:noFill/>
+        </p:spPr>
+        <p:txBody>
+          <a:bodyPr wrap="none" rtlCol="0">
+            <a:spAutoFit/>
+          </a:bodyPr>
+          <a:lstStyle/>
+          <a:p>
+            <a:r>
+              <a:rPr lang="en-US" sz="1200" b="1" dirty="0"/>
+              <a:t>ZEEFOL</a:t>
+            </a:r>
+          </a:p>
+        </p:txBody>
+      </p:sp>
+      <p:sp>
+        <p:nvSpPr>
+          <p:cNvPr id="297" name="TextBox 296">
+            <a:extLst>
+              <a:ext uri="{FF2B5EF4-FFF2-40B4-BE49-F238E27FC236}">
+                <a16:creationId xmlns:a16="http://schemas.microsoft.com/office/drawing/2014/main" id="{C33BB791-F4ED-490F-B6F5-973EF04219AE}"/>
+              </a:ext>
+            </a:extLst>
+          </p:cNvPr>
+          <p:cNvSpPr txBox="1"/>
+          <p:nvPr/>
+        </p:nvSpPr>
+        <p:spPr>
+          <a:xfrm>
+            <a:off x="5037435" y="4403553"/>
+            <a:ext cx="852734" cy="276999"/>
+          </a:xfrm>
+          <a:prstGeom prst="rect">
+            <a:avLst/>
+          </a:prstGeom>
+          <a:noFill/>
+        </p:spPr>
+        <p:txBody>
+          <a:bodyPr wrap="none" rtlCol="0">
+            <a:spAutoFit/>
+          </a:bodyPr>
+          <a:lstStyle/>
+          <a:p>
+            <a:r>
+              <a:rPr lang="en-US" sz="1200" b="1" dirty="0"/>
+              <a:t>DANAMET</a:t>
+            </a:r>
+          </a:p>
+        </p:txBody>
+      </p:sp>
+      <p:sp>
+        <p:nvSpPr>
+          <p:cNvPr id="298" name="TextBox 297">
+            <a:extLst>
+              <a:ext uri="{FF2B5EF4-FFF2-40B4-BE49-F238E27FC236}">
+                <a16:creationId xmlns:a16="http://schemas.microsoft.com/office/drawing/2014/main" id="{8F42C61C-28E6-488C-9198-6CF975F1B156}"/>
+              </a:ext>
+            </a:extLst>
+          </p:cNvPr>
+          <p:cNvSpPr txBox="1"/>
+          <p:nvPr/>
+        </p:nvSpPr>
+        <p:spPr>
+          <a:xfrm>
+            <a:off x="6031032" y="4394546"/>
+            <a:ext cx="768159" cy="276999"/>
+          </a:xfrm>
+          <a:prstGeom prst="rect">
+            <a:avLst/>
+          </a:prstGeom>
+          <a:noFill/>
+        </p:spPr>
+        <p:txBody>
+          <a:bodyPr wrap="none" rtlCol="0">
+            <a:spAutoFit/>
+          </a:bodyPr>
+          <a:lstStyle/>
+          <a:p>
+            <a:r>
+              <a:rPr lang="en-US" sz="1200" b="1" dirty="0"/>
+              <a:t>ETHINOR</a:t>
+            </a:r>
+          </a:p>
+        </p:txBody>
+      </p:sp>
+      <p:sp>
+        <p:nvSpPr>
+          <p:cNvPr id="299" name="TextBox 298">
+            <a:extLst>
+              <a:ext uri="{FF2B5EF4-FFF2-40B4-BE49-F238E27FC236}">
+                <a16:creationId xmlns:a16="http://schemas.microsoft.com/office/drawing/2014/main" id="{862ED52B-6785-4C0C-93FB-89CB8027C969}"/>
+              </a:ext>
+            </a:extLst>
+          </p:cNvPr>
+          <p:cNvSpPr txBox="1"/>
+          <p:nvPr/>
+        </p:nvSpPr>
+        <p:spPr>
+          <a:xfrm>
+            <a:off x="7085471" y="4383577"/>
+            <a:ext cx="617477" cy="276999"/>
+          </a:xfrm>
+          <a:prstGeom prst="rect">
+            <a:avLst/>
+          </a:prstGeom>
+          <a:noFill/>
+        </p:spPr>
+        <p:txBody>
+          <a:bodyPr wrap="none" rtlCol="0">
+            <a:spAutoFit/>
+          </a:bodyPr>
+          <a:lstStyle/>
+          <a:p>
+            <a:r>
+              <a:rPr lang="en-US" sz="1200" b="1" dirty="0"/>
+              <a:t>LENOR</a:t>
+            </a:r>
+          </a:p>
+        </p:txBody>
+      </p:sp>
+      <p:sp>
+        <p:nvSpPr>
+          <p:cNvPr id="300" name="TextBox 299">
+            <a:extLst>
+              <a:ext uri="{FF2B5EF4-FFF2-40B4-BE49-F238E27FC236}">
+                <a16:creationId xmlns:a16="http://schemas.microsoft.com/office/drawing/2014/main" id="{7ADB5F2E-41D6-4760-9BAD-52EB057EFEE9}"/>
+              </a:ext>
+            </a:extLst>
+          </p:cNvPr>
+          <p:cNvSpPr txBox="1"/>
+          <p:nvPr/>
+        </p:nvSpPr>
+        <p:spPr>
+          <a:xfrm>
+            <a:off x="8101743" y="4381798"/>
+            <a:ext cx="660502" cy="276999"/>
+          </a:xfrm>
+          <a:prstGeom prst="rect">
+            <a:avLst/>
+          </a:prstGeom>
+          <a:noFill/>
+        </p:spPr>
+        <p:txBody>
+          <a:bodyPr wrap="none" rtlCol="0">
+            <a:spAutoFit/>
+          </a:bodyPr>
+          <a:lstStyle/>
+          <a:p>
+            <a:r>
+              <a:rPr lang="en-US" sz="1200" b="1" dirty="0"/>
+              <a:t>ZATRAL</a:t>
+            </a:r>
+          </a:p>
+        </p:txBody>
+      </p:sp>
+      <p:sp>
+        <p:nvSpPr>
+          <p:cNvPr id="301" name="TextBox 300">
+            <a:extLst>
+              <a:ext uri="{FF2B5EF4-FFF2-40B4-BE49-F238E27FC236}">
+                <a16:creationId xmlns:a16="http://schemas.microsoft.com/office/drawing/2014/main" id="{462E9F6F-221B-4A37-830F-FF3C3854D49D}"/>
+              </a:ext>
+            </a:extLst>
+          </p:cNvPr>
+          <p:cNvSpPr txBox="1"/>
+          <p:nvPr/>
+        </p:nvSpPr>
+        <p:spPr>
+          <a:xfrm>
+            <a:off x="9077336" y="4387862"/>
+            <a:ext cx="678519" cy="276999"/>
+          </a:xfrm>
+          <a:prstGeom prst="rect">
+            <a:avLst/>
+          </a:prstGeom>
+          <a:noFill/>
+        </p:spPr>
+        <p:txBody>
+          <a:bodyPr wrap="none" rtlCol="0">
+            <a:spAutoFit/>
+          </a:bodyPr>
+          <a:lstStyle/>
+          <a:p>
+            <a:r>
+              <a:rPr lang="en-US" sz="1200" b="1" dirty="0"/>
+              <a:t>UROKIT</a:t>
+            </a:r>
+          </a:p>
+        </p:txBody>
+      </p:sp>
+      <p:sp>
+        <p:nvSpPr>
+          <p:cNvPr id="302" name="TextBox 301">
+            <a:extLst>
+              <a:ext uri="{FF2B5EF4-FFF2-40B4-BE49-F238E27FC236}">
+                <a16:creationId xmlns:a16="http://schemas.microsoft.com/office/drawing/2014/main" id="{883A3A09-232B-43CC-87C6-69AA1C494105}"/>
+              </a:ext>
+            </a:extLst>
+          </p:cNvPr>
+          <p:cNvSpPr txBox="1"/>
+          <p:nvPr/>
+        </p:nvSpPr>
+        <p:spPr>
+          <a:xfrm>
+            <a:off x="10024877" y="4387137"/>
+            <a:ext cx="759952" cy="276999"/>
+          </a:xfrm>
+          <a:prstGeom prst="rect">
+            <a:avLst/>
+          </a:prstGeom>
+          <a:noFill/>
+        </p:spPr>
+        <p:txBody>
+          <a:bodyPr wrap="none" rtlCol="0">
+            <a:spAutoFit/>
+          </a:bodyPr>
+          <a:lstStyle/>
+          <a:p>
+            <a:r>
+              <a:rPr lang="en-US" sz="1200" b="1" dirty="0"/>
+              <a:t>VALENTY</a:t>
+            </a:r>
+          </a:p>
+        </p:txBody>
+      </p:sp>
+    </p:spTree>
+    <p:extLst>
+      <p:ext uri="{BB962C8B-B14F-4D97-AF65-F5344CB8AC3E}">
+        <p14:creationId xmlns:p14="http://schemas.microsoft.com/office/powerpoint/2010/main" val="1117549039"/>
+      </p:ext>
+    </p:extLst>
+  </p:cSld>
+  <p:clrMapOvr>
+    <a:masterClrMapping/>
+  </p:clrMapOvr>
+</p:sld>
+</file>
+
+<file path=ppt/slides/slide4.xml><?xml version="1.0" encoding="utf-8"?>
 <p:sld xmlns:a="http://schemas.openxmlformats.org/drawingml/2006/main" xmlns:r="http://schemas.openxmlformats.org/officeDocument/2006/relationships" xmlns:p="http://schemas.openxmlformats.org/presentationml/2006/main">
   <p:cSld>
     <p:spTree>
